--- a/fall11/slidesF11/slides7w.pptx
+++ b/fall11/slidesF11/slides7w.pptx
@@ -230,7 +230,7 @@
             <a:fld id="{7E67CB53-8D3C-47BE-A7FA-F662C961B657}" type="datetimeFigureOut">
               <a:rPr lang="en-US" smtClean="0"/>
               <a:pPr/>
-              <a:t>10/12/11</a:t>
+              <a:t>10/16/11</a:t>
             </a:fld>
             <a:endParaRPr lang="en-US"/>
           </a:p>
@@ -397,7 +397,7 @@
             <a:fld id="{EFF6E4C5-D825-46D1-9B47-4B12017997CB}" type="datetimeFigureOut">
               <a:rPr lang="en-US" smtClean="0"/>
               <a:pPr/>
-              <a:t>10/12/11</a:t>
+              <a:t>10/16/11</a:t>
             </a:fld>
             <a:endParaRPr lang="en-US"/>
           </a:p>
@@ -4952,37 +4952,7 @@
                 <a:uFillTx/>
                 <a:latin typeface="Comic Sans MS" pitchFamily="66" charset="0"/>
               </a:rPr>
-              <a:t>Albert R Meyer  </a:t>
-            </a:r>
-            <a:r>
-              <a:rPr kumimoji="0" lang="en-US" sz="1200" b="0" i="0" u="none" strike="noStrike" kern="1200" cap="none" spc="0" normalizeH="0" baseline="0" noProof="0" dirty="0" smtClean="0">
-                <a:ln>
-                  <a:noFill/>
-                </a:ln>
-                <a:solidFill>
-                  <a:schemeClr val="tx1"/>
-                </a:solidFill>
-                <a:effectLst/>
-                <a:uLnTx/>
-                <a:uFillTx/>
-                <a:latin typeface="Comic Sans MS" pitchFamily="66" charset="0"/>
-              </a:rPr>
-              <a:t>         October 19. </a:t>
-            </a:r>
-            <a:r>
-              <a:rPr kumimoji="0" lang="en-US" sz="1200" b="0" i="0" u="none" strike="noStrike" kern="1200" cap="none" spc="0" normalizeH="0" baseline="0" noProof="0" dirty="0" smtClean="0">
-                <a:ln>
-                  <a:noFill/>
-                </a:ln>
-                <a:solidFill>
-                  <a:schemeClr val="tx1"/>
-                </a:solidFill>
-                <a:effectLst/>
-                <a:uLnTx/>
-                <a:uFillTx/>
-                <a:latin typeface="Comic Sans MS" pitchFamily="66" charset="0"/>
-              </a:rPr>
-              <a:t>2011</a:t>
+              <a:t>Albert R Meyer           October 19. 2011</a:t>
             </a:r>
             <a:endParaRPr kumimoji="0" lang="en-US" sz="1200" b="0" i="0" u="none" strike="noStrike" kern="1200" cap="none" spc="0" normalizeH="0" baseline="0" noProof="0" dirty="0">
               <a:ln>
@@ -16447,7 +16417,7 @@
           <a:graphicData uri="http://schemas.openxmlformats.org/presentationml/2006/ole">
             <mc:AlternateContent xmlns:mc="http://schemas.openxmlformats.org/markup-compatibility/2006">
               <mc:Choice xmlns:v="urn:schemas-microsoft-com:vml" Requires="v">
-                <p:oleObj spid="_x0000_s103433" name="Equation" r:id="rId4" imgW="76200" imgH="165100" progId="Equation.DSMT4">
+                <p:oleObj spid="_x0000_s103437" name="Equation" r:id="rId4" imgW="76200" imgH="165100" progId="Equation.DSMT4">
                   <p:embed/>
                 </p:oleObj>
               </mc:Choice>
@@ -16517,7 +16487,7 @@
           <a:graphicData uri="http://schemas.openxmlformats.org/presentationml/2006/ole">
             <mc:AlternateContent xmlns:mc="http://schemas.openxmlformats.org/markup-compatibility/2006">
               <mc:Choice xmlns:v="urn:schemas-microsoft-com:vml" Requires="v">
-                <p:oleObj spid="_x0000_s103434" name="Equation" r:id="rId6" imgW="76200" imgH="165100" progId="Equation.DSMT4">
+                <p:oleObj spid="_x0000_s103438" name="Equation" r:id="rId6" imgW="76200" imgH="165100" progId="Equation.DSMT4">
                   <p:embed/>
                 </p:oleObj>
               </mc:Choice>
@@ -16640,7 +16610,7 @@
             <a:graphicData uri="http://schemas.openxmlformats.org/presentationml/2006/ole">
               <mc:AlternateContent xmlns:mc="http://schemas.openxmlformats.org/markup-compatibility/2006">
                 <mc:Choice xmlns:v="urn:schemas-microsoft-com:vml" Requires="v">
-                  <p:oleObj spid="_x0000_s103435" name="Equation" r:id="rId8" imgW="215900" imgH="990600" progId="Equation.DSMT4">
+                  <p:oleObj spid="_x0000_s103439" name="Equation" r:id="rId8" imgW="215900" imgH="990600" progId="Equation.DSMT4">
                     <p:embed/>
                   </p:oleObj>
                 </mc:Choice>
@@ -27535,7 +27505,7 @@
           <a:graphicData uri="http://schemas.openxmlformats.org/presentationml/2006/ole">
             <mc:AlternateContent xmlns:mc="http://schemas.openxmlformats.org/markup-compatibility/2006">
               <mc:Choice xmlns:v="urn:schemas-microsoft-com:vml" Requires="v">
-                <p:oleObj spid="_x0000_s80901" name="Equation" r:id="rId4" imgW="850900" imgH="355600" progId="Equation.DSMT4">
+                <p:oleObj spid="_x0000_s80903" name="Equation" r:id="rId4" imgW="850900" imgH="355600" progId="Equation.DSMT4">
                   <p:embed/>
                 </p:oleObj>
               </mc:Choice>
@@ -27983,7 +27953,7 @@
           <a:graphicData uri="http://schemas.openxmlformats.org/presentationml/2006/ole">
             <mc:AlternateContent xmlns:mc="http://schemas.openxmlformats.org/markup-compatibility/2006">
               <mc:Choice xmlns:v="urn:schemas-microsoft-com:vml" Requires="v">
-                <p:oleObj spid="_x0000_s55309" name="Equation" r:id="rId4" imgW="215900" imgH="1270000" progId="Equation.DSMT4">
+                <p:oleObj spid="_x0000_s55313" name="Equation" r:id="rId4" imgW="215900" imgH="1270000" progId="Equation.DSMT4">
                   <p:embed/>
                 </p:oleObj>
               </mc:Choice>
@@ -28312,7 +28282,7 @@
           <a:graphicData uri="http://schemas.openxmlformats.org/presentationml/2006/ole">
             <mc:AlternateContent xmlns:mc="http://schemas.openxmlformats.org/markup-compatibility/2006">
               <mc:Choice xmlns:v="urn:schemas-microsoft-com:vml" Requires="v">
-                <p:oleObj spid="_x0000_s55310" name="Equation" r:id="rId6" imgW="546100" imgH="609600" progId="Equation.DSMT4">
+                <p:oleObj spid="_x0000_s55314" name="Equation" r:id="rId6" imgW="546100" imgH="609600" progId="Equation.DSMT4">
                   <p:embed/>
                 </p:oleObj>
               </mc:Choice>
@@ -28382,7 +28352,7 @@
           <a:graphicData uri="http://schemas.openxmlformats.org/presentationml/2006/ole">
             <mc:AlternateContent xmlns:mc="http://schemas.openxmlformats.org/markup-compatibility/2006">
               <mc:Choice xmlns:v="urn:schemas-microsoft-com:vml" Requires="v">
-                <p:oleObj spid="_x0000_s55311" name="Equation" r:id="rId8" imgW="546100" imgH="177800" progId="Equation.DSMT4">
+                <p:oleObj spid="_x0000_s55315" name="Equation" r:id="rId8" imgW="546100" imgH="177800" progId="Equation.DSMT4">
                   <p:embed/>
                 </p:oleObj>
               </mc:Choice>
@@ -29420,7 +29390,7 @@
           <a:graphicData uri="http://schemas.openxmlformats.org/presentationml/2006/ole">
             <mc:AlternateContent xmlns:mc="http://schemas.openxmlformats.org/markup-compatibility/2006">
               <mc:Choice xmlns:v="urn:schemas-microsoft-com:vml" Requires="v">
-                <p:oleObj spid="_x0000_s107525" name="Equation" r:id="rId4" imgW="266400" imgH="939600" progId="Equation.DSMT4">
+                <p:oleObj spid="_x0000_s107527" name="Equation" r:id="rId4" imgW="266400" imgH="939600" progId="Equation.DSMT4">
                   <p:embed/>
                 </p:oleObj>
               </mc:Choice>
@@ -29658,7 +29628,7 @@
 </file>
 
 <file path=ppt/slides/slide33.xml><?xml version="1.0" encoding="utf-8"?>
-<p:sld xmlns:a="http://schemas.openxmlformats.org/drawingml/2006/main" xmlns:r="http://schemas.openxmlformats.org/officeDocument/2006/relationships" xmlns:p="http://schemas.openxmlformats.org/presentationml/2006/main" show="0">
+<p:sld xmlns:a="http://schemas.openxmlformats.org/drawingml/2006/main" xmlns:r="http://schemas.openxmlformats.org/officeDocument/2006/relationships" xmlns:p="http://schemas.openxmlformats.org/presentationml/2006/main">
   <p:cSld>
     <p:spTree>
       <p:nvGrpSpPr>
@@ -30449,7 +30419,7 @@
 </file>
 
 <file path=ppt/slides/slide34.xml><?xml version="1.0" encoding="utf-8"?>
-<p:sld xmlns:a="http://schemas.openxmlformats.org/drawingml/2006/main" xmlns:r="http://schemas.openxmlformats.org/officeDocument/2006/relationships" xmlns:p="http://schemas.openxmlformats.org/presentationml/2006/main" show="0">
+<p:sld xmlns:a="http://schemas.openxmlformats.org/drawingml/2006/main" xmlns:r="http://schemas.openxmlformats.org/officeDocument/2006/relationships" xmlns:p="http://schemas.openxmlformats.org/presentationml/2006/main">
   <p:cSld>
     <p:spTree>
       <p:nvGrpSpPr>
@@ -33251,7 +33221,7 @@
           <a:graphicData uri="http://schemas.openxmlformats.org/presentationml/2006/ole">
             <mc:AlternateContent xmlns:mc="http://schemas.openxmlformats.org/markup-compatibility/2006">
               <mc:Choice xmlns:v="urn:schemas-microsoft-com:vml" Requires="v">
-                <p:oleObj spid="_x0000_s31751" name="Equation" r:id="rId4" imgW="1320800" imgH="241300" progId="Equation.DSMT4">
+                <p:oleObj spid="_x0000_s31754" name="Equation" r:id="rId4" imgW="1320800" imgH="241300" progId="Equation.DSMT4">
                   <p:embed/>
                 </p:oleObj>
               </mc:Choice>
@@ -33401,7 +33371,7 @@
           <a:graphicData uri="http://schemas.openxmlformats.org/presentationml/2006/ole">
             <mc:AlternateContent xmlns:mc="http://schemas.openxmlformats.org/markup-compatibility/2006">
               <mc:Choice xmlns:v="urn:schemas-microsoft-com:vml" Requires="v">
-                <p:oleObj spid="_x0000_s31752" name="Equation" r:id="rId6" imgW="939800" imgH="241300" progId="Equation.DSMT4">
+                <p:oleObj spid="_x0000_s31755" name="Equation" r:id="rId6" imgW="939800" imgH="241300" progId="Equation.DSMT4">
                   <p:embed/>
                 </p:oleObj>
               </mc:Choice>

--- a/fall11/slidesF11/slides7w.pptx
+++ b/fall11/slidesF11/slides7w.pptx
@@ -5,10 +5,10 @@
     <p:sldMasterId id="2147483648" r:id="rId1"/>
   </p:sldMasterIdLst>
   <p:notesMasterIdLst>
-    <p:notesMasterId r:id="rId37"/>
+    <p:notesMasterId r:id="rId41"/>
   </p:notesMasterIdLst>
   <p:handoutMasterIdLst>
-    <p:handoutMasterId r:id="rId38"/>
+    <p:handoutMasterId r:id="rId42"/>
   </p:handoutMasterIdLst>
   <p:sldIdLst>
     <p:sldId id="257" r:id="rId2"/>
@@ -28,24 +28,28 @@
     <p:sldId id="377" r:id="rId16"/>
     <p:sldId id="280" r:id="rId17"/>
     <p:sldId id="281" r:id="rId18"/>
-    <p:sldId id="282" r:id="rId19"/>
-    <p:sldId id="380" r:id="rId20"/>
-    <p:sldId id="390" r:id="rId21"/>
-    <p:sldId id="381" r:id="rId22"/>
-    <p:sldId id="285" r:id="rId23"/>
-    <p:sldId id="337" r:id="rId24"/>
-    <p:sldId id="338" r:id="rId25"/>
-    <p:sldId id="339" r:id="rId26"/>
-    <p:sldId id="292" r:id="rId27"/>
-    <p:sldId id="287" r:id="rId28"/>
-    <p:sldId id="293" r:id="rId29"/>
-    <p:sldId id="374" r:id="rId30"/>
-    <p:sldId id="294" r:id="rId31"/>
-    <p:sldId id="296" r:id="rId32"/>
-    <p:sldId id="392" r:id="rId33"/>
-    <p:sldId id="371" r:id="rId34"/>
-    <p:sldId id="373" r:id="rId35"/>
-    <p:sldId id="369" r:id="rId36"/>
+    <p:sldId id="374" r:id="rId19"/>
+    <p:sldId id="282" r:id="rId20"/>
+    <p:sldId id="380" r:id="rId21"/>
+    <p:sldId id="390" r:id="rId22"/>
+    <p:sldId id="393" r:id="rId23"/>
+    <p:sldId id="381" r:id="rId24"/>
+    <p:sldId id="285" r:id="rId25"/>
+    <p:sldId id="337" r:id="rId26"/>
+    <p:sldId id="338" r:id="rId27"/>
+    <p:sldId id="339" r:id="rId28"/>
+    <p:sldId id="292" r:id="rId29"/>
+    <p:sldId id="287" r:id="rId30"/>
+    <p:sldId id="293" r:id="rId31"/>
+    <p:sldId id="394" r:id="rId32"/>
+    <p:sldId id="294" r:id="rId33"/>
+    <p:sldId id="296" r:id="rId34"/>
+    <p:sldId id="392" r:id="rId35"/>
+    <p:sldId id="395" r:id="rId36"/>
+    <p:sldId id="371" r:id="rId37"/>
+    <p:sldId id="396" r:id="rId38"/>
+    <p:sldId id="373" r:id="rId39"/>
+    <p:sldId id="369" r:id="rId40"/>
   </p:sldIdLst>
   <p:sldSz cx="9144000" cy="6858000" type="screen4x3"/>
   <p:notesSz cx="7315200" cy="9601200"/>
@@ -230,7 +234,7 @@
             <a:fld id="{7E67CB53-8D3C-47BE-A7FA-F662C961B657}" type="datetimeFigureOut">
               <a:rPr lang="en-US" smtClean="0"/>
               <a:pPr/>
-              <a:t>10/16/11</a:t>
+              <a:t>10/18/11</a:t>
             </a:fld>
             <a:endParaRPr lang="en-US"/>
           </a:p>
@@ -397,7 +401,7 @@
             <a:fld id="{EFF6E4C5-D825-46D1-9B47-4B12017997CB}" type="datetimeFigureOut">
               <a:rPr lang="en-US" smtClean="0"/>
               <a:pPr/>
-              <a:t>10/16/11</a:t>
+              <a:t>10/18/11</a:t>
             </a:fld>
             <a:endParaRPr lang="en-US"/>
           </a:p>
@@ -1458,7 +1462,7 @@
           <a:bodyPr/>
           <a:lstStyle/>
           <a:p>
-            <a:fld id="{0E988287-6F88-4695-80EA-14D683732850}" type="slidenum">
+            <a:fld id="{17C981AA-503F-4364-967A-F44F8E21D360}" type="slidenum">
               <a:rPr lang="en-US"/>
               <a:pPr/>
               <a:t>18</a:t>
@@ -1469,7 +1473,7 @@
       </p:sp>
       <p:sp>
         <p:nvSpPr>
-          <p:cNvPr id="708610" name="Rectangle 2"/>
+          <p:cNvPr id="727042" name="Rectangle 2"/>
           <p:cNvSpPr>
             <a:spLocks noGrp="1" noRot="1" noChangeAspect="1" noChangeArrowheads="1" noTextEdit="1"/>
           </p:cNvSpPr>
@@ -1483,7 +1487,7 @@
       </p:sp>
       <p:sp>
         <p:nvSpPr>
-          <p:cNvPr id="708611" name="Rectangle 3"/>
+          <p:cNvPr id="727043" name="Rectangle 3"/>
           <p:cNvSpPr>
             <a:spLocks noGrp="1" noChangeArrowheads="1"/>
           </p:cNvSpPr>
@@ -1542,7 +1546,7 @@
           <a:bodyPr/>
           <a:lstStyle/>
           <a:p>
-            <a:fld id="{7D80A06D-E4AF-4BAF-9ABF-F03CC36EF39F}" type="slidenum">
+            <a:fld id="{0E988287-6F88-4695-80EA-14D683732850}" type="slidenum">
               <a:rPr lang="en-US"/>
               <a:pPr/>
               <a:t>19</a:t>
@@ -1553,7 +1557,7 @@
       </p:sp>
       <p:sp>
         <p:nvSpPr>
-          <p:cNvPr id="713730" name="Rectangle 2"/>
+          <p:cNvPr id="708610" name="Rectangle 2"/>
           <p:cNvSpPr>
             <a:spLocks noGrp="1" noRot="1" noChangeAspect="1" noChangeArrowheads="1" noTextEdit="1"/>
           </p:cNvSpPr>
@@ -1567,7 +1571,7 @@
       </p:sp>
       <p:sp>
         <p:nvSpPr>
-          <p:cNvPr id="713731" name="Rectangle 3"/>
+          <p:cNvPr id="708611" name="Rectangle 3"/>
           <p:cNvSpPr>
             <a:spLocks noGrp="1" noChangeArrowheads="1"/>
           </p:cNvSpPr>
@@ -1878,7 +1882,7 @@
           <a:bodyPr/>
           <a:lstStyle/>
           <a:p>
-            <a:fld id="{FD4B4B0B-C7D4-453B-981E-98756E432BB7}" type="slidenum">
+            <a:fld id="{7D80A06D-E4AF-4BAF-9ABF-F03CC36EF39F}" type="slidenum">
               <a:rPr lang="en-US"/>
               <a:pPr/>
               <a:t>22</a:t>
@@ -1889,7 +1893,7 @@
       </p:sp>
       <p:sp>
         <p:nvSpPr>
-          <p:cNvPr id="711682" name="Rectangle 2"/>
+          <p:cNvPr id="713730" name="Rectangle 2"/>
           <p:cNvSpPr>
             <a:spLocks noGrp="1" noRot="1" noChangeAspect="1" noChangeArrowheads="1" noTextEdit="1"/>
           </p:cNvSpPr>
@@ -1903,7 +1907,7 @@
       </p:sp>
       <p:sp>
         <p:nvSpPr>
-          <p:cNvPr id="711683" name="Rectangle 3"/>
+          <p:cNvPr id="713731" name="Rectangle 3"/>
           <p:cNvSpPr>
             <a:spLocks noGrp="1" noChangeArrowheads="1"/>
           </p:cNvSpPr>
@@ -1962,7 +1966,7 @@
           <a:bodyPr/>
           <a:lstStyle/>
           <a:p>
-            <a:fld id="{6C280F22-40E1-47F9-BBD1-63255FC34830}" type="slidenum">
+            <a:fld id="{7D80A06D-E4AF-4BAF-9ABF-F03CC36EF39F}" type="slidenum">
               <a:rPr lang="en-US"/>
               <a:pPr/>
               <a:t>23</a:t>
@@ -1973,7 +1977,7 @@
       </p:sp>
       <p:sp>
         <p:nvSpPr>
-          <p:cNvPr id="756738" name="Rectangle 2"/>
+          <p:cNvPr id="713730" name="Rectangle 2"/>
           <p:cNvSpPr>
             <a:spLocks noGrp="1" noRot="1" noChangeAspect="1" noChangeArrowheads="1" noTextEdit="1"/>
           </p:cNvSpPr>
@@ -1987,7 +1991,7 @@
       </p:sp>
       <p:sp>
         <p:nvSpPr>
-          <p:cNvPr id="756739" name="Rectangle 3"/>
+          <p:cNvPr id="713731" name="Rectangle 3"/>
           <p:cNvSpPr>
             <a:spLocks noGrp="1" noChangeArrowheads="1"/>
           </p:cNvSpPr>
@@ -2046,7 +2050,7 @@
           <a:bodyPr/>
           <a:lstStyle/>
           <a:p>
-            <a:fld id="{6C280F22-40E1-47F9-BBD1-63255FC34830}" type="slidenum">
+            <a:fld id="{FD4B4B0B-C7D4-453B-981E-98756E432BB7}" type="slidenum">
               <a:rPr lang="en-US"/>
               <a:pPr/>
               <a:t>24</a:t>
@@ -2057,7 +2061,7 @@
       </p:sp>
       <p:sp>
         <p:nvSpPr>
-          <p:cNvPr id="756738" name="Rectangle 2"/>
+          <p:cNvPr id="711682" name="Rectangle 2"/>
           <p:cNvSpPr>
             <a:spLocks noGrp="1" noRot="1" noChangeAspect="1" noChangeArrowheads="1" noTextEdit="1"/>
           </p:cNvSpPr>
@@ -2071,7 +2075,7 @@
       </p:sp>
       <p:sp>
         <p:nvSpPr>
-          <p:cNvPr id="756739" name="Rectangle 3"/>
+          <p:cNvPr id="711683" name="Rectangle 3"/>
           <p:cNvSpPr>
             <a:spLocks noGrp="1" noChangeArrowheads="1"/>
           </p:cNvSpPr>
@@ -2214,7 +2218,7 @@
           <a:bodyPr/>
           <a:lstStyle/>
           <a:p>
-            <a:fld id="{90923367-420B-438F-99D4-B4C3CAF0043F}" type="slidenum">
+            <a:fld id="{6C280F22-40E1-47F9-BBD1-63255FC34830}" type="slidenum">
               <a:rPr lang="en-US"/>
               <a:pPr/>
               <a:t>26</a:t>
@@ -2225,7 +2229,7 @@
       </p:sp>
       <p:sp>
         <p:nvSpPr>
-          <p:cNvPr id="720898" name="Rectangle 2"/>
+          <p:cNvPr id="756738" name="Rectangle 2"/>
           <p:cNvSpPr>
             <a:spLocks noGrp="1" noRot="1" noChangeAspect="1" noChangeArrowheads="1" noTextEdit="1"/>
           </p:cNvSpPr>
@@ -2239,7 +2243,7 @@
       </p:sp>
       <p:sp>
         <p:nvSpPr>
-          <p:cNvPr id="720899" name="Rectangle 3"/>
+          <p:cNvPr id="756739" name="Rectangle 3"/>
           <p:cNvSpPr>
             <a:spLocks noGrp="1" noChangeArrowheads="1"/>
           </p:cNvSpPr>
@@ -2298,7 +2302,7 @@
           <a:bodyPr/>
           <a:lstStyle/>
           <a:p>
-            <a:fld id="{C351C094-B5DB-4438-ADA9-FFFA6681FCCF}" type="slidenum">
+            <a:fld id="{6C280F22-40E1-47F9-BBD1-63255FC34830}" type="slidenum">
               <a:rPr lang="en-US"/>
               <a:pPr/>
               <a:t>27</a:t>
@@ -2309,7 +2313,7 @@
       </p:sp>
       <p:sp>
         <p:nvSpPr>
-          <p:cNvPr id="760834" name="Rectangle 2"/>
+          <p:cNvPr id="756738" name="Rectangle 2"/>
           <p:cNvSpPr>
             <a:spLocks noGrp="1" noRot="1" noChangeAspect="1" noChangeArrowheads="1" noTextEdit="1"/>
           </p:cNvSpPr>
@@ -2323,7 +2327,7 @@
       </p:sp>
       <p:sp>
         <p:nvSpPr>
-          <p:cNvPr id="760835" name="Rectangle 3"/>
+          <p:cNvPr id="756739" name="Rectangle 3"/>
           <p:cNvSpPr>
             <a:spLocks noGrp="1" noChangeArrowheads="1"/>
           </p:cNvSpPr>
@@ -2382,7 +2386,7 @@
           <a:bodyPr/>
           <a:lstStyle/>
           <a:p>
-            <a:fld id="{D9350D97-BD06-40F1-9441-BF80F4D3A8D5}" type="slidenum">
+            <a:fld id="{90923367-420B-438F-99D4-B4C3CAF0043F}" type="slidenum">
               <a:rPr lang="en-US"/>
               <a:pPr/>
               <a:t>28</a:t>
@@ -2393,7 +2397,7 @@
       </p:sp>
       <p:sp>
         <p:nvSpPr>
-          <p:cNvPr id="762882" name="Rectangle 2"/>
+          <p:cNvPr id="720898" name="Rectangle 2"/>
           <p:cNvSpPr>
             <a:spLocks noGrp="1" noRot="1" noChangeAspect="1" noChangeArrowheads="1" noTextEdit="1"/>
           </p:cNvSpPr>
@@ -2407,7 +2411,7 @@
       </p:sp>
       <p:sp>
         <p:nvSpPr>
-          <p:cNvPr id="762883" name="Rectangle 3"/>
+          <p:cNvPr id="720899" name="Rectangle 3"/>
           <p:cNvSpPr>
             <a:spLocks noGrp="1" noChangeArrowheads="1"/>
           </p:cNvSpPr>
@@ -2466,7 +2470,7 @@
           <a:bodyPr/>
           <a:lstStyle/>
           <a:p>
-            <a:fld id="{17C981AA-503F-4364-967A-F44F8E21D360}" type="slidenum">
+            <a:fld id="{C351C094-B5DB-4438-ADA9-FFFA6681FCCF}" type="slidenum">
               <a:rPr lang="en-US"/>
               <a:pPr/>
               <a:t>29</a:t>
@@ -2477,7 +2481,7 @@
       </p:sp>
       <p:sp>
         <p:nvSpPr>
-          <p:cNvPr id="727042" name="Rectangle 2"/>
+          <p:cNvPr id="760834" name="Rectangle 2"/>
           <p:cNvSpPr>
             <a:spLocks noGrp="1" noRot="1" noChangeAspect="1" noChangeArrowheads="1" noTextEdit="1"/>
           </p:cNvSpPr>
@@ -2491,7 +2495,7 @@
       </p:sp>
       <p:sp>
         <p:nvSpPr>
-          <p:cNvPr id="727043" name="Rectangle 3"/>
+          <p:cNvPr id="760835" name="Rectangle 3"/>
           <p:cNvSpPr>
             <a:spLocks noGrp="1" noChangeArrowheads="1"/>
           </p:cNvSpPr>
@@ -2634,7 +2638,7 @@
           <a:bodyPr/>
           <a:lstStyle/>
           <a:p>
-            <a:fld id="{054FDECE-59A1-4F91-AAF1-37602D007E36}" type="slidenum">
+            <a:fld id="{D9350D97-BD06-40F1-9441-BF80F4D3A8D5}" type="slidenum">
               <a:rPr lang="en-US"/>
               <a:pPr/>
               <a:t>30</a:t>
@@ -2645,7 +2649,7 @@
       </p:sp>
       <p:sp>
         <p:nvSpPr>
-          <p:cNvPr id="721922" name="Rectangle 2"/>
+          <p:cNvPr id="762882" name="Rectangle 2"/>
           <p:cNvSpPr>
             <a:spLocks noGrp="1" noRot="1" noChangeAspect="1" noChangeArrowheads="1" noTextEdit="1"/>
           </p:cNvSpPr>
@@ -2659,7 +2663,7 @@
       </p:sp>
       <p:sp>
         <p:nvSpPr>
-          <p:cNvPr id="721923" name="Rectangle 3"/>
+          <p:cNvPr id="762883" name="Rectangle 3"/>
           <p:cNvSpPr>
             <a:spLocks noGrp="1" noChangeArrowheads="1"/>
           </p:cNvSpPr>
@@ -2718,7 +2722,7 @@
           <a:bodyPr/>
           <a:lstStyle/>
           <a:p>
-            <a:fld id="{4713517C-DA91-478B-B45E-959C6A3E8817}" type="slidenum">
+            <a:fld id="{D9350D97-BD06-40F1-9441-BF80F4D3A8D5}" type="slidenum">
               <a:rPr lang="en-US"/>
               <a:pPr/>
               <a:t>31</a:t>
@@ -2729,7 +2733,7 @@
       </p:sp>
       <p:sp>
         <p:nvSpPr>
-          <p:cNvPr id="722946" name="Rectangle 2"/>
+          <p:cNvPr id="762882" name="Rectangle 2"/>
           <p:cNvSpPr>
             <a:spLocks noGrp="1" noRot="1" noChangeAspect="1" noChangeArrowheads="1" noTextEdit="1"/>
           </p:cNvSpPr>
@@ -2743,7 +2747,7 @@
       </p:sp>
       <p:sp>
         <p:nvSpPr>
-          <p:cNvPr id="722947" name="Rectangle 3"/>
+          <p:cNvPr id="762883" name="Rectangle 3"/>
           <p:cNvSpPr>
             <a:spLocks noGrp="1" noChangeArrowheads="1"/>
           </p:cNvSpPr>
@@ -2802,10 +2806,94 @@
           <a:bodyPr/>
           <a:lstStyle/>
           <a:p>
+            <a:fld id="{054FDECE-59A1-4F91-AAF1-37602D007E36}" type="slidenum">
+              <a:rPr lang="en-US"/>
+              <a:pPr/>
+              <a:t>32</a:t>
+            </a:fld>
+            <a:endParaRPr lang="en-US"/>
+          </a:p>
+        </p:txBody>
+      </p:sp>
+      <p:sp>
+        <p:nvSpPr>
+          <p:cNvPr id="721922" name="Rectangle 2"/>
+          <p:cNvSpPr>
+            <a:spLocks noGrp="1" noRot="1" noChangeAspect="1" noChangeArrowheads="1" noTextEdit="1"/>
+          </p:cNvSpPr>
+          <p:nvPr>
+            <p:ph type="sldImg"/>
+          </p:nvPr>
+        </p:nvSpPr>
+        <p:spPr>
+          <a:ln/>
+        </p:spPr>
+      </p:sp>
+      <p:sp>
+        <p:nvSpPr>
+          <p:cNvPr id="721923" name="Rectangle 3"/>
+          <p:cNvSpPr>
+            <a:spLocks noGrp="1" noChangeArrowheads="1"/>
+          </p:cNvSpPr>
+          <p:nvPr>
+            <p:ph type="body" idx="1"/>
+          </p:nvPr>
+        </p:nvSpPr>
+        <p:spPr/>
+        <p:txBody>
+          <a:bodyPr/>
+          <a:lstStyle/>
+          <a:p>
+            <a:endParaRPr lang="en-US"/>
+          </a:p>
+        </p:txBody>
+      </p:sp>
+    </p:spTree>
+  </p:cSld>
+  <p:clrMapOvr>
+    <a:masterClrMapping/>
+  </p:clrMapOvr>
+</p:notes>
+</file>
+
+<file path=ppt/notesSlides/notesSlide33.xml><?xml version="1.0" encoding="utf-8"?>
+<p:notes xmlns:a="http://schemas.openxmlformats.org/drawingml/2006/main" xmlns:r="http://schemas.openxmlformats.org/officeDocument/2006/relationships" xmlns:p="http://schemas.openxmlformats.org/presentationml/2006/main">
+  <p:cSld>
+    <p:spTree>
+      <p:nvGrpSpPr>
+        <p:cNvPr id="1" name=""/>
+        <p:cNvGrpSpPr/>
+        <p:nvPr/>
+      </p:nvGrpSpPr>
+      <p:grpSpPr>
+        <a:xfrm>
+          <a:off x="0" y="0"/>
+          <a:ext cx="0" cy="0"/>
+          <a:chOff x="0" y="0"/>
+          <a:chExt cx="0" cy="0"/>
+        </a:xfrm>
+      </p:grpSpPr>
+      <p:sp>
+        <p:nvSpPr>
+          <p:cNvPr id="7" name="Rectangle 7"/>
+          <p:cNvSpPr>
+            <a:spLocks noGrp="1" noChangeArrowheads="1"/>
+          </p:cNvSpPr>
+          <p:nvPr>
+            <p:ph type="sldNum" sz="quarter" idx="5"/>
+          </p:nvPr>
+        </p:nvSpPr>
+        <p:spPr>
+          <a:ln/>
+        </p:spPr>
+        <p:txBody>
+          <a:bodyPr/>
+          <a:lstStyle/>
+          <a:p>
             <a:fld id="{4713517C-DA91-478B-B45E-959C6A3E8817}" type="slidenum">
               <a:rPr lang="en-US"/>
               <a:pPr/>
-              <a:t>32</a:t>
+              <a:t>33</a:t>
             </a:fld>
             <a:endParaRPr lang="en-US"/>
           </a:p>
@@ -2852,7 +2940,175 @@
 </p:notes>
 </file>
 
-<file path=ppt/notesSlides/notesSlide33.xml><?xml version="1.0" encoding="utf-8"?>
+<file path=ppt/notesSlides/notesSlide34.xml><?xml version="1.0" encoding="utf-8"?>
+<p:notes xmlns:a="http://schemas.openxmlformats.org/drawingml/2006/main" xmlns:r="http://schemas.openxmlformats.org/officeDocument/2006/relationships" xmlns:p="http://schemas.openxmlformats.org/presentationml/2006/main">
+  <p:cSld>
+    <p:spTree>
+      <p:nvGrpSpPr>
+        <p:cNvPr id="1" name=""/>
+        <p:cNvGrpSpPr/>
+        <p:nvPr/>
+      </p:nvGrpSpPr>
+      <p:grpSpPr>
+        <a:xfrm>
+          <a:off x="0" y="0"/>
+          <a:ext cx="0" cy="0"/>
+          <a:chOff x="0" y="0"/>
+          <a:chExt cx="0" cy="0"/>
+        </a:xfrm>
+      </p:grpSpPr>
+      <p:sp>
+        <p:nvSpPr>
+          <p:cNvPr id="7" name="Rectangle 7"/>
+          <p:cNvSpPr>
+            <a:spLocks noGrp="1" noChangeArrowheads="1"/>
+          </p:cNvSpPr>
+          <p:nvPr>
+            <p:ph type="sldNum" sz="quarter" idx="5"/>
+          </p:nvPr>
+        </p:nvSpPr>
+        <p:spPr>
+          <a:ln/>
+        </p:spPr>
+        <p:txBody>
+          <a:bodyPr/>
+          <a:lstStyle/>
+          <a:p>
+            <a:fld id="{4713517C-DA91-478B-B45E-959C6A3E8817}" type="slidenum">
+              <a:rPr lang="en-US"/>
+              <a:pPr/>
+              <a:t>34</a:t>
+            </a:fld>
+            <a:endParaRPr lang="en-US"/>
+          </a:p>
+        </p:txBody>
+      </p:sp>
+      <p:sp>
+        <p:nvSpPr>
+          <p:cNvPr id="722946" name="Rectangle 2"/>
+          <p:cNvSpPr>
+            <a:spLocks noGrp="1" noRot="1" noChangeAspect="1" noChangeArrowheads="1" noTextEdit="1"/>
+          </p:cNvSpPr>
+          <p:nvPr>
+            <p:ph type="sldImg"/>
+          </p:nvPr>
+        </p:nvSpPr>
+        <p:spPr>
+          <a:ln/>
+        </p:spPr>
+      </p:sp>
+      <p:sp>
+        <p:nvSpPr>
+          <p:cNvPr id="722947" name="Rectangle 3"/>
+          <p:cNvSpPr>
+            <a:spLocks noGrp="1" noChangeArrowheads="1"/>
+          </p:cNvSpPr>
+          <p:nvPr>
+            <p:ph type="body" idx="1"/>
+          </p:nvPr>
+        </p:nvSpPr>
+        <p:spPr/>
+        <p:txBody>
+          <a:bodyPr/>
+          <a:lstStyle/>
+          <a:p>
+            <a:endParaRPr lang="en-US"/>
+          </a:p>
+        </p:txBody>
+      </p:sp>
+    </p:spTree>
+  </p:cSld>
+  <p:clrMapOvr>
+    <a:masterClrMapping/>
+  </p:clrMapOvr>
+</p:notes>
+</file>
+
+<file path=ppt/notesSlides/notesSlide35.xml><?xml version="1.0" encoding="utf-8"?>
+<p:notes xmlns:a="http://schemas.openxmlformats.org/drawingml/2006/main" xmlns:r="http://schemas.openxmlformats.org/officeDocument/2006/relationships" xmlns:p="http://schemas.openxmlformats.org/presentationml/2006/main">
+  <p:cSld>
+    <p:spTree>
+      <p:nvGrpSpPr>
+        <p:cNvPr id="1" name=""/>
+        <p:cNvGrpSpPr/>
+        <p:nvPr/>
+      </p:nvGrpSpPr>
+      <p:grpSpPr>
+        <a:xfrm>
+          <a:off x="0" y="0"/>
+          <a:ext cx="0" cy="0"/>
+          <a:chOff x="0" y="0"/>
+          <a:chExt cx="0" cy="0"/>
+        </a:xfrm>
+      </p:grpSpPr>
+      <p:sp>
+        <p:nvSpPr>
+          <p:cNvPr id="7" name="Rectangle 7"/>
+          <p:cNvSpPr>
+            <a:spLocks noGrp="1" noChangeArrowheads="1"/>
+          </p:cNvSpPr>
+          <p:nvPr>
+            <p:ph type="sldNum" sz="quarter" idx="5"/>
+          </p:nvPr>
+        </p:nvSpPr>
+        <p:spPr>
+          <a:ln/>
+        </p:spPr>
+        <p:txBody>
+          <a:bodyPr/>
+          <a:lstStyle/>
+          <a:p>
+            <a:fld id="{4713517C-DA91-478B-B45E-959C6A3E8817}" type="slidenum">
+              <a:rPr lang="en-US"/>
+              <a:pPr/>
+              <a:t>35</a:t>
+            </a:fld>
+            <a:endParaRPr lang="en-US"/>
+          </a:p>
+        </p:txBody>
+      </p:sp>
+      <p:sp>
+        <p:nvSpPr>
+          <p:cNvPr id="722946" name="Rectangle 2"/>
+          <p:cNvSpPr>
+            <a:spLocks noGrp="1" noRot="1" noChangeAspect="1" noChangeArrowheads="1" noTextEdit="1"/>
+          </p:cNvSpPr>
+          <p:nvPr>
+            <p:ph type="sldImg"/>
+          </p:nvPr>
+        </p:nvSpPr>
+        <p:spPr>
+          <a:ln/>
+        </p:spPr>
+      </p:sp>
+      <p:sp>
+        <p:nvSpPr>
+          <p:cNvPr id="722947" name="Rectangle 3"/>
+          <p:cNvSpPr>
+            <a:spLocks noGrp="1" noChangeArrowheads="1"/>
+          </p:cNvSpPr>
+          <p:nvPr>
+            <p:ph type="body" idx="1"/>
+          </p:nvPr>
+        </p:nvSpPr>
+        <p:spPr/>
+        <p:txBody>
+          <a:bodyPr/>
+          <a:lstStyle/>
+          <a:p>
+            <a:endParaRPr lang="en-US"/>
+          </a:p>
+        </p:txBody>
+      </p:sp>
+    </p:spTree>
+  </p:cSld>
+  <p:clrMapOvr>
+    <a:masterClrMapping/>
+  </p:clrMapOvr>
+</p:notes>
+</file>
+
+<file path=ppt/notesSlides/notesSlide36.xml><?xml version="1.0" encoding="utf-8"?>
 <p:notes xmlns:a="http://schemas.openxmlformats.org/drawingml/2006/main" xmlns:r="http://schemas.openxmlformats.org/officeDocument/2006/relationships" xmlns:p="http://schemas.openxmlformats.org/presentationml/2006/main">
   <p:cSld>
     <p:spTree>
@@ -2889,7 +3145,7 @@
             <a:fld id="{6653F924-F418-411E-8C35-24F3766CE997}" type="slidenum">
               <a:rPr lang="en-US" smtClean="0"/>
               <a:pPr/>
-              <a:t>35</a:t>
+              <a:t>39</a:t>
             </a:fld>
             <a:endParaRPr lang="en-US" smtClean="0"/>
           </a:p>
@@ -6353,186 +6609,6 @@
           </a:p>
         </p:txBody>
       </p:sp>
-      <p:cxnSp>
-        <p:nvCxnSpPr>
-          <p:cNvPr id="29" name="Straight Connector 28"/>
-          <p:cNvCxnSpPr/>
-          <p:nvPr/>
-        </p:nvCxnSpPr>
-        <p:spPr>
-          <a:xfrm rot="10800000" flipV="1">
-            <a:off x="544531" y="1469204"/>
-            <a:ext cx="1582221" cy="750014"/>
-          </a:xfrm>
-          <a:prstGeom prst="line">
-            <a:avLst/>
-          </a:prstGeom>
-          <a:ln w="31750">
-            <a:solidFill>
-              <a:srgbClr val="C00000"/>
-            </a:solidFill>
-            <a:prstDash val="sysDash"/>
-          </a:ln>
-        </p:spPr>
-        <p:style>
-          <a:lnRef idx="1">
-            <a:schemeClr val="accent1"/>
-          </a:lnRef>
-          <a:fillRef idx="0">
-            <a:schemeClr val="accent1"/>
-          </a:fillRef>
-          <a:effectRef idx="0">
-            <a:schemeClr val="accent1"/>
-          </a:effectRef>
-          <a:fontRef idx="minor">
-            <a:schemeClr val="tx1"/>
-          </a:fontRef>
-        </p:style>
-      </p:cxnSp>
-      <p:cxnSp>
-        <p:nvCxnSpPr>
-          <p:cNvPr id="30" name="Straight Connector 29"/>
-          <p:cNvCxnSpPr/>
-          <p:nvPr/>
-        </p:nvCxnSpPr>
-        <p:spPr>
-          <a:xfrm rot="10800000" flipV="1">
-            <a:off x="594190" y="2083942"/>
-            <a:ext cx="1582221" cy="750014"/>
-          </a:xfrm>
-          <a:prstGeom prst="line">
-            <a:avLst/>
-          </a:prstGeom>
-          <a:ln w="31750">
-            <a:solidFill>
-              <a:srgbClr val="C00000"/>
-            </a:solidFill>
-            <a:prstDash val="sysDash"/>
-          </a:ln>
-        </p:spPr>
-        <p:style>
-          <a:lnRef idx="1">
-            <a:schemeClr val="accent1"/>
-          </a:lnRef>
-          <a:fillRef idx="0">
-            <a:schemeClr val="accent1"/>
-          </a:fillRef>
-          <a:effectRef idx="0">
-            <a:schemeClr val="accent1"/>
-          </a:effectRef>
-          <a:fontRef idx="minor">
-            <a:schemeClr val="tx1"/>
-          </a:fontRef>
-        </p:style>
-      </p:cxnSp>
-      <p:cxnSp>
-        <p:nvCxnSpPr>
-          <p:cNvPr id="32" name="Straight Connector 31"/>
-          <p:cNvCxnSpPr/>
-          <p:nvPr/>
-        </p:nvCxnSpPr>
-        <p:spPr>
-          <a:xfrm rot="10800000" flipV="1">
-            <a:off x="498297" y="2532580"/>
-            <a:ext cx="1582221" cy="750014"/>
-          </a:xfrm>
-          <a:prstGeom prst="line">
-            <a:avLst/>
-          </a:prstGeom>
-          <a:ln w="31750">
-            <a:solidFill>
-              <a:srgbClr val="C00000"/>
-            </a:solidFill>
-            <a:prstDash val="sysDash"/>
-          </a:ln>
-        </p:spPr>
-        <p:style>
-          <a:lnRef idx="1">
-            <a:schemeClr val="accent1"/>
-          </a:lnRef>
-          <a:fillRef idx="0">
-            <a:schemeClr val="accent1"/>
-          </a:fillRef>
-          <a:effectRef idx="0">
-            <a:schemeClr val="accent1"/>
-          </a:effectRef>
-          <a:fontRef idx="minor">
-            <a:schemeClr val="tx1"/>
-          </a:fontRef>
-        </p:style>
-      </p:cxnSp>
-      <p:cxnSp>
-        <p:nvCxnSpPr>
-          <p:cNvPr id="33" name="Straight Connector 32"/>
-          <p:cNvCxnSpPr/>
-          <p:nvPr/>
-        </p:nvCxnSpPr>
-        <p:spPr>
-          <a:xfrm rot="10800000" flipV="1">
-            <a:off x="506860" y="3250059"/>
-            <a:ext cx="1582221" cy="750014"/>
-          </a:xfrm>
-          <a:prstGeom prst="line">
-            <a:avLst/>
-          </a:prstGeom>
-          <a:ln w="31750">
-            <a:solidFill>
-              <a:srgbClr val="C00000"/>
-            </a:solidFill>
-            <a:prstDash val="sysDash"/>
-          </a:ln>
-        </p:spPr>
-        <p:style>
-          <a:lnRef idx="1">
-            <a:schemeClr val="accent1"/>
-          </a:lnRef>
-          <a:fillRef idx="0">
-            <a:schemeClr val="accent1"/>
-          </a:fillRef>
-          <a:effectRef idx="0">
-            <a:schemeClr val="accent1"/>
-          </a:effectRef>
-          <a:fontRef idx="minor">
-            <a:schemeClr val="tx1"/>
-          </a:fontRef>
-        </p:style>
-      </p:cxnSp>
-      <p:cxnSp>
-        <p:nvCxnSpPr>
-          <p:cNvPr id="34" name="Straight Connector 33"/>
-          <p:cNvCxnSpPr/>
-          <p:nvPr/>
-        </p:nvCxnSpPr>
-        <p:spPr>
-          <a:xfrm rot="10800000" flipV="1">
-            <a:off x="5486228" y="1474732"/>
-            <a:ext cx="1582221" cy="750014"/>
-          </a:xfrm>
-          <a:prstGeom prst="line">
-            <a:avLst/>
-          </a:prstGeom>
-          <a:ln w="31750">
-            <a:solidFill>
-              <a:srgbClr val="C00000"/>
-            </a:solidFill>
-            <a:prstDash val="sysDash"/>
-          </a:ln>
-        </p:spPr>
-        <p:style>
-          <a:lnRef idx="1">
-            <a:schemeClr val="accent1"/>
-          </a:lnRef>
-          <a:fillRef idx="0">
-            <a:schemeClr val="accent1"/>
-          </a:fillRef>
-          <a:effectRef idx="0">
-            <a:schemeClr val="accent1"/>
-          </a:effectRef>
-          <a:fontRef idx="minor">
-            <a:schemeClr val="tx1"/>
-          </a:fontRef>
-        </p:style>
-      </p:cxnSp>
       <p:sp>
         <p:nvSpPr>
           <p:cNvPr id="21" name="Slide Number Placeholder 5"/>
@@ -6575,42 +6651,237 @@
           </a:p>
         </p:txBody>
       </p:sp>
-      <p:cxnSp>
-        <p:nvCxnSpPr>
-          <p:cNvPr id="18" name="Straight Connector 17"/>
-          <p:cNvCxnSpPr/>
+      <p:grpSp>
+        <p:nvGrpSpPr>
+          <p:cNvPr id="2" name="Group 1"/>
+          <p:cNvGrpSpPr/>
           <p:nvPr/>
-        </p:nvCxnSpPr>
-        <p:spPr>
-          <a:xfrm rot="10800000" flipV="1">
-            <a:off x="4182113" y="2419392"/>
-            <a:ext cx="1582221" cy="750014"/>
+        </p:nvGrpSpPr>
+        <p:grpSpPr>
+          <a:xfrm>
+            <a:off x="498297" y="1469204"/>
+            <a:ext cx="6570152" cy="2530869"/>
+            <a:chOff x="498297" y="1469204"/>
+            <a:chExt cx="6570152" cy="2530869"/>
           </a:xfrm>
-          <a:prstGeom prst="line">
-            <a:avLst/>
-          </a:prstGeom>
-          <a:ln w="31750">
-            <a:solidFill>
-              <a:srgbClr val="C00000"/>
-            </a:solidFill>
-            <a:prstDash val="sysDash"/>
-          </a:ln>
-        </p:spPr>
-        <p:style>
-          <a:lnRef idx="1">
-            <a:schemeClr val="accent1"/>
-          </a:lnRef>
-          <a:fillRef idx="0">
-            <a:schemeClr val="accent1"/>
-          </a:fillRef>
-          <a:effectRef idx="0">
-            <a:schemeClr val="accent1"/>
-          </a:effectRef>
-          <a:fontRef idx="minor">
-            <a:schemeClr val="tx1"/>
-          </a:fontRef>
-        </p:style>
-      </p:cxnSp>
+        </p:grpSpPr>
+        <p:cxnSp>
+          <p:nvCxnSpPr>
+            <p:cNvPr id="29" name="Straight Connector 28"/>
+            <p:cNvCxnSpPr/>
+            <p:nvPr/>
+          </p:nvCxnSpPr>
+          <p:spPr>
+            <a:xfrm rot="10800000" flipV="1">
+              <a:off x="544531" y="1469204"/>
+              <a:ext cx="1582221" cy="750014"/>
+            </a:xfrm>
+            <a:prstGeom prst="line">
+              <a:avLst/>
+            </a:prstGeom>
+            <a:ln w="31750">
+              <a:solidFill>
+                <a:srgbClr val="C00000"/>
+              </a:solidFill>
+              <a:prstDash val="sysDash"/>
+            </a:ln>
+          </p:spPr>
+          <p:style>
+            <a:lnRef idx="1">
+              <a:schemeClr val="accent1"/>
+            </a:lnRef>
+            <a:fillRef idx="0">
+              <a:schemeClr val="accent1"/>
+            </a:fillRef>
+            <a:effectRef idx="0">
+              <a:schemeClr val="accent1"/>
+            </a:effectRef>
+            <a:fontRef idx="minor">
+              <a:schemeClr val="tx1"/>
+            </a:fontRef>
+          </p:style>
+        </p:cxnSp>
+        <p:cxnSp>
+          <p:nvCxnSpPr>
+            <p:cNvPr id="30" name="Straight Connector 29"/>
+            <p:cNvCxnSpPr/>
+            <p:nvPr/>
+          </p:nvCxnSpPr>
+          <p:spPr>
+            <a:xfrm rot="10800000" flipV="1">
+              <a:off x="594190" y="2083942"/>
+              <a:ext cx="1582221" cy="750014"/>
+            </a:xfrm>
+            <a:prstGeom prst="line">
+              <a:avLst/>
+            </a:prstGeom>
+            <a:ln w="31750">
+              <a:solidFill>
+                <a:srgbClr val="C00000"/>
+              </a:solidFill>
+              <a:prstDash val="sysDash"/>
+            </a:ln>
+          </p:spPr>
+          <p:style>
+            <a:lnRef idx="1">
+              <a:schemeClr val="accent1"/>
+            </a:lnRef>
+            <a:fillRef idx="0">
+              <a:schemeClr val="accent1"/>
+            </a:fillRef>
+            <a:effectRef idx="0">
+              <a:schemeClr val="accent1"/>
+            </a:effectRef>
+            <a:fontRef idx="minor">
+              <a:schemeClr val="tx1"/>
+            </a:fontRef>
+          </p:style>
+        </p:cxnSp>
+        <p:cxnSp>
+          <p:nvCxnSpPr>
+            <p:cNvPr id="32" name="Straight Connector 31"/>
+            <p:cNvCxnSpPr/>
+            <p:nvPr/>
+          </p:nvCxnSpPr>
+          <p:spPr>
+            <a:xfrm rot="10800000" flipV="1">
+              <a:off x="498297" y="2532580"/>
+              <a:ext cx="1582221" cy="750014"/>
+            </a:xfrm>
+            <a:prstGeom prst="line">
+              <a:avLst/>
+            </a:prstGeom>
+            <a:ln w="31750">
+              <a:solidFill>
+                <a:srgbClr val="C00000"/>
+              </a:solidFill>
+              <a:prstDash val="sysDash"/>
+            </a:ln>
+          </p:spPr>
+          <p:style>
+            <a:lnRef idx="1">
+              <a:schemeClr val="accent1"/>
+            </a:lnRef>
+            <a:fillRef idx="0">
+              <a:schemeClr val="accent1"/>
+            </a:fillRef>
+            <a:effectRef idx="0">
+              <a:schemeClr val="accent1"/>
+            </a:effectRef>
+            <a:fontRef idx="minor">
+              <a:schemeClr val="tx1"/>
+            </a:fontRef>
+          </p:style>
+        </p:cxnSp>
+        <p:cxnSp>
+          <p:nvCxnSpPr>
+            <p:cNvPr id="33" name="Straight Connector 32"/>
+            <p:cNvCxnSpPr/>
+            <p:nvPr/>
+          </p:nvCxnSpPr>
+          <p:spPr>
+            <a:xfrm rot="10800000" flipV="1">
+              <a:off x="506860" y="3250059"/>
+              <a:ext cx="1582221" cy="750014"/>
+            </a:xfrm>
+            <a:prstGeom prst="line">
+              <a:avLst/>
+            </a:prstGeom>
+            <a:ln w="31750">
+              <a:solidFill>
+                <a:srgbClr val="C00000"/>
+              </a:solidFill>
+              <a:prstDash val="sysDash"/>
+            </a:ln>
+          </p:spPr>
+          <p:style>
+            <a:lnRef idx="1">
+              <a:schemeClr val="accent1"/>
+            </a:lnRef>
+            <a:fillRef idx="0">
+              <a:schemeClr val="accent1"/>
+            </a:fillRef>
+            <a:effectRef idx="0">
+              <a:schemeClr val="accent1"/>
+            </a:effectRef>
+            <a:fontRef idx="minor">
+              <a:schemeClr val="tx1"/>
+            </a:fontRef>
+          </p:style>
+        </p:cxnSp>
+        <p:cxnSp>
+          <p:nvCxnSpPr>
+            <p:cNvPr id="34" name="Straight Connector 33"/>
+            <p:cNvCxnSpPr/>
+            <p:nvPr/>
+          </p:nvCxnSpPr>
+          <p:spPr>
+            <a:xfrm rot="10800000" flipV="1">
+              <a:off x="5486228" y="1474732"/>
+              <a:ext cx="1582221" cy="750014"/>
+            </a:xfrm>
+            <a:prstGeom prst="line">
+              <a:avLst/>
+            </a:prstGeom>
+            <a:ln w="31750">
+              <a:solidFill>
+                <a:srgbClr val="C00000"/>
+              </a:solidFill>
+              <a:prstDash val="sysDash"/>
+            </a:ln>
+          </p:spPr>
+          <p:style>
+            <a:lnRef idx="1">
+              <a:schemeClr val="accent1"/>
+            </a:lnRef>
+            <a:fillRef idx="0">
+              <a:schemeClr val="accent1"/>
+            </a:fillRef>
+            <a:effectRef idx="0">
+              <a:schemeClr val="accent1"/>
+            </a:effectRef>
+            <a:fontRef idx="minor">
+              <a:schemeClr val="tx1"/>
+            </a:fontRef>
+          </p:style>
+        </p:cxnSp>
+        <p:cxnSp>
+          <p:nvCxnSpPr>
+            <p:cNvPr id="18" name="Straight Connector 17"/>
+            <p:cNvCxnSpPr/>
+            <p:nvPr/>
+          </p:nvCxnSpPr>
+          <p:spPr>
+            <a:xfrm rot="10800000" flipV="1">
+              <a:off x="4182113" y="2419392"/>
+              <a:ext cx="1582221" cy="750014"/>
+            </a:xfrm>
+            <a:prstGeom prst="line">
+              <a:avLst/>
+            </a:prstGeom>
+            <a:ln w="31750">
+              <a:solidFill>
+                <a:srgbClr val="C00000"/>
+              </a:solidFill>
+              <a:prstDash val="sysDash"/>
+            </a:ln>
+          </p:spPr>
+          <p:style>
+            <a:lnRef idx="1">
+              <a:schemeClr val="accent1"/>
+            </a:lnRef>
+            <a:fillRef idx="0">
+              <a:schemeClr val="accent1"/>
+            </a:fillRef>
+            <a:effectRef idx="0">
+              <a:schemeClr val="accent1"/>
+            </a:effectRef>
+            <a:fontRef idx="minor">
+              <a:schemeClr val="tx1"/>
+            </a:fontRef>
+          </p:style>
+        </p:cxnSp>
+      </p:grpSp>
     </p:spTree>
   </p:cSld>
   <p:clrMapOvr>
@@ -6622,7 +6893,83 @@
   <p:timing>
     <p:tnLst>
       <p:par>
-        <p:cTn xmlns:p14="http://schemas.microsoft.com/office/powerpoint/2010/main" id="1" dur="indefinite" restart="never" nodeType="tmRoot"/>
+        <p:cTn xmlns:p14="http://schemas.microsoft.com/office/powerpoint/2010/main" id="1" dur="indefinite" restart="never" nodeType="tmRoot">
+          <p:childTnLst>
+            <p:seq concurrent="1" nextAc="seek">
+              <p:cTn id="2" dur="indefinite" nodeType="mainSeq">
+                <p:childTnLst>
+                  <p:par>
+                    <p:cTn id="3" fill="hold">
+                      <p:stCondLst>
+                        <p:cond delay="indefinite"/>
+                      </p:stCondLst>
+                      <p:childTnLst>
+                        <p:par>
+                          <p:cTn id="4" fill="hold">
+                            <p:stCondLst>
+                              <p:cond delay="0"/>
+                            </p:stCondLst>
+                            <p:childTnLst>
+                              <p:par>
+                                <p:cTn id="5" presetID="22" presetClass="entr" presetSubtype="1" fill="hold" nodeType="clickEffect">
+                                  <p:stCondLst>
+                                    <p:cond delay="0"/>
+                                  </p:stCondLst>
+                                  <p:childTnLst>
+                                    <p:set>
+                                      <p:cBhvr>
+                                        <p:cTn id="6" dur="1" fill="hold">
+                                          <p:stCondLst>
+                                            <p:cond delay="0"/>
+                                          </p:stCondLst>
+                                        </p:cTn>
+                                        <p:tgtEl>
+                                          <p:spTgt spid="2"/>
+                                        </p:tgtEl>
+                                        <p:attrNameLst>
+                                          <p:attrName>style.visibility</p:attrName>
+                                        </p:attrNameLst>
+                                      </p:cBhvr>
+                                      <p:to>
+                                        <p:strVal val="visible"/>
+                                      </p:to>
+                                    </p:set>
+                                    <p:animEffect transition="in" filter="wipe(up)">
+                                      <p:cBhvr>
+                                        <p:cTn id="7" dur="500"/>
+                                        <p:tgtEl>
+                                          <p:spTgt spid="2"/>
+                                        </p:tgtEl>
+                                      </p:cBhvr>
+                                    </p:animEffect>
+                                  </p:childTnLst>
+                                </p:cTn>
+                              </p:par>
+                            </p:childTnLst>
+                          </p:cTn>
+                        </p:par>
+                      </p:childTnLst>
+                    </p:cTn>
+                  </p:par>
+                </p:childTnLst>
+              </p:cTn>
+              <p:prevCondLst>
+                <p:cond evt="onPrev" delay="0">
+                  <p:tgtEl>
+                    <p:sldTgt/>
+                  </p:tgtEl>
+                </p:cond>
+              </p:prevCondLst>
+              <p:nextCondLst>
+                <p:cond evt="onNext" delay="0">
+                  <p:tgtEl>
+                    <p:sldTgt/>
+                  </p:tgtEl>
+                </p:cond>
+              </p:nextCondLst>
+            </p:seq>
+          </p:childTnLst>
+        </p:cTn>
       </p:par>
     </p:tnLst>
   </p:timing>
@@ -11105,8 +11452,8 @@
   <p:clrMapOvr>
     <a:masterClrMapping/>
   </p:clrMapOvr>
-  <p:transition xmlns:p14="http://schemas.microsoft.com/office/powerpoint/2010/main">
-    <p:fade thruBlk="1"/>
+  <p:transition xmlns:p14="http://schemas.microsoft.com/office/powerpoint/2010/main" spd="slow">
+    <p:fade/>
   </p:transition>
   <p:timing>
     <p:tnLst>
@@ -13587,30 +13934,21 @@
                             </p:childTnLst>
                           </p:cTn>
                         </p:par>
-                      </p:childTnLst>
-                    </p:cTn>
-                  </p:par>
-                  <p:par>
-                    <p:cTn id="8" fill="hold">
-                      <p:stCondLst>
-                        <p:cond delay="indefinite"/>
-                      </p:stCondLst>
-                      <p:childTnLst>
                         <p:par>
-                          <p:cTn id="9" fill="hold">
+                          <p:cTn id="8" fill="hold">
                             <p:stCondLst>
-                              <p:cond delay="0"/>
+                              <p:cond delay="500"/>
                             </p:stCondLst>
                             <p:childTnLst>
                               <p:par>
-                                <p:cTn id="10" presetID="10" presetClass="entr" presetSubtype="0" fill="hold" grpId="0" nodeType="clickEffect">
+                                <p:cTn id="9" presetID="10" presetClass="entr" presetSubtype="0" fill="hold" grpId="0" nodeType="afterEffect">
                                   <p:stCondLst>
                                     <p:cond delay="0"/>
                                   </p:stCondLst>
                                   <p:childTnLst>
                                     <p:set>
                                       <p:cBhvr>
-                                        <p:cTn id="11" dur="1" fill="hold">
+                                        <p:cTn id="10" dur="1" fill="hold">
                                           <p:stCondLst>
                                             <p:cond delay="0"/>
                                           </p:stCondLst>
@@ -13628,7 +13966,7 @@
                                     </p:set>
                                     <p:animEffect transition="in" filter="fade">
                                       <p:cBhvr>
-                                        <p:cTn id="12" dur="1000"/>
+                                        <p:cTn id="11" dur="1000"/>
                                         <p:tgtEl>
                                           <p:spTgt spid="755764"/>
                                         </p:tgtEl>
@@ -13690,6 +14028,1264 @@
       </p:grpSpPr>
       <p:sp>
         <p:nvSpPr>
+          <p:cNvPr id="642050" name="Rectangle 2"/>
+          <p:cNvSpPr>
+            <a:spLocks noGrp="1" noChangeArrowheads="1"/>
+          </p:cNvSpPr>
+          <p:nvPr>
+            <p:ph type="title"/>
+          </p:nvPr>
+        </p:nvSpPr>
+        <p:spPr>
+          <a:xfrm>
+            <a:off x="1572687" y="274638"/>
+            <a:ext cx="5948004" cy="1102099"/>
+          </a:xfrm>
+        </p:spPr>
+        <p:txBody>
+          <a:bodyPr/>
+          <a:lstStyle/>
+          <a:p>
+            <a:r>
+              <a:rPr lang="en-US" dirty="0"/>
+              <a:t>a</a:t>
+            </a:r>
+            <a:r>
+              <a:rPr lang="en-US" dirty="0" smtClean="0"/>
+              <a:t> leisurely </a:t>
+            </a:r>
+            <a:r>
+              <a:rPr lang="en-US" dirty="0"/>
+              <a:t>s</a:t>
+            </a:r>
+            <a:r>
+              <a:rPr lang="en-US" dirty="0" smtClean="0"/>
+              <a:t>chedule</a:t>
+            </a:r>
+            <a:endParaRPr lang="en-US" dirty="0"/>
+          </a:p>
+        </p:txBody>
+      </p:sp>
+      <p:sp>
+        <p:nvSpPr>
+          <p:cNvPr id="642051" name="Rectangle 3"/>
+          <p:cNvSpPr>
+            <a:spLocks noGrp="1" noChangeArrowheads="1"/>
+          </p:cNvSpPr>
+          <p:nvPr>
+            <p:ph type="body" idx="1"/>
+          </p:nvPr>
+        </p:nvSpPr>
+        <p:spPr>
+          <a:xfrm>
+            <a:off x="381000" y="1371600"/>
+            <a:ext cx="8382000" cy="1905000"/>
+          </a:xfrm>
+        </p:spPr>
+        <p:txBody>
+          <a:bodyPr/>
+          <a:lstStyle/>
+          <a:p>
+            <a:pPr>
+              <a:buFontTx/>
+              <a:buNone/>
+            </a:pPr>
+            <a:r>
+              <a:rPr lang="en-US" sz="3600" dirty="0"/>
+              <a:t>Graduate taking only 1 subject/term?</a:t>
+            </a:r>
+          </a:p>
+          <a:p>
+            <a:pPr>
+              <a:buFontTx/>
+              <a:buNone/>
+            </a:pPr>
+            <a:r>
+              <a:rPr lang="en-US" sz="4000" dirty="0"/>
+              <a:t>Sure, </a:t>
+            </a:r>
+          </a:p>
+        </p:txBody>
+      </p:sp>
+      <p:cxnSp>
+        <p:nvCxnSpPr>
+          <p:cNvPr id="642073" name="AutoShape 25"/>
+          <p:cNvCxnSpPr>
+            <a:cxnSpLocks noChangeShapeType="1"/>
+            <a:stCxn id="642062" idx="2"/>
+          </p:cNvCxnSpPr>
+          <p:nvPr/>
+        </p:nvCxnSpPr>
+        <p:spPr bwMode="auto">
+          <a:xfrm rot="5400000">
+            <a:off x="4270620" y="857038"/>
+            <a:ext cx="677236" cy="6021524"/>
+          </a:xfrm>
+          <a:prstGeom prst="straightConnector1">
+            <a:avLst/>
+          </a:prstGeom>
+          <a:noFill/>
+          <a:ln w="38100">
+            <a:solidFill>
+              <a:schemeClr val="tx1"/>
+            </a:solidFill>
+            <a:prstDash val="sysDot"/>
+            <a:round/>
+            <a:headEnd/>
+            <a:tailEnd type="triangle" w="lg" len="lg"/>
+          </a:ln>
+          <a:effectLst/>
+        </p:spPr>
+      </p:cxnSp>
+      <p:grpSp>
+        <p:nvGrpSpPr>
+          <p:cNvPr id="29" name="Group 28"/>
+          <p:cNvGrpSpPr/>
+          <p:nvPr/>
+        </p:nvGrpSpPr>
+        <p:grpSpPr>
+          <a:xfrm>
+            <a:off x="381000" y="2919582"/>
+            <a:ext cx="7620000" cy="609600"/>
+            <a:chOff x="381000" y="2919582"/>
+            <a:chExt cx="7620000" cy="609600"/>
+          </a:xfrm>
+        </p:grpSpPr>
+        <p:sp>
+          <p:nvSpPr>
+            <p:cNvPr id="642053" name="AutoShape 5"/>
+            <p:cNvSpPr>
+              <a:spLocks noChangeArrowheads="1"/>
+            </p:cNvSpPr>
+            <p:nvPr/>
+          </p:nvSpPr>
+          <p:spPr bwMode="auto">
+            <a:xfrm>
+              <a:off x="381000" y="3148182"/>
+              <a:ext cx="762000" cy="381000"/>
+            </a:xfrm>
+            <a:prstGeom prst="roundRect">
+              <a:avLst>
+                <a:gd name="adj" fmla="val 16667"/>
+              </a:avLst>
+            </a:prstGeom>
+            <a:solidFill>
+              <a:srgbClr val="FFCC00"/>
+            </a:solidFill>
+            <a:ln w="28575">
+              <a:solidFill>
+                <a:schemeClr val="tx1"/>
+              </a:solidFill>
+              <a:round/>
+              <a:headEnd/>
+              <a:tailEnd type="none" w="lg" len="lg"/>
+            </a:ln>
+            <a:effectLst/>
+          </p:spPr>
+          <p:txBody>
+            <a:bodyPr wrap="none" anchor="ctr"/>
+            <a:lstStyle/>
+            <a:p>
+              <a:pPr>
+                <a:spcBef>
+                  <a:spcPct val="0"/>
+                </a:spcBef>
+              </a:pPr>
+              <a:r>
+                <a:rPr lang="en-US" sz="2000" dirty="0">
+                  <a:latin typeface="Comic Sans MS" pitchFamily="66" charset="0"/>
+                </a:rPr>
+                <a:t>18.01</a:t>
+              </a:r>
+            </a:p>
+          </p:txBody>
+        </p:sp>
+        <p:sp>
+          <p:nvSpPr>
+            <p:cNvPr id="642054" name="AutoShape 6"/>
+            <p:cNvSpPr>
+              <a:spLocks noChangeArrowheads="1"/>
+            </p:cNvSpPr>
+            <p:nvPr/>
+          </p:nvSpPr>
+          <p:spPr bwMode="auto">
+            <a:xfrm>
+              <a:off x="2057400" y="3148182"/>
+              <a:ext cx="762000" cy="381000"/>
+            </a:xfrm>
+            <a:prstGeom prst="roundRect">
+              <a:avLst>
+                <a:gd name="adj" fmla="val 16667"/>
+              </a:avLst>
+            </a:prstGeom>
+            <a:solidFill>
+              <a:srgbClr val="FFCC00"/>
+            </a:solidFill>
+            <a:ln w="28575">
+              <a:solidFill>
+                <a:schemeClr val="tx1"/>
+              </a:solidFill>
+              <a:round/>
+              <a:headEnd/>
+              <a:tailEnd type="none" w="lg" len="lg"/>
+            </a:ln>
+            <a:effectLst/>
+          </p:spPr>
+          <p:txBody>
+            <a:bodyPr wrap="none" anchor="ctr"/>
+            <a:lstStyle/>
+            <a:p>
+              <a:pPr>
+                <a:spcBef>
+                  <a:spcPct val="0"/>
+                </a:spcBef>
+              </a:pPr>
+              <a:r>
+                <a:rPr lang="en-US" sz="2000" dirty="0" smtClean="0">
+                  <a:latin typeface="Comic Sans MS" pitchFamily="66" charset="0"/>
+                </a:rPr>
+                <a:t>8.02</a:t>
+              </a:r>
+              <a:endParaRPr lang="en-US" sz="2000" dirty="0">
+                <a:latin typeface="Comic Sans MS" pitchFamily="66" charset="0"/>
+              </a:endParaRPr>
+            </a:p>
+          </p:txBody>
+        </p:sp>
+        <p:sp>
+          <p:nvSpPr>
+            <p:cNvPr id="642055" name="AutoShape 7"/>
+            <p:cNvSpPr>
+              <a:spLocks noChangeArrowheads="1"/>
+            </p:cNvSpPr>
+            <p:nvPr/>
+          </p:nvSpPr>
+          <p:spPr bwMode="auto">
+            <a:xfrm>
+              <a:off x="1219200" y="3148182"/>
+              <a:ext cx="762000" cy="381000"/>
+            </a:xfrm>
+            <a:prstGeom prst="roundRect">
+              <a:avLst>
+                <a:gd name="adj" fmla="val 16667"/>
+              </a:avLst>
+            </a:prstGeom>
+            <a:solidFill>
+              <a:srgbClr val="FFCC00">
+                <a:alpha val="53999"/>
+              </a:srgbClr>
+            </a:solidFill>
+            <a:ln w="28575">
+              <a:solidFill>
+                <a:schemeClr val="tx1"/>
+              </a:solidFill>
+              <a:round/>
+              <a:headEnd/>
+              <a:tailEnd type="none" w="lg" len="lg"/>
+            </a:ln>
+            <a:effectLst/>
+          </p:spPr>
+          <p:txBody>
+            <a:bodyPr wrap="none" anchor="ctr"/>
+            <a:lstStyle/>
+            <a:p>
+              <a:pPr>
+                <a:spcBef>
+                  <a:spcPct val="0"/>
+                </a:spcBef>
+              </a:pPr>
+              <a:r>
+                <a:rPr lang="en-US" sz="2000" dirty="0">
+                  <a:latin typeface="Comic Sans MS" pitchFamily="66" charset="0"/>
+                </a:rPr>
+                <a:t>6.001</a:t>
+              </a:r>
+            </a:p>
+          </p:txBody>
+        </p:sp>
+        <p:sp>
+          <p:nvSpPr>
+            <p:cNvPr id="642056" name="AutoShape 8"/>
+            <p:cNvSpPr>
+              <a:spLocks noChangeArrowheads="1"/>
+            </p:cNvSpPr>
+            <p:nvPr/>
+          </p:nvSpPr>
+          <p:spPr bwMode="auto">
+            <a:xfrm>
+              <a:off x="6400800" y="3148182"/>
+              <a:ext cx="762000" cy="381000"/>
+            </a:xfrm>
+            <a:prstGeom prst="roundRect">
+              <a:avLst>
+                <a:gd name="adj" fmla="val 16667"/>
+              </a:avLst>
+            </a:prstGeom>
+            <a:solidFill>
+              <a:srgbClr val="99CCFF"/>
+            </a:solidFill>
+            <a:ln w="28575">
+              <a:solidFill>
+                <a:schemeClr val="tx1"/>
+              </a:solidFill>
+              <a:round/>
+              <a:headEnd/>
+              <a:tailEnd type="none" w="lg" len="lg"/>
+            </a:ln>
+            <a:effectLst/>
+          </p:spPr>
+          <p:txBody>
+            <a:bodyPr wrap="none" anchor="ctr"/>
+            <a:lstStyle/>
+            <a:p>
+              <a:pPr>
+                <a:spcBef>
+                  <a:spcPct val="0"/>
+                </a:spcBef>
+              </a:pPr>
+              <a:r>
+                <a:rPr lang="en-US" sz="2000">
+                  <a:latin typeface="Comic Sans MS" pitchFamily="66" charset="0"/>
+                </a:rPr>
+                <a:t>18.02</a:t>
+              </a:r>
+            </a:p>
+          </p:txBody>
+        </p:sp>
+        <p:sp>
+          <p:nvSpPr>
+            <p:cNvPr id="642058" name="AutoShape 10"/>
+            <p:cNvSpPr>
+              <a:spLocks noChangeArrowheads="1"/>
+            </p:cNvSpPr>
+            <p:nvPr/>
+          </p:nvSpPr>
+          <p:spPr bwMode="auto">
+            <a:xfrm>
+              <a:off x="3810000" y="3148182"/>
+              <a:ext cx="762000" cy="381000"/>
+            </a:xfrm>
+            <a:prstGeom prst="roundRect">
+              <a:avLst>
+                <a:gd name="adj" fmla="val 16667"/>
+              </a:avLst>
+            </a:prstGeom>
+            <a:solidFill>
+              <a:srgbClr val="99CCFF"/>
+            </a:solidFill>
+            <a:ln w="28575">
+              <a:solidFill>
+                <a:schemeClr val="tx1"/>
+              </a:solidFill>
+              <a:round/>
+              <a:headEnd/>
+              <a:tailEnd type="none" w="lg" len="lg"/>
+            </a:ln>
+            <a:effectLst/>
+          </p:spPr>
+          <p:txBody>
+            <a:bodyPr wrap="none" anchor="ctr"/>
+            <a:lstStyle/>
+            <a:p>
+              <a:pPr>
+                <a:spcBef>
+                  <a:spcPct val="0"/>
+                </a:spcBef>
+              </a:pPr>
+              <a:r>
+                <a:rPr lang="en-US" sz="2000">
+                  <a:latin typeface="Comic Sans MS" pitchFamily="66" charset="0"/>
+                </a:rPr>
+                <a:t>18.03</a:t>
+              </a:r>
+            </a:p>
+          </p:txBody>
+        </p:sp>
+        <p:sp>
+          <p:nvSpPr>
+            <p:cNvPr id="642059" name="AutoShape 11"/>
+            <p:cNvSpPr>
+              <a:spLocks noChangeArrowheads="1"/>
+            </p:cNvSpPr>
+            <p:nvPr/>
+          </p:nvSpPr>
+          <p:spPr bwMode="auto">
+            <a:xfrm>
+              <a:off x="4648200" y="3148182"/>
+              <a:ext cx="762000" cy="381000"/>
+            </a:xfrm>
+            <a:prstGeom prst="roundRect">
+              <a:avLst>
+                <a:gd name="adj" fmla="val 16667"/>
+              </a:avLst>
+            </a:prstGeom>
+            <a:solidFill>
+              <a:srgbClr val="99CCFF"/>
+            </a:solidFill>
+            <a:ln w="28575">
+              <a:solidFill>
+                <a:schemeClr val="tx1"/>
+              </a:solidFill>
+              <a:round/>
+              <a:headEnd/>
+              <a:tailEnd type="none" w="lg" len="lg"/>
+            </a:ln>
+            <a:effectLst/>
+          </p:spPr>
+          <p:txBody>
+            <a:bodyPr wrap="none" anchor="ctr"/>
+            <a:lstStyle/>
+            <a:p>
+              <a:pPr>
+                <a:spcBef>
+                  <a:spcPct val="0"/>
+                </a:spcBef>
+              </a:pPr>
+              <a:r>
+                <a:rPr lang="en-US" sz="2000">
+                  <a:latin typeface="Comic Sans MS" pitchFamily="66" charset="0"/>
+                </a:rPr>
+                <a:t>6.034</a:t>
+              </a:r>
+            </a:p>
+          </p:txBody>
+        </p:sp>
+        <p:sp>
+          <p:nvSpPr>
+            <p:cNvPr id="642061" name="AutoShape 13"/>
+            <p:cNvSpPr>
+              <a:spLocks noChangeArrowheads="1"/>
+            </p:cNvSpPr>
+            <p:nvPr/>
+          </p:nvSpPr>
+          <p:spPr bwMode="auto">
+            <a:xfrm>
+              <a:off x="2895600" y="3148182"/>
+              <a:ext cx="762000" cy="381000"/>
+            </a:xfrm>
+            <a:prstGeom prst="roundRect">
+              <a:avLst>
+                <a:gd name="adj" fmla="val 16667"/>
+              </a:avLst>
+            </a:prstGeom>
+            <a:solidFill>
+              <a:srgbClr val="99CCFF"/>
+            </a:solidFill>
+            <a:ln w="28575">
+              <a:solidFill>
+                <a:schemeClr val="tx1"/>
+              </a:solidFill>
+              <a:round/>
+              <a:headEnd/>
+              <a:tailEnd type="none" w="lg" len="lg"/>
+            </a:ln>
+            <a:effectLst/>
+          </p:spPr>
+          <p:txBody>
+            <a:bodyPr wrap="none" anchor="ctr"/>
+            <a:lstStyle/>
+            <a:p>
+              <a:pPr>
+                <a:spcBef>
+                  <a:spcPct val="0"/>
+                </a:spcBef>
+              </a:pPr>
+              <a:r>
+                <a:rPr lang="en-US" sz="2000" dirty="0" smtClean="0">
+                  <a:latin typeface="Comic Sans MS" pitchFamily="66" charset="0"/>
+                </a:rPr>
+                <a:t>6.002</a:t>
+              </a:r>
+              <a:endParaRPr lang="en-US" sz="2000" dirty="0">
+                <a:latin typeface="Comic Sans MS" pitchFamily="66" charset="0"/>
+              </a:endParaRPr>
+            </a:p>
+          </p:txBody>
+        </p:sp>
+        <p:sp>
+          <p:nvSpPr>
+            <p:cNvPr id="642062" name="AutoShape 14"/>
+            <p:cNvSpPr>
+              <a:spLocks noChangeArrowheads="1"/>
+            </p:cNvSpPr>
+            <p:nvPr/>
+          </p:nvSpPr>
+          <p:spPr bwMode="auto">
+            <a:xfrm>
+              <a:off x="7239000" y="3148182"/>
+              <a:ext cx="762000" cy="381000"/>
+            </a:xfrm>
+            <a:prstGeom prst="roundRect">
+              <a:avLst>
+                <a:gd name="adj" fmla="val 16667"/>
+              </a:avLst>
+            </a:prstGeom>
+            <a:solidFill>
+              <a:srgbClr val="FF00FF">
+                <a:alpha val="67000"/>
+              </a:srgbClr>
+            </a:solidFill>
+            <a:ln w="28575">
+              <a:solidFill>
+                <a:schemeClr val="tx1"/>
+              </a:solidFill>
+              <a:round/>
+              <a:headEnd/>
+              <a:tailEnd type="none" w="lg" len="lg"/>
+            </a:ln>
+            <a:effectLst/>
+          </p:spPr>
+          <p:txBody>
+            <a:bodyPr wrap="none" anchor="ctr"/>
+            <a:lstStyle/>
+            <a:p>
+              <a:pPr>
+                <a:spcBef>
+                  <a:spcPct val="0"/>
+                </a:spcBef>
+              </a:pPr>
+              <a:r>
+                <a:rPr lang="en-US" sz="2000" dirty="0" smtClean="0">
+                  <a:latin typeface="Comic Sans MS" pitchFamily="66" charset="0"/>
+                </a:rPr>
+                <a:t>6.004</a:t>
+              </a:r>
+              <a:endParaRPr lang="en-US" sz="2000" dirty="0">
+                <a:latin typeface="Comic Sans MS" pitchFamily="66" charset="0"/>
+              </a:endParaRPr>
+            </a:p>
+          </p:txBody>
+        </p:sp>
+        <p:sp>
+          <p:nvSpPr>
+            <p:cNvPr id="642069" name="AutoShape 21"/>
+            <p:cNvSpPr>
+              <a:spLocks noChangeArrowheads="1"/>
+            </p:cNvSpPr>
+            <p:nvPr/>
+          </p:nvSpPr>
+          <p:spPr bwMode="auto">
+            <a:xfrm>
+              <a:off x="5562600" y="3148182"/>
+              <a:ext cx="762000" cy="381000"/>
+            </a:xfrm>
+            <a:prstGeom prst="roundRect">
+              <a:avLst>
+                <a:gd name="adj" fmla="val 16667"/>
+              </a:avLst>
+            </a:prstGeom>
+            <a:solidFill>
+              <a:srgbClr val="99CCFF"/>
+            </a:solidFill>
+            <a:ln w="28575">
+              <a:solidFill>
+                <a:schemeClr val="tx1"/>
+              </a:solidFill>
+              <a:round/>
+              <a:headEnd/>
+              <a:tailEnd type="none" w="lg" len="lg"/>
+            </a:ln>
+            <a:effectLst/>
+          </p:spPr>
+          <p:txBody>
+            <a:bodyPr wrap="none" anchor="ctr"/>
+            <a:lstStyle/>
+            <a:p>
+              <a:pPr>
+                <a:spcBef>
+                  <a:spcPct val="0"/>
+                </a:spcBef>
+              </a:pPr>
+              <a:r>
+                <a:rPr lang="en-US" sz="2000">
+                  <a:latin typeface="Comic Sans MS" pitchFamily="66" charset="0"/>
+                </a:rPr>
+                <a:t>6.042</a:t>
+              </a:r>
+            </a:p>
+          </p:txBody>
+        </p:sp>
+        <p:sp>
+          <p:nvSpPr>
+            <p:cNvPr id="642076" name="Line 28"/>
+            <p:cNvSpPr>
+              <a:spLocks noChangeShapeType="1"/>
+            </p:cNvSpPr>
+            <p:nvPr/>
+          </p:nvSpPr>
+          <p:spPr bwMode="auto">
+            <a:xfrm>
+              <a:off x="609600" y="2919582"/>
+              <a:ext cx="7290536" cy="16440"/>
+            </a:xfrm>
+            <a:prstGeom prst="line">
+              <a:avLst/>
+            </a:prstGeom>
+            <a:noFill/>
+            <a:ln w="38100">
+              <a:solidFill>
+                <a:schemeClr val="tx1"/>
+              </a:solidFill>
+              <a:prstDash val="sysDot"/>
+              <a:round/>
+              <a:headEnd/>
+              <a:tailEnd type="triangle" w="lg" len="lg"/>
+            </a:ln>
+            <a:effectLst/>
+          </p:spPr>
+          <p:txBody>
+            <a:bodyPr wrap="none" anchor="ctr"/>
+            <a:lstStyle/>
+            <a:p>
+              <a:endParaRPr lang="en-US" sz="2000">
+                <a:latin typeface="Comic Sans MS" pitchFamily="66" charset="0"/>
+              </a:endParaRPr>
+            </a:p>
+          </p:txBody>
+        </p:sp>
+      </p:grpSp>
+      <p:sp>
+        <p:nvSpPr>
+          <p:cNvPr id="642077" name="Text Box 29"/>
+          <p:cNvSpPr txBox="1">
+            <a:spLocks noChangeArrowheads="1"/>
+          </p:cNvSpPr>
+          <p:nvPr/>
+        </p:nvSpPr>
+        <p:spPr bwMode="auto">
+          <a:xfrm>
+            <a:off x="1142699" y="5036836"/>
+            <a:ext cx="6832320" cy="1015663"/>
+          </a:xfrm>
+          <a:prstGeom prst="rect">
+            <a:avLst/>
+          </a:prstGeom>
+          <a:noFill/>
+          <a:ln w="9525" algn="ctr">
+            <a:noFill/>
+            <a:miter lim="800000"/>
+            <a:headEnd/>
+            <a:tailEnd/>
+          </a:ln>
+          <a:effectLst/>
+        </p:spPr>
+        <p:txBody>
+          <a:bodyPr wrap="none">
+            <a:spAutoFit/>
+          </a:bodyPr>
+          <a:lstStyle/>
+          <a:p>
+            <a:pPr marL="742950" indent="-285750"/>
+            <a:r>
+              <a:rPr lang="en-US" sz="6000" dirty="0">
+                <a:latin typeface="Comic Sans MS" pitchFamily="66" charset="0"/>
+              </a:rPr>
+              <a:t>a </a:t>
+            </a:r>
+            <a:r>
+              <a:rPr lang="en-US" sz="6000" i="1" dirty="0">
+                <a:latin typeface="Comic Sans MS" pitchFamily="66" charset="0"/>
+              </a:rPr>
+              <a:t>topological sort</a:t>
+            </a:r>
+          </a:p>
+        </p:txBody>
+      </p:sp>
+      <p:sp>
+        <p:nvSpPr>
+          <p:cNvPr id="30" name="Slide Number Placeholder 5"/>
+          <p:cNvSpPr>
+            <a:spLocks noGrp="1"/>
+          </p:cNvSpPr>
+          <p:nvPr>
+            <p:ph type="sldNum" sz="quarter" idx="4"/>
+          </p:nvPr>
+        </p:nvSpPr>
+        <p:spPr>
+          <a:xfrm>
+            <a:off x="8237750" y="6596742"/>
+            <a:ext cx="906250" cy="261257"/>
+          </a:xfrm>
+          <a:prstGeom prst="rect">
+            <a:avLst/>
+          </a:prstGeom>
+        </p:spPr>
+        <p:txBody>
+          <a:bodyPr/>
+          <a:lstStyle>
+            <a:lvl1pPr>
+              <a:defRPr sz="1200">
+                <a:latin typeface="Comic Sans MS" pitchFamily="66" charset="0"/>
+              </a:defRPr>
+            </a:lvl1pPr>
+          </a:lstStyle>
+          <a:p>
+            <a:r>
+              <a:rPr lang="en-US" dirty="0" smtClean="0"/>
+              <a:t>7W.</a:t>
+            </a:r>
+            <a:fld id="{CA4C0C47-BA92-4669-BC5C-D64A96AF3D01}" type="slidenum">
+              <a:rPr lang="en-US" smtClean="0"/>
+              <a:pPr/>
+              <a:t>18</a:t>
+            </a:fld>
+            <a:endParaRPr lang="en-US" dirty="0"/>
+          </a:p>
+        </p:txBody>
+      </p:sp>
+      <p:grpSp>
+        <p:nvGrpSpPr>
+          <p:cNvPr id="31" name="Group 30"/>
+          <p:cNvGrpSpPr/>
+          <p:nvPr/>
+        </p:nvGrpSpPr>
+        <p:grpSpPr>
+          <a:xfrm>
+            <a:off x="1133517" y="4237879"/>
+            <a:ext cx="3970159" cy="578139"/>
+            <a:chOff x="1133517" y="4237879"/>
+            <a:chExt cx="3970159" cy="578139"/>
+          </a:xfrm>
+        </p:grpSpPr>
+        <p:sp>
+          <p:nvSpPr>
+            <p:cNvPr id="642052" name="AutoShape 4"/>
+            <p:cNvSpPr>
+              <a:spLocks noChangeArrowheads="1"/>
+            </p:cNvSpPr>
+            <p:nvPr/>
+          </p:nvSpPr>
+          <p:spPr bwMode="auto">
+            <a:xfrm>
+              <a:off x="1133517" y="4275850"/>
+              <a:ext cx="762000" cy="381000"/>
+            </a:xfrm>
+            <a:prstGeom prst="roundRect">
+              <a:avLst>
+                <a:gd name="adj" fmla="val 16667"/>
+              </a:avLst>
+            </a:prstGeom>
+            <a:solidFill>
+              <a:srgbClr val="FF00FF"/>
+            </a:solidFill>
+            <a:ln w="28575">
+              <a:solidFill>
+                <a:schemeClr val="tx1"/>
+              </a:solidFill>
+              <a:round/>
+              <a:headEnd/>
+              <a:tailEnd type="none" w="lg" len="lg"/>
+            </a:ln>
+            <a:effectLst/>
+          </p:spPr>
+          <p:txBody>
+            <a:bodyPr wrap="none" anchor="ctr"/>
+            <a:lstStyle/>
+            <a:p>
+              <a:pPr>
+                <a:spcBef>
+                  <a:spcPct val="0"/>
+                </a:spcBef>
+              </a:pPr>
+              <a:r>
+                <a:rPr lang="en-US" sz="2000" dirty="0">
+                  <a:latin typeface="Comic Sans MS" pitchFamily="66" charset="0"/>
+                </a:rPr>
+                <a:t>6.046</a:t>
+              </a:r>
+            </a:p>
+          </p:txBody>
+        </p:sp>
+        <p:sp>
+          <p:nvSpPr>
+            <p:cNvPr id="642075" name="Line 27"/>
+            <p:cNvSpPr>
+              <a:spLocks noChangeShapeType="1"/>
+            </p:cNvSpPr>
+            <p:nvPr/>
+          </p:nvSpPr>
+          <p:spPr bwMode="auto">
+            <a:xfrm flipV="1">
+              <a:off x="1369876" y="4816018"/>
+              <a:ext cx="3733800" cy="0"/>
+            </a:xfrm>
+            <a:prstGeom prst="line">
+              <a:avLst/>
+            </a:prstGeom>
+            <a:noFill/>
+            <a:ln w="38100">
+              <a:solidFill>
+                <a:schemeClr val="tx1"/>
+              </a:solidFill>
+              <a:prstDash val="sysDot"/>
+              <a:round/>
+              <a:headEnd/>
+              <a:tailEnd type="triangle" w="lg" len="lg"/>
+            </a:ln>
+            <a:effectLst/>
+          </p:spPr>
+          <p:txBody>
+            <a:bodyPr wrap="none" anchor="ctr"/>
+            <a:lstStyle/>
+            <a:p>
+              <a:endParaRPr lang="en-US" sz="2000">
+                <a:latin typeface="Comic Sans MS" pitchFamily="66" charset="0"/>
+              </a:endParaRPr>
+            </a:p>
+          </p:txBody>
+        </p:sp>
+        <p:sp>
+          <p:nvSpPr>
+            <p:cNvPr id="26" name="AutoShape 8"/>
+            <p:cNvSpPr>
+              <a:spLocks noChangeArrowheads="1"/>
+            </p:cNvSpPr>
+            <p:nvPr/>
+          </p:nvSpPr>
+          <p:spPr bwMode="auto">
+            <a:xfrm>
+              <a:off x="3065940" y="4249530"/>
+              <a:ext cx="762000" cy="381000"/>
+            </a:xfrm>
+            <a:prstGeom prst="roundRect">
+              <a:avLst>
+                <a:gd name="adj" fmla="val 16667"/>
+              </a:avLst>
+            </a:prstGeom>
+            <a:solidFill>
+              <a:srgbClr val="00FF00"/>
+            </a:solidFill>
+            <a:ln w="28575">
+              <a:solidFill>
+                <a:schemeClr val="tx1"/>
+              </a:solidFill>
+              <a:round/>
+              <a:headEnd/>
+              <a:tailEnd type="none" w="lg" len="lg"/>
+            </a:ln>
+            <a:effectLst/>
+          </p:spPr>
+          <p:txBody>
+            <a:bodyPr wrap="none" anchor="ctr"/>
+            <a:lstStyle/>
+            <a:p>
+              <a:pPr>
+                <a:spcBef>
+                  <a:spcPct val="0"/>
+                </a:spcBef>
+              </a:pPr>
+              <a:r>
+                <a:rPr lang="en-US" sz="2000" dirty="0">
+                  <a:latin typeface="Comic Sans MS" pitchFamily="66" charset="0"/>
+                </a:rPr>
+                <a:t>6.840</a:t>
+              </a:r>
+            </a:p>
+          </p:txBody>
+        </p:sp>
+        <p:sp>
+          <p:nvSpPr>
+            <p:cNvPr id="27" name="AutoShape 14"/>
+            <p:cNvSpPr>
+              <a:spLocks noChangeArrowheads="1"/>
+            </p:cNvSpPr>
+            <p:nvPr/>
+          </p:nvSpPr>
+          <p:spPr bwMode="auto">
+            <a:xfrm>
+              <a:off x="2251174" y="4255550"/>
+              <a:ext cx="762000" cy="381000"/>
+            </a:xfrm>
+            <a:prstGeom prst="roundRect">
+              <a:avLst>
+                <a:gd name="adj" fmla="val 16667"/>
+              </a:avLst>
+            </a:prstGeom>
+            <a:solidFill>
+              <a:srgbClr val="00FF00"/>
+            </a:solidFill>
+            <a:ln w="28575">
+              <a:solidFill>
+                <a:schemeClr val="tx1"/>
+              </a:solidFill>
+              <a:round/>
+              <a:headEnd/>
+              <a:tailEnd type="none" w="lg" len="lg"/>
+            </a:ln>
+            <a:effectLst/>
+          </p:spPr>
+          <p:txBody>
+            <a:bodyPr wrap="none" anchor="ctr"/>
+            <a:lstStyle/>
+            <a:p>
+              <a:pPr>
+                <a:spcBef>
+                  <a:spcPct val="0"/>
+                </a:spcBef>
+              </a:pPr>
+              <a:r>
+                <a:rPr lang="en-US" sz="2000" dirty="0" smtClean="0">
+                  <a:latin typeface="Comic Sans MS" pitchFamily="66" charset="0"/>
+                </a:rPr>
+                <a:t>6.033</a:t>
+              </a:r>
+              <a:endParaRPr lang="en-US" sz="2000" dirty="0">
+                <a:latin typeface="Comic Sans MS" pitchFamily="66" charset="0"/>
+              </a:endParaRPr>
+            </a:p>
+          </p:txBody>
+        </p:sp>
+        <p:sp>
+          <p:nvSpPr>
+            <p:cNvPr id="28" name="AutoShape 23"/>
+            <p:cNvSpPr>
+              <a:spLocks noChangeArrowheads="1"/>
+            </p:cNvSpPr>
+            <p:nvPr/>
+          </p:nvSpPr>
+          <p:spPr bwMode="auto">
+            <a:xfrm>
+              <a:off x="4005489" y="4237879"/>
+              <a:ext cx="762000" cy="381000"/>
+            </a:xfrm>
+            <a:prstGeom prst="roundRect">
+              <a:avLst>
+                <a:gd name="adj" fmla="val 16667"/>
+              </a:avLst>
+            </a:prstGeom>
+            <a:solidFill>
+              <a:srgbClr val="993366"/>
+            </a:solidFill>
+            <a:ln w="28575">
+              <a:solidFill>
+                <a:schemeClr val="tx1"/>
+              </a:solidFill>
+              <a:round/>
+              <a:headEnd/>
+              <a:tailEnd type="none" w="lg" len="lg"/>
+            </a:ln>
+            <a:effectLst/>
+          </p:spPr>
+          <p:txBody>
+            <a:bodyPr wrap="none" anchor="ctr"/>
+            <a:lstStyle/>
+            <a:p>
+              <a:pPr>
+                <a:spcBef>
+                  <a:spcPct val="0"/>
+                </a:spcBef>
+              </a:pPr>
+              <a:r>
+                <a:rPr lang="en-US" sz="2000" dirty="0" smtClean="0">
+                  <a:latin typeface="Comic Sans MS" pitchFamily="66" charset="0"/>
+                </a:rPr>
+                <a:t>6.857</a:t>
+              </a:r>
+              <a:endParaRPr lang="en-US" sz="2000" dirty="0">
+                <a:latin typeface="Comic Sans MS" pitchFamily="66" charset="0"/>
+              </a:endParaRPr>
+            </a:p>
+          </p:txBody>
+        </p:sp>
+      </p:grpSp>
+    </p:spTree>
+  </p:cSld>
+  <p:clrMapOvr>
+    <a:masterClrMapping/>
+  </p:clrMapOvr>
+  <p:transition xmlns:p14="http://schemas.microsoft.com/office/powerpoint/2010/main">
+    <p:fade thruBlk="1"/>
+  </p:transition>
+  <p:timing>
+    <p:tnLst>
+      <p:par>
+        <p:cTn xmlns:p14="http://schemas.microsoft.com/office/powerpoint/2010/main" id="1" dur="indefinite" restart="never" nodeType="tmRoot">
+          <p:childTnLst>
+            <p:seq concurrent="1" nextAc="seek">
+              <p:cTn id="2" dur="indefinite" nodeType="mainSeq">
+                <p:childTnLst>
+                  <p:par>
+                    <p:cTn id="3" fill="hold">
+                      <p:stCondLst>
+                        <p:cond delay="indefinite"/>
+                      </p:stCondLst>
+                      <p:childTnLst>
+                        <p:par>
+                          <p:cTn id="4" fill="hold">
+                            <p:stCondLst>
+                              <p:cond delay="0"/>
+                            </p:stCondLst>
+                            <p:childTnLst>
+                              <p:par>
+                                <p:cTn id="5" presetID="1" presetClass="entr" presetSubtype="0" fill="hold" nodeType="clickEffect">
+                                  <p:stCondLst>
+                                    <p:cond delay="0"/>
+                                  </p:stCondLst>
+                                  <p:childTnLst>
+                                    <p:set>
+                                      <p:cBhvr>
+                                        <p:cTn id="6" dur="1" fill="hold">
+                                          <p:stCondLst>
+                                            <p:cond delay="0"/>
+                                          </p:stCondLst>
+                                        </p:cTn>
+                                        <p:tgtEl>
+                                          <p:spTgt spid="642051">
+                                            <p:txEl>
+                                              <p:pRg st="1" end="1"/>
+                                            </p:txEl>
+                                          </p:spTgt>
+                                        </p:tgtEl>
+                                        <p:attrNameLst>
+                                          <p:attrName>style.visibility</p:attrName>
+                                        </p:attrNameLst>
+                                      </p:cBhvr>
+                                      <p:to>
+                                        <p:strVal val="visible"/>
+                                      </p:to>
+                                    </p:set>
+                                  </p:childTnLst>
+                                </p:cTn>
+                              </p:par>
+                            </p:childTnLst>
+                          </p:cTn>
+                        </p:par>
+                      </p:childTnLst>
+                    </p:cTn>
+                  </p:par>
+                  <p:par>
+                    <p:cTn id="7" fill="hold">
+                      <p:stCondLst>
+                        <p:cond delay="indefinite"/>
+                      </p:stCondLst>
+                      <p:childTnLst>
+                        <p:par>
+                          <p:cTn id="8" fill="hold">
+                            <p:stCondLst>
+                              <p:cond delay="0"/>
+                            </p:stCondLst>
+                            <p:childTnLst>
+                              <p:par>
+                                <p:cTn id="9" presetID="22" presetClass="entr" presetSubtype="8" fill="hold" nodeType="clickEffect">
+                                  <p:stCondLst>
+                                    <p:cond delay="0"/>
+                                  </p:stCondLst>
+                                  <p:childTnLst>
+                                    <p:set>
+                                      <p:cBhvr>
+                                        <p:cTn id="10" dur="1" fill="hold">
+                                          <p:stCondLst>
+                                            <p:cond delay="0"/>
+                                          </p:stCondLst>
+                                        </p:cTn>
+                                        <p:tgtEl>
+                                          <p:spTgt spid="29"/>
+                                        </p:tgtEl>
+                                        <p:attrNameLst>
+                                          <p:attrName>style.visibility</p:attrName>
+                                        </p:attrNameLst>
+                                      </p:cBhvr>
+                                      <p:to>
+                                        <p:strVal val="visible"/>
+                                      </p:to>
+                                    </p:set>
+                                    <p:animEffect transition="in" filter="wipe(left)">
+                                      <p:cBhvr>
+                                        <p:cTn id="11" dur="500"/>
+                                        <p:tgtEl>
+                                          <p:spTgt spid="29"/>
+                                        </p:tgtEl>
+                                      </p:cBhvr>
+                                    </p:animEffect>
+                                  </p:childTnLst>
+                                </p:cTn>
+                              </p:par>
+                            </p:childTnLst>
+                          </p:cTn>
+                        </p:par>
+                        <p:par>
+                          <p:cTn id="12" fill="hold">
+                            <p:stCondLst>
+                              <p:cond delay="500"/>
+                            </p:stCondLst>
+                            <p:childTnLst>
+                              <p:par>
+                                <p:cTn id="13" presetID="22" presetClass="entr" presetSubtype="2" fill="hold" nodeType="afterEffect">
+                                  <p:stCondLst>
+                                    <p:cond delay="0"/>
+                                  </p:stCondLst>
+                                  <p:childTnLst>
+                                    <p:set>
+                                      <p:cBhvr>
+                                        <p:cTn id="14" dur="1" fill="hold">
+                                          <p:stCondLst>
+                                            <p:cond delay="0"/>
+                                          </p:stCondLst>
+                                        </p:cTn>
+                                        <p:tgtEl>
+                                          <p:spTgt spid="642073"/>
+                                        </p:tgtEl>
+                                        <p:attrNameLst>
+                                          <p:attrName>style.visibility</p:attrName>
+                                        </p:attrNameLst>
+                                      </p:cBhvr>
+                                      <p:to>
+                                        <p:strVal val="visible"/>
+                                      </p:to>
+                                    </p:set>
+                                    <p:animEffect transition="in" filter="wipe(right)">
+                                      <p:cBhvr>
+                                        <p:cTn id="15" dur="500"/>
+                                        <p:tgtEl>
+                                          <p:spTgt spid="642073"/>
+                                        </p:tgtEl>
+                                      </p:cBhvr>
+                                    </p:animEffect>
+                                  </p:childTnLst>
+                                </p:cTn>
+                              </p:par>
+                            </p:childTnLst>
+                          </p:cTn>
+                        </p:par>
+                        <p:par>
+                          <p:cTn id="16" fill="hold">
+                            <p:stCondLst>
+                              <p:cond delay="1000"/>
+                            </p:stCondLst>
+                            <p:childTnLst>
+                              <p:par>
+                                <p:cTn id="17" presetID="22" presetClass="entr" presetSubtype="8" fill="hold" nodeType="afterEffect">
+                                  <p:stCondLst>
+                                    <p:cond delay="0"/>
+                                  </p:stCondLst>
+                                  <p:childTnLst>
+                                    <p:set>
+                                      <p:cBhvr>
+                                        <p:cTn id="18" dur="1" fill="hold">
+                                          <p:stCondLst>
+                                            <p:cond delay="0"/>
+                                          </p:stCondLst>
+                                        </p:cTn>
+                                        <p:tgtEl>
+                                          <p:spTgt spid="31"/>
+                                        </p:tgtEl>
+                                        <p:attrNameLst>
+                                          <p:attrName>style.visibility</p:attrName>
+                                        </p:attrNameLst>
+                                      </p:cBhvr>
+                                      <p:to>
+                                        <p:strVal val="visible"/>
+                                      </p:to>
+                                    </p:set>
+                                    <p:animEffect transition="in" filter="wipe(left)">
+                                      <p:cBhvr>
+                                        <p:cTn id="19" dur="500"/>
+                                        <p:tgtEl>
+                                          <p:spTgt spid="31"/>
+                                        </p:tgtEl>
+                                      </p:cBhvr>
+                                    </p:animEffect>
+                                  </p:childTnLst>
+                                </p:cTn>
+                              </p:par>
+                            </p:childTnLst>
+                          </p:cTn>
+                        </p:par>
+                      </p:childTnLst>
+                    </p:cTn>
+                  </p:par>
+                  <p:par>
+                    <p:cTn id="20" fill="hold">
+                      <p:stCondLst>
+                        <p:cond delay="indefinite"/>
+                      </p:stCondLst>
+                      <p:childTnLst>
+                        <p:par>
+                          <p:cTn id="21" fill="hold">
+                            <p:stCondLst>
+                              <p:cond delay="0"/>
+                            </p:stCondLst>
+                            <p:childTnLst>
+                              <p:par>
+                                <p:cTn id="22" presetID="1" presetClass="entr" presetSubtype="0" fill="hold" grpId="0" nodeType="clickEffect">
+                                  <p:stCondLst>
+                                    <p:cond delay="0"/>
+                                  </p:stCondLst>
+                                  <p:childTnLst>
+                                    <p:set>
+                                      <p:cBhvr>
+                                        <p:cTn id="23" dur="1" fill="hold">
+                                          <p:stCondLst>
+                                            <p:cond delay="0"/>
+                                          </p:stCondLst>
+                                        </p:cTn>
+                                        <p:tgtEl>
+                                          <p:spTgt spid="642077"/>
+                                        </p:tgtEl>
+                                        <p:attrNameLst>
+                                          <p:attrName>style.visibility</p:attrName>
+                                        </p:attrNameLst>
+                                      </p:cBhvr>
+                                      <p:to>
+                                        <p:strVal val="visible"/>
+                                      </p:to>
+                                    </p:set>
+                                  </p:childTnLst>
+                                </p:cTn>
+                              </p:par>
+                            </p:childTnLst>
+                          </p:cTn>
+                        </p:par>
+                      </p:childTnLst>
+                    </p:cTn>
+                  </p:par>
+                </p:childTnLst>
+              </p:cTn>
+              <p:prevCondLst>
+                <p:cond evt="onPrev" delay="0">
+                  <p:tgtEl>
+                    <p:sldTgt/>
+                  </p:tgtEl>
+                </p:cond>
+              </p:prevCondLst>
+              <p:nextCondLst>
+                <p:cond evt="onNext" delay="0">
+                  <p:tgtEl>
+                    <p:sldTgt/>
+                  </p:tgtEl>
+                </p:cond>
+              </p:nextCondLst>
+            </p:seq>
+          </p:childTnLst>
+        </p:cTn>
+      </p:par>
+    </p:tnLst>
+    <p:bldLst>
+      <p:bldP spid="642077" grpId="0"/>
+    </p:bldLst>
+  </p:timing>
+</p:sld>
+</file>
+
+<file path=ppt/slides/slide19.xml><?xml version="1.0" encoding="utf-8"?>
+<p:sld xmlns:a="http://schemas.openxmlformats.org/drawingml/2006/main" xmlns:r="http://schemas.openxmlformats.org/officeDocument/2006/relationships" xmlns:p="http://schemas.openxmlformats.org/presentationml/2006/main">
+  <p:cSld>
+    <p:spTree>
+      <p:nvGrpSpPr>
+        <p:cNvPr id="1" name=""/>
+        <p:cNvGrpSpPr/>
+        <p:nvPr/>
+      </p:nvGrpSpPr>
+      <p:grpSpPr>
+        <a:xfrm>
+          <a:off x="0" y="0"/>
+          <a:ext cx="0" cy="0"/>
+          <a:chOff x="0" y="0"/>
+          <a:chExt cx="0" cy="0"/>
+        </a:xfrm>
+      </p:grpSpPr>
+      <p:sp>
+        <p:nvSpPr>
           <p:cNvPr id="685058" name="Rectangle 2"/>
           <p:cNvSpPr>
             <a:spLocks noGrp="1" noChangeArrowheads="1"/>
@@ -13873,7 +15469,7 @@
             <a:fld id="{CA4C0C47-BA92-4669-BC5C-D64A96AF3D01}" type="slidenum">
               <a:rPr lang="en-US" smtClean="0"/>
               <a:pPr/>
-              <a:t>18</a:t>
+              <a:t>19</a:t>
             </a:fld>
             <a:endParaRPr lang="en-US" dirty="0"/>
           </a:p>
@@ -13981,7 +15577,461 @@
 </p:sld>
 </file>
 
-<file path=ppt/slides/slide19.xml><?xml version="1.0" encoding="utf-8"?>
+<file path=ppt/slides/slide2.xml><?xml version="1.0" encoding="utf-8"?>
+<p:sld xmlns:a="http://schemas.openxmlformats.org/drawingml/2006/main" xmlns:r="http://schemas.openxmlformats.org/officeDocument/2006/relationships" xmlns:p="http://schemas.openxmlformats.org/presentationml/2006/main">
+  <p:cSld>
+    <p:spTree>
+      <p:nvGrpSpPr>
+        <p:cNvPr id="1" name=""/>
+        <p:cNvGrpSpPr/>
+        <p:nvPr/>
+      </p:nvGrpSpPr>
+      <p:grpSpPr>
+        <a:xfrm>
+          <a:off x="0" y="0"/>
+          <a:ext cx="0" cy="0"/>
+          <a:chOff x="0" y="0"/>
+          <a:chExt cx="0" cy="0"/>
+        </a:xfrm>
+      </p:grpSpPr>
+      <p:sp>
+        <p:nvSpPr>
+          <p:cNvPr id="633862" name="Rectangle 6"/>
+          <p:cNvSpPr>
+            <a:spLocks noGrp="1" noChangeArrowheads="1"/>
+          </p:cNvSpPr>
+          <p:nvPr>
+            <p:ph type="body" idx="1"/>
+          </p:nvPr>
+        </p:nvSpPr>
+        <p:spPr>
+          <a:xfrm>
+            <a:off x="698643" y="1523144"/>
+            <a:ext cx="3493213" cy="3932434"/>
+          </a:xfrm>
+        </p:spPr>
+        <p:txBody>
+          <a:bodyPr/>
+          <a:lstStyle/>
+          <a:p>
+            <a:pPr>
+              <a:buNone/>
+            </a:pPr>
+            <a:r>
+              <a:rPr lang="en-US" dirty="0"/>
+              <a:t>18.01 </a:t>
+            </a:r>
+            <a:r>
+              <a:rPr lang="en-US" dirty="0">
+                <a:solidFill>
+                  <a:srgbClr val="0033CC"/>
+                </a:solidFill>
+                <a:cs typeface="Times New Roman" pitchFamily="18" charset="0"/>
+              </a:rPr>
+              <a:t>→</a:t>
+            </a:r>
+            <a:r>
+              <a:rPr lang="en-US" dirty="0">
+                <a:cs typeface="Times New Roman" pitchFamily="18" charset="0"/>
+              </a:rPr>
+              <a:t> 6.042</a:t>
+            </a:r>
+            <a:endParaRPr lang="en-US" dirty="0"/>
+          </a:p>
+          <a:p>
+            <a:pPr>
+              <a:buNone/>
+            </a:pPr>
+            <a:r>
+              <a:rPr lang="en-US" dirty="0"/>
+              <a:t>18.01 </a:t>
+            </a:r>
+            <a:r>
+              <a:rPr lang="en-US" dirty="0">
+                <a:solidFill>
+                  <a:srgbClr val="0033CC"/>
+                </a:solidFill>
+                <a:cs typeface="Times New Roman" pitchFamily="18" charset="0"/>
+              </a:rPr>
+              <a:t>→</a:t>
+            </a:r>
+            <a:r>
+              <a:rPr lang="en-US" dirty="0"/>
+              <a:t> 18.02</a:t>
+            </a:r>
+          </a:p>
+          <a:p>
+            <a:pPr>
+              <a:buNone/>
+            </a:pPr>
+            <a:r>
+              <a:rPr lang="en-US" dirty="0"/>
+              <a:t>18.01 </a:t>
+            </a:r>
+            <a:r>
+              <a:rPr lang="en-US" dirty="0">
+                <a:solidFill>
+                  <a:srgbClr val="0033CC"/>
+                </a:solidFill>
+                <a:cs typeface="Times New Roman" pitchFamily="18" charset="0"/>
+              </a:rPr>
+              <a:t>→</a:t>
+            </a:r>
+            <a:r>
+              <a:rPr lang="en-US" dirty="0"/>
+              <a:t> 18.03</a:t>
+            </a:r>
+            <a:endParaRPr lang="en-US" dirty="0" smtClean="0"/>
+          </a:p>
+          <a:p>
+            <a:pPr>
+              <a:buNone/>
+            </a:pPr>
+            <a:r>
+              <a:rPr lang="en-US" dirty="0" smtClean="0"/>
+              <a:t>6.001 </a:t>
+            </a:r>
+            <a:r>
+              <a:rPr lang="en-US" dirty="0">
+                <a:solidFill>
+                  <a:srgbClr val="0033CC"/>
+                </a:solidFill>
+                <a:cs typeface="Times New Roman" pitchFamily="18" charset="0"/>
+              </a:rPr>
+              <a:t>→</a:t>
+            </a:r>
+            <a:r>
+              <a:rPr lang="en-US" dirty="0"/>
+              <a:t> 6.034</a:t>
+            </a:r>
+            <a:endParaRPr lang="en-US" dirty="0" smtClean="0"/>
+          </a:p>
+          <a:p>
+            <a:pPr>
+              <a:buNone/>
+            </a:pPr>
+            <a:r>
+              <a:rPr lang="en-US" dirty="0" smtClean="0"/>
+              <a:t>6.042 </a:t>
+            </a:r>
+            <a:r>
+              <a:rPr lang="en-US" dirty="0">
+                <a:solidFill>
+                  <a:srgbClr val="0033CC"/>
+                </a:solidFill>
+                <a:cs typeface="Times New Roman" pitchFamily="18" charset="0"/>
+              </a:rPr>
+              <a:t>→</a:t>
+            </a:r>
+            <a:r>
+              <a:rPr lang="en-US" dirty="0"/>
+              <a:t> 6.046</a:t>
+            </a:r>
+          </a:p>
+        </p:txBody>
+      </p:sp>
+      <p:sp>
+        <p:nvSpPr>
+          <p:cNvPr id="633864" name="Rectangle 8"/>
+          <p:cNvSpPr>
+            <a:spLocks noChangeArrowheads="1"/>
+          </p:cNvSpPr>
+          <p:nvPr/>
+        </p:nvSpPr>
+        <p:spPr bwMode="auto">
+          <a:xfrm>
+            <a:off x="4294599" y="1571947"/>
+            <a:ext cx="4685014" cy="3020602"/>
+          </a:xfrm>
+          <a:prstGeom prst="rect">
+            <a:avLst/>
+          </a:prstGeom>
+          <a:noFill/>
+          <a:ln w="9525">
+            <a:noFill/>
+            <a:miter lim="800000"/>
+            <a:headEnd/>
+            <a:tailEnd/>
+          </a:ln>
+          <a:effectLst/>
+        </p:spPr>
+        <p:txBody>
+          <a:bodyPr/>
+          <a:lstStyle/>
+          <a:p>
+            <a:pPr marL="342900" indent="-342900" algn="l">
+              <a:lnSpc>
+                <a:spcPct val="90000"/>
+              </a:lnSpc>
+            </a:pPr>
+            <a:r>
+              <a:rPr lang="en-US" sz="3200" dirty="0" smtClean="0">
+                <a:latin typeface="Comic Sans MS" pitchFamily="66" charset="0"/>
+              </a:rPr>
+              <a:t>            8.02 </a:t>
+            </a:r>
+            <a:r>
+              <a:rPr lang="en-US" sz="3200" dirty="0">
+                <a:solidFill>
+                  <a:srgbClr val="0033CC"/>
+                </a:solidFill>
+                <a:latin typeface="Comic Sans MS" pitchFamily="66" charset="0"/>
+                <a:cs typeface="Times New Roman" pitchFamily="18" charset="0"/>
+              </a:rPr>
+              <a:t>→</a:t>
+            </a:r>
+            <a:r>
+              <a:rPr lang="en-US" sz="3200" dirty="0">
+                <a:latin typeface="Comic Sans MS" pitchFamily="66" charset="0"/>
+              </a:rPr>
+              <a:t> 6.002</a:t>
+            </a:r>
+            <a:endParaRPr lang="en-US" sz="3200" dirty="0" smtClean="0">
+              <a:latin typeface="Comic Sans MS" pitchFamily="66" charset="0"/>
+              <a:cs typeface="Times New Roman" pitchFamily="18" charset="0"/>
+            </a:endParaRPr>
+          </a:p>
+          <a:p>
+            <a:pPr marL="342900" indent="-342900" algn="l">
+              <a:lnSpc>
+                <a:spcPct val="90000"/>
+              </a:lnSpc>
+            </a:pPr>
+            <a:r>
+              <a:rPr lang="en-US" sz="3200" dirty="0" smtClean="0">
+                <a:latin typeface="Comic Sans MS" pitchFamily="66" charset="0"/>
+                <a:cs typeface="Times New Roman" pitchFamily="18" charset="0"/>
+              </a:rPr>
+              <a:t>18.03, </a:t>
+            </a:r>
+            <a:r>
+              <a:rPr lang="en-US" sz="3200" dirty="0">
+                <a:latin typeface="Comic Sans MS" pitchFamily="66" charset="0"/>
+                <a:cs typeface="Times New Roman" pitchFamily="18" charset="0"/>
+              </a:rPr>
+              <a:t>6.002 </a:t>
+            </a:r>
+            <a:r>
+              <a:rPr lang="en-US" sz="3200" dirty="0">
+                <a:solidFill>
+                  <a:srgbClr val="0033CC"/>
+                </a:solidFill>
+                <a:latin typeface="Comic Sans MS" pitchFamily="66" charset="0"/>
+                <a:cs typeface="Times New Roman" pitchFamily="18" charset="0"/>
+              </a:rPr>
+              <a:t>→</a:t>
+            </a:r>
+            <a:r>
+              <a:rPr lang="en-US" sz="3200" dirty="0">
+                <a:latin typeface="Comic Sans MS" pitchFamily="66" charset="0"/>
+                <a:cs typeface="Times New Roman" pitchFamily="18" charset="0"/>
+              </a:rPr>
+              <a:t> 6.004 </a:t>
+            </a:r>
+            <a:endParaRPr lang="en-US" sz="3200" dirty="0" smtClean="0">
+              <a:latin typeface="Comic Sans MS" pitchFamily="66" charset="0"/>
+              <a:cs typeface="Times New Roman" pitchFamily="18" charset="0"/>
+            </a:endParaRPr>
+          </a:p>
+          <a:p>
+            <a:pPr marL="342900" indent="-342900" algn="l">
+              <a:lnSpc>
+                <a:spcPct val="90000"/>
+              </a:lnSpc>
+            </a:pPr>
+            <a:r>
+              <a:rPr lang="en-US" sz="3200" dirty="0" smtClean="0">
+                <a:latin typeface="Comic Sans MS" pitchFamily="66" charset="0"/>
+                <a:cs typeface="Times New Roman" pitchFamily="18" charset="0"/>
+              </a:rPr>
+              <a:t>6.001, 6.004 </a:t>
+            </a:r>
+            <a:r>
+              <a:rPr lang="en-US" sz="3200" dirty="0">
+                <a:solidFill>
+                  <a:srgbClr val="0033CC"/>
+                </a:solidFill>
+                <a:latin typeface="Comic Sans MS" pitchFamily="66" charset="0"/>
+                <a:cs typeface="Times New Roman" pitchFamily="18" charset="0"/>
+              </a:rPr>
+              <a:t>→</a:t>
+            </a:r>
+            <a:r>
+              <a:rPr lang="en-US" sz="3200" dirty="0">
+                <a:latin typeface="Comic Sans MS" pitchFamily="66" charset="0"/>
+                <a:cs typeface="Times New Roman" pitchFamily="18" charset="0"/>
+              </a:rPr>
+              <a:t> 6.033</a:t>
+            </a:r>
+          </a:p>
+          <a:p>
+            <a:pPr marL="342900" indent="-342900" algn="l">
+              <a:lnSpc>
+                <a:spcPct val="90000"/>
+              </a:lnSpc>
+            </a:pPr>
+            <a:r>
+              <a:rPr lang="en-US" sz="3200" dirty="0">
+                <a:latin typeface="Comic Sans MS" pitchFamily="66" charset="0"/>
+                <a:cs typeface="Times New Roman" pitchFamily="18" charset="0"/>
+              </a:rPr>
+              <a:t>           6.033 </a:t>
+            </a:r>
+            <a:r>
+              <a:rPr lang="en-US" sz="3200" dirty="0">
+                <a:solidFill>
+                  <a:srgbClr val="0033CC"/>
+                </a:solidFill>
+                <a:latin typeface="Comic Sans MS" pitchFamily="66" charset="0"/>
+                <a:cs typeface="Times New Roman" pitchFamily="18" charset="0"/>
+              </a:rPr>
+              <a:t>→</a:t>
+            </a:r>
+            <a:r>
+              <a:rPr lang="en-US" sz="3200" dirty="0">
+                <a:latin typeface="Comic Sans MS" pitchFamily="66" charset="0"/>
+                <a:cs typeface="Times New Roman" pitchFamily="18" charset="0"/>
+              </a:rPr>
+              <a:t> 6.857</a:t>
+            </a:r>
+          </a:p>
+          <a:p>
+            <a:pPr marL="342900" indent="-342900" algn="l"/>
+            <a:r>
+              <a:rPr lang="en-US" sz="3200" dirty="0">
+                <a:latin typeface="Comic Sans MS" pitchFamily="66" charset="0"/>
+              </a:rPr>
+              <a:t>           6.046 </a:t>
+            </a:r>
+            <a:r>
+              <a:rPr lang="en-US" sz="3200" dirty="0">
+                <a:solidFill>
+                  <a:srgbClr val="0033CC"/>
+                </a:solidFill>
+                <a:latin typeface="Comic Sans MS" pitchFamily="66" charset="0"/>
+                <a:cs typeface="Times New Roman" pitchFamily="18" charset="0"/>
+              </a:rPr>
+              <a:t>→</a:t>
+            </a:r>
+            <a:r>
+              <a:rPr lang="en-US" sz="3200" dirty="0">
+                <a:latin typeface="Comic Sans MS" pitchFamily="66" charset="0"/>
+              </a:rPr>
+              <a:t> </a:t>
+            </a:r>
+            <a:r>
+              <a:rPr lang="en-US" sz="3200" dirty="0" smtClean="0">
+                <a:latin typeface="Comic Sans MS" pitchFamily="66" charset="0"/>
+              </a:rPr>
+              <a:t>6.840</a:t>
+            </a:r>
+            <a:endParaRPr lang="en-US" sz="3200" dirty="0">
+              <a:latin typeface="Comic Sans MS" pitchFamily="66" charset="0"/>
+              <a:cs typeface="Times New Roman" pitchFamily="18" charset="0"/>
+            </a:endParaRPr>
+          </a:p>
+          <a:p>
+            <a:pPr marL="342900" indent="-342900" algn="l">
+              <a:lnSpc>
+                <a:spcPct val="90000"/>
+              </a:lnSpc>
+              <a:buFontTx/>
+              <a:buChar char="•"/>
+            </a:pPr>
+            <a:endParaRPr lang="en-US" sz="2800" dirty="0">
+              <a:latin typeface="Comic Sans MS" pitchFamily="66" charset="0"/>
+            </a:endParaRPr>
+          </a:p>
+        </p:txBody>
+      </p:sp>
+      <p:sp>
+        <p:nvSpPr>
+          <p:cNvPr id="15" name="Slide Number Placeholder 5"/>
+          <p:cNvSpPr>
+            <a:spLocks noGrp="1"/>
+          </p:cNvSpPr>
+          <p:nvPr>
+            <p:ph type="sldNum" sz="quarter" idx="4"/>
+          </p:nvPr>
+        </p:nvSpPr>
+        <p:spPr>
+          <a:xfrm>
+            <a:off x="8237750" y="6596742"/>
+            <a:ext cx="906250" cy="261257"/>
+          </a:xfrm>
+          <a:prstGeom prst="rect">
+            <a:avLst/>
+          </a:prstGeom>
+        </p:spPr>
+        <p:txBody>
+          <a:bodyPr/>
+          <a:lstStyle>
+            <a:lvl1pPr>
+              <a:defRPr sz="1200">
+                <a:latin typeface="Comic Sans MS" pitchFamily="66" charset="0"/>
+              </a:defRPr>
+            </a:lvl1pPr>
+          </a:lstStyle>
+          <a:p>
+            <a:r>
+              <a:rPr lang="en-US" dirty="0" smtClean="0"/>
+              <a:t>7W.</a:t>
+            </a:r>
+            <a:fld id="{CA4C0C47-BA92-4669-BC5C-D64A96AF3D01}" type="slidenum">
+              <a:rPr lang="en-US" smtClean="0"/>
+              <a:pPr/>
+              <a:t>2</a:t>
+            </a:fld>
+            <a:endParaRPr lang="en-US" dirty="0"/>
+          </a:p>
+        </p:txBody>
+      </p:sp>
+      <p:sp>
+        <p:nvSpPr>
+          <p:cNvPr id="13" name="Rectangle 2"/>
+          <p:cNvSpPr>
+            <a:spLocks noGrp="1" noChangeArrowheads="1"/>
+          </p:cNvSpPr>
+          <p:nvPr>
+            <p:ph type="title"/>
+          </p:nvPr>
+        </p:nvSpPr>
+        <p:spPr>
+          <a:xfrm>
+            <a:off x="1994505" y="304877"/>
+            <a:ext cx="6662057" cy="1105126"/>
+          </a:xfrm>
+        </p:spPr>
+        <p:txBody>
+          <a:bodyPr/>
+          <a:lstStyle/>
+          <a:p>
+            <a:r>
+              <a:rPr lang="en-US" dirty="0"/>
+              <a:t>Some Course 6 Prerequisites</a:t>
+            </a:r>
+          </a:p>
+        </p:txBody>
+      </p:sp>
+    </p:spTree>
+  </p:cSld>
+  <p:clrMapOvr>
+    <a:masterClrMapping/>
+  </p:clrMapOvr>
+  <p:transition xmlns:p14="http://schemas.microsoft.com/office/powerpoint/2010/main" spd="slow">
+    <p:fade thruBlk="1"/>
+  </p:transition>
+  <p:timing>
+    <p:tnLst>
+      <p:par>
+        <p:cTn xmlns:p14="http://schemas.microsoft.com/office/powerpoint/2010/main" id="1" dur="indefinite" restart="never" nodeType="tmRoot"/>
+      </p:par>
+    </p:tnLst>
+  </p:timing>
+</p:sld>
+</file>
+
+<file path=ppt/slides/slide20.xml><?xml version="1.0" encoding="utf-8"?>
 <p:sld xmlns:a="http://schemas.openxmlformats.org/drawingml/2006/main" xmlns:r="http://schemas.openxmlformats.org/officeDocument/2006/relationships" xmlns:p="http://schemas.openxmlformats.org/presentationml/2006/main">
   <p:cSld>
     <p:spTree>
@@ -14102,7 +16152,7 @@
             <a:fld id="{CA4C0C47-BA92-4669-BC5C-D64A96AF3D01}" type="slidenum">
               <a:rPr lang="en-US" smtClean="0"/>
               <a:pPr/>
-              <a:t>19</a:t>
+              <a:t>20</a:t>
             </a:fld>
             <a:endParaRPr lang="en-US" dirty="0"/>
           </a:p>
@@ -15440,461 +17490,7 @@
 </p:sld>
 </file>
 
-<file path=ppt/slides/slide2.xml><?xml version="1.0" encoding="utf-8"?>
-<p:sld xmlns:a="http://schemas.openxmlformats.org/drawingml/2006/main" xmlns:r="http://schemas.openxmlformats.org/officeDocument/2006/relationships" xmlns:p="http://schemas.openxmlformats.org/presentationml/2006/main">
-  <p:cSld>
-    <p:spTree>
-      <p:nvGrpSpPr>
-        <p:cNvPr id="1" name=""/>
-        <p:cNvGrpSpPr/>
-        <p:nvPr/>
-      </p:nvGrpSpPr>
-      <p:grpSpPr>
-        <a:xfrm>
-          <a:off x="0" y="0"/>
-          <a:ext cx="0" cy="0"/>
-          <a:chOff x="0" y="0"/>
-          <a:chExt cx="0" cy="0"/>
-        </a:xfrm>
-      </p:grpSpPr>
-      <p:sp>
-        <p:nvSpPr>
-          <p:cNvPr id="633862" name="Rectangle 6"/>
-          <p:cNvSpPr>
-            <a:spLocks noGrp="1" noChangeArrowheads="1"/>
-          </p:cNvSpPr>
-          <p:nvPr>
-            <p:ph type="body" idx="1"/>
-          </p:nvPr>
-        </p:nvSpPr>
-        <p:spPr>
-          <a:xfrm>
-            <a:off x="698643" y="1523144"/>
-            <a:ext cx="3493213" cy="3932434"/>
-          </a:xfrm>
-        </p:spPr>
-        <p:txBody>
-          <a:bodyPr/>
-          <a:lstStyle/>
-          <a:p>
-            <a:pPr>
-              <a:buNone/>
-            </a:pPr>
-            <a:r>
-              <a:rPr lang="en-US" dirty="0"/>
-              <a:t>18.01 </a:t>
-            </a:r>
-            <a:r>
-              <a:rPr lang="en-US" dirty="0">
-                <a:solidFill>
-                  <a:srgbClr val="0033CC"/>
-                </a:solidFill>
-                <a:cs typeface="Times New Roman" pitchFamily="18" charset="0"/>
-              </a:rPr>
-              <a:t>→</a:t>
-            </a:r>
-            <a:r>
-              <a:rPr lang="en-US" dirty="0">
-                <a:cs typeface="Times New Roman" pitchFamily="18" charset="0"/>
-              </a:rPr>
-              <a:t> 6.042</a:t>
-            </a:r>
-            <a:endParaRPr lang="en-US" dirty="0"/>
-          </a:p>
-          <a:p>
-            <a:pPr>
-              <a:buNone/>
-            </a:pPr>
-            <a:r>
-              <a:rPr lang="en-US" dirty="0"/>
-              <a:t>18.01 </a:t>
-            </a:r>
-            <a:r>
-              <a:rPr lang="en-US" dirty="0">
-                <a:solidFill>
-                  <a:srgbClr val="0033CC"/>
-                </a:solidFill>
-                <a:cs typeface="Times New Roman" pitchFamily="18" charset="0"/>
-              </a:rPr>
-              <a:t>→</a:t>
-            </a:r>
-            <a:r>
-              <a:rPr lang="en-US" dirty="0"/>
-              <a:t> 18.02</a:t>
-            </a:r>
-          </a:p>
-          <a:p>
-            <a:pPr>
-              <a:buNone/>
-            </a:pPr>
-            <a:r>
-              <a:rPr lang="en-US" dirty="0"/>
-              <a:t>18.01 </a:t>
-            </a:r>
-            <a:r>
-              <a:rPr lang="en-US" dirty="0">
-                <a:solidFill>
-                  <a:srgbClr val="0033CC"/>
-                </a:solidFill>
-                <a:cs typeface="Times New Roman" pitchFamily="18" charset="0"/>
-              </a:rPr>
-              <a:t>→</a:t>
-            </a:r>
-            <a:r>
-              <a:rPr lang="en-US" dirty="0"/>
-              <a:t> 18.03</a:t>
-            </a:r>
-            <a:endParaRPr lang="en-US" dirty="0" smtClean="0"/>
-          </a:p>
-          <a:p>
-            <a:pPr>
-              <a:buNone/>
-            </a:pPr>
-            <a:r>
-              <a:rPr lang="en-US" dirty="0" smtClean="0"/>
-              <a:t>6.001 </a:t>
-            </a:r>
-            <a:r>
-              <a:rPr lang="en-US" dirty="0">
-                <a:solidFill>
-                  <a:srgbClr val="0033CC"/>
-                </a:solidFill>
-                <a:cs typeface="Times New Roman" pitchFamily="18" charset="0"/>
-              </a:rPr>
-              <a:t>→</a:t>
-            </a:r>
-            <a:r>
-              <a:rPr lang="en-US" dirty="0"/>
-              <a:t> 6.034</a:t>
-            </a:r>
-            <a:endParaRPr lang="en-US" dirty="0" smtClean="0"/>
-          </a:p>
-          <a:p>
-            <a:pPr>
-              <a:buNone/>
-            </a:pPr>
-            <a:r>
-              <a:rPr lang="en-US" dirty="0" smtClean="0"/>
-              <a:t>6.042 </a:t>
-            </a:r>
-            <a:r>
-              <a:rPr lang="en-US" dirty="0">
-                <a:solidFill>
-                  <a:srgbClr val="0033CC"/>
-                </a:solidFill>
-                <a:cs typeface="Times New Roman" pitchFamily="18" charset="0"/>
-              </a:rPr>
-              <a:t>→</a:t>
-            </a:r>
-            <a:r>
-              <a:rPr lang="en-US" dirty="0"/>
-              <a:t> 6.046</a:t>
-            </a:r>
-          </a:p>
-        </p:txBody>
-      </p:sp>
-      <p:sp>
-        <p:nvSpPr>
-          <p:cNvPr id="633864" name="Rectangle 8"/>
-          <p:cNvSpPr>
-            <a:spLocks noChangeArrowheads="1"/>
-          </p:cNvSpPr>
-          <p:nvPr/>
-        </p:nvSpPr>
-        <p:spPr bwMode="auto">
-          <a:xfrm>
-            <a:off x="4294599" y="1571947"/>
-            <a:ext cx="4685014" cy="3020602"/>
-          </a:xfrm>
-          <a:prstGeom prst="rect">
-            <a:avLst/>
-          </a:prstGeom>
-          <a:noFill/>
-          <a:ln w="9525">
-            <a:noFill/>
-            <a:miter lim="800000"/>
-            <a:headEnd/>
-            <a:tailEnd/>
-          </a:ln>
-          <a:effectLst/>
-        </p:spPr>
-        <p:txBody>
-          <a:bodyPr/>
-          <a:lstStyle/>
-          <a:p>
-            <a:pPr marL="342900" indent="-342900" algn="l">
-              <a:lnSpc>
-                <a:spcPct val="90000"/>
-              </a:lnSpc>
-            </a:pPr>
-            <a:r>
-              <a:rPr lang="en-US" sz="3200" dirty="0" smtClean="0">
-                <a:latin typeface="Comic Sans MS" pitchFamily="66" charset="0"/>
-              </a:rPr>
-              <a:t>            8.02 </a:t>
-            </a:r>
-            <a:r>
-              <a:rPr lang="en-US" sz="3200" dirty="0">
-                <a:solidFill>
-                  <a:srgbClr val="0033CC"/>
-                </a:solidFill>
-                <a:latin typeface="Comic Sans MS" pitchFamily="66" charset="0"/>
-                <a:cs typeface="Times New Roman" pitchFamily="18" charset="0"/>
-              </a:rPr>
-              <a:t>→</a:t>
-            </a:r>
-            <a:r>
-              <a:rPr lang="en-US" sz="3200" dirty="0">
-                <a:latin typeface="Comic Sans MS" pitchFamily="66" charset="0"/>
-              </a:rPr>
-              <a:t> 6.002</a:t>
-            </a:r>
-            <a:endParaRPr lang="en-US" sz="3200" dirty="0" smtClean="0">
-              <a:latin typeface="Comic Sans MS" pitchFamily="66" charset="0"/>
-              <a:cs typeface="Times New Roman" pitchFamily="18" charset="0"/>
-            </a:endParaRPr>
-          </a:p>
-          <a:p>
-            <a:pPr marL="342900" indent="-342900" algn="l">
-              <a:lnSpc>
-                <a:spcPct val="90000"/>
-              </a:lnSpc>
-            </a:pPr>
-            <a:r>
-              <a:rPr lang="en-US" sz="3200" dirty="0" smtClean="0">
-                <a:latin typeface="Comic Sans MS" pitchFamily="66" charset="0"/>
-                <a:cs typeface="Times New Roman" pitchFamily="18" charset="0"/>
-              </a:rPr>
-              <a:t>18.03, </a:t>
-            </a:r>
-            <a:r>
-              <a:rPr lang="en-US" sz="3200" dirty="0">
-                <a:latin typeface="Comic Sans MS" pitchFamily="66" charset="0"/>
-                <a:cs typeface="Times New Roman" pitchFamily="18" charset="0"/>
-              </a:rPr>
-              <a:t>6.002 </a:t>
-            </a:r>
-            <a:r>
-              <a:rPr lang="en-US" sz="3200" dirty="0">
-                <a:solidFill>
-                  <a:srgbClr val="0033CC"/>
-                </a:solidFill>
-                <a:latin typeface="Comic Sans MS" pitchFamily="66" charset="0"/>
-                <a:cs typeface="Times New Roman" pitchFamily="18" charset="0"/>
-              </a:rPr>
-              <a:t>→</a:t>
-            </a:r>
-            <a:r>
-              <a:rPr lang="en-US" sz="3200" dirty="0">
-                <a:latin typeface="Comic Sans MS" pitchFamily="66" charset="0"/>
-                <a:cs typeface="Times New Roman" pitchFamily="18" charset="0"/>
-              </a:rPr>
-              <a:t> 6.004 </a:t>
-            </a:r>
-            <a:endParaRPr lang="en-US" sz="3200" dirty="0" smtClean="0">
-              <a:latin typeface="Comic Sans MS" pitchFamily="66" charset="0"/>
-              <a:cs typeface="Times New Roman" pitchFamily="18" charset="0"/>
-            </a:endParaRPr>
-          </a:p>
-          <a:p>
-            <a:pPr marL="342900" indent="-342900" algn="l">
-              <a:lnSpc>
-                <a:spcPct val="90000"/>
-              </a:lnSpc>
-            </a:pPr>
-            <a:r>
-              <a:rPr lang="en-US" sz="3200" dirty="0" smtClean="0">
-                <a:latin typeface="Comic Sans MS" pitchFamily="66" charset="0"/>
-                <a:cs typeface="Times New Roman" pitchFamily="18" charset="0"/>
-              </a:rPr>
-              <a:t>6.001, 6.004 </a:t>
-            </a:r>
-            <a:r>
-              <a:rPr lang="en-US" sz="3200" dirty="0">
-                <a:solidFill>
-                  <a:srgbClr val="0033CC"/>
-                </a:solidFill>
-                <a:latin typeface="Comic Sans MS" pitchFamily="66" charset="0"/>
-                <a:cs typeface="Times New Roman" pitchFamily="18" charset="0"/>
-              </a:rPr>
-              <a:t>→</a:t>
-            </a:r>
-            <a:r>
-              <a:rPr lang="en-US" sz="3200" dirty="0">
-                <a:latin typeface="Comic Sans MS" pitchFamily="66" charset="0"/>
-                <a:cs typeface="Times New Roman" pitchFamily="18" charset="0"/>
-              </a:rPr>
-              <a:t> 6.033</a:t>
-            </a:r>
-          </a:p>
-          <a:p>
-            <a:pPr marL="342900" indent="-342900" algn="l">
-              <a:lnSpc>
-                <a:spcPct val="90000"/>
-              </a:lnSpc>
-            </a:pPr>
-            <a:r>
-              <a:rPr lang="en-US" sz="3200" dirty="0">
-                <a:latin typeface="Comic Sans MS" pitchFamily="66" charset="0"/>
-                <a:cs typeface="Times New Roman" pitchFamily="18" charset="0"/>
-              </a:rPr>
-              <a:t>           6.033 </a:t>
-            </a:r>
-            <a:r>
-              <a:rPr lang="en-US" sz="3200" dirty="0">
-                <a:solidFill>
-                  <a:srgbClr val="0033CC"/>
-                </a:solidFill>
-                <a:latin typeface="Comic Sans MS" pitchFamily="66" charset="0"/>
-                <a:cs typeface="Times New Roman" pitchFamily="18" charset="0"/>
-              </a:rPr>
-              <a:t>→</a:t>
-            </a:r>
-            <a:r>
-              <a:rPr lang="en-US" sz="3200" dirty="0">
-                <a:latin typeface="Comic Sans MS" pitchFamily="66" charset="0"/>
-                <a:cs typeface="Times New Roman" pitchFamily="18" charset="0"/>
-              </a:rPr>
-              <a:t> 6.857</a:t>
-            </a:r>
-          </a:p>
-          <a:p>
-            <a:pPr marL="342900" indent="-342900" algn="l"/>
-            <a:r>
-              <a:rPr lang="en-US" sz="3200" dirty="0">
-                <a:latin typeface="Comic Sans MS" pitchFamily="66" charset="0"/>
-              </a:rPr>
-              <a:t>           6.046 </a:t>
-            </a:r>
-            <a:r>
-              <a:rPr lang="en-US" sz="3200" dirty="0">
-                <a:solidFill>
-                  <a:srgbClr val="0033CC"/>
-                </a:solidFill>
-                <a:latin typeface="Comic Sans MS" pitchFamily="66" charset="0"/>
-                <a:cs typeface="Times New Roman" pitchFamily="18" charset="0"/>
-              </a:rPr>
-              <a:t>→</a:t>
-            </a:r>
-            <a:r>
-              <a:rPr lang="en-US" sz="3200" dirty="0">
-                <a:latin typeface="Comic Sans MS" pitchFamily="66" charset="0"/>
-              </a:rPr>
-              <a:t> </a:t>
-            </a:r>
-            <a:r>
-              <a:rPr lang="en-US" sz="3200" dirty="0" smtClean="0">
-                <a:latin typeface="Comic Sans MS" pitchFamily="66" charset="0"/>
-              </a:rPr>
-              <a:t>6.840</a:t>
-            </a:r>
-            <a:endParaRPr lang="en-US" sz="3200" dirty="0">
-              <a:latin typeface="Comic Sans MS" pitchFamily="66" charset="0"/>
-              <a:cs typeface="Times New Roman" pitchFamily="18" charset="0"/>
-            </a:endParaRPr>
-          </a:p>
-          <a:p>
-            <a:pPr marL="342900" indent="-342900" algn="l">
-              <a:lnSpc>
-                <a:spcPct val="90000"/>
-              </a:lnSpc>
-              <a:buFontTx/>
-              <a:buChar char="•"/>
-            </a:pPr>
-            <a:endParaRPr lang="en-US" sz="2800" dirty="0">
-              <a:latin typeface="Comic Sans MS" pitchFamily="66" charset="0"/>
-            </a:endParaRPr>
-          </a:p>
-        </p:txBody>
-      </p:sp>
-      <p:sp>
-        <p:nvSpPr>
-          <p:cNvPr id="15" name="Slide Number Placeholder 5"/>
-          <p:cNvSpPr>
-            <a:spLocks noGrp="1"/>
-          </p:cNvSpPr>
-          <p:nvPr>
-            <p:ph type="sldNum" sz="quarter" idx="4"/>
-          </p:nvPr>
-        </p:nvSpPr>
-        <p:spPr>
-          <a:xfrm>
-            <a:off x="8237750" y="6596742"/>
-            <a:ext cx="906250" cy="261257"/>
-          </a:xfrm>
-          <a:prstGeom prst="rect">
-            <a:avLst/>
-          </a:prstGeom>
-        </p:spPr>
-        <p:txBody>
-          <a:bodyPr/>
-          <a:lstStyle>
-            <a:lvl1pPr>
-              <a:defRPr sz="1200">
-                <a:latin typeface="Comic Sans MS" pitchFamily="66" charset="0"/>
-              </a:defRPr>
-            </a:lvl1pPr>
-          </a:lstStyle>
-          <a:p>
-            <a:r>
-              <a:rPr lang="en-US" dirty="0" smtClean="0"/>
-              <a:t>7W.</a:t>
-            </a:r>
-            <a:fld id="{CA4C0C47-BA92-4669-BC5C-D64A96AF3D01}" type="slidenum">
-              <a:rPr lang="en-US" smtClean="0"/>
-              <a:pPr/>
-              <a:t>2</a:t>
-            </a:fld>
-            <a:endParaRPr lang="en-US" dirty="0"/>
-          </a:p>
-        </p:txBody>
-      </p:sp>
-      <p:sp>
-        <p:nvSpPr>
-          <p:cNvPr id="13" name="Rectangle 2"/>
-          <p:cNvSpPr>
-            <a:spLocks noGrp="1" noChangeArrowheads="1"/>
-          </p:cNvSpPr>
-          <p:nvPr>
-            <p:ph type="title"/>
-          </p:nvPr>
-        </p:nvSpPr>
-        <p:spPr>
-          <a:xfrm>
-            <a:off x="1994505" y="304877"/>
-            <a:ext cx="6662057" cy="1105126"/>
-          </a:xfrm>
-        </p:spPr>
-        <p:txBody>
-          <a:bodyPr/>
-          <a:lstStyle/>
-          <a:p>
-            <a:r>
-              <a:rPr lang="en-US" dirty="0"/>
-              <a:t>Some Course 6 Prerequisites</a:t>
-            </a:r>
-          </a:p>
-        </p:txBody>
-      </p:sp>
-    </p:spTree>
-  </p:cSld>
-  <p:clrMapOvr>
-    <a:masterClrMapping/>
-  </p:clrMapOvr>
-  <p:transition xmlns:p14="http://schemas.microsoft.com/office/powerpoint/2010/main" spd="slow">
-    <p:fade thruBlk="1"/>
-  </p:transition>
-  <p:timing>
-    <p:tnLst>
-      <p:par>
-        <p:cTn xmlns:p14="http://schemas.microsoft.com/office/powerpoint/2010/main" id="1" dur="indefinite" restart="never" nodeType="tmRoot"/>
-      </p:par>
-    </p:tnLst>
-  </p:timing>
-</p:sld>
-</file>
-
-<file path=ppt/slides/slide20.xml><?xml version="1.0" encoding="utf-8"?>
+<file path=ppt/slides/slide21.xml><?xml version="1.0" encoding="utf-8"?>
 <p:sld xmlns:a="http://schemas.openxmlformats.org/drawingml/2006/main" xmlns:r="http://schemas.openxmlformats.org/officeDocument/2006/relationships" xmlns:p="http://schemas.openxmlformats.org/presentationml/2006/main">
   <p:cSld>
     <p:spTree>
@@ -16015,7 +17611,7 @@
             <a:fld id="{CA4C0C47-BA92-4669-BC5C-D64A96AF3D01}" type="slidenum">
               <a:rPr lang="en-US" smtClean="0"/>
               <a:pPr/>
-              <a:t>20</a:t>
+              <a:t>21</a:t>
             </a:fld>
             <a:endParaRPr lang="en-US" dirty="0"/>
           </a:p>
@@ -16417,7 +18013,7 @@
           <a:graphicData uri="http://schemas.openxmlformats.org/presentationml/2006/ole">
             <mc:AlternateContent xmlns:mc="http://schemas.openxmlformats.org/markup-compatibility/2006">
               <mc:Choice xmlns:v="urn:schemas-microsoft-com:vml" Requires="v">
-                <p:oleObj spid="_x0000_s103437" name="Equation" r:id="rId4" imgW="76200" imgH="165100" progId="Equation.DSMT4">
+                <p:oleObj spid="_x0000_s103471" name="Equation" r:id="rId4" imgW="76200" imgH="165100" progId="Equation.DSMT4">
                   <p:embed/>
                 </p:oleObj>
               </mc:Choice>
@@ -16487,7 +18083,7 @@
           <a:graphicData uri="http://schemas.openxmlformats.org/presentationml/2006/ole">
             <mc:AlternateContent xmlns:mc="http://schemas.openxmlformats.org/markup-compatibility/2006">
               <mc:Choice xmlns:v="urn:schemas-microsoft-com:vml" Requires="v">
-                <p:oleObj spid="_x0000_s103438" name="Equation" r:id="rId6" imgW="76200" imgH="165100" progId="Equation.DSMT4">
+                <p:oleObj spid="_x0000_s103472" name="Equation" r:id="rId6" imgW="76200" imgH="165100" progId="Equation.DSMT4">
                   <p:embed/>
                 </p:oleObj>
               </mc:Choice>
@@ -16541,130 +18137,6 @@
           </a:graphicData>
         </a:graphic>
       </p:graphicFrame>
-      <p:grpSp>
-        <p:nvGrpSpPr>
-          <p:cNvPr id="40" name="Group 39"/>
-          <p:cNvGrpSpPr/>
-          <p:nvPr/>
-        </p:nvGrpSpPr>
-        <p:grpSpPr>
-          <a:xfrm>
-            <a:off x="4883463" y="1339851"/>
-            <a:ext cx="2590445" cy="4473939"/>
-            <a:chOff x="4883463" y="1339851"/>
-            <a:chExt cx="2590445" cy="4473939"/>
-          </a:xfrm>
-        </p:grpSpPr>
-        <p:sp>
-          <p:nvSpPr>
-            <p:cNvPr id="36" name="TextBox 35"/>
-            <p:cNvSpPr txBox="1"/>
-            <p:nvPr/>
-          </p:nvSpPr>
-          <p:spPr>
-            <a:xfrm>
-              <a:off x="5686239" y="2644170"/>
-              <a:ext cx="1787669" cy="1569660"/>
-            </a:xfrm>
-            <a:prstGeom prst="rect">
-              <a:avLst/>
-            </a:prstGeom>
-            <a:noFill/>
-          </p:spPr>
-          <p:txBody>
-            <a:bodyPr wrap="none" rtlCol="0">
-              <a:spAutoFit/>
-            </a:bodyPr>
-            <a:lstStyle/>
-            <a:p>
-              <a:r>
-                <a:rPr lang="en-US" sz="4800" dirty="0" smtClean="0">
-                  <a:latin typeface="Comic Sans MS" pitchFamily="66" charset="0"/>
-                </a:rPr>
-                <a:t>still a</a:t>
-              </a:r>
-            </a:p>
-            <a:p>
-              <a:r>
-                <a:rPr lang="en-US" sz="4800" dirty="0" smtClean="0">
-                  <a:latin typeface="Comic Sans MS" pitchFamily="66" charset="0"/>
-                </a:rPr>
-                <a:t>chain</a:t>
-              </a:r>
-            </a:p>
-          </p:txBody>
-        </p:sp>
-        <p:graphicFrame>
-          <p:nvGraphicFramePr>
-            <p:cNvPr id="103428" name="Object 4"/>
-            <p:cNvGraphicFramePr>
-              <a:graphicFrameLocks noChangeAspect="1"/>
-            </p:cNvGraphicFramePr>
-            <p:nvPr/>
-          </p:nvGraphicFramePr>
-          <p:xfrm>
-            <a:off x="4883463" y="1339851"/>
-            <a:ext cx="975089" cy="4473939"/>
-          </p:xfrm>
-          <a:graphic>
-            <a:graphicData uri="http://schemas.openxmlformats.org/presentationml/2006/ole">
-              <mc:AlternateContent xmlns:mc="http://schemas.openxmlformats.org/markup-compatibility/2006">
-                <mc:Choice xmlns:v="urn:schemas-microsoft-com:vml" Requires="v">
-                  <p:oleObj spid="_x0000_s103439" name="Equation" r:id="rId8" imgW="215900" imgH="990600" progId="Equation.DSMT4">
-                    <p:embed/>
-                  </p:oleObj>
-                </mc:Choice>
-                <mc:Fallback>
-                  <p:oleObj name="Equation" r:id="rId8" imgW="215900" imgH="990600" progId="Equation.DSMT4">
-                    <p:embed/>
-                    <p:pic>
-                      <p:nvPicPr>
-                        <p:cNvPr id="0" name="Picture 4"/>
-                        <p:cNvPicPr>
-                          <a:picLocks noChangeAspect="1" noChangeArrowheads="1"/>
-                        </p:cNvPicPr>
-                        <p:nvPr/>
-                      </p:nvPicPr>
-                      <p:blipFill>
-                        <a:blip r:embed="rId9">
-                          <a:extLst>
-                            <a:ext uri="{28A0092B-C50C-407E-A947-70E740481C1C}">
-                              <a14:useLocalDpi xmlns:a14="http://schemas.microsoft.com/office/drawing/2010/main" val="0"/>
-                            </a:ext>
-                          </a:extLst>
-                        </a:blip>
-                        <a:srcRect/>
-                        <a:stretch>
-                          <a:fillRect/>
-                        </a:stretch>
-                      </p:blipFill>
-                      <p:spPr bwMode="auto">
-                        <a:xfrm>
-                          <a:off x="4883463" y="1339851"/>
-                          <a:ext cx="975089" cy="4473939"/>
-                        </a:xfrm>
-                        <a:prstGeom prst="rect">
-                          <a:avLst/>
-                        </a:prstGeom>
-                        <a:noFill/>
-                        <a:extLst>
-                          <a:ext uri="{909E8E84-426E-40dd-AFC4-6F175D3DCCD1}">
-                            <a14:hiddenFill xmlns:a14="http://schemas.microsoft.com/office/drawing/2010/main">
-                              <a:solidFill>
-                                <a:srgbClr val="FFFFFF"/>
-                              </a:solidFill>
-                            </a14:hiddenFill>
-                          </a:ext>
-                        </a:extLst>
-                      </p:spPr>
-                    </p:pic>
-                  </p:oleObj>
-                </mc:Fallback>
-              </mc:AlternateContent>
-            </a:graphicData>
-          </a:graphic>
-        </p:graphicFrame>
-      </p:grpSp>
     </p:spTree>
   </p:cSld>
   <p:clrMapOvr>
@@ -16763,24 +18235,15 @@
                                   </p:childTnLst>
                                 </p:cTn>
                               </p:par>
-                            </p:childTnLst>
-                          </p:cTn>
-                        </p:par>
-                        <p:par>
-                          <p:cTn id="11" fill="hold">
-                            <p:stCondLst>
-                              <p:cond delay="1000"/>
-                            </p:stCondLst>
-                            <p:childTnLst>
                               <p:par>
-                                <p:cTn id="12" presetID="10" presetClass="exit" presetSubtype="0" fill="hold" grpId="0" nodeType="afterEffect">
+                                <p:cTn id="11" presetID="10" presetClass="exit" presetSubtype="0" fill="hold" grpId="0" nodeType="withEffect">
                                   <p:stCondLst>
                                     <p:cond delay="0"/>
                                   </p:stCondLst>
                                   <p:childTnLst>
                                     <p:animEffect transition="out" filter="fade">
                                       <p:cBhvr>
-                                        <p:cTn id="13" dur="1000"/>
+                                        <p:cTn id="12" dur="1000"/>
                                         <p:tgtEl>
                                           <p:spTgt spid="55"/>
                                         </p:tgtEl>
@@ -16788,7 +18251,7 @@
                                     </p:animEffect>
                                     <p:set>
                                       <p:cBhvr>
-                                        <p:cTn id="14" dur="1" fill="hold">
+                                        <p:cTn id="13" dur="1" fill="hold">
                                           <p:stCondLst>
                                             <p:cond delay="999"/>
                                           </p:stCondLst>
@@ -16808,14 +18271,14 @@
                                 </p:cTn>
                               </p:par>
                               <p:par>
-                                <p:cTn id="15" presetID="10" presetClass="entr" presetSubtype="0" fill="hold" nodeType="withEffect">
+                                <p:cTn id="14" presetID="10" presetClass="entr" presetSubtype="0" fill="hold" nodeType="withEffect">
                                   <p:stCondLst>
                                     <p:cond delay="0"/>
                                   </p:stCondLst>
                                   <p:childTnLst>
                                     <p:set>
                                       <p:cBhvr>
-                                        <p:cTn id="16" dur="1" fill="hold">
+                                        <p:cTn id="15" dur="1" fill="hold">
                                           <p:stCondLst>
                                             <p:cond delay="0"/>
                                           </p:stCondLst>
@@ -16833,53 +18296,9 @@
                                     </p:set>
                                     <p:animEffect transition="in" filter="fade">
                                       <p:cBhvr>
-                                        <p:cTn id="17" dur="1000"/>
+                                        <p:cTn id="16" dur="1000"/>
                                         <p:tgtEl>
                                           <p:spTgt spid="103427"/>
-                                        </p:tgtEl>
-                                      </p:cBhvr>
-                                    </p:animEffect>
-                                  </p:childTnLst>
-                                </p:cTn>
-                              </p:par>
-                            </p:childTnLst>
-                          </p:cTn>
-                        </p:par>
-                        <p:par>
-                          <p:cTn id="18" fill="hold">
-                            <p:stCondLst>
-                              <p:cond delay="2000"/>
-                            </p:stCondLst>
-                            <p:childTnLst>
-                              <p:par>
-                                <p:cTn id="19" presetID="10" presetClass="entr" presetSubtype="0" fill="hold" nodeType="afterEffect">
-                                  <p:stCondLst>
-                                    <p:cond delay="0"/>
-                                  </p:stCondLst>
-                                  <p:childTnLst>
-                                    <p:set>
-                                      <p:cBhvr>
-                                        <p:cTn id="20" dur="1" fill="hold">
-                                          <p:stCondLst>
-                                            <p:cond delay="0"/>
-                                          </p:stCondLst>
-                                        </p:cTn>
-                                        <p:tgtEl>
-                                          <p:spTgt spid="40"/>
-                                        </p:tgtEl>
-                                        <p:attrNameLst>
-                                          <p:attrName>style.visibility</p:attrName>
-                                        </p:attrNameLst>
-                                      </p:cBhvr>
-                                      <p:to>
-                                        <p:strVal val="visible"/>
-                                      </p:to>
-                                    </p:set>
-                                    <p:animEffect transition="in" filter="fade">
-                                      <p:cBhvr>
-                                        <p:cTn id="21" dur="2000"/>
-                                        <p:tgtEl>
-                                          <p:spTgt spid="40"/>
                                         </p:tgtEl>
                                       </p:cBhvr>
                                     </p:animEffect>
@@ -16921,7 +18340,497 @@
 </p:sld>
 </file>
 
-<file path=ppt/slides/slide21.xml><?xml version="1.0" encoding="utf-8"?>
+<file path=ppt/slides/slide22.xml><?xml version="1.0" encoding="utf-8"?>
+<p:sld xmlns:a="http://schemas.openxmlformats.org/drawingml/2006/main" xmlns:r="http://schemas.openxmlformats.org/officeDocument/2006/relationships" xmlns:p="http://schemas.openxmlformats.org/presentationml/2006/main">
+  <p:cSld>
+    <p:spTree>
+      <p:nvGrpSpPr>
+        <p:cNvPr id="1" name=""/>
+        <p:cNvGrpSpPr/>
+        <p:nvPr/>
+      </p:nvGrpSpPr>
+      <p:grpSpPr>
+        <a:xfrm>
+          <a:off x="0" y="0"/>
+          <a:ext cx="0" cy="0"/>
+          <a:chOff x="0" y="0"/>
+          <a:chExt cx="0" cy="0"/>
+        </a:xfrm>
+      </p:grpSpPr>
+      <p:sp>
+        <p:nvSpPr>
+          <p:cNvPr id="646146" name="Rectangle 2"/>
+          <p:cNvSpPr>
+            <a:spLocks noGrp="1" noChangeArrowheads="1"/>
+          </p:cNvSpPr>
+          <p:nvPr>
+            <p:ph type="title"/>
+          </p:nvPr>
+        </p:nvSpPr>
+        <p:spPr>
+          <a:xfrm>
+            <a:off x="1786842" y="152399"/>
+            <a:ext cx="5497530" cy="1214063"/>
+          </a:xfrm>
+        </p:spPr>
+        <p:txBody>
+          <a:bodyPr>
+            <a:normAutofit/>
+          </a:bodyPr>
+          <a:lstStyle/>
+          <a:p>
+            <a:r>
+              <a:rPr lang="en-US" sz="4400" dirty="0" smtClean="0"/>
+              <a:t>some chains</a:t>
+            </a:r>
+            <a:endParaRPr lang="en-US" sz="4400" dirty="0"/>
+          </a:p>
+        </p:txBody>
+      </p:sp>
+      <p:sp>
+        <p:nvSpPr>
+          <p:cNvPr id="646177" name="Rectangle 33"/>
+          <p:cNvSpPr>
+            <a:spLocks noChangeArrowheads="1"/>
+          </p:cNvSpPr>
+          <p:nvPr/>
+        </p:nvSpPr>
+        <p:spPr bwMode="auto">
+          <a:xfrm>
+            <a:off x="4191000" y="1371600"/>
+            <a:ext cx="1040801" cy="4593651"/>
+          </a:xfrm>
+          <a:prstGeom prst="rect">
+            <a:avLst/>
+          </a:prstGeom>
+          <a:noFill/>
+          <a:ln w="38100">
+            <a:solidFill>
+              <a:srgbClr val="333399"/>
+            </a:solidFill>
+            <a:prstDash val="sysDot"/>
+            <a:miter lim="800000"/>
+            <a:headEnd/>
+            <a:tailEnd type="none" w="lg" len="lg"/>
+          </a:ln>
+          <a:effectLst/>
+        </p:spPr>
+        <p:txBody>
+          <a:bodyPr wrap="none" anchor="ctr"/>
+          <a:lstStyle/>
+          <a:p>
+            <a:endParaRPr lang="en-US" sz="1600">
+              <a:latin typeface="Comic Sans MS" pitchFamily="66" charset="0"/>
+            </a:endParaRPr>
+          </a:p>
+        </p:txBody>
+      </p:sp>
+      <p:sp>
+        <p:nvSpPr>
+          <p:cNvPr id="41" name="Slide Number Placeholder 5"/>
+          <p:cNvSpPr>
+            <a:spLocks noGrp="1"/>
+          </p:cNvSpPr>
+          <p:nvPr>
+            <p:ph type="sldNum" sz="quarter" idx="4"/>
+          </p:nvPr>
+        </p:nvSpPr>
+        <p:spPr>
+          <a:xfrm>
+            <a:off x="8237750" y="6596742"/>
+            <a:ext cx="906250" cy="261257"/>
+          </a:xfrm>
+          <a:prstGeom prst="rect">
+            <a:avLst/>
+          </a:prstGeom>
+        </p:spPr>
+        <p:txBody>
+          <a:bodyPr/>
+          <a:lstStyle>
+            <a:lvl1pPr>
+              <a:defRPr sz="1200">
+                <a:latin typeface="Comic Sans MS" pitchFamily="66" charset="0"/>
+              </a:defRPr>
+            </a:lvl1pPr>
+          </a:lstStyle>
+          <a:p>
+            <a:r>
+              <a:rPr lang="en-US" dirty="0" smtClean="0"/>
+              <a:t>7W.</a:t>
+            </a:r>
+            <a:fld id="{CA4C0C47-BA92-4669-BC5C-D64A96AF3D01}" type="slidenum">
+              <a:rPr lang="en-US" smtClean="0"/>
+              <a:pPr/>
+              <a:t>22</a:t>
+            </a:fld>
+            <a:endParaRPr lang="en-US" dirty="0"/>
+          </a:p>
+        </p:txBody>
+      </p:sp>
+      <p:sp>
+        <p:nvSpPr>
+          <p:cNvPr id="52" name="AutoShape 18"/>
+          <p:cNvSpPr>
+            <a:spLocks noChangeArrowheads="1"/>
+          </p:cNvSpPr>
+          <p:nvPr/>
+        </p:nvSpPr>
+        <p:spPr bwMode="auto">
+          <a:xfrm>
+            <a:off x="4343400" y="1600200"/>
+            <a:ext cx="762000" cy="381000"/>
+          </a:xfrm>
+          <a:prstGeom prst="roundRect">
+            <a:avLst>
+              <a:gd name="adj" fmla="val 16667"/>
+            </a:avLst>
+          </a:prstGeom>
+          <a:solidFill>
+            <a:srgbClr val="FFFF00"/>
+          </a:solidFill>
+          <a:ln w="28575">
+            <a:solidFill>
+              <a:schemeClr val="tx1"/>
+            </a:solidFill>
+            <a:round/>
+            <a:headEnd/>
+            <a:tailEnd type="none" w="lg" len="lg"/>
+          </a:ln>
+          <a:effectLst/>
+        </p:spPr>
+        <p:txBody>
+          <a:bodyPr wrap="none" anchor="ctr"/>
+          <a:lstStyle/>
+          <a:p>
+            <a:pPr>
+              <a:spcBef>
+                <a:spcPct val="0"/>
+              </a:spcBef>
+            </a:pPr>
+            <a:r>
+              <a:rPr lang="en-US" sz="2000" dirty="0" smtClean="0">
+                <a:latin typeface="Comic Sans MS" pitchFamily="66" charset="0"/>
+              </a:rPr>
+              <a:t>8.02</a:t>
+            </a:r>
+            <a:endParaRPr lang="en-US" sz="2000" dirty="0">
+              <a:latin typeface="Comic Sans MS" pitchFamily="66" charset="0"/>
+            </a:endParaRPr>
+          </a:p>
+        </p:txBody>
+      </p:sp>
+      <p:sp>
+        <p:nvSpPr>
+          <p:cNvPr id="54" name="AutoShape 20"/>
+          <p:cNvSpPr>
+            <a:spLocks noChangeArrowheads="1"/>
+          </p:cNvSpPr>
+          <p:nvPr/>
+        </p:nvSpPr>
+        <p:spPr bwMode="auto">
+          <a:xfrm>
+            <a:off x="4343400" y="3352800"/>
+            <a:ext cx="762000" cy="381000"/>
+          </a:xfrm>
+          <a:prstGeom prst="roundRect">
+            <a:avLst>
+              <a:gd name="adj" fmla="val 16667"/>
+            </a:avLst>
+          </a:prstGeom>
+          <a:solidFill>
+            <a:srgbClr val="FF00FF"/>
+          </a:solidFill>
+          <a:ln w="28575">
+            <a:solidFill>
+              <a:schemeClr val="tx1"/>
+            </a:solidFill>
+            <a:round/>
+            <a:headEnd/>
+            <a:tailEnd type="none" w="lg" len="lg"/>
+          </a:ln>
+          <a:effectLst/>
+        </p:spPr>
+        <p:txBody>
+          <a:bodyPr wrap="none" anchor="ctr"/>
+          <a:lstStyle/>
+          <a:p>
+            <a:pPr>
+              <a:spcBef>
+                <a:spcPct val="0"/>
+              </a:spcBef>
+            </a:pPr>
+            <a:r>
+              <a:rPr lang="en-US" sz="2000" dirty="0" smtClean="0">
+                <a:latin typeface="Comic Sans MS" pitchFamily="66" charset="0"/>
+              </a:rPr>
+              <a:t>6.004</a:t>
+            </a:r>
+            <a:endParaRPr lang="en-US" sz="2000" dirty="0">
+              <a:latin typeface="Comic Sans MS" pitchFamily="66" charset="0"/>
+            </a:endParaRPr>
+          </a:p>
+        </p:txBody>
+      </p:sp>
+      <p:sp>
+        <p:nvSpPr>
+          <p:cNvPr id="56" name="AutoShape 22"/>
+          <p:cNvSpPr>
+            <a:spLocks noChangeArrowheads="1"/>
+          </p:cNvSpPr>
+          <p:nvPr/>
+        </p:nvSpPr>
+        <p:spPr bwMode="auto">
+          <a:xfrm>
+            <a:off x="4343400" y="5226050"/>
+            <a:ext cx="762000" cy="381000"/>
+          </a:xfrm>
+          <a:prstGeom prst="roundRect">
+            <a:avLst>
+              <a:gd name="adj" fmla="val 16667"/>
+            </a:avLst>
+          </a:prstGeom>
+          <a:solidFill>
+            <a:srgbClr val="993366"/>
+          </a:solidFill>
+          <a:ln w="28575">
+            <a:solidFill>
+              <a:schemeClr val="tx1"/>
+            </a:solidFill>
+            <a:round/>
+            <a:headEnd/>
+            <a:tailEnd type="none" w="lg" len="lg"/>
+          </a:ln>
+          <a:effectLst/>
+        </p:spPr>
+        <p:txBody>
+          <a:bodyPr wrap="none" anchor="ctr"/>
+          <a:lstStyle/>
+          <a:p>
+            <a:pPr>
+              <a:spcBef>
+                <a:spcPct val="0"/>
+              </a:spcBef>
+            </a:pPr>
+            <a:r>
+              <a:rPr lang="en-US" sz="2000" dirty="0" smtClean="0">
+                <a:latin typeface="Comic Sans MS" pitchFamily="66" charset="0"/>
+              </a:rPr>
+              <a:t>6.857</a:t>
+            </a:r>
+            <a:endParaRPr lang="en-US" sz="2000" dirty="0">
+              <a:latin typeface="Comic Sans MS" pitchFamily="66" charset="0"/>
+            </a:endParaRPr>
+          </a:p>
+        </p:txBody>
+      </p:sp>
+      <p:cxnSp>
+        <p:nvCxnSpPr>
+          <p:cNvPr id="63" name="AutoShape 30"/>
+          <p:cNvCxnSpPr>
+            <a:cxnSpLocks noChangeShapeType="1"/>
+            <a:stCxn id="54" idx="2"/>
+            <a:endCxn id="56" idx="0"/>
+          </p:cNvCxnSpPr>
+          <p:nvPr/>
+        </p:nvCxnSpPr>
+        <p:spPr bwMode="auto">
+          <a:xfrm>
+            <a:off x="4724400" y="3733800"/>
+            <a:ext cx="0" cy="1492250"/>
+          </a:xfrm>
+          <a:prstGeom prst="straightConnector1">
+            <a:avLst/>
+          </a:prstGeom>
+          <a:noFill/>
+          <a:ln w="25400">
+            <a:solidFill>
+              <a:schemeClr val="tx1"/>
+            </a:solidFill>
+            <a:round/>
+            <a:headEnd/>
+            <a:tailEnd type="triangle" w="med" len="med"/>
+          </a:ln>
+          <a:effectLst/>
+        </p:spPr>
+      </p:cxnSp>
+      <p:cxnSp>
+        <p:nvCxnSpPr>
+          <p:cNvPr id="68" name="AutoShape 38"/>
+          <p:cNvCxnSpPr>
+            <a:cxnSpLocks noChangeShapeType="1"/>
+            <a:stCxn id="52" idx="2"/>
+            <a:endCxn id="54" idx="0"/>
+          </p:cNvCxnSpPr>
+          <p:nvPr/>
+        </p:nvCxnSpPr>
+        <p:spPr bwMode="auto">
+          <a:xfrm>
+            <a:off x="4724400" y="1981200"/>
+            <a:ext cx="0" cy="1371600"/>
+          </a:xfrm>
+          <a:prstGeom prst="straightConnector1">
+            <a:avLst/>
+          </a:prstGeom>
+          <a:noFill/>
+          <a:ln w="25400">
+            <a:solidFill>
+              <a:schemeClr val="tx1"/>
+            </a:solidFill>
+            <a:round/>
+            <a:headEnd/>
+            <a:tailEnd type="triangle" w="med" len="med"/>
+          </a:ln>
+          <a:effectLst/>
+        </p:spPr>
+      </p:cxnSp>
+      <p:grpSp>
+        <p:nvGrpSpPr>
+          <p:cNvPr id="40" name="Group 39"/>
+          <p:cNvGrpSpPr/>
+          <p:nvPr/>
+        </p:nvGrpSpPr>
+        <p:grpSpPr>
+          <a:xfrm>
+            <a:off x="4883463" y="1339851"/>
+            <a:ext cx="2590445" cy="4473939"/>
+            <a:chOff x="4883463" y="1339851"/>
+            <a:chExt cx="2590445" cy="4473939"/>
+          </a:xfrm>
+        </p:grpSpPr>
+        <p:sp>
+          <p:nvSpPr>
+            <p:cNvPr id="36" name="TextBox 35"/>
+            <p:cNvSpPr txBox="1"/>
+            <p:nvPr/>
+          </p:nvSpPr>
+          <p:spPr>
+            <a:xfrm>
+              <a:off x="5686239" y="2644170"/>
+              <a:ext cx="1787669" cy="1569660"/>
+            </a:xfrm>
+            <a:prstGeom prst="rect">
+              <a:avLst/>
+            </a:prstGeom>
+            <a:noFill/>
+          </p:spPr>
+          <p:txBody>
+            <a:bodyPr wrap="none" rtlCol="0">
+              <a:spAutoFit/>
+            </a:bodyPr>
+            <a:lstStyle/>
+            <a:p>
+              <a:r>
+                <a:rPr lang="en-US" sz="4800" dirty="0" smtClean="0">
+                  <a:latin typeface="Comic Sans MS" pitchFamily="66" charset="0"/>
+                </a:rPr>
+                <a:t>still a</a:t>
+              </a:r>
+            </a:p>
+            <a:p>
+              <a:r>
+                <a:rPr lang="en-US" sz="4800" dirty="0" smtClean="0">
+                  <a:latin typeface="Comic Sans MS" pitchFamily="66" charset="0"/>
+                </a:rPr>
+                <a:t>chain</a:t>
+              </a:r>
+            </a:p>
+          </p:txBody>
+        </p:sp>
+        <p:graphicFrame>
+          <p:nvGraphicFramePr>
+            <p:cNvPr id="103428" name="Object 4"/>
+            <p:cNvGraphicFramePr>
+              <a:graphicFrameLocks noChangeAspect="1"/>
+            </p:cNvGraphicFramePr>
+            <p:nvPr/>
+          </p:nvGraphicFramePr>
+          <p:xfrm>
+            <a:off x="4883463" y="1339851"/>
+            <a:ext cx="975089" cy="4473939"/>
+          </p:xfrm>
+          <a:graphic>
+            <a:graphicData uri="http://schemas.openxmlformats.org/presentationml/2006/ole">
+              <mc:AlternateContent xmlns:mc="http://schemas.openxmlformats.org/markup-compatibility/2006">
+                <mc:Choice xmlns:v="urn:schemas-microsoft-com:vml" Requires="v">
+                  <p:oleObj spid="_x0000_s1039" name="Equation" r:id="rId4" imgW="215900" imgH="990600" progId="Equation.DSMT4">
+                    <p:embed/>
+                  </p:oleObj>
+                </mc:Choice>
+                <mc:Fallback>
+                  <p:oleObj name="Equation" r:id="rId4" imgW="215900" imgH="990600" progId="Equation.DSMT4">
+                    <p:embed/>
+                    <p:pic>
+                      <p:nvPicPr>
+                        <p:cNvPr id="0" name=""/>
+                        <p:cNvPicPr>
+                          <a:picLocks noChangeAspect="1" noChangeArrowheads="1"/>
+                        </p:cNvPicPr>
+                        <p:nvPr/>
+                      </p:nvPicPr>
+                      <p:blipFill>
+                        <a:blip r:embed="rId5">
+                          <a:extLst>
+                            <a:ext uri="{28A0092B-C50C-407E-A947-70E740481C1C}">
+                              <a14:useLocalDpi xmlns:a14="http://schemas.microsoft.com/office/drawing/2010/main" val="0"/>
+                            </a:ext>
+                          </a:extLst>
+                        </a:blip>
+                        <a:srcRect/>
+                        <a:stretch>
+                          <a:fillRect/>
+                        </a:stretch>
+                      </p:blipFill>
+                      <p:spPr bwMode="auto">
+                        <a:xfrm>
+                          <a:off x="4883463" y="1339851"/>
+                          <a:ext cx="975089" cy="4473939"/>
+                        </a:xfrm>
+                        <a:prstGeom prst="rect">
+                          <a:avLst/>
+                        </a:prstGeom>
+                        <a:noFill/>
+                        <a:extLst>
+                          <a:ext uri="{909E8E84-426E-40dd-AFC4-6F175D3DCCD1}">
+                            <a14:hiddenFill xmlns:a14="http://schemas.microsoft.com/office/drawing/2010/main">
+                              <a:solidFill>
+                                <a:srgbClr val="FFFFFF"/>
+                              </a:solidFill>
+                            </a14:hiddenFill>
+                          </a:ext>
+                        </a:extLst>
+                      </p:spPr>
+                    </p:pic>
+                  </p:oleObj>
+                </mc:Fallback>
+              </mc:AlternateContent>
+            </a:graphicData>
+          </a:graphic>
+        </p:graphicFrame>
+      </p:grpSp>
+    </p:spTree>
+    <p:extLst>
+      <p:ext uri="{BB962C8B-B14F-4D97-AF65-F5344CB8AC3E}">
+        <p14:creationId xmlns:p14="http://schemas.microsoft.com/office/powerpoint/2010/main" val="2996623465"/>
+      </p:ext>
+    </p:extLst>
+  </p:cSld>
+  <p:clrMapOvr>
+    <a:masterClrMapping/>
+  </p:clrMapOvr>
+  <p:transition xmlns:p14="http://schemas.microsoft.com/office/powerpoint/2010/main" spd="slow">
+    <p:fade/>
+  </p:transition>
+  <p:timing>
+    <p:tnLst>
+      <p:par>
+        <p:cTn xmlns:p14="http://schemas.microsoft.com/office/powerpoint/2010/main" id="1" dur="indefinite" restart="never" nodeType="tmRoot"/>
+      </p:par>
+    </p:tnLst>
+  </p:timing>
+</p:sld>
+</file>
+
+<file path=ppt/slides/slide23.xml><?xml version="1.0" encoding="utf-8"?>
 <p:sld xmlns:a="http://schemas.openxmlformats.org/drawingml/2006/main" xmlns:r="http://schemas.openxmlformats.org/officeDocument/2006/relationships" xmlns:p="http://schemas.openxmlformats.org/presentationml/2006/main">
   <p:cSld>
     <p:spTree>
@@ -17024,7 +18933,7 @@
             <a:fld id="{CA4C0C47-BA92-4669-BC5C-D64A96AF3D01}" type="slidenum">
               <a:rPr lang="en-US" smtClean="0"/>
               <a:pPr/>
-              <a:t>21</a:t>
+              <a:t>23</a:t>
             </a:fld>
             <a:endParaRPr lang="en-US" dirty="0"/>
           </a:p>
@@ -18185,7 +20094,7 @@
 </p:sld>
 </file>
 
-<file path=ppt/slides/slide22.xml><?xml version="1.0" encoding="utf-8"?>
+<file path=ppt/slides/slide24.xml><?xml version="1.0" encoding="utf-8"?>
 <p:sld xmlns:a="http://schemas.openxmlformats.org/drawingml/2006/main" xmlns:r="http://schemas.openxmlformats.org/officeDocument/2006/relationships" xmlns:p="http://schemas.openxmlformats.org/presentationml/2006/main">
   <p:cSld>
     <p:spTree>
@@ -18424,7 +20333,7 @@
                             </p:stCondLst>
                             <p:childTnLst>
                               <p:par>
-                                <p:cTn id="9" presetID="1" presetClass="entr" presetSubtype="0" fill="hold" nodeType="clickEffect">
+                                <p:cTn id="9" presetID="9" presetClass="entr" presetSubtype="0" fill="hold" nodeType="clickEffect">
                                   <p:stCondLst>
                                     <p:cond delay="0"/>
                                   </p:stCondLst>
@@ -18451,6 +20360,18 @@
                                         <p:strVal val="visible"/>
                                       </p:to>
                                     </p:set>
+                                    <p:animEffect transition="in" filter="dissolve">
+                                      <p:cBhvr>
+                                        <p:cTn id="11" dur="500"/>
+                                        <p:tgtEl>
+                                          <p:spTgt spid="644099">
+                                            <p:txEl>
+                                              <p:pRg st="1" end="1"/>
+                                            </p:txEl>
+                                          </p:spTgt>
+                                        </p:tgtEl>
+                                      </p:cBhvr>
+                                    </p:animEffect>
                                   </p:childTnLst>
                                 </p:cTn>
                               </p:par>
@@ -18461,26 +20382,26 @@
                     </p:cTn>
                   </p:par>
                   <p:par>
-                    <p:cTn id="11" fill="hold">
+                    <p:cTn id="12" fill="hold">
                       <p:stCondLst>
                         <p:cond delay="indefinite"/>
                       </p:stCondLst>
                       <p:childTnLst>
                         <p:par>
-                          <p:cTn id="12" fill="hold">
+                          <p:cTn id="13" fill="hold">
                             <p:stCondLst>
                               <p:cond delay="0"/>
                             </p:stCondLst>
                             <p:childTnLst>
                               <p:par>
-                                <p:cTn id="13" presetID="1" presetClass="entr" presetSubtype="0" fill="hold" nodeType="clickEffect">
+                                <p:cTn id="14" presetID="9" presetClass="entr" presetSubtype="0" fill="hold" nodeType="clickEffect">
                                   <p:stCondLst>
                                     <p:cond delay="0"/>
                                   </p:stCondLst>
                                   <p:childTnLst>
                                     <p:set>
                                       <p:cBhvr>
-                                        <p:cTn id="14" dur="1" fill="hold">
+                                        <p:cTn id="15" dur="1" fill="hold">
                                           <p:stCondLst>
                                             <p:cond delay="0"/>
                                           </p:stCondLst>
@@ -18500,6 +20421,18 @@
                                         <p:strVal val="visible"/>
                                       </p:to>
                                     </p:set>
+                                    <p:animEffect transition="in" filter="dissolve">
+                                      <p:cBhvr>
+                                        <p:cTn id="16" dur="500"/>
+                                        <p:tgtEl>
+                                          <p:spTgt spid="644099">
+                                            <p:txEl>
+                                              <p:pRg st="2" end="2"/>
+                                            </p:txEl>
+                                          </p:spTgt>
+                                        </p:tgtEl>
+                                      </p:cBhvr>
+                                    </p:animEffect>
                                   </p:childTnLst>
                                 </p:cTn>
                               </p:par>
@@ -18534,7 +20467,7 @@
 </p:sld>
 </file>
 
-<file path=ppt/slides/slide23.xml><?xml version="1.0" encoding="utf-8"?>
+<file path=ppt/slides/slide25.xml><?xml version="1.0" encoding="utf-8"?>
 <p:sld xmlns:a="http://schemas.openxmlformats.org/drawingml/2006/main" xmlns:r="http://schemas.openxmlformats.org/officeDocument/2006/relationships" xmlns:p="http://schemas.openxmlformats.org/presentationml/2006/main">
   <p:cSld>
     <p:spTree>
@@ -18568,18 +20501,20 @@
           </a:xfrm>
         </p:spPr>
         <p:txBody>
-          <a:bodyPr/>
+          <a:bodyPr>
+            <a:normAutofit/>
+          </a:bodyPr>
           <a:lstStyle/>
           <a:p>
             <a:r>
-              <a:rPr lang="en-US" sz="3600" dirty="0" smtClean="0">
+              <a:rPr lang="en-US" sz="4400" dirty="0" smtClean="0">
                 <a:solidFill>
                   <a:srgbClr val="008000"/>
                 </a:solidFill>
               </a:rPr>
               <a:t>…sufficient</a:t>
             </a:r>
-            <a:endParaRPr lang="en-US" sz="3600" dirty="0"/>
+            <a:endParaRPr lang="en-US" sz="4400" dirty="0"/>
           </a:p>
         </p:txBody>
       </p:sp>
@@ -18619,7 +20554,7 @@
             <a:fld id="{CA4C0C47-BA92-4669-BC5C-D64A96AF3D01}" type="slidenum">
               <a:rPr lang="en-US" smtClean="0"/>
               <a:pPr/>
-              <a:t>23</a:t>
+              <a:t>25</a:t>
             </a:fld>
             <a:endParaRPr lang="en-US" dirty="0"/>
           </a:p>
@@ -19912,23 +21847,220 @@
           </p:txBody>
         </p:sp>
       </p:grpSp>
+      <p:grpSp>
+        <p:nvGrpSpPr>
+          <p:cNvPr id="9" name="Group 8"/>
+          <p:cNvGrpSpPr/>
+          <p:nvPr/>
+        </p:nvGrpSpPr>
+        <p:grpSpPr>
+          <a:xfrm>
+            <a:off x="5571795" y="2634458"/>
+            <a:ext cx="3298274" cy="2066515"/>
+            <a:chOff x="5571795" y="2634458"/>
+            <a:chExt cx="3298274" cy="2066515"/>
+          </a:xfrm>
+          <a:solidFill>
+            <a:schemeClr val="accent5">
+              <a:lumMod val="40000"/>
+              <a:lumOff val="60000"/>
+            </a:schemeClr>
+          </a:solidFill>
+        </p:grpSpPr>
+        <p:sp>
+          <p:nvSpPr>
+            <p:cNvPr id="3" name="TextBox 2"/>
+            <p:cNvSpPr txBox="1"/>
+            <p:nvPr/>
+          </p:nvSpPr>
+          <p:spPr>
+            <a:xfrm>
+              <a:off x="5571795" y="3254423"/>
+              <a:ext cx="3298274" cy="1446550"/>
+            </a:xfrm>
+            <a:prstGeom prst="rect">
+              <a:avLst/>
+            </a:prstGeom>
+            <a:grpFill/>
+            <a:ln w="38100">
+              <a:solidFill>
+                <a:srgbClr val="FF00FF"/>
+              </a:solidFill>
+              <a:prstDash val="sysDash"/>
+            </a:ln>
+          </p:spPr>
+          <p:txBody>
+            <a:bodyPr wrap="none" rtlCol="0">
+              <a:spAutoFit/>
+            </a:bodyPr>
+            <a:lstStyle/>
+            <a:p>
+              <a:r>
+                <a:rPr lang="en-US" sz="4400" dirty="0" smtClean="0">
+                  <a:latin typeface="Comic Sans MS" pitchFamily="66" charset="0"/>
+                </a:rPr>
+                <a:t>heavy term:</a:t>
+              </a:r>
+            </a:p>
+            <a:p>
+              <a:r>
+                <a:rPr lang="en-US" sz="4400" dirty="0" smtClean="0">
+                  <a:latin typeface="Comic Sans MS" pitchFamily="66" charset="0"/>
+                </a:rPr>
+                <a:t>5 subjects</a:t>
+              </a:r>
+            </a:p>
+          </p:txBody>
+        </p:sp>
+        <p:cxnSp>
+          <p:nvCxnSpPr>
+            <p:cNvPr id="4" name="Curved Connector 3"/>
+            <p:cNvCxnSpPr>
+              <a:stCxn id="3" idx="0"/>
+              <a:endCxn id="54" idx="3"/>
+            </p:cNvCxnSpPr>
+            <p:nvPr/>
+          </p:nvCxnSpPr>
+          <p:spPr>
+            <a:xfrm rot="5400000" flipH="1" flipV="1">
+              <a:off x="7089845" y="2765544"/>
+              <a:ext cx="619966" cy="357793"/>
+            </a:xfrm>
+            <a:prstGeom prst="curvedConnector4">
+              <a:avLst>
+                <a:gd name="adj1" fmla="val 21897"/>
+                <a:gd name="adj2" fmla="val 163892"/>
+              </a:avLst>
+            </a:prstGeom>
+            <a:grpFill/>
+            <a:ln w="34925">
+              <a:solidFill>
+                <a:srgbClr val="FF00FF"/>
+              </a:solidFill>
+              <a:prstDash val="sysDash"/>
+              <a:tailEnd type="stealth" w="lg" len="lg"/>
+            </a:ln>
+          </p:spPr>
+          <p:style>
+            <a:lnRef idx="2">
+              <a:schemeClr val="accent1"/>
+            </a:lnRef>
+            <a:fillRef idx="0">
+              <a:schemeClr val="accent1"/>
+            </a:fillRef>
+            <a:effectRef idx="1">
+              <a:schemeClr val="accent1"/>
+            </a:effectRef>
+            <a:fontRef idx="minor">
+              <a:schemeClr val="tx1"/>
+            </a:fontRef>
+          </p:style>
+        </p:cxnSp>
+      </p:grpSp>
     </p:spTree>
   </p:cSld>
   <p:clrMapOvr>
     <a:masterClrMapping/>
   </p:clrMapOvr>
-  <p:transition xmlns:p14="http://schemas.microsoft.com/office/powerpoint/2010/main"/>
+  <mc:AlternateContent xmlns:mc="http://schemas.openxmlformats.org/markup-compatibility/2006">
+    <mc:Choice xmlns:p14="http://schemas.microsoft.com/office/powerpoint/2010/main" Requires="p14">
+      <p:transition spd="med" p14:dur="700">
+        <p:fade/>
+      </p:transition>
+    </mc:Choice>
+    <mc:Fallback>
+      <p:transition xmlns:p14="http://schemas.microsoft.com/office/powerpoint/2010/main" spd="med">
+        <p:fade/>
+      </p:transition>
+    </mc:Fallback>
+  </mc:AlternateContent>
   <p:timing>
     <p:tnLst>
       <p:par>
-        <p:cTn xmlns:p14="http://schemas.microsoft.com/office/powerpoint/2010/main" id="1" dur="indefinite" restart="never" nodeType="tmRoot"/>
+        <p:cTn xmlns:p14="http://schemas.microsoft.com/office/powerpoint/2010/main" id="1" dur="indefinite" restart="never" nodeType="tmRoot">
+          <p:childTnLst>
+            <p:seq concurrent="1" nextAc="seek">
+              <p:cTn id="2" dur="indefinite" nodeType="mainSeq">
+                <p:childTnLst>
+                  <p:par>
+                    <p:cTn id="3" fill="hold">
+                      <p:stCondLst>
+                        <p:cond delay="indefinite"/>
+                      </p:stCondLst>
+                      <p:childTnLst>
+                        <p:par>
+                          <p:cTn id="4" fill="hold">
+                            <p:stCondLst>
+                              <p:cond delay="0"/>
+                            </p:stCondLst>
+                            <p:childTnLst>
+                              <p:par>
+                                <p:cTn id="5" presetID="9" presetClass="entr" presetSubtype="0" fill="hold" nodeType="clickEffect">
+                                  <p:stCondLst>
+                                    <p:cond delay="0"/>
+                                  </p:stCondLst>
+                                  <p:childTnLst>
+                                    <p:set>
+                                      <p:cBhvr>
+                                        <p:cTn id="6" dur="1" fill="hold">
+                                          <p:stCondLst>
+                                            <p:cond delay="0"/>
+                                          </p:stCondLst>
+                                        </p:cTn>
+                                        <p:tgtEl>
+                                          <p:spTgt spid="9"/>
+                                        </p:tgtEl>
+                                        <p:attrNameLst>
+                                          <p:attrName>style.visibility</p:attrName>
+                                        </p:attrNameLst>
+                                      </p:cBhvr>
+                                      <p:to>
+                                        <p:strVal val="visible"/>
+                                      </p:to>
+                                    </p:set>
+                                    <p:animEffect transition="in" filter="dissolve">
+                                      <p:cBhvr>
+                                        <p:cTn id="7" dur="500"/>
+                                        <p:tgtEl>
+                                          <p:spTgt spid="9"/>
+                                        </p:tgtEl>
+                                      </p:cBhvr>
+                                    </p:animEffect>
+                                  </p:childTnLst>
+                                </p:cTn>
+                              </p:par>
+                            </p:childTnLst>
+                          </p:cTn>
+                        </p:par>
+                      </p:childTnLst>
+                    </p:cTn>
+                  </p:par>
+                </p:childTnLst>
+              </p:cTn>
+              <p:prevCondLst>
+                <p:cond evt="onPrev" delay="0">
+                  <p:tgtEl>
+                    <p:sldTgt/>
+                  </p:tgtEl>
+                </p:cond>
+              </p:prevCondLst>
+              <p:nextCondLst>
+                <p:cond evt="onNext" delay="0">
+                  <p:tgtEl>
+                    <p:sldTgt/>
+                  </p:tgtEl>
+                </p:cond>
+              </p:nextCondLst>
+            </p:seq>
+          </p:childTnLst>
+        </p:cTn>
       </p:par>
     </p:tnLst>
   </p:timing>
 </p:sld>
 </file>
 
-<file path=ppt/slides/slide24.xml><?xml version="1.0" encoding="utf-8"?>
+<file path=ppt/slides/slide26.xml><?xml version="1.0" encoding="utf-8"?>
 <p:sld xmlns:a="http://schemas.openxmlformats.org/drawingml/2006/main" xmlns:r="http://schemas.openxmlformats.org/officeDocument/2006/relationships" xmlns:p="http://schemas.openxmlformats.org/presentationml/2006/main">
   <p:cSld>
     <p:spTree>
@@ -20064,7 +22196,7 @@
               <a:defRPr/>
             </a:pPr>
             <a:r>
-              <a:rPr kumimoji="0" lang="en-US" sz="3200" b="1" i="0" u="none" strike="noStrike" kern="1200" cap="none" spc="0" normalizeH="0" baseline="0" noProof="0" dirty="0" smtClean="0">
+              <a:rPr kumimoji="0" lang="en-US" sz="4000" b="1" i="0" u="none" strike="noStrike" kern="1200" cap="none" spc="0" normalizeH="0" baseline="0" noProof="0" dirty="0" smtClean="0">
                 <a:ln>
                   <a:noFill/>
                 </a:ln>
@@ -20080,7 +22212,7 @@
               </a:rPr>
               <a:t>reduce the term load</a:t>
             </a:r>
-            <a:endParaRPr kumimoji="0" lang="en-US" sz="3200" b="1" i="0" u="none" strike="noStrike" kern="1200" cap="none" spc="0" normalizeH="0" baseline="0" noProof="0" dirty="0">
+            <a:endParaRPr kumimoji="0" lang="en-US" sz="4000" b="1" i="0" u="none" strike="noStrike" kern="1200" cap="none" spc="0" normalizeH="0" baseline="0" noProof="0" dirty="0">
               <a:ln>
                 <a:noFill/>
               </a:ln>
@@ -20169,7 +22301,7 @@
             <a:fld id="{CA4C0C47-BA92-4669-BC5C-D64A96AF3D01}" type="slidenum">
               <a:rPr lang="en-US" smtClean="0"/>
               <a:pPr/>
-              <a:t>24</a:t>
+              <a:t>26</a:t>
             </a:fld>
             <a:endParaRPr lang="en-US" dirty="0"/>
           </a:p>
@@ -21467,8 +23599,8 @@
   <p:clrMapOvr>
     <a:masterClrMapping/>
   </p:clrMapOvr>
-  <p:transition xmlns:p14="http://schemas.microsoft.com/office/powerpoint/2010/main">
-    <p:fade thruBlk="1"/>
+  <p:transition xmlns:p14="http://schemas.microsoft.com/office/powerpoint/2010/main" spd="slow" advClick="0" advTm="2000">
+    <p:fade/>
   </p:transition>
   <p:timing>
     <p:tnLst>
@@ -21534,7 +23666,7 @@
                                   <p:childTnLst>
                                     <p:animMotion origin="layout" path="M 0 0 L -0.0191 0.13486 " pathEditMode="relative" ptsTypes="AA">
                                       <p:cBhvr>
-                                        <p:cTn id="9" dur="2000" fill="hold"/>
+                                        <p:cTn id="9" dur="1000" fill="hold"/>
                                         <p:tgtEl>
                                           <p:spTgt spid="755722"/>
                                         </p:tgtEl>
@@ -21582,7 +23714,7 @@
 </p:sld>
 </file>
 
-<file path=ppt/slides/slide25.xml><?xml version="1.0" encoding="utf-8"?>
+<file path=ppt/slides/slide27.xml><?xml version="1.0" encoding="utf-8"?>
 <p:sld xmlns:a="http://schemas.openxmlformats.org/drawingml/2006/main" xmlns:r="http://schemas.openxmlformats.org/officeDocument/2006/relationships" xmlns:p="http://schemas.openxmlformats.org/presentationml/2006/main">
   <p:cSld>
     <p:spTree>
@@ -21599,6 +23731,126 @@
           <a:chExt cx="0" cy="0"/>
         </a:xfrm>
       </p:grpSpPr>
+      <p:sp>
+        <p:nvSpPr>
+          <p:cNvPr id="43" name="Rectangle 8"/>
+          <p:cNvSpPr txBox="1">
+            <a:spLocks noChangeArrowheads="1"/>
+          </p:cNvSpPr>
+          <p:nvPr/>
+        </p:nvSpPr>
+        <p:spPr>
+          <a:xfrm>
+            <a:off x="1428850" y="274638"/>
+            <a:ext cx="6662057" cy="1105126"/>
+          </a:xfrm>
+          <a:prstGeom prst="rect">
+            <a:avLst/>
+          </a:prstGeom>
+        </p:spPr>
+        <p:txBody>
+          <a:bodyPr vert="horz" lIns="91440" tIns="45720" rIns="91440" bIns="45720" rtlCol="0" anchor="ctr">
+            <a:normAutofit/>
+          </a:bodyPr>
+          <a:lstStyle/>
+          <a:p>
+            <a:pPr marL="0" marR="0" lvl="0" indent="0" algn="ctr" defTabSz="914400" rtl="0" eaLnBrk="1" fontAlgn="auto" latinLnBrk="0" hangingPunct="1">
+              <a:lnSpc>
+                <a:spcPct val="100000"/>
+              </a:lnSpc>
+              <a:spcBef>
+                <a:spcPct val="0"/>
+              </a:spcBef>
+              <a:spcAft>
+                <a:spcPts val="0"/>
+              </a:spcAft>
+              <a:buClrTx/>
+              <a:buSzTx/>
+              <a:buFontTx/>
+              <a:buNone/>
+              <a:tabLst/>
+              <a:defRPr/>
+            </a:pPr>
+            <a:r>
+              <a:rPr kumimoji="0" lang="en-US" sz="3600" b="1" i="0" u="none" strike="noStrike" kern="1200" cap="none" spc="0" normalizeH="0" baseline="0" noProof="0" dirty="0" smtClean="0">
+                <a:ln>
+                  <a:noFill/>
+                </a:ln>
+                <a:solidFill>
+                  <a:schemeClr val="tx1"/>
+                </a:solidFill>
+                <a:effectLst/>
+                <a:uLnTx/>
+                <a:uFillTx/>
+                <a:latin typeface="Comic Sans MS" pitchFamily="66" charset="0"/>
+                <a:ea typeface="+mj-ea"/>
+                <a:cs typeface="+mj-cs"/>
+              </a:rPr>
+              <a:t>reduce the term load</a:t>
+            </a:r>
+            <a:endParaRPr kumimoji="0" lang="en-US" sz="3600" b="1" i="0" u="none" strike="noStrike" kern="1200" cap="none" spc="0" normalizeH="0" baseline="0" noProof="0" dirty="0">
+              <a:ln>
+                <a:noFill/>
+              </a:ln>
+              <a:solidFill>
+                <a:schemeClr val="tx1"/>
+              </a:solidFill>
+              <a:effectLst/>
+              <a:uLnTx/>
+              <a:uFillTx/>
+              <a:latin typeface="Comic Sans MS" pitchFamily="66" charset="0"/>
+              <a:ea typeface="+mj-ea"/>
+              <a:cs typeface="+mj-cs"/>
+            </a:endParaRPr>
+          </a:p>
+        </p:txBody>
+      </p:sp>
+      <p:sp useBgFill="1">
+        <p:nvSpPr>
+          <p:cNvPr id="74" name="Rectangle 8"/>
+          <p:cNvSpPr>
+            <a:spLocks noGrp="1" noChangeArrowheads="1"/>
+          </p:cNvSpPr>
+          <p:nvPr>
+            <p:ph type="title"/>
+          </p:nvPr>
+        </p:nvSpPr>
+        <p:spPr>
+          <a:xfrm>
+            <a:off x="1511043" y="305460"/>
+            <a:ext cx="6307600" cy="1081551"/>
+          </a:xfrm>
+        </p:spPr>
+        <p:txBody>
+          <a:bodyPr>
+            <a:normAutofit/>
+          </a:bodyPr>
+          <a:lstStyle/>
+          <a:p>
+            <a:r>
+              <a:rPr lang="en-US" sz="4000" dirty="0" smtClean="0"/>
+              <a:t>at most </a:t>
+            </a:r>
+            <a:r>
+              <a:rPr lang="en-US" sz="4000" dirty="0" smtClean="0">
+                <a:solidFill>
+                  <a:schemeClr val="tx1"/>
+                </a:solidFill>
+              </a:rPr>
+              <a:t>4 subjects/ter</a:t>
+            </a:r>
+            <a:r>
+              <a:rPr lang="en-US" sz="4000" dirty="0"/>
+              <a:t>m</a:t>
+            </a:r>
+            <a:endParaRPr lang="en-US" sz="4000" dirty="0">
+              <a:solidFill>
+                <a:schemeClr val="tx1"/>
+              </a:solidFill>
+            </a:endParaRPr>
+          </a:p>
+        </p:txBody>
+      </p:sp>
       <p:sp>
         <p:nvSpPr>
           <p:cNvPr id="755722" name="AutoShape 10"/>
@@ -21648,109 +23900,6 @@
           </a:p>
         </p:txBody>
       </p:sp>
-      <p:cxnSp>
-        <p:nvCxnSpPr>
-          <p:cNvPr id="755736" name="AutoShape 24"/>
-          <p:cNvCxnSpPr>
-            <a:cxnSpLocks noChangeShapeType="1"/>
-            <a:endCxn id="755722" idx="0"/>
-          </p:cNvCxnSpPr>
-          <p:nvPr/>
-        </p:nvCxnSpPr>
-        <p:spPr bwMode="auto">
-          <a:xfrm rot="5400000">
-            <a:off x="870645" y="2064341"/>
-            <a:ext cx="1422297" cy="1256014"/>
-          </a:xfrm>
-          <a:prstGeom prst="straightConnector1">
-            <a:avLst/>
-          </a:prstGeom>
-          <a:noFill/>
-          <a:ln w="25400">
-            <a:solidFill>
-              <a:schemeClr val="tx1"/>
-            </a:solidFill>
-            <a:round/>
-            <a:headEnd/>
-            <a:tailEnd type="triangle" w="med" len="med"/>
-          </a:ln>
-          <a:effectLst/>
-        </p:spPr>
-      </p:cxnSp>
-      <p:sp>
-        <p:nvSpPr>
-          <p:cNvPr id="43" name="Rectangle 8"/>
-          <p:cNvSpPr txBox="1">
-            <a:spLocks noChangeArrowheads="1"/>
-          </p:cNvSpPr>
-          <p:nvPr/>
-        </p:nvSpPr>
-        <p:spPr>
-          <a:xfrm>
-            <a:off x="1428850" y="274638"/>
-            <a:ext cx="6662057" cy="1105126"/>
-          </a:xfrm>
-          <a:prstGeom prst="rect">
-            <a:avLst/>
-          </a:prstGeom>
-        </p:spPr>
-        <p:txBody>
-          <a:bodyPr vert="horz" lIns="91440" tIns="45720" rIns="91440" bIns="45720" rtlCol="0" anchor="ctr">
-            <a:normAutofit/>
-          </a:bodyPr>
-          <a:lstStyle/>
-          <a:p>
-            <a:pPr marL="0" marR="0" lvl="0" indent="0" algn="ctr" defTabSz="914400" rtl="0" eaLnBrk="1" fontAlgn="auto" latinLnBrk="0" hangingPunct="1">
-              <a:lnSpc>
-                <a:spcPct val="100000"/>
-              </a:lnSpc>
-              <a:spcBef>
-                <a:spcPct val="0"/>
-              </a:spcBef>
-              <a:spcAft>
-                <a:spcPts val="0"/>
-              </a:spcAft>
-              <a:buClrTx/>
-              <a:buSzTx/>
-              <a:buFontTx/>
-              <a:buNone/>
-              <a:tabLst/>
-              <a:defRPr/>
-            </a:pPr>
-            <a:r>
-              <a:rPr kumimoji="0" lang="en-US" sz="3200" b="1" i="0" u="none" strike="noStrike" kern="1200" cap="none" spc="0" normalizeH="0" baseline="0" noProof="0" dirty="0" smtClean="0">
-                <a:ln>
-                  <a:noFill/>
-                </a:ln>
-                <a:solidFill>
-                  <a:schemeClr val="tx1"/>
-                </a:solidFill>
-                <a:effectLst/>
-                <a:uLnTx/>
-                <a:uFillTx/>
-                <a:latin typeface="Comic Sans MS" pitchFamily="66" charset="0"/>
-                <a:ea typeface="+mj-ea"/>
-                <a:cs typeface="+mj-cs"/>
-              </a:rPr>
-              <a:t>reduce the term load</a:t>
-            </a:r>
-            <a:endParaRPr kumimoji="0" lang="en-US" sz="3200" b="1" i="0" u="none" strike="noStrike" kern="1200" cap="none" spc="0" normalizeH="0" baseline="0" noProof="0" dirty="0">
-              <a:ln>
-                <a:noFill/>
-              </a:ln>
-              <a:solidFill>
-                <a:schemeClr val="tx1"/>
-              </a:solidFill>
-              <a:effectLst/>
-              <a:uLnTx/>
-              <a:uFillTx/>
-              <a:latin typeface="Comic Sans MS" pitchFamily="66" charset="0"/>
-              <a:ea typeface="+mj-ea"/>
-              <a:cs typeface="+mj-cs"/>
-            </a:endParaRPr>
-          </a:p>
-        </p:txBody>
-      </p:sp>
       <p:sp>
         <p:nvSpPr>
           <p:cNvPr id="45" name="Slide Number Placeholder 5"/>
@@ -21787,7 +23936,7 @@
             <a:fld id="{CA4C0C47-BA92-4669-BC5C-D64A96AF3D01}" type="slidenum">
               <a:rPr lang="en-US" smtClean="0"/>
               <a:pPr/>
-              <a:t>25</a:t>
+              <a:t>27</a:t>
             </a:fld>
             <a:endParaRPr lang="en-US" dirty="0"/>
           </a:p>
@@ -21809,6 +23958,55 @@
             <a:chExt cx="4390" cy="2609"/>
           </a:xfrm>
         </p:grpSpPr>
+        <p:sp>
+          <p:nvSpPr>
+            <p:cNvPr id="47" name="Rectangle 8"/>
+            <p:cNvSpPr>
+              <a:spLocks noChangeArrowheads="1"/>
+            </p:cNvSpPr>
+            <p:nvPr/>
+          </p:nvSpPr>
+          <p:spPr bwMode="auto">
+            <a:xfrm>
+              <a:off x="384" y="1440"/>
+              <a:ext cx="4390" cy="439"/>
+            </a:xfrm>
+            <a:prstGeom prst="rect">
+              <a:avLst/>
+            </a:prstGeom>
+            <a:solidFill>
+              <a:srgbClr val="CCFF99">
+                <a:alpha val="67000"/>
+              </a:srgbClr>
+            </a:solidFill>
+            <a:ln w="28575">
+              <a:solidFill>
+                <a:srgbClr val="008000"/>
+              </a:solidFill>
+              <a:miter lim="800000"/>
+              <a:headEnd/>
+              <a:tailEnd type="none" w="lg" len="lg"/>
+            </a:ln>
+            <a:effectLst/>
+          </p:spPr>
+          <p:txBody>
+            <a:bodyPr wrap="none" anchor="ctr"/>
+            <a:lstStyle/>
+            <a:p>
+              <a:pPr>
+                <a:spcBef>
+                  <a:spcPct val="0"/>
+                </a:spcBef>
+              </a:pPr>
+              <a:endParaRPr lang="en-US" sz="3600">
+                <a:solidFill>
+                  <a:srgbClr val="CCFF99"/>
+                </a:solidFill>
+                <a:latin typeface="Comic Sans MS" pitchFamily="66" charset="0"/>
+              </a:endParaRPr>
+            </a:p>
+          </p:txBody>
+        </p:sp>
         <p:sp>
           <p:nvSpPr>
             <p:cNvPr id="41" name="Rectangle 3"/>
@@ -21999,55 +24197,6 @@
               <a:endParaRPr lang="en-US" sz="3600">
                 <a:solidFill>
                   <a:srgbClr val="008000"/>
-                </a:solidFill>
-                <a:latin typeface="Comic Sans MS" pitchFamily="66" charset="0"/>
-              </a:endParaRPr>
-            </a:p>
-          </p:txBody>
-        </p:sp>
-        <p:sp>
-          <p:nvSpPr>
-            <p:cNvPr id="47" name="Rectangle 8"/>
-            <p:cNvSpPr>
-              <a:spLocks noChangeArrowheads="1"/>
-            </p:cNvSpPr>
-            <p:nvPr/>
-          </p:nvSpPr>
-          <p:spPr bwMode="auto">
-            <a:xfrm>
-              <a:off x="384" y="1440"/>
-              <a:ext cx="4390" cy="439"/>
-            </a:xfrm>
-            <a:prstGeom prst="rect">
-              <a:avLst/>
-            </a:prstGeom>
-            <a:solidFill>
-              <a:srgbClr val="CCFF99">
-                <a:alpha val="67000"/>
-              </a:srgbClr>
-            </a:solidFill>
-            <a:ln w="28575">
-              <a:solidFill>
-                <a:srgbClr val="008000"/>
-              </a:solidFill>
-              <a:miter lim="800000"/>
-              <a:headEnd/>
-              <a:tailEnd type="none" w="lg" len="lg"/>
-            </a:ln>
-            <a:effectLst/>
-          </p:spPr>
-          <p:txBody>
-            <a:bodyPr wrap="none" anchor="ctr"/>
-            <a:lstStyle/>
-            <a:p>
-              <a:pPr>
-                <a:spcBef>
-                  <a:spcPct val="0"/>
-                </a:spcBef>
-              </a:pPr>
-              <a:endParaRPr lang="en-US" sz="3600">
-                <a:solidFill>
-                  <a:srgbClr val="CCFF99"/>
                 </a:solidFill>
                 <a:latin typeface="Comic Sans MS" pitchFamily="66" charset="0"/>
               </a:endParaRPr>
@@ -23001,84 +25150,48 @@
           </p:txBody>
         </p:sp>
       </p:grpSp>
-      <p:sp useBgFill="1">
-        <p:nvSpPr>
-          <p:cNvPr id="74" name="Rectangle 8"/>
-          <p:cNvSpPr>
-            <a:spLocks noGrp="1" noChangeArrowheads="1"/>
-          </p:cNvSpPr>
-          <p:nvPr>
-            <p:ph type="title"/>
-          </p:nvPr>
-        </p:nvSpPr>
-        <p:spPr>
-          <a:xfrm>
-            <a:off x="1511043" y="305460"/>
-            <a:ext cx="6307600" cy="1081551"/>
+      <p:cxnSp>
+        <p:nvCxnSpPr>
+          <p:cNvPr id="755736" name="AutoShape 24"/>
+          <p:cNvCxnSpPr>
+            <a:cxnSpLocks noChangeShapeType="1"/>
+            <a:endCxn id="755722" idx="0"/>
+          </p:cNvCxnSpPr>
+          <p:nvPr/>
+        </p:nvCxnSpPr>
+        <p:spPr bwMode="auto">
+          <a:xfrm rot="5400000">
+            <a:off x="870645" y="2064341"/>
+            <a:ext cx="1422297" cy="1256014"/>
           </a:xfrm>
+          <a:prstGeom prst="straightConnector1">
+            <a:avLst/>
+          </a:prstGeom>
+          <a:noFill/>
+          <a:ln w="25400">
+            <a:solidFill>
+              <a:schemeClr val="tx1"/>
+            </a:solidFill>
+            <a:round/>
+            <a:headEnd/>
+            <a:tailEnd type="triangle" w="med" len="med"/>
+          </a:ln>
+          <a:effectLst/>
         </p:spPr>
-        <p:txBody>
-          <a:bodyPr/>
-          <a:lstStyle/>
-          <a:p>
-            <a:r>
-              <a:rPr lang="en-US" dirty="0" smtClean="0"/>
-              <a:t>max</a:t>
-            </a:r>
-            <a:r>
-              <a:rPr lang="en-US" sz="3600" dirty="0" smtClean="0">
-                <a:solidFill>
-                  <a:schemeClr val="tx1"/>
-                </a:solidFill>
-              </a:rPr>
-              <a:t> </a:t>
-            </a:r>
-            <a:r>
-              <a:rPr lang="en-US" sz="3600" dirty="0">
-                <a:solidFill>
-                  <a:schemeClr val="tx1"/>
-                </a:solidFill>
-              </a:rPr>
-              <a:t>4 </a:t>
-            </a:r>
-            <a:r>
-              <a:rPr lang="en-US" sz="3600" dirty="0" smtClean="0">
-                <a:solidFill>
-                  <a:schemeClr val="tx1"/>
-                </a:solidFill>
-              </a:rPr>
-              <a:t>subjects </a:t>
-            </a:r>
-            <a:r>
-              <a:rPr lang="en-US" sz="3600" dirty="0">
-                <a:solidFill>
-                  <a:schemeClr val="tx1"/>
-                </a:solidFill>
-              </a:rPr>
-              <a:t>per </a:t>
-            </a:r>
-            <a:r>
-              <a:rPr lang="en-US" sz="3600" dirty="0" smtClean="0">
-                <a:solidFill>
-                  <a:schemeClr val="tx1"/>
-                </a:solidFill>
-              </a:rPr>
-              <a:t>term</a:t>
-            </a:r>
-            <a:endParaRPr lang="en-US" sz="3600" dirty="0">
-              <a:solidFill>
-                <a:schemeClr val="tx1"/>
-              </a:solidFill>
-            </a:endParaRPr>
-          </a:p>
-        </p:txBody>
-      </p:sp>
+      </p:cxnSp>
     </p:spTree>
   </p:cSld>
   <p:clrMapOvr>
     <a:masterClrMapping/>
   </p:clrMapOvr>
-  <p:transition xmlns:p14="http://schemas.microsoft.com/office/powerpoint/2010/main"/>
+  <mc:AlternateContent xmlns:mc="http://schemas.openxmlformats.org/markup-compatibility/2006" xmlns:p14="http://schemas.microsoft.com/office/powerpoint/2010/main">
+    <mc:Choice Requires="p14">
+      <p:transition p14:dur="0"/>
+    </mc:Choice>
+    <mc:Fallback xmlns="">
+      <p:transition xmlns:p14="http://schemas.microsoft.com/office/powerpoint/2010/main"/>
+    </mc:Fallback>
+  </mc:AlternateContent>
   <p:timing>
     <p:tnLst>
       <p:par>
@@ -23091,6 +25204,9 @@
                     <p:cTn id="3" fill="hold">
                       <p:stCondLst>
                         <p:cond delay="indefinite"/>
+                        <p:cond evt="onBegin" delay="0">
+                          <p:tn val="2"/>
+                        </p:cond>
                       </p:stCondLst>
                       <p:childTnLst>
                         <p:par>
@@ -23100,7 +25216,7 @@
                             </p:stCondLst>
                             <p:childTnLst>
                               <p:par>
-                                <p:cTn id="5" presetID="10" presetClass="entr" presetSubtype="0" fill="hold" grpId="0" nodeType="clickEffect">
+                                <p:cTn id="5" presetID="10" presetClass="entr" presetSubtype="0" fill="hold" nodeType="afterEffect">
                                   <p:stCondLst>
                                     <p:cond delay="0"/>
                                   </p:stCondLst>
@@ -23108,6 +25224,59 @@
                                     <p:set>
                                       <p:cBhvr>
                                         <p:cTn id="6" dur="1" fill="hold">
+                                          <p:stCondLst>
+                                            <p:cond delay="0"/>
+                                          </p:stCondLst>
+                                        </p:cTn>
+                                        <p:tgtEl>
+                                          <p:spTgt spid="755736"/>
+                                        </p:tgtEl>
+                                        <p:attrNameLst>
+                                          <p:attrName>style.visibility</p:attrName>
+                                        </p:attrNameLst>
+                                      </p:cBhvr>
+                                      <p:to>
+                                        <p:strVal val="visible"/>
+                                      </p:to>
+                                    </p:set>
+                                    <p:animEffect transition="in" filter="fade">
+                                      <p:cBhvr>
+                                        <p:cTn id="7" dur="500"/>
+                                        <p:tgtEl>
+                                          <p:spTgt spid="755736"/>
+                                        </p:tgtEl>
+                                      </p:cBhvr>
+                                    </p:animEffect>
+                                  </p:childTnLst>
+                                </p:cTn>
+                              </p:par>
+                            </p:childTnLst>
+                          </p:cTn>
+                        </p:par>
+                      </p:childTnLst>
+                    </p:cTn>
+                  </p:par>
+                  <p:par>
+                    <p:cTn id="8" fill="hold">
+                      <p:stCondLst>
+                        <p:cond delay="indefinite"/>
+                      </p:stCondLst>
+                      <p:childTnLst>
+                        <p:par>
+                          <p:cTn id="9" fill="hold">
+                            <p:stCondLst>
+                              <p:cond delay="0"/>
+                            </p:stCondLst>
+                            <p:childTnLst>
+                              <p:par>
+                                <p:cTn id="10" presetID="10" presetClass="entr" presetSubtype="0" fill="hold" grpId="0" nodeType="clickEffect">
+                                  <p:stCondLst>
+                                    <p:cond delay="0"/>
+                                  </p:stCondLst>
+                                  <p:childTnLst>
+                                    <p:set>
+                                      <p:cBhvr>
+                                        <p:cTn id="11" dur="1" fill="hold">
                                           <p:stCondLst>
                                             <p:cond delay="0"/>
                                           </p:stCondLst>
@@ -23125,7 +25294,7 @@
                                     </p:set>
                                     <p:animEffect transition="in" filter="fade">
                                       <p:cBhvr>
-                                        <p:cTn id="7" dur="2000"/>
+                                        <p:cTn id="12" dur="500"/>
                                         <p:tgtEl>
                                           <p:spTgt spid="74"/>
                                         </p:tgtEl>
@@ -23168,7 +25337,7 @@
 </p:sld>
 </file>
 
-<file path=ppt/slides/slide26.xml><?xml version="1.0" encoding="utf-8"?>
+<file path=ppt/slides/slide28.xml><?xml version="1.0" encoding="utf-8"?>
 <p:sld xmlns:a="http://schemas.openxmlformats.org/drawingml/2006/main" xmlns:r="http://schemas.openxmlformats.org/officeDocument/2006/relationships" xmlns:p="http://schemas.openxmlformats.org/presentationml/2006/main">
   <p:cSld>
     <p:spTree>
@@ -24191,7 +26360,7 @@
             <a:fld id="{CA4C0C47-BA92-4669-BC5C-D64A96AF3D01}" type="slidenum">
               <a:rPr lang="en-US" smtClean="0"/>
               <a:pPr/>
-              <a:t>26</a:t>
+              <a:t>28</a:t>
             </a:fld>
             <a:endParaRPr lang="en-US" dirty="0"/>
           </a:p>
@@ -24303,9 +26472,18 @@
   <p:clrMapOvr>
     <a:masterClrMapping/>
   </p:clrMapOvr>
-  <p:transition xmlns:p14="http://schemas.microsoft.com/office/powerpoint/2010/main">
-    <p:fade/>
-  </p:transition>
+  <mc:AlternateContent xmlns:mc="http://schemas.openxmlformats.org/markup-compatibility/2006">
+    <mc:Choice xmlns:p14="http://schemas.microsoft.com/office/powerpoint/2010/main" Requires="p14">
+      <p:transition spd="med" p14:dur="600">
+        <p:fade thruBlk="1"/>
+      </p:transition>
+    </mc:Choice>
+    <mc:Fallback>
+      <p:transition xmlns:p14="http://schemas.microsoft.com/office/powerpoint/2010/main" spd="med">
+        <p:fade thruBlk="1"/>
+      </p:transition>
+    </mc:Fallback>
+  </mc:AlternateContent>
   <p:timing>
     <p:tnLst>
       <p:par>
@@ -24316,7 +26494,7 @@
 </p:sld>
 </file>
 
-<file path=ppt/slides/slide27.xml><?xml version="1.0" encoding="utf-8"?>
+<file path=ppt/slides/slide29.xml><?xml version="1.0" encoding="utf-8"?>
 <p:sld xmlns:a="http://schemas.openxmlformats.org/drawingml/2006/main" xmlns:r="http://schemas.openxmlformats.org/officeDocument/2006/relationships" xmlns:p="http://schemas.openxmlformats.org/presentationml/2006/main">
   <p:cSld>
     <p:spTree>
@@ -24864,7 +27042,7 @@
             <a:fld id="{CA4C0C47-BA92-4669-BC5C-D64A96AF3D01}" type="slidenum">
               <a:rPr lang="en-US" smtClean="0"/>
               <a:pPr/>
-              <a:t>27</a:t>
+              <a:t>29</a:t>
             </a:fld>
             <a:endParaRPr lang="en-US" dirty="0"/>
           </a:p>
@@ -24875,7 +27053,18 @@
   <p:clrMapOvr>
     <a:masterClrMapping/>
   </p:clrMapOvr>
-  <p:transition xmlns:p14="http://schemas.microsoft.com/office/powerpoint/2010/main"/>
+  <mc:AlternateContent xmlns:mc="http://schemas.openxmlformats.org/markup-compatibility/2006">
+    <mc:Choice xmlns:p14="http://schemas.microsoft.com/office/powerpoint/2010/main" Requires="p14">
+      <p:transition spd="med" p14:dur="700">
+        <p:fade thruBlk="1"/>
+      </p:transition>
+    </mc:Choice>
+    <mc:Fallback>
+      <p:transition xmlns:p14="http://schemas.microsoft.com/office/powerpoint/2010/main" spd="med">
+        <p:fade thruBlk="1"/>
+      </p:transition>
+    </mc:Fallback>
+  </mc:AlternateContent>
   <p:timing>
     <p:tnLst>
       <p:par>
@@ -25240,1519 +27429,6 @@
 </p:sld>
 </file>
 
-<file path=ppt/slides/slide28.xml><?xml version="1.0" encoding="utf-8"?>
-<p:sld xmlns:a="http://schemas.openxmlformats.org/drawingml/2006/main" xmlns:r="http://schemas.openxmlformats.org/officeDocument/2006/relationships" xmlns:p="http://schemas.openxmlformats.org/presentationml/2006/main">
-  <p:cSld>
-    <p:spTree>
-      <p:nvGrpSpPr>
-        <p:cNvPr id="1" name=""/>
-        <p:cNvGrpSpPr/>
-        <p:nvPr/>
-      </p:nvGrpSpPr>
-      <p:grpSpPr>
-        <a:xfrm>
-          <a:off x="0" y="0"/>
-          <a:ext cx="0" cy="0"/>
-          <a:chOff x="0" y="0"/>
-          <a:chExt cx="0" cy="0"/>
-        </a:xfrm>
-      </p:grpSpPr>
-      <p:sp>
-        <p:nvSpPr>
-          <p:cNvPr id="761858" name="Rectangle 2"/>
-          <p:cNvSpPr>
-            <a:spLocks noGrp="1" noChangeArrowheads="1"/>
-          </p:cNvSpPr>
-          <p:nvPr>
-            <p:ph type="title"/>
-          </p:nvPr>
-        </p:nvSpPr>
-        <p:spPr/>
-        <p:txBody>
-          <a:bodyPr/>
-          <a:lstStyle/>
-          <a:p>
-            <a:r>
-              <a:rPr lang="en-US"/>
-              <a:t>Minimum “Parallel” Time</a:t>
-            </a:r>
-          </a:p>
-        </p:txBody>
-      </p:sp>
-      <p:sp>
-        <p:nvSpPr>
-          <p:cNvPr id="761859" name="Rectangle 3"/>
-          <p:cNvSpPr>
-            <a:spLocks noGrp="1" noChangeArrowheads="1"/>
-          </p:cNvSpPr>
-          <p:nvPr>
-            <p:ph type="body" sz="half" idx="1"/>
-          </p:nvPr>
-        </p:nvSpPr>
-        <p:spPr>
-          <a:xfrm>
-            <a:off x="330273" y="1441034"/>
-            <a:ext cx="8441099" cy="3975932"/>
-          </a:xfrm>
-        </p:spPr>
-        <p:txBody>
-          <a:bodyPr>
-            <a:noAutofit/>
-          </a:bodyPr>
-          <a:lstStyle/>
-          <a:p>
-            <a:pPr>
-              <a:buFontTx/>
-              <a:buNone/>
-            </a:pPr>
-            <a:r>
-              <a:rPr lang="en-US" sz="5400" dirty="0" smtClean="0">
-                <a:solidFill>
-                  <a:srgbClr val="05811A"/>
-                </a:solidFill>
-              </a:rPr>
-              <a:t>#</a:t>
-            </a:r>
-            <a:r>
-              <a:rPr lang="en-US" sz="5400" dirty="0">
-                <a:solidFill>
-                  <a:srgbClr val="05811A"/>
-                </a:solidFill>
-              </a:rPr>
-              <a:t>processors</a:t>
-            </a:r>
-          </a:p>
-          <a:p>
-            <a:pPr>
-              <a:buFontTx/>
-              <a:buNone/>
-            </a:pPr>
-            <a:r>
-              <a:rPr lang="en-US" sz="5400" dirty="0">
-                <a:solidFill>
-                  <a:srgbClr val="0033CC"/>
-                </a:solidFill>
-              </a:rPr>
-              <a:t>      </a:t>
-            </a:r>
-            <a:r>
-              <a:rPr lang="en-US" sz="5400" dirty="0" smtClean="0">
-                <a:solidFill>
-                  <a:srgbClr val="0033CC"/>
-                </a:solidFill>
-              </a:rPr>
-              <a:t> </a:t>
-            </a:r>
-            <a:r>
-              <a:rPr lang="en-US" sz="5400" dirty="0" smtClean="0">
-                <a:solidFill>
-                  <a:srgbClr val="0033CC"/>
-                </a:solidFill>
-                <a:latin typeface="Symbol" pitchFamily="18" charset="2"/>
-              </a:rPr>
-              <a:t> </a:t>
-            </a:r>
-            <a:r>
-              <a:rPr lang="en-US" sz="5400" b="1" dirty="0" smtClean="0">
-                <a:solidFill>
-                  <a:srgbClr val="FF00FF"/>
-                </a:solidFill>
-                <a:latin typeface="Symbol" pitchFamily="18" charset="2"/>
-              </a:rPr>
-              <a:t>≤</a:t>
-            </a:r>
-            <a:r>
-              <a:rPr lang="en-US" sz="5400" b="1" dirty="0" smtClean="0">
-                <a:solidFill>
-                  <a:srgbClr val="C00000"/>
-                </a:solidFill>
-                <a:latin typeface="Symbol" pitchFamily="18" charset="2"/>
-              </a:rPr>
-              <a:t>  </a:t>
-            </a:r>
-            <a:r>
-              <a:rPr lang="en-US" sz="5400" dirty="0" smtClean="0">
-                <a:solidFill>
-                  <a:srgbClr val="0033CC"/>
-                </a:solidFill>
-                <a:latin typeface="Symbol" pitchFamily="18" charset="2"/>
-              </a:rPr>
-              <a:t> </a:t>
-            </a:r>
-            <a:r>
-              <a:rPr lang="en-US" sz="5400" dirty="0">
-                <a:solidFill>
-                  <a:srgbClr val="05811A"/>
-                </a:solidFill>
-              </a:rPr>
-              <a:t>max </a:t>
-            </a:r>
-            <a:r>
-              <a:rPr lang="en-US" sz="5400" dirty="0" err="1">
-                <a:solidFill>
-                  <a:srgbClr val="05811A"/>
-                </a:solidFill>
-              </a:rPr>
-              <a:t>antichain</a:t>
-            </a:r>
-            <a:r>
-              <a:rPr lang="en-US" sz="5400" dirty="0">
-                <a:solidFill>
-                  <a:srgbClr val="05811A"/>
-                </a:solidFill>
-              </a:rPr>
-              <a:t> </a:t>
-            </a:r>
-            <a:r>
-              <a:rPr lang="en-US" sz="5400" dirty="0" smtClean="0">
-                <a:solidFill>
-                  <a:srgbClr val="05811A"/>
-                </a:solidFill>
-              </a:rPr>
-              <a:t>size</a:t>
-            </a:r>
-          </a:p>
-          <a:p>
-            <a:pPr>
-              <a:buFontTx/>
-              <a:buNone/>
-            </a:pPr>
-            <a:r>
-              <a:rPr lang="en-US" sz="5400" dirty="0" smtClean="0"/>
-              <a:t>so fewer processors</a:t>
-            </a:r>
-          </a:p>
-          <a:p>
-            <a:pPr>
-              <a:buFontTx/>
-              <a:buNone/>
-            </a:pPr>
-            <a:r>
-              <a:rPr lang="en-US" sz="5400" dirty="0" smtClean="0"/>
-              <a:t>may still do min time</a:t>
-            </a:r>
-            <a:endParaRPr lang="en-US" sz="5400" dirty="0"/>
-          </a:p>
-        </p:txBody>
-      </p:sp>
-      <p:sp>
-        <p:nvSpPr>
-          <p:cNvPr id="9" name="Slide Number Placeholder 5"/>
-          <p:cNvSpPr>
-            <a:spLocks noGrp="1"/>
-          </p:cNvSpPr>
-          <p:nvPr>
-            <p:ph type="sldNum" sz="quarter" idx="4"/>
-          </p:nvPr>
-        </p:nvSpPr>
-        <p:spPr>
-          <a:xfrm>
-            <a:off x="8237750" y="6596742"/>
-            <a:ext cx="906250" cy="261257"/>
-          </a:xfrm>
-          <a:prstGeom prst="rect">
-            <a:avLst/>
-          </a:prstGeom>
-        </p:spPr>
-        <p:txBody>
-          <a:bodyPr/>
-          <a:lstStyle>
-            <a:lvl1pPr>
-              <a:defRPr sz="1200">
-                <a:latin typeface="Comic Sans MS" pitchFamily="66" charset="0"/>
-              </a:defRPr>
-            </a:lvl1pPr>
-          </a:lstStyle>
-          <a:p>
-            <a:r>
-              <a:rPr lang="en-US" dirty="0" smtClean="0"/>
-              <a:t>7W.</a:t>
-            </a:r>
-            <a:fld id="{CA4C0C47-BA92-4669-BC5C-D64A96AF3D01}" type="slidenum">
-              <a:rPr lang="en-US" smtClean="0"/>
-              <a:pPr/>
-              <a:t>28</a:t>
-            </a:fld>
-            <a:endParaRPr lang="en-US" dirty="0"/>
-          </a:p>
-        </p:txBody>
-      </p:sp>
-    </p:spTree>
-  </p:cSld>
-  <p:clrMapOvr>
-    <a:masterClrMapping/>
-  </p:clrMapOvr>
-  <p:transition xmlns:p14="http://schemas.microsoft.com/office/powerpoint/2010/main">
-    <p:fade thruBlk="1"/>
-  </p:transition>
-  <p:timing>
-    <p:tnLst>
-      <p:par>
-        <p:cTn xmlns:p14="http://schemas.microsoft.com/office/powerpoint/2010/main" id="1" dur="indefinite" restart="never" nodeType="tmRoot"/>
-      </p:par>
-    </p:tnLst>
-  </p:timing>
-</p:sld>
-</file>
-
-<file path=ppt/slides/slide29.xml><?xml version="1.0" encoding="utf-8"?>
-<p:sld xmlns:a="http://schemas.openxmlformats.org/drawingml/2006/main" xmlns:r="http://schemas.openxmlformats.org/officeDocument/2006/relationships" xmlns:p="http://schemas.openxmlformats.org/presentationml/2006/main">
-  <p:cSld>
-    <p:spTree>
-      <p:nvGrpSpPr>
-        <p:cNvPr id="1" name=""/>
-        <p:cNvGrpSpPr/>
-        <p:nvPr/>
-      </p:nvGrpSpPr>
-      <p:grpSpPr>
-        <a:xfrm>
-          <a:off x="0" y="0"/>
-          <a:ext cx="0" cy="0"/>
-          <a:chOff x="0" y="0"/>
-          <a:chExt cx="0" cy="0"/>
-        </a:xfrm>
-      </p:grpSpPr>
-      <p:sp>
-        <p:nvSpPr>
-          <p:cNvPr id="642050" name="Rectangle 2"/>
-          <p:cNvSpPr>
-            <a:spLocks noGrp="1" noChangeArrowheads="1"/>
-          </p:cNvSpPr>
-          <p:nvPr>
-            <p:ph type="title"/>
-          </p:nvPr>
-        </p:nvSpPr>
-        <p:spPr>
-          <a:xfrm>
-            <a:off x="1572687" y="274638"/>
-            <a:ext cx="5948004" cy="1102099"/>
-          </a:xfrm>
-        </p:spPr>
-        <p:txBody>
-          <a:bodyPr/>
-          <a:lstStyle/>
-          <a:p>
-            <a:r>
-              <a:rPr lang="en-US" dirty="0"/>
-              <a:t>a</a:t>
-            </a:r>
-            <a:r>
-              <a:rPr lang="en-US" dirty="0" smtClean="0"/>
-              <a:t> leisurely </a:t>
-            </a:r>
-            <a:r>
-              <a:rPr lang="en-US" dirty="0"/>
-              <a:t>s</a:t>
-            </a:r>
-            <a:r>
-              <a:rPr lang="en-US" dirty="0" smtClean="0"/>
-              <a:t>chedule</a:t>
-            </a:r>
-            <a:endParaRPr lang="en-US" dirty="0"/>
-          </a:p>
-        </p:txBody>
-      </p:sp>
-      <p:sp>
-        <p:nvSpPr>
-          <p:cNvPr id="642051" name="Rectangle 3"/>
-          <p:cNvSpPr>
-            <a:spLocks noGrp="1" noChangeArrowheads="1"/>
-          </p:cNvSpPr>
-          <p:nvPr>
-            <p:ph type="body" idx="1"/>
-          </p:nvPr>
-        </p:nvSpPr>
-        <p:spPr>
-          <a:xfrm>
-            <a:off x="381000" y="1371600"/>
-            <a:ext cx="8382000" cy="1905000"/>
-          </a:xfrm>
-        </p:spPr>
-        <p:txBody>
-          <a:bodyPr/>
-          <a:lstStyle/>
-          <a:p>
-            <a:pPr>
-              <a:buFontTx/>
-              <a:buNone/>
-            </a:pPr>
-            <a:r>
-              <a:rPr lang="en-US" sz="3600" dirty="0"/>
-              <a:t>Graduate taking only 1 subject/term?</a:t>
-            </a:r>
-          </a:p>
-          <a:p>
-            <a:pPr>
-              <a:buFontTx/>
-              <a:buNone/>
-            </a:pPr>
-            <a:r>
-              <a:rPr lang="en-US" sz="4000" dirty="0"/>
-              <a:t>Sure, </a:t>
-            </a:r>
-          </a:p>
-        </p:txBody>
-      </p:sp>
-      <p:cxnSp>
-        <p:nvCxnSpPr>
-          <p:cNvPr id="642073" name="AutoShape 25"/>
-          <p:cNvCxnSpPr>
-            <a:cxnSpLocks noChangeShapeType="1"/>
-            <a:stCxn id="642062" idx="2"/>
-          </p:cNvCxnSpPr>
-          <p:nvPr/>
-        </p:nvCxnSpPr>
-        <p:spPr bwMode="auto">
-          <a:xfrm rot="5400000">
-            <a:off x="4270620" y="857038"/>
-            <a:ext cx="677236" cy="6021524"/>
-          </a:xfrm>
-          <a:prstGeom prst="straightConnector1">
-            <a:avLst/>
-          </a:prstGeom>
-          <a:noFill/>
-          <a:ln w="38100">
-            <a:solidFill>
-              <a:schemeClr val="tx1"/>
-            </a:solidFill>
-            <a:prstDash val="sysDot"/>
-            <a:round/>
-            <a:headEnd/>
-            <a:tailEnd type="triangle" w="lg" len="lg"/>
-          </a:ln>
-          <a:effectLst/>
-        </p:spPr>
-      </p:cxnSp>
-      <p:grpSp>
-        <p:nvGrpSpPr>
-          <p:cNvPr id="29" name="Group 28"/>
-          <p:cNvGrpSpPr/>
-          <p:nvPr/>
-        </p:nvGrpSpPr>
-        <p:grpSpPr>
-          <a:xfrm>
-            <a:off x="381000" y="2919582"/>
-            <a:ext cx="7620000" cy="609600"/>
-            <a:chOff x="381000" y="2919582"/>
-            <a:chExt cx="7620000" cy="609600"/>
-          </a:xfrm>
-        </p:grpSpPr>
-        <p:sp>
-          <p:nvSpPr>
-            <p:cNvPr id="642053" name="AutoShape 5"/>
-            <p:cNvSpPr>
-              <a:spLocks noChangeArrowheads="1"/>
-            </p:cNvSpPr>
-            <p:nvPr/>
-          </p:nvSpPr>
-          <p:spPr bwMode="auto">
-            <a:xfrm>
-              <a:off x="381000" y="3148182"/>
-              <a:ext cx="762000" cy="381000"/>
-            </a:xfrm>
-            <a:prstGeom prst="roundRect">
-              <a:avLst>
-                <a:gd name="adj" fmla="val 16667"/>
-              </a:avLst>
-            </a:prstGeom>
-            <a:solidFill>
-              <a:srgbClr val="FFCC00"/>
-            </a:solidFill>
-            <a:ln w="28575">
-              <a:solidFill>
-                <a:schemeClr val="tx1"/>
-              </a:solidFill>
-              <a:round/>
-              <a:headEnd/>
-              <a:tailEnd type="none" w="lg" len="lg"/>
-            </a:ln>
-            <a:effectLst/>
-          </p:spPr>
-          <p:txBody>
-            <a:bodyPr wrap="none" anchor="ctr"/>
-            <a:lstStyle/>
-            <a:p>
-              <a:pPr>
-                <a:spcBef>
-                  <a:spcPct val="0"/>
-                </a:spcBef>
-              </a:pPr>
-              <a:r>
-                <a:rPr lang="en-US" sz="2000" dirty="0">
-                  <a:latin typeface="Comic Sans MS" pitchFamily="66" charset="0"/>
-                </a:rPr>
-                <a:t>18.01</a:t>
-              </a:r>
-            </a:p>
-          </p:txBody>
-        </p:sp>
-        <p:sp>
-          <p:nvSpPr>
-            <p:cNvPr id="642054" name="AutoShape 6"/>
-            <p:cNvSpPr>
-              <a:spLocks noChangeArrowheads="1"/>
-            </p:cNvSpPr>
-            <p:nvPr/>
-          </p:nvSpPr>
-          <p:spPr bwMode="auto">
-            <a:xfrm>
-              <a:off x="2057400" y="3148182"/>
-              <a:ext cx="762000" cy="381000"/>
-            </a:xfrm>
-            <a:prstGeom prst="roundRect">
-              <a:avLst>
-                <a:gd name="adj" fmla="val 16667"/>
-              </a:avLst>
-            </a:prstGeom>
-            <a:solidFill>
-              <a:srgbClr val="FFCC00"/>
-            </a:solidFill>
-            <a:ln w="28575">
-              <a:solidFill>
-                <a:schemeClr val="tx1"/>
-              </a:solidFill>
-              <a:round/>
-              <a:headEnd/>
-              <a:tailEnd type="none" w="lg" len="lg"/>
-            </a:ln>
-            <a:effectLst/>
-          </p:spPr>
-          <p:txBody>
-            <a:bodyPr wrap="none" anchor="ctr"/>
-            <a:lstStyle/>
-            <a:p>
-              <a:pPr>
-                <a:spcBef>
-                  <a:spcPct val="0"/>
-                </a:spcBef>
-              </a:pPr>
-              <a:r>
-                <a:rPr lang="en-US" sz="2000" dirty="0" smtClean="0">
-                  <a:latin typeface="Comic Sans MS" pitchFamily="66" charset="0"/>
-                </a:rPr>
-                <a:t>8.02</a:t>
-              </a:r>
-              <a:endParaRPr lang="en-US" sz="2000" dirty="0">
-                <a:latin typeface="Comic Sans MS" pitchFamily="66" charset="0"/>
-              </a:endParaRPr>
-            </a:p>
-          </p:txBody>
-        </p:sp>
-        <p:sp>
-          <p:nvSpPr>
-            <p:cNvPr id="642055" name="AutoShape 7"/>
-            <p:cNvSpPr>
-              <a:spLocks noChangeArrowheads="1"/>
-            </p:cNvSpPr>
-            <p:nvPr/>
-          </p:nvSpPr>
-          <p:spPr bwMode="auto">
-            <a:xfrm>
-              <a:off x="1219200" y="3148182"/>
-              <a:ext cx="762000" cy="381000"/>
-            </a:xfrm>
-            <a:prstGeom prst="roundRect">
-              <a:avLst>
-                <a:gd name="adj" fmla="val 16667"/>
-              </a:avLst>
-            </a:prstGeom>
-            <a:solidFill>
-              <a:srgbClr val="FFCC00">
-                <a:alpha val="53999"/>
-              </a:srgbClr>
-            </a:solidFill>
-            <a:ln w="28575">
-              <a:solidFill>
-                <a:schemeClr val="tx1"/>
-              </a:solidFill>
-              <a:round/>
-              <a:headEnd/>
-              <a:tailEnd type="none" w="lg" len="lg"/>
-            </a:ln>
-            <a:effectLst/>
-          </p:spPr>
-          <p:txBody>
-            <a:bodyPr wrap="none" anchor="ctr"/>
-            <a:lstStyle/>
-            <a:p>
-              <a:pPr>
-                <a:spcBef>
-                  <a:spcPct val="0"/>
-                </a:spcBef>
-              </a:pPr>
-              <a:r>
-                <a:rPr lang="en-US" sz="2000" dirty="0">
-                  <a:latin typeface="Comic Sans MS" pitchFamily="66" charset="0"/>
-                </a:rPr>
-                <a:t>6.001</a:t>
-              </a:r>
-            </a:p>
-          </p:txBody>
-        </p:sp>
-        <p:sp>
-          <p:nvSpPr>
-            <p:cNvPr id="642056" name="AutoShape 8"/>
-            <p:cNvSpPr>
-              <a:spLocks noChangeArrowheads="1"/>
-            </p:cNvSpPr>
-            <p:nvPr/>
-          </p:nvSpPr>
-          <p:spPr bwMode="auto">
-            <a:xfrm>
-              <a:off x="6400800" y="3148182"/>
-              <a:ext cx="762000" cy="381000"/>
-            </a:xfrm>
-            <a:prstGeom prst="roundRect">
-              <a:avLst>
-                <a:gd name="adj" fmla="val 16667"/>
-              </a:avLst>
-            </a:prstGeom>
-            <a:solidFill>
-              <a:srgbClr val="99CCFF"/>
-            </a:solidFill>
-            <a:ln w="28575">
-              <a:solidFill>
-                <a:schemeClr val="tx1"/>
-              </a:solidFill>
-              <a:round/>
-              <a:headEnd/>
-              <a:tailEnd type="none" w="lg" len="lg"/>
-            </a:ln>
-            <a:effectLst/>
-          </p:spPr>
-          <p:txBody>
-            <a:bodyPr wrap="none" anchor="ctr"/>
-            <a:lstStyle/>
-            <a:p>
-              <a:pPr>
-                <a:spcBef>
-                  <a:spcPct val="0"/>
-                </a:spcBef>
-              </a:pPr>
-              <a:r>
-                <a:rPr lang="en-US" sz="2000">
-                  <a:latin typeface="Comic Sans MS" pitchFamily="66" charset="0"/>
-                </a:rPr>
-                <a:t>18.02</a:t>
-              </a:r>
-            </a:p>
-          </p:txBody>
-        </p:sp>
-        <p:sp>
-          <p:nvSpPr>
-            <p:cNvPr id="642058" name="AutoShape 10"/>
-            <p:cNvSpPr>
-              <a:spLocks noChangeArrowheads="1"/>
-            </p:cNvSpPr>
-            <p:nvPr/>
-          </p:nvSpPr>
-          <p:spPr bwMode="auto">
-            <a:xfrm>
-              <a:off x="3810000" y="3148182"/>
-              <a:ext cx="762000" cy="381000"/>
-            </a:xfrm>
-            <a:prstGeom prst="roundRect">
-              <a:avLst>
-                <a:gd name="adj" fmla="val 16667"/>
-              </a:avLst>
-            </a:prstGeom>
-            <a:solidFill>
-              <a:srgbClr val="99CCFF"/>
-            </a:solidFill>
-            <a:ln w="28575">
-              <a:solidFill>
-                <a:schemeClr val="tx1"/>
-              </a:solidFill>
-              <a:round/>
-              <a:headEnd/>
-              <a:tailEnd type="none" w="lg" len="lg"/>
-            </a:ln>
-            <a:effectLst/>
-          </p:spPr>
-          <p:txBody>
-            <a:bodyPr wrap="none" anchor="ctr"/>
-            <a:lstStyle/>
-            <a:p>
-              <a:pPr>
-                <a:spcBef>
-                  <a:spcPct val="0"/>
-                </a:spcBef>
-              </a:pPr>
-              <a:r>
-                <a:rPr lang="en-US" sz="2000">
-                  <a:latin typeface="Comic Sans MS" pitchFamily="66" charset="0"/>
-                </a:rPr>
-                <a:t>18.03</a:t>
-              </a:r>
-            </a:p>
-          </p:txBody>
-        </p:sp>
-        <p:sp>
-          <p:nvSpPr>
-            <p:cNvPr id="642059" name="AutoShape 11"/>
-            <p:cNvSpPr>
-              <a:spLocks noChangeArrowheads="1"/>
-            </p:cNvSpPr>
-            <p:nvPr/>
-          </p:nvSpPr>
-          <p:spPr bwMode="auto">
-            <a:xfrm>
-              <a:off x="4648200" y="3148182"/>
-              <a:ext cx="762000" cy="381000"/>
-            </a:xfrm>
-            <a:prstGeom prst="roundRect">
-              <a:avLst>
-                <a:gd name="adj" fmla="val 16667"/>
-              </a:avLst>
-            </a:prstGeom>
-            <a:solidFill>
-              <a:srgbClr val="99CCFF"/>
-            </a:solidFill>
-            <a:ln w="28575">
-              <a:solidFill>
-                <a:schemeClr val="tx1"/>
-              </a:solidFill>
-              <a:round/>
-              <a:headEnd/>
-              <a:tailEnd type="none" w="lg" len="lg"/>
-            </a:ln>
-            <a:effectLst/>
-          </p:spPr>
-          <p:txBody>
-            <a:bodyPr wrap="none" anchor="ctr"/>
-            <a:lstStyle/>
-            <a:p>
-              <a:pPr>
-                <a:spcBef>
-                  <a:spcPct val="0"/>
-                </a:spcBef>
-              </a:pPr>
-              <a:r>
-                <a:rPr lang="en-US" sz="2000">
-                  <a:latin typeface="Comic Sans MS" pitchFamily="66" charset="0"/>
-                </a:rPr>
-                <a:t>6.034</a:t>
-              </a:r>
-            </a:p>
-          </p:txBody>
-        </p:sp>
-        <p:sp>
-          <p:nvSpPr>
-            <p:cNvPr id="642061" name="AutoShape 13"/>
-            <p:cNvSpPr>
-              <a:spLocks noChangeArrowheads="1"/>
-            </p:cNvSpPr>
-            <p:nvPr/>
-          </p:nvSpPr>
-          <p:spPr bwMode="auto">
-            <a:xfrm>
-              <a:off x="2895600" y="3148182"/>
-              <a:ext cx="762000" cy="381000"/>
-            </a:xfrm>
-            <a:prstGeom prst="roundRect">
-              <a:avLst>
-                <a:gd name="adj" fmla="val 16667"/>
-              </a:avLst>
-            </a:prstGeom>
-            <a:solidFill>
-              <a:srgbClr val="99CCFF"/>
-            </a:solidFill>
-            <a:ln w="28575">
-              <a:solidFill>
-                <a:schemeClr val="tx1"/>
-              </a:solidFill>
-              <a:round/>
-              <a:headEnd/>
-              <a:tailEnd type="none" w="lg" len="lg"/>
-            </a:ln>
-            <a:effectLst/>
-          </p:spPr>
-          <p:txBody>
-            <a:bodyPr wrap="none" anchor="ctr"/>
-            <a:lstStyle/>
-            <a:p>
-              <a:pPr>
-                <a:spcBef>
-                  <a:spcPct val="0"/>
-                </a:spcBef>
-              </a:pPr>
-              <a:r>
-                <a:rPr lang="en-US" sz="2000" dirty="0" smtClean="0">
-                  <a:latin typeface="Comic Sans MS" pitchFamily="66" charset="0"/>
-                </a:rPr>
-                <a:t>6.002</a:t>
-              </a:r>
-              <a:endParaRPr lang="en-US" sz="2000" dirty="0">
-                <a:latin typeface="Comic Sans MS" pitchFamily="66" charset="0"/>
-              </a:endParaRPr>
-            </a:p>
-          </p:txBody>
-        </p:sp>
-        <p:sp>
-          <p:nvSpPr>
-            <p:cNvPr id="642062" name="AutoShape 14"/>
-            <p:cNvSpPr>
-              <a:spLocks noChangeArrowheads="1"/>
-            </p:cNvSpPr>
-            <p:nvPr/>
-          </p:nvSpPr>
-          <p:spPr bwMode="auto">
-            <a:xfrm>
-              <a:off x="7239000" y="3148182"/>
-              <a:ext cx="762000" cy="381000"/>
-            </a:xfrm>
-            <a:prstGeom prst="roundRect">
-              <a:avLst>
-                <a:gd name="adj" fmla="val 16667"/>
-              </a:avLst>
-            </a:prstGeom>
-            <a:solidFill>
-              <a:srgbClr val="FF00FF">
-                <a:alpha val="67000"/>
-              </a:srgbClr>
-            </a:solidFill>
-            <a:ln w="28575">
-              <a:solidFill>
-                <a:schemeClr val="tx1"/>
-              </a:solidFill>
-              <a:round/>
-              <a:headEnd/>
-              <a:tailEnd type="none" w="lg" len="lg"/>
-            </a:ln>
-            <a:effectLst/>
-          </p:spPr>
-          <p:txBody>
-            <a:bodyPr wrap="none" anchor="ctr"/>
-            <a:lstStyle/>
-            <a:p>
-              <a:pPr>
-                <a:spcBef>
-                  <a:spcPct val="0"/>
-                </a:spcBef>
-              </a:pPr>
-              <a:r>
-                <a:rPr lang="en-US" sz="2000" dirty="0" smtClean="0">
-                  <a:latin typeface="Comic Sans MS" pitchFamily="66" charset="0"/>
-                </a:rPr>
-                <a:t>6.004</a:t>
-              </a:r>
-              <a:endParaRPr lang="en-US" sz="2000" dirty="0">
-                <a:latin typeface="Comic Sans MS" pitchFamily="66" charset="0"/>
-              </a:endParaRPr>
-            </a:p>
-          </p:txBody>
-        </p:sp>
-        <p:sp>
-          <p:nvSpPr>
-            <p:cNvPr id="642069" name="AutoShape 21"/>
-            <p:cNvSpPr>
-              <a:spLocks noChangeArrowheads="1"/>
-            </p:cNvSpPr>
-            <p:nvPr/>
-          </p:nvSpPr>
-          <p:spPr bwMode="auto">
-            <a:xfrm>
-              <a:off x="5562600" y="3148182"/>
-              <a:ext cx="762000" cy="381000"/>
-            </a:xfrm>
-            <a:prstGeom prst="roundRect">
-              <a:avLst>
-                <a:gd name="adj" fmla="val 16667"/>
-              </a:avLst>
-            </a:prstGeom>
-            <a:solidFill>
-              <a:srgbClr val="99CCFF"/>
-            </a:solidFill>
-            <a:ln w="28575">
-              <a:solidFill>
-                <a:schemeClr val="tx1"/>
-              </a:solidFill>
-              <a:round/>
-              <a:headEnd/>
-              <a:tailEnd type="none" w="lg" len="lg"/>
-            </a:ln>
-            <a:effectLst/>
-          </p:spPr>
-          <p:txBody>
-            <a:bodyPr wrap="none" anchor="ctr"/>
-            <a:lstStyle/>
-            <a:p>
-              <a:pPr>
-                <a:spcBef>
-                  <a:spcPct val="0"/>
-                </a:spcBef>
-              </a:pPr>
-              <a:r>
-                <a:rPr lang="en-US" sz="2000">
-                  <a:latin typeface="Comic Sans MS" pitchFamily="66" charset="0"/>
-                </a:rPr>
-                <a:t>6.042</a:t>
-              </a:r>
-            </a:p>
-          </p:txBody>
-        </p:sp>
-        <p:sp>
-          <p:nvSpPr>
-            <p:cNvPr id="642076" name="Line 28"/>
-            <p:cNvSpPr>
-              <a:spLocks noChangeShapeType="1"/>
-            </p:cNvSpPr>
-            <p:nvPr/>
-          </p:nvSpPr>
-          <p:spPr bwMode="auto">
-            <a:xfrm>
-              <a:off x="609600" y="2919582"/>
-              <a:ext cx="7290536" cy="16440"/>
-            </a:xfrm>
-            <a:prstGeom prst="line">
-              <a:avLst/>
-            </a:prstGeom>
-            <a:noFill/>
-            <a:ln w="38100">
-              <a:solidFill>
-                <a:schemeClr val="tx1"/>
-              </a:solidFill>
-              <a:prstDash val="sysDot"/>
-              <a:round/>
-              <a:headEnd/>
-              <a:tailEnd type="triangle" w="lg" len="lg"/>
-            </a:ln>
-            <a:effectLst/>
-          </p:spPr>
-          <p:txBody>
-            <a:bodyPr wrap="none" anchor="ctr"/>
-            <a:lstStyle/>
-            <a:p>
-              <a:endParaRPr lang="en-US" sz="2000">
-                <a:latin typeface="Comic Sans MS" pitchFamily="66" charset="0"/>
-              </a:endParaRPr>
-            </a:p>
-          </p:txBody>
-        </p:sp>
-      </p:grpSp>
-      <p:sp>
-        <p:nvSpPr>
-          <p:cNvPr id="642077" name="Text Box 29"/>
-          <p:cNvSpPr txBox="1">
-            <a:spLocks noChangeArrowheads="1"/>
-          </p:cNvSpPr>
-          <p:nvPr/>
-        </p:nvSpPr>
-        <p:spPr bwMode="auto">
-          <a:xfrm>
-            <a:off x="1142699" y="5036836"/>
-            <a:ext cx="6832320" cy="1015663"/>
-          </a:xfrm>
-          <a:prstGeom prst="rect">
-            <a:avLst/>
-          </a:prstGeom>
-          <a:noFill/>
-          <a:ln w="9525" algn="ctr">
-            <a:noFill/>
-            <a:miter lim="800000"/>
-            <a:headEnd/>
-            <a:tailEnd/>
-          </a:ln>
-          <a:effectLst/>
-        </p:spPr>
-        <p:txBody>
-          <a:bodyPr wrap="none">
-            <a:spAutoFit/>
-          </a:bodyPr>
-          <a:lstStyle/>
-          <a:p>
-            <a:pPr marL="742950" indent="-285750"/>
-            <a:r>
-              <a:rPr lang="en-US" sz="6000" dirty="0">
-                <a:latin typeface="Comic Sans MS" pitchFamily="66" charset="0"/>
-              </a:rPr>
-              <a:t>a </a:t>
-            </a:r>
-            <a:r>
-              <a:rPr lang="en-US" sz="6000" i="1" dirty="0">
-                <a:latin typeface="Comic Sans MS" pitchFamily="66" charset="0"/>
-              </a:rPr>
-              <a:t>topological sort</a:t>
-            </a:r>
-          </a:p>
-        </p:txBody>
-      </p:sp>
-      <p:sp>
-        <p:nvSpPr>
-          <p:cNvPr id="30" name="Slide Number Placeholder 5"/>
-          <p:cNvSpPr>
-            <a:spLocks noGrp="1"/>
-          </p:cNvSpPr>
-          <p:nvPr>
-            <p:ph type="sldNum" sz="quarter" idx="4"/>
-          </p:nvPr>
-        </p:nvSpPr>
-        <p:spPr>
-          <a:xfrm>
-            <a:off x="8237750" y="6596742"/>
-            <a:ext cx="906250" cy="261257"/>
-          </a:xfrm>
-          <a:prstGeom prst="rect">
-            <a:avLst/>
-          </a:prstGeom>
-        </p:spPr>
-        <p:txBody>
-          <a:bodyPr/>
-          <a:lstStyle>
-            <a:lvl1pPr>
-              <a:defRPr sz="1200">
-                <a:latin typeface="Comic Sans MS" pitchFamily="66" charset="0"/>
-              </a:defRPr>
-            </a:lvl1pPr>
-          </a:lstStyle>
-          <a:p>
-            <a:r>
-              <a:rPr lang="en-US" dirty="0" smtClean="0"/>
-              <a:t>7W.</a:t>
-            </a:r>
-            <a:fld id="{CA4C0C47-BA92-4669-BC5C-D64A96AF3D01}" type="slidenum">
-              <a:rPr lang="en-US" smtClean="0"/>
-              <a:pPr/>
-              <a:t>29</a:t>
-            </a:fld>
-            <a:endParaRPr lang="en-US" dirty="0"/>
-          </a:p>
-        </p:txBody>
-      </p:sp>
-      <p:grpSp>
-        <p:nvGrpSpPr>
-          <p:cNvPr id="31" name="Group 30"/>
-          <p:cNvGrpSpPr/>
-          <p:nvPr/>
-        </p:nvGrpSpPr>
-        <p:grpSpPr>
-          <a:xfrm>
-            <a:off x="1133517" y="4237879"/>
-            <a:ext cx="3970159" cy="578139"/>
-            <a:chOff x="1133517" y="4237879"/>
-            <a:chExt cx="3970159" cy="578139"/>
-          </a:xfrm>
-        </p:grpSpPr>
-        <p:sp>
-          <p:nvSpPr>
-            <p:cNvPr id="642052" name="AutoShape 4"/>
-            <p:cNvSpPr>
-              <a:spLocks noChangeArrowheads="1"/>
-            </p:cNvSpPr>
-            <p:nvPr/>
-          </p:nvSpPr>
-          <p:spPr bwMode="auto">
-            <a:xfrm>
-              <a:off x="1133517" y="4275850"/>
-              <a:ext cx="762000" cy="381000"/>
-            </a:xfrm>
-            <a:prstGeom prst="roundRect">
-              <a:avLst>
-                <a:gd name="adj" fmla="val 16667"/>
-              </a:avLst>
-            </a:prstGeom>
-            <a:solidFill>
-              <a:srgbClr val="FF00FF"/>
-            </a:solidFill>
-            <a:ln w="28575">
-              <a:solidFill>
-                <a:schemeClr val="tx1"/>
-              </a:solidFill>
-              <a:round/>
-              <a:headEnd/>
-              <a:tailEnd type="none" w="lg" len="lg"/>
-            </a:ln>
-            <a:effectLst/>
-          </p:spPr>
-          <p:txBody>
-            <a:bodyPr wrap="none" anchor="ctr"/>
-            <a:lstStyle/>
-            <a:p>
-              <a:pPr>
-                <a:spcBef>
-                  <a:spcPct val="0"/>
-                </a:spcBef>
-              </a:pPr>
-              <a:r>
-                <a:rPr lang="en-US" sz="2000" dirty="0">
-                  <a:latin typeface="Comic Sans MS" pitchFamily="66" charset="0"/>
-                </a:rPr>
-                <a:t>6.046</a:t>
-              </a:r>
-            </a:p>
-          </p:txBody>
-        </p:sp>
-        <p:sp>
-          <p:nvSpPr>
-            <p:cNvPr id="642075" name="Line 27"/>
-            <p:cNvSpPr>
-              <a:spLocks noChangeShapeType="1"/>
-            </p:cNvSpPr>
-            <p:nvPr/>
-          </p:nvSpPr>
-          <p:spPr bwMode="auto">
-            <a:xfrm flipV="1">
-              <a:off x="1369876" y="4816018"/>
-              <a:ext cx="3733800" cy="0"/>
-            </a:xfrm>
-            <a:prstGeom prst="line">
-              <a:avLst/>
-            </a:prstGeom>
-            <a:noFill/>
-            <a:ln w="38100">
-              <a:solidFill>
-                <a:schemeClr val="tx1"/>
-              </a:solidFill>
-              <a:prstDash val="sysDot"/>
-              <a:round/>
-              <a:headEnd/>
-              <a:tailEnd type="triangle" w="lg" len="lg"/>
-            </a:ln>
-            <a:effectLst/>
-          </p:spPr>
-          <p:txBody>
-            <a:bodyPr wrap="none" anchor="ctr"/>
-            <a:lstStyle/>
-            <a:p>
-              <a:endParaRPr lang="en-US" sz="2000">
-                <a:latin typeface="Comic Sans MS" pitchFamily="66" charset="0"/>
-              </a:endParaRPr>
-            </a:p>
-          </p:txBody>
-        </p:sp>
-        <p:sp>
-          <p:nvSpPr>
-            <p:cNvPr id="26" name="AutoShape 8"/>
-            <p:cNvSpPr>
-              <a:spLocks noChangeArrowheads="1"/>
-            </p:cNvSpPr>
-            <p:nvPr/>
-          </p:nvSpPr>
-          <p:spPr bwMode="auto">
-            <a:xfrm>
-              <a:off x="3065940" y="4249530"/>
-              <a:ext cx="762000" cy="381000"/>
-            </a:xfrm>
-            <a:prstGeom prst="roundRect">
-              <a:avLst>
-                <a:gd name="adj" fmla="val 16667"/>
-              </a:avLst>
-            </a:prstGeom>
-            <a:solidFill>
-              <a:srgbClr val="00FF00"/>
-            </a:solidFill>
-            <a:ln w="28575">
-              <a:solidFill>
-                <a:schemeClr val="tx1"/>
-              </a:solidFill>
-              <a:round/>
-              <a:headEnd/>
-              <a:tailEnd type="none" w="lg" len="lg"/>
-            </a:ln>
-            <a:effectLst/>
-          </p:spPr>
-          <p:txBody>
-            <a:bodyPr wrap="none" anchor="ctr"/>
-            <a:lstStyle/>
-            <a:p>
-              <a:pPr>
-                <a:spcBef>
-                  <a:spcPct val="0"/>
-                </a:spcBef>
-              </a:pPr>
-              <a:r>
-                <a:rPr lang="en-US" sz="2000" dirty="0">
-                  <a:latin typeface="Comic Sans MS" pitchFamily="66" charset="0"/>
-                </a:rPr>
-                <a:t>6.840</a:t>
-              </a:r>
-            </a:p>
-          </p:txBody>
-        </p:sp>
-        <p:sp>
-          <p:nvSpPr>
-            <p:cNvPr id="27" name="AutoShape 14"/>
-            <p:cNvSpPr>
-              <a:spLocks noChangeArrowheads="1"/>
-            </p:cNvSpPr>
-            <p:nvPr/>
-          </p:nvSpPr>
-          <p:spPr bwMode="auto">
-            <a:xfrm>
-              <a:off x="2251174" y="4255550"/>
-              <a:ext cx="762000" cy="381000"/>
-            </a:xfrm>
-            <a:prstGeom prst="roundRect">
-              <a:avLst>
-                <a:gd name="adj" fmla="val 16667"/>
-              </a:avLst>
-            </a:prstGeom>
-            <a:solidFill>
-              <a:srgbClr val="00FF00"/>
-            </a:solidFill>
-            <a:ln w="28575">
-              <a:solidFill>
-                <a:schemeClr val="tx1"/>
-              </a:solidFill>
-              <a:round/>
-              <a:headEnd/>
-              <a:tailEnd type="none" w="lg" len="lg"/>
-            </a:ln>
-            <a:effectLst/>
-          </p:spPr>
-          <p:txBody>
-            <a:bodyPr wrap="none" anchor="ctr"/>
-            <a:lstStyle/>
-            <a:p>
-              <a:pPr>
-                <a:spcBef>
-                  <a:spcPct val="0"/>
-                </a:spcBef>
-              </a:pPr>
-              <a:r>
-                <a:rPr lang="en-US" sz="2000" dirty="0" smtClean="0">
-                  <a:latin typeface="Comic Sans MS" pitchFamily="66" charset="0"/>
-                </a:rPr>
-                <a:t>6.033</a:t>
-              </a:r>
-              <a:endParaRPr lang="en-US" sz="2000" dirty="0">
-                <a:latin typeface="Comic Sans MS" pitchFamily="66" charset="0"/>
-              </a:endParaRPr>
-            </a:p>
-          </p:txBody>
-        </p:sp>
-        <p:sp>
-          <p:nvSpPr>
-            <p:cNvPr id="28" name="AutoShape 23"/>
-            <p:cNvSpPr>
-              <a:spLocks noChangeArrowheads="1"/>
-            </p:cNvSpPr>
-            <p:nvPr/>
-          </p:nvSpPr>
-          <p:spPr bwMode="auto">
-            <a:xfrm>
-              <a:off x="4005489" y="4237879"/>
-              <a:ext cx="762000" cy="381000"/>
-            </a:xfrm>
-            <a:prstGeom prst="roundRect">
-              <a:avLst>
-                <a:gd name="adj" fmla="val 16667"/>
-              </a:avLst>
-            </a:prstGeom>
-            <a:solidFill>
-              <a:srgbClr val="993366"/>
-            </a:solidFill>
-            <a:ln w="28575">
-              <a:solidFill>
-                <a:schemeClr val="tx1"/>
-              </a:solidFill>
-              <a:round/>
-              <a:headEnd/>
-              <a:tailEnd type="none" w="lg" len="lg"/>
-            </a:ln>
-            <a:effectLst/>
-          </p:spPr>
-          <p:txBody>
-            <a:bodyPr wrap="none" anchor="ctr"/>
-            <a:lstStyle/>
-            <a:p>
-              <a:pPr>
-                <a:spcBef>
-                  <a:spcPct val="0"/>
-                </a:spcBef>
-              </a:pPr>
-              <a:r>
-                <a:rPr lang="en-US" sz="2000" dirty="0" smtClean="0">
-                  <a:latin typeface="Comic Sans MS" pitchFamily="66" charset="0"/>
-                </a:rPr>
-                <a:t>6.857</a:t>
-              </a:r>
-              <a:endParaRPr lang="en-US" sz="2000" dirty="0">
-                <a:latin typeface="Comic Sans MS" pitchFamily="66" charset="0"/>
-              </a:endParaRPr>
-            </a:p>
-          </p:txBody>
-        </p:sp>
-      </p:grpSp>
-    </p:spTree>
-  </p:cSld>
-  <p:clrMapOvr>
-    <a:masterClrMapping/>
-  </p:clrMapOvr>
-  <p:transition xmlns:p14="http://schemas.microsoft.com/office/powerpoint/2010/main">
-    <p:fade thruBlk="1"/>
-  </p:transition>
-  <p:timing>
-    <p:tnLst>
-      <p:par>
-        <p:cTn xmlns:p14="http://schemas.microsoft.com/office/powerpoint/2010/main" id="1" dur="indefinite" restart="never" nodeType="tmRoot">
-          <p:childTnLst>
-            <p:seq concurrent="1" nextAc="seek">
-              <p:cTn id="2" dur="indefinite" nodeType="mainSeq">
-                <p:childTnLst>
-                  <p:par>
-                    <p:cTn id="3" fill="hold">
-                      <p:stCondLst>
-                        <p:cond delay="indefinite"/>
-                      </p:stCondLst>
-                      <p:childTnLst>
-                        <p:par>
-                          <p:cTn id="4" fill="hold">
-                            <p:stCondLst>
-                              <p:cond delay="0"/>
-                            </p:stCondLst>
-                            <p:childTnLst>
-                              <p:par>
-                                <p:cTn id="5" presetID="1" presetClass="entr" presetSubtype="0" fill="hold" nodeType="clickEffect">
-                                  <p:stCondLst>
-                                    <p:cond delay="0"/>
-                                  </p:stCondLst>
-                                  <p:childTnLst>
-                                    <p:set>
-                                      <p:cBhvr>
-                                        <p:cTn id="6" dur="1" fill="hold">
-                                          <p:stCondLst>
-                                            <p:cond delay="0"/>
-                                          </p:stCondLst>
-                                        </p:cTn>
-                                        <p:tgtEl>
-                                          <p:spTgt spid="642051">
-                                            <p:txEl>
-                                              <p:pRg st="1" end="1"/>
-                                            </p:txEl>
-                                          </p:spTgt>
-                                        </p:tgtEl>
-                                        <p:attrNameLst>
-                                          <p:attrName>style.visibility</p:attrName>
-                                        </p:attrNameLst>
-                                      </p:cBhvr>
-                                      <p:to>
-                                        <p:strVal val="visible"/>
-                                      </p:to>
-                                    </p:set>
-                                  </p:childTnLst>
-                                </p:cTn>
-                              </p:par>
-                            </p:childTnLst>
-                          </p:cTn>
-                        </p:par>
-                      </p:childTnLst>
-                    </p:cTn>
-                  </p:par>
-                  <p:par>
-                    <p:cTn id="7" fill="hold">
-                      <p:stCondLst>
-                        <p:cond delay="indefinite"/>
-                      </p:stCondLst>
-                      <p:childTnLst>
-                        <p:par>
-                          <p:cTn id="8" fill="hold">
-                            <p:stCondLst>
-                              <p:cond delay="0"/>
-                            </p:stCondLst>
-                            <p:childTnLst>
-                              <p:par>
-                                <p:cTn id="9" presetID="22" presetClass="entr" presetSubtype="8" fill="hold" nodeType="clickEffect">
-                                  <p:stCondLst>
-                                    <p:cond delay="0"/>
-                                  </p:stCondLst>
-                                  <p:childTnLst>
-                                    <p:set>
-                                      <p:cBhvr>
-                                        <p:cTn id="10" dur="1" fill="hold">
-                                          <p:stCondLst>
-                                            <p:cond delay="0"/>
-                                          </p:stCondLst>
-                                        </p:cTn>
-                                        <p:tgtEl>
-                                          <p:spTgt spid="29"/>
-                                        </p:tgtEl>
-                                        <p:attrNameLst>
-                                          <p:attrName>style.visibility</p:attrName>
-                                        </p:attrNameLst>
-                                      </p:cBhvr>
-                                      <p:to>
-                                        <p:strVal val="visible"/>
-                                      </p:to>
-                                    </p:set>
-                                    <p:animEffect transition="in" filter="wipe(left)">
-                                      <p:cBhvr>
-                                        <p:cTn id="11" dur="500"/>
-                                        <p:tgtEl>
-                                          <p:spTgt spid="29"/>
-                                        </p:tgtEl>
-                                      </p:cBhvr>
-                                    </p:animEffect>
-                                  </p:childTnLst>
-                                </p:cTn>
-                              </p:par>
-                            </p:childTnLst>
-                          </p:cTn>
-                        </p:par>
-                        <p:par>
-                          <p:cTn id="12" fill="hold">
-                            <p:stCondLst>
-                              <p:cond delay="500"/>
-                            </p:stCondLst>
-                            <p:childTnLst>
-                              <p:par>
-                                <p:cTn id="13" presetID="22" presetClass="entr" presetSubtype="2" fill="hold" nodeType="afterEffect">
-                                  <p:stCondLst>
-                                    <p:cond delay="0"/>
-                                  </p:stCondLst>
-                                  <p:childTnLst>
-                                    <p:set>
-                                      <p:cBhvr>
-                                        <p:cTn id="14" dur="1" fill="hold">
-                                          <p:stCondLst>
-                                            <p:cond delay="0"/>
-                                          </p:stCondLst>
-                                        </p:cTn>
-                                        <p:tgtEl>
-                                          <p:spTgt spid="642073"/>
-                                        </p:tgtEl>
-                                        <p:attrNameLst>
-                                          <p:attrName>style.visibility</p:attrName>
-                                        </p:attrNameLst>
-                                      </p:cBhvr>
-                                      <p:to>
-                                        <p:strVal val="visible"/>
-                                      </p:to>
-                                    </p:set>
-                                    <p:animEffect transition="in" filter="wipe(right)">
-                                      <p:cBhvr>
-                                        <p:cTn id="15" dur="500"/>
-                                        <p:tgtEl>
-                                          <p:spTgt spid="642073"/>
-                                        </p:tgtEl>
-                                      </p:cBhvr>
-                                    </p:animEffect>
-                                  </p:childTnLst>
-                                </p:cTn>
-                              </p:par>
-                            </p:childTnLst>
-                          </p:cTn>
-                        </p:par>
-                        <p:par>
-                          <p:cTn id="16" fill="hold">
-                            <p:stCondLst>
-                              <p:cond delay="1000"/>
-                            </p:stCondLst>
-                            <p:childTnLst>
-                              <p:par>
-                                <p:cTn id="17" presetID="22" presetClass="entr" presetSubtype="8" fill="hold" nodeType="afterEffect">
-                                  <p:stCondLst>
-                                    <p:cond delay="0"/>
-                                  </p:stCondLst>
-                                  <p:childTnLst>
-                                    <p:set>
-                                      <p:cBhvr>
-                                        <p:cTn id="18" dur="1" fill="hold">
-                                          <p:stCondLst>
-                                            <p:cond delay="0"/>
-                                          </p:stCondLst>
-                                        </p:cTn>
-                                        <p:tgtEl>
-                                          <p:spTgt spid="31"/>
-                                        </p:tgtEl>
-                                        <p:attrNameLst>
-                                          <p:attrName>style.visibility</p:attrName>
-                                        </p:attrNameLst>
-                                      </p:cBhvr>
-                                      <p:to>
-                                        <p:strVal val="visible"/>
-                                      </p:to>
-                                    </p:set>
-                                    <p:animEffect transition="in" filter="wipe(left)">
-                                      <p:cBhvr>
-                                        <p:cTn id="19" dur="500"/>
-                                        <p:tgtEl>
-                                          <p:spTgt spid="31"/>
-                                        </p:tgtEl>
-                                      </p:cBhvr>
-                                    </p:animEffect>
-                                  </p:childTnLst>
-                                </p:cTn>
-                              </p:par>
-                            </p:childTnLst>
-                          </p:cTn>
-                        </p:par>
-                      </p:childTnLst>
-                    </p:cTn>
-                  </p:par>
-                  <p:par>
-                    <p:cTn id="20" fill="hold">
-                      <p:stCondLst>
-                        <p:cond delay="indefinite"/>
-                      </p:stCondLst>
-                      <p:childTnLst>
-                        <p:par>
-                          <p:cTn id="21" fill="hold">
-                            <p:stCondLst>
-                              <p:cond delay="0"/>
-                            </p:stCondLst>
-                            <p:childTnLst>
-                              <p:par>
-                                <p:cTn id="22" presetID="1" presetClass="entr" presetSubtype="0" fill="hold" grpId="0" nodeType="clickEffect">
-                                  <p:stCondLst>
-                                    <p:cond delay="0"/>
-                                  </p:stCondLst>
-                                  <p:childTnLst>
-                                    <p:set>
-                                      <p:cBhvr>
-                                        <p:cTn id="23" dur="1" fill="hold">
-                                          <p:stCondLst>
-                                            <p:cond delay="0"/>
-                                          </p:stCondLst>
-                                        </p:cTn>
-                                        <p:tgtEl>
-                                          <p:spTgt spid="642077"/>
-                                        </p:tgtEl>
-                                        <p:attrNameLst>
-                                          <p:attrName>style.visibility</p:attrName>
-                                        </p:attrNameLst>
-                                      </p:cBhvr>
-                                      <p:to>
-                                        <p:strVal val="visible"/>
-                                      </p:to>
-                                    </p:set>
-                                  </p:childTnLst>
-                                </p:cTn>
-                              </p:par>
-                            </p:childTnLst>
-                          </p:cTn>
-                        </p:par>
-                      </p:childTnLst>
-                    </p:cTn>
-                  </p:par>
-                </p:childTnLst>
-              </p:cTn>
-              <p:prevCondLst>
-                <p:cond evt="onPrev" delay="0">
-                  <p:tgtEl>
-                    <p:sldTgt/>
-                  </p:tgtEl>
-                </p:cond>
-              </p:prevCondLst>
-              <p:nextCondLst>
-                <p:cond evt="onNext" delay="0">
-                  <p:tgtEl>
-                    <p:sldTgt/>
-                  </p:tgtEl>
-                </p:cond>
-              </p:nextCondLst>
-            </p:seq>
-          </p:childTnLst>
-        </p:cTn>
-      </p:par>
-    </p:tnLst>
-    <p:bldLst>
-      <p:bldP spid="642077" grpId="0"/>
-    </p:bldLst>
-  </p:timing>
-</p:sld>
-</file>
-
 <file path=ppt/slides/slide3.xml><?xml version="1.0" encoding="utf-8"?>
 <p:sld xmlns:a="http://schemas.openxmlformats.org/drawingml/2006/main" xmlns:r="http://schemas.openxmlformats.org/officeDocument/2006/relationships" xmlns:p="http://schemas.openxmlformats.org/presentationml/2006/main">
   <p:cSld>
@@ -26780,8 +27456,8 @@
         </p:nvSpPr>
         <p:spPr bwMode="auto">
           <a:xfrm>
-            <a:off x="313246" y="1663988"/>
-            <a:ext cx="8517507" cy="3477875"/>
+            <a:off x="167129" y="2123638"/>
+            <a:ext cx="8790691" cy="2585323"/>
           </a:xfrm>
           <a:prstGeom prst="rect">
             <a:avLst/>
@@ -26803,28 +27479,37 @@
           <a:p>
             <a:pPr marL="742950" indent="-285750"/>
             <a:r>
-              <a:rPr lang="en-US" sz="4400" dirty="0" smtClean="0">
+              <a:rPr lang="en-US" sz="5400" dirty="0" smtClean="0">
                 <a:latin typeface="Comic Sans MS" pitchFamily="66" charset="0"/>
               </a:rPr>
               <a:t>if sequence of </a:t>
             </a:r>
             <a:r>
-              <a:rPr lang="en-US" sz="4400" dirty="0" err="1" smtClean="0">
+              <a:rPr lang="en-US" sz="5400" dirty="0" err="1" smtClean="0">
                 <a:latin typeface="Comic Sans MS" pitchFamily="66" charset="0"/>
               </a:rPr>
               <a:t>prereq’s</a:t>
             </a:r>
             <a:r>
-              <a:rPr lang="en-US" sz="4400" dirty="0" smtClean="0">
-                <a:latin typeface="Comic Sans MS" pitchFamily="66" charset="0"/>
-              </a:rPr>
-              <a:t> from </a:t>
-            </a:r>
+              <a:rPr lang="en-US" sz="5400" dirty="0" smtClean="0">
+                <a:latin typeface="Comic Sans MS" pitchFamily="66" charset="0"/>
+              </a:rPr>
+              <a:t> </a:t>
+            </a:r>
+            <a:endParaRPr lang="en-US" sz="5400" dirty="0" smtClean="0">
+              <a:latin typeface="Comic Sans MS" pitchFamily="66" charset="0"/>
+            </a:endParaRPr>
           </a:p>
           <a:p>
             <a:pPr marL="742950" indent="-285750"/>
             <a:r>
-              <a:rPr lang="en-US" sz="4400" dirty="0" err="1" smtClean="0">
+              <a:rPr lang="en-US" sz="5400" dirty="0" smtClean="0">
+                <a:latin typeface="Comic Sans MS" pitchFamily="66" charset="0"/>
+              </a:rPr>
+              <a:t>from </a:t>
+            </a:r>
+            <a:r>
+              <a:rPr lang="en-US" sz="5400" dirty="0" smtClean="0">
                 <a:solidFill>
                   <a:srgbClr val="0000FF"/>
                 </a:solidFill>
@@ -26833,13 +27518,19 @@
               <a:t>u</a:t>
             </a:r>
             <a:r>
-              <a:rPr lang="en-US" sz="4400" dirty="0" smtClean="0">
-                <a:latin typeface="Comic Sans MS" pitchFamily="66" charset="0"/>
-              </a:rPr>
-              <a:t> to </a:t>
-            </a:r>
-            <a:r>
-              <a:rPr lang="en-US" sz="4400" dirty="0" err="1" smtClean="0">
+              <a:rPr lang="en-US" sz="5400" dirty="0" smtClean="0">
+                <a:latin typeface="Comic Sans MS" pitchFamily="66" charset="0"/>
+              </a:rPr>
+              <a:t> </a:t>
+            </a:r>
+            <a:r>
+              <a:rPr lang="en-US" sz="5400" dirty="0" smtClean="0">
+                <a:latin typeface="Comic Sans MS" pitchFamily="66" charset="0"/>
+              </a:rPr>
+              <a:t>to </a:t>
+            </a:r>
+            <a:r>
+              <a:rPr lang="en-US" sz="5400" dirty="0" smtClean="0">
                 <a:solidFill>
                   <a:srgbClr val="0000FF"/>
                 </a:solidFill>
@@ -26848,16 +27539,16 @@
               <a:t>v</a:t>
             </a:r>
             <a:r>
-              <a:rPr lang="en-US" sz="4400" dirty="0" smtClean="0">
+              <a:rPr lang="en-US" sz="5400" dirty="0" smtClean="0">
                 <a:latin typeface="Comic Sans MS" pitchFamily="66" charset="0"/>
               </a:rPr>
               <a:t>, say</a:t>
             </a:r>
           </a:p>
           <a:p>
-            <a:pPr marL="742950" indent="-285750" algn="ctr"/>
-            <a:r>
-              <a:rPr lang="en-US" sz="4400" dirty="0" err="1" smtClean="0">
+            <a:pPr marL="742950" indent="-285750"/>
+            <a:r>
+              <a:rPr lang="en-US" sz="5400" dirty="0" smtClean="0">
                 <a:solidFill>
                   <a:srgbClr val="0000FF"/>
                 </a:solidFill>
@@ -26866,25 +27557,37 @@
               <a:t>u</a:t>
             </a:r>
             <a:r>
-              <a:rPr lang="en-US" sz="4400" dirty="0" smtClean="0">
-                <a:latin typeface="Comic Sans MS" pitchFamily="66" charset="0"/>
-              </a:rPr>
-              <a:t> is an “indirect </a:t>
-            </a:r>
-            <a:r>
-              <a:rPr lang="en-US" sz="4400" dirty="0" err="1" smtClean="0">
+              <a:rPr lang="en-US" sz="5400" dirty="0" smtClean="0">
+                <a:latin typeface="Comic Sans MS" pitchFamily="66" charset="0"/>
+              </a:rPr>
+              <a:t> </a:t>
+            </a:r>
+            <a:r>
+              <a:rPr lang="en-US" sz="5400" dirty="0" smtClean="0">
+                <a:latin typeface="Comic Sans MS" pitchFamily="66" charset="0"/>
+              </a:rPr>
+              <a:t>is </a:t>
+            </a:r>
+            <a:r>
+              <a:rPr lang="en-US" sz="5400" dirty="0" smtClean="0">
+                <a:latin typeface="Comic Sans MS" pitchFamily="66" charset="0"/>
+              </a:rPr>
+              <a:t>“indirect </a:t>
+            </a:r>
+            <a:r>
+              <a:rPr lang="en-US" sz="5400" dirty="0" err="1" smtClean="0">
                 <a:latin typeface="Comic Sans MS" pitchFamily="66" charset="0"/>
               </a:rPr>
               <a:t>prereq</a:t>
             </a:r>
             <a:r>
-              <a:rPr lang="en-US" sz="4400" dirty="0" smtClean="0">
+              <a:rPr lang="en-US" sz="5400" dirty="0" smtClean="0">
                 <a:latin typeface="Comic Sans MS" pitchFamily="66" charset="0"/>
               </a:rPr>
               <a:t>” of </a:t>
             </a:r>
             <a:r>
-              <a:rPr lang="en-US" sz="4400" dirty="0" err="1" smtClean="0">
+              <a:rPr lang="en-US" sz="5400" dirty="0" smtClean="0">
                 <a:solidFill>
                   <a:srgbClr val="0000FF"/>
                 </a:solidFill>
@@ -26892,54 +27595,12 @@
               </a:rPr>
               <a:t>v</a:t>
             </a:r>
-            <a:endParaRPr lang="en-US" sz="4400" dirty="0" smtClean="0">
+            <a:endParaRPr lang="en-US" sz="5400" dirty="0" smtClean="0">
               <a:solidFill>
                 <a:srgbClr val="0000FF"/>
               </a:solidFill>
               <a:latin typeface="Comic Sans MS" pitchFamily="66" charset="0"/>
             </a:endParaRPr>
-          </a:p>
-          <a:p>
-            <a:pPr marL="742950" indent="-285750" algn="ctr"/>
-            <a:r>
-              <a:rPr lang="en-US" sz="4400" dirty="0" err="1" smtClean="0">
-                <a:solidFill>
-                  <a:srgbClr val="0000FF"/>
-                </a:solidFill>
-                <a:latin typeface="Comic Sans MS" pitchFamily="66" charset="0"/>
-              </a:rPr>
-              <a:t>u</a:t>
-            </a:r>
-            <a:r>
-              <a:rPr lang="en-US" sz="4400" dirty="0" smtClean="0">
-                <a:latin typeface="Comic Sans MS" pitchFamily="66" charset="0"/>
-              </a:rPr>
-              <a:t> is “earlier” than </a:t>
-            </a:r>
-            <a:r>
-              <a:rPr lang="en-US" sz="4400" dirty="0" err="1" smtClean="0">
-                <a:solidFill>
-                  <a:srgbClr val="0000FF"/>
-                </a:solidFill>
-                <a:latin typeface="Comic Sans MS" pitchFamily="66" charset="0"/>
-              </a:rPr>
-              <a:t>v</a:t>
-            </a:r>
-            <a:endParaRPr lang="en-US" sz="4400" dirty="0" smtClean="0">
-              <a:solidFill>
-                <a:srgbClr val="0000FF"/>
-              </a:solidFill>
-              <a:latin typeface="Comic Sans MS" pitchFamily="66" charset="0"/>
-            </a:endParaRPr>
-          </a:p>
-          <a:p>
-            <a:pPr marL="742950" indent="-285750" algn="l"/>
-            <a:r>
-              <a:rPr lang="en-US" sz="4400" dirty="0" smtClean="0">
-                <a:latin typeface="Comic Sans MS" pitchFamily="66" charset="0"/>
-              </a:rPr>
-              <a:t>               “smaller”</a:t>
-            </a:r>
           </a:p>
         </p:txBody>
       </p:sp>
@@ -27092,128 +27753,6 @@
                       </p:childTnLst>
                     </p:cTn>
                   </p:par>
-                  <p:par>
-                    <p:cTn id="8" fill="hold">
-                      <p:stCondLst>
-                        <p:cond delay="indefinite"/>
-                      </p:stCondLst>
-                      <p:childTnLst>
-                        <p:par>
-                          <p:cTn id="9" fill="hold">
-                            <p:stCondLst>
-                              <p:cond delay="0"/>
-                            </p:stCondLst>
-                            <p:childTnLst>
-                              <p:par>
-                                <p:cTn id="10" presetID="10" presetClass="entr" presetSubtype="0" fill="hold" grpId="0" nodeType="clickEffect">
-                                  <p:stCondLst>
-                                    <p:cond delay="0"/>
-                                  </p:stCondLst>
-                                  <p:childTnLst>
-                                    <p:set>
-                                      <p:cBhvr>
-                                        <p:cTn id="11" dur="1" fill="hold">
-                                          <p:stCondLst>
-                                            <p:cond delay="0"/>
-                                          </p:stCondLst>
-                                        </p:cTn>
-                                        <p:tgtEl>
-                                          <p:spTgt spid="628738">
-                                            <p:txEl>
-                                              <p:pRg st="3" end="3"/>
-                                            </p:txEl>
-                                          </p:spTgt>
-                                        </p:tgtEl>
-                                        <p:attrNameLst>
-                                          <p:attrName>style.visibility</p:attrName>
-                                        </p:attrNameLst>
-                                      </p:cBhvr>
-                                      <p:to>
-                                        <p:strVal val="visible"/>
-                                      </p:to>
-                                    </p:set>
-                                    <p:animEffect transition="in" filter="fade">
-                                      <p:cBhvr>
-                                        <p:cTn id="12" dur="500"/>
-                                        <p:tgtEl>
-                                          <p:spTgt spid="628738">
-                                            <p:txEl>
-                                              <p:pRg st="3" end="3"/>
-                                            </p:txEl>
-                                          </p:spTgt>
-                                        </p:tgtEl>
-                                      </p:cBhvr>
-                                    </p:animEffect>
-                                  </p:childTnLst>
-                                </p:cTn>
-                              </p:par>
-                            </p:childTnLst>
-                          </p:cTn>
-                        </p:par>
-                      </p:childTnLst>
-                    </p:cTn>
-                  </p:par>
-                  <p:par>
-                    <p:cTn id="13" fill="hold">
-                      <p:stCondLst>
-                        <p:cond delay="indefinite"/>
-                      </p:stCondLst>
-                      <p:childTnLst>
-                        <p:par>
-                          <p:cTn id="14" fill="hold">
-                            <p:stCondLst>
-                              <p:cond delay="0"/>
-                            </p:stCondLst>
-                            <p:childTnLst>
-                              <p:par>
-                                <p:cTn id="15" presetID="10" presetClass="entr" presetSubtype="0" fill="hold" grpId="0" nodeType="clickEffect">
-                                  <p:stCondLst>
-                                    <p:cond delay="0"/>
-                                  </p:stCondLst>
-                                  <p:childTnLst>
-                                    <p:set>
-                                      <p:cBhvr>
-                                        <p:cTn id="16" dur="1" fill="hold">
-                                          <p:stCondLst>
-                                            <p:cond delay="0"/>
-                                          </p:stCondLst>
-                                        </p:cTn>
-                                        <p:tgtEl>
-                                          <p:spTgt spid="628738">
-                                            <p:txEl>
-                                              <p:pRg st="4" end="4"/>
-                                            </p:txEl>
-                                          </p:spTgt>
-                                        </p:tgtEl>
-                                        <p:attrNameLst>
-                                          <p:attrName>style.visibility</p:attrName>
-                                        </p:attrNameLst>
-                                      </p:cBhvr>
-                                      <p:to>
-                                        <p:strVal val="visible"/>
-                                      </p:to>
-                                    </p:set>
-                                    <p:animEffect transition="in" filter="fade">
-                                      <p:cBhvr>
-                                        <p:cTn id="17" dur="500"/>
-                                        <p:tgtEl>
-                                          <p:spTgt spid="628738">
-                                            <p:txEl>
-                                              <p:pRg st="4" end="4"/>
-                                            </p:txEl>
-                                          </p:spTgt>
-                                        </p:tgtEl>
-                                      </p:cBhvr>
-                                    </p:animEffect>
-                                  </p:childTnLst>
-                                </p:cTn>
-                              </p:par>
-                            </p:childTnLst>
-                          </p:cTn>
-                        </p:par>
-                      </p:childTnLst>
-                    </p:cTn>
-                  </p:par>
                 </p:childTnLst>
               </p:cTn>
               <p:prevCondLst>
@@ -27261,7 +27800,7 @@
       </p:grpSpPr>
       <p:sp>
         <p:nvSpPr>
-          <p:cNvPr id="657410" name="Rectangle 2"/>
+          <p:cNvPr id="761858" name="Rectangle 2"/>
           <p:cNvSpPr>
             <a:spLocks noGrp="1" noChangeArrowheads="1"/>
           </p:cNvSpPr>
@@ -27269,181 +27808,150 @@
             <p:ph type="title"/>
           </p:nvPr>
         </p:nvSpPr>
-        <p:spPr>
-          <a:xfrm>
-            <a:off x="1547448" y="327392"/>
-            <a:ext cx="6928345" cy="1096962"/>
-          </a:xfrm>
-        </p:spPr>
+        <p:spPr/>
         <p:txBody>
           <a:bodyPr/>
           <a:lstStyle/>
           <a:p>
             <a:r>
-              <a:rPr lang="en-US" sz="3200" dirty="0" smtClean="0"/>
-              <a:t>For min time: </a:t>
-            </a:r>
-            <a:r>
-              <a:rPr lang="en-US" sz="4000" dirty="0" smtClean="0">
-                <a:solidFill>
-                  <a:srgbClr val="FF0000"/>
-                </a:solidFill>
-                <a:latin typeface="Euclid Symbol" pitchFamily="18" charset="2"/>
-                <a:sym typeface="Euclid Symbol"/>
-              </a:rPr>
-              <a:t>≥</a:t>
-            </a:r>
-            <a:r>
-              <a:rPr lang="en-US" sz="3200" dirty="0" smtClean="0">
-                <a:sym typeface="Euclid Symbol"/>
-              </a:rPr>
-              <a:t> </a:t>
-            </a:r>
-            <a:r>
-              <a:rPr lang="en-US" sz="3200" dirty="0" smtClean="0">
-                <a:solidFill>
-                  <a:srgbClr val="FF0000"/>
-                </a:solidFill>
-              </a:rPr>
-              <a:t>3</a:t>
-            </a:r>
-            <a:r>
-              <a:rPr lang="en-US" sz="3200" dirty="0" smtClean="0"/>
-              <a:t>-subject term</a:t>
-            </a:r>
-            <a:endParaRPr lang="en-US" sz="3200" dirty="0">
-              <a:solidFill>
-                <a:schemeClr val="accent2"/>
-              </a:solidFill>
-            </a:endParaRPr>
+              <a:rPr lang="en-US"/>
+              <a:t>Minimum “Parallel” Time</a:t>
+            </a:r>
           </a:p>
         </p:txBody>
       </p:sp>
       <p:sp>
         <p:nvSpPr>
-          <p:cNvPr id="657411" name="Rectangle 3"/>
+          <p:cNvPr id="761859" name="Rectangle 3"/>
           <p:cNvSpPr>
             <a:spLocks noGrp="1" noChangeArrowheads="1"/>
           </p:cNvSpPr>
           <p:nvPr>
-            <p:ph type="body" idx="1"/>
+            <p:ph type="body" sz="half" idx="1"/>
           </p:nvPr>
         </p:nvSpPr>
         <p:spPr>
           <a:xfrm>
-            <a:off x="490793" y="1443828"/>
-            <a:ext cx="8072909" cy="4060155"/>
+            <a:off x="330273" y="1441034"/>
+            <a:ext cx="8441099" cy="3975932"/>
           </a:xfrm>
         </p:spPr>
         <p:txBody>
           <a:bodyPr>
-            <a:normAutofit/>
+            <a:noAutofit/>
           </a:bodyPr>
           <a:lstStyle/>
           <a:p>
             <a:pPr>
+              <a:buFontTx/>
               <a:buNone/>
             </a:pPr>
             <a:r>
-              <a:rPr lang="en-US" sz="4800" b="1" dirty="0" smtClean="0">
+              <a:rPr lang="en-US" sz="5400" dirty="0" smtClean="0">
                 <a:solidFill>
-                  <a:srgbClr val="FF00FF"/>
+                  <a:srgbClr val="05811A"/>
                 </a:solidFill>
               </a:rPr>
-              <a:t>13</a:t>
-            </a:r>
-            <a:r>
-              <a:rPr lang="en-US" sz="4800" dirty="0" smtClean="0">
+              <a:t>#</a:t>
+            </a:r>
+            <a:r>
+              <a:rPr lang="en-US" sz="5400" dirty="0">
                 <a:solidFill>
-                  <a:srgbClr val="7030A0"/>
+                  <a:srgbClr val="05811A"/>
                 </a:solidFill>
               </a:rPr>
-              <a:t> </a:t>
-            </a:r>
-            <a:r>
-              <a:rPr lang="en-US" sz="4800" dirty="0"/>
-              <a:t>subjects</a:t>
+              <a:t>processors</a:t>
             </a:r>
           </a:p>
           <a:p>
             <a:pPr>
+              <a:buFontTx/>
               <a:buNone/>
             </a:pPr>
             <a:r>
-              <a:rPr lang="en-US" sz="4800" dirty="0"/>
-              <a:t>max </a:t>
-            </a:r>
-            <a:r>
-              <a:rPr lang="en-US" sz="4800" dirty="0">
+              <a:rPr lang="en-US" sz="5400" dirty="0">
                 <a:solidFill>
                   <a:srgbClr val="0033CC"/>
                 </a:solidFill>
               </a:rPr>
-              <a:t>chain size</a:t>
-            </a:r>
-            <a:r>
-              <a:rPr lang="en-US" sz="4800" dirty="0"/>
-              <a:t> =</a:t>
-            </a:r>
-            <a:r>
-              <a:rPr lang="en-US" sz="4800" dirty="0" smtClean="0">
+              <a:t>      </a:t>
+            </a:r>
+            <a:r>
+              <a:rPr lang="en-US" sz="5400" dirty="0" smtClean="0">
                 <a:solidFill>
-                  <a:schemeClr val="accent2"/>
+                  <a:srgbClr val="0033CC"/>
                 </a:solidFill>
               </a:rPr>
               <a:t> </a:t>
             </a:r>
             <a:r>
-              <a:rPr lang="en-US" sz="4800" b="1" dirty="0">
+              <a:rPr lang="en-US" sz="5400" dirty="0" smtClean="0">
                 <a:solidFill>
-                  <a:srgbClr val="1E03BD"/>
+                  <a:srgbClr val="0033CC"/>
                 </a:solidFill>
-              </a:rPr>
-              <a:t>5</a:t>
-            </a:r>
-            <a:endParaRPr lang="en-US" sz="4800" b="1" dirty="0" smtClean="0">
-              <a:solidFill>
-                <a:srgbClr val="1E03BD"/>
-              </a:solidFill>
-            </a:endParaRPr>
-          </a:p>
-          <a:p>
-            <a:pPr>
-              <a:buNone/>
-            </a:pPr>
-            <a:r>
-              <a:rPr lang="en-US" sz="4400" dirty="0" smtClean="0"/>
-              <a:t>so load </a:t>
-            </a:r>
-            <a:r>
-              <a:rPr lang="en-US" sz="4400" dirty="0"/>
-              <a:t>of </a:t>
-            </a:r>
-            <a:r>
-              <a:rPr lang="en-US" sz="4400" i="1" dirty="0"/>
-              <a:t>some</a:t>
-            </a:r>
-            <a:r>
-              <a:rPr lang="en-US" sz="4400" dirty="0"/>
+                <a:latin typeface="Symbol" pitchFamily="18" charset="2"/>
+              </a:rPr>
               <a:t> </a:t>
             </a:r>
             <a:r>
-              <a:rPr lang="en-US" sz="4400" dirty="0" smtClean="0"/>
-              <a:t>term </a:t>
-            </a:r>
-            <a:r>
-              <a:rPr lang="en-US" sz="4400" dirty="0"/>
-              <a:t>must </a:t>
-            </a:r>
-            <a:r>
-              <a:rPr lang="en-US" sz="4400" dirty="0" smtClean="0"/>
-              <a:t>be</a:t>
-            </a:r>
-            <a:endParaRPr lang="en-US" sz="4400" dirty="0">
-              <a:solidFill>
-                <a:srgbClr val="0033CC"/>
-              </a:solidFill>
-            </a:endParaRPr>
+              <a:rPr lang="en-US" sz="5400" b="1" dirty="0" smtClean="0">
+                <a:solidFill>
+                  <a:srgbClr val="000000"/>
+                </a:solidFill>
+                <a:latin typeface="Symbol" pitchFamily="18" charset="2"/>
+              </a:rPr>
+              <a:t>≤</a:t>
+            </a:r>
+            <a:r>
+              <a:rPr lang="en-US" sz="5400" b="1" dirty="0" smtClean="0">
+                <a:solidFill>
+                  <a:srgbClr val="C00000"/>
+                </a:solidFill>
+                <a:latin typeface="Symbol" pitchFamily="18" charset="2"/>
+              </a:rPr>
+              <a:t>  </a:t>
+            </a:r>
+            <a:r>
+              <a:rPr lang="en-US" sz="5400" dirty="0" smtClean="0">
+                <a:solidFill>
+                  <a:srgbClr val="0033CC"/>
+                </a:solidFill>
+                <a:latin typeface="Symbol" pitchFamily="18" charset="2"/>
+              </a:rPr>
+              <a:t> </a:t>
+            </a:r>
+            <a:r>
+              <a:rPr lang="en-US" sz="5400" dirty="0">
+                <a:solidFill>
+                  <a:srgbClr val="05811A"/>
+                </a:solidFill>
+              </a:rPr>
+              <a:t>max </a:t>
+            </a:r>
+            <a:r>
+              <a:rPr lang="en-US" sz="5400" dirty="0" err="1">
+                <a:solidFill>
+                  <a:srgbClr val="05811A"/>
+                </a:solidFill>
+              </a:rPr>
+              <a:t>antichain</a:t>
+            </a:r>
+            <a:r>
+              <a:rPr lang="en-US" sz="5400" dirty="0">
+                <a:solidFill>
+                  <a:srgbClr val="05811A"/>
+                </a:solidFill>
+              </a:rPr>
+              <a:t> </a:t>
+            </a:r>
+            <a:r>
+              <a:rPr lang="en-US" sz="5400" dirty="0" smtClean="0">
+                <a:solidFill>
+                  <a:srgbClr val="05811A"/>
+                </a:solidFill>
+              </a:rPr>
+              <a:t>size</a:t>
+            </a:r>
           </a:p>
         </p:txBody>
       </p:sp>
@@ -27489,6 +27997,667 @@
           </a:p>
         </p:txBody>
       </p:sp>
+    </p:spTree>
+  </p:cSld>
+  <p:clrMapOvr>
+    <a:masterClrMapping/>
+  </p:clrMapOvr>
+  <p:transition xmlns:p14="http://schemas.microsoft.com/office/powerpoint/2010/main">
+    <p:fade thruBlk="1"/>
+  </p:transition>
+  <p:timing>
+    <p:tnLst>
+      <p:par>
+        <p:cTn xmlns:p14="http://schemas.microsoft.com/office/powerpoint/2010/main" id="1" dur="indefinite" restart="never" nodeType="tmRoot"/>
+      </p:par>
+    </p:tnLst>
+  </p:timing>
+</p:sld>
+</file>
+
+<file path=ppt/slides/slide31.xml><?xml version="1.0" encoding="utf-8"?>
+<p:sld xmlns:a="http://schemas.openxmlformats.org/drawingml/2006/main" xmlns:r="http://schemas.openxmlformats.org/officeDocument/2006/relationships" xmlns:p="http://schemas.openxmlformats.org/presentationml/2006/main">
+  <p:cSld>
+    <p:spTree>
+      <p:nvGrpSpPr>
+        <p:cNvPr id="1" name=""/>
+        <p:cNvGrpSpPr/>
+        <p:nvPr/>
+      </p:nvGrpSpPr>
+      <p:grpSpPr>
+        <a:xfrm>
+          <a:off x="0" y="0"/>
+          <a:ext cx="0" cy="0"/>
+          <a:chOff x="0" y="0"/>
+          <a:chExt cx="0" cy="0"/>
+        </a:xfrm>
+      </p:grpSpPr>
+      <p:sp>
+        <p:nvSpPr>
+          <p:cNvPr id="761858" name="Rectangle 2"/>
+          <p:cNvSpPr>
+            <a:spLocks noGrp="1" noChangeArrowheads="1"/>
+          </p:cNvSpPr>
+          <p:nvPr>
+            <p:ph type="title"/>
+          </p:nvPr>
+        </p:nvSpPr>
+        <p:spPr/>
+        <p:txBody>
+          <a:bodyPr/>
+          <a:lstStyle/>
+          <a:p>
+            <a:r>
+              <a:rPr lang="en-US"/>
+              <a:t>Minimum “Parallel” Time</a:t>
+            </a:r>
+          </a:p>
+        </p:txBody>
+      </p:sp>
+      <p:sp>
+        <p:nvSpPr>
+          <p:cNvPr id="761859" name="Rectangle 3"/>
+          <p:cNvSpPr>
+            <a:spLocks noGrp="1" noChangeArrowheads="1"/>
+          </p:cNvSpPr>
+          <p:nvPr>
+            <p:ph type="body" sz="half" idx="1"/>
+          </p:nvPr>
+        </p:nvSpPr>
+        <p:spPr>
+          <a:xfrm>
+            <a:off x="330273" y="1441034"/>
+            <a:ext cx="8441099" cy="3975932"/>
+          </a:xfrm>
+        </p:spPr>
+        <p:txBody>
+          <a:bodyPr>
+            <a:noAutofit/>
+          </a:bodyPr>
+          <a:lstStyle/>
+          <a:p>
+            <a:pPr>
+              <a:buFontTx/>
+              <a:buNone/>
+            </a:pPr>
+            <a:r>
+              <a:rPr lang="en-US" sz="5400" dirty="0" smtClean="0">
+                <a:solidFill>
+                  <a:srgbClr val="05811A"/>
+                </a:solidFill>
+              </a:rPr>
+              <a:t>#</a:t>
+            </a:r>
+            <a:r>
+              <a:rPr lang="en-US" sz="5400" dirty="0">
+                <a:solidFill>
+                  <a:srgbClr val="05811A"/>
+                </a:solidFill>
+              </a:rPr>
+              <a:t>processors</a:t>
+            </a:r>
+          </a:p>
+          <a:p>
+            <a:pPr>
+              <a:buFontTx/>
+              <a:buNone/>
+            </a:pPr>
+            <a:r>
+              <a:rPr lang="en-US" sz="5400" dirty="0">
+                <a:solidFill>
+                  <a:srgbClr val="0033CC"/>
+                </a:solidFill>
+              </a:rPr>
+              <a:t>      </a:t>
+            </a:r>
+            <a:r>
+              <a:rPr lang="en-US" sz="5400" dirty="0" smtClean="0">
+                <a:solidFill>
+                  <a:srgbClr val="0033CC"/>
+                </a:solidFill>
+              </a:rPr>
+              <a:t> </a:t>
+            </a:r>
+            <a:r>
+              <a:rPr lang="en-US" sz="5400" dirty="0" smtClean="0">
+                <a:solidFill>
+                  <a:srgbClr val="0033CC"/>
+                </a:solidFill>
+                <a:latin typeface="Symbol" pitchFamily="18" charset="2"/>
+              </a:rPr>
+              <a:t> </a:t>
+            </a:r>
+            <a:r>
+              <a:rPr lang="en-US" sz="5400" b="1" dirty="0" smtClean="0">
+                <a:solidFill>
+                  <a:srgbClr val="FF00FF"/>
+                </a:solidFill>
+                <a:latin typeface="Symbol" pitchFamily="18" charset="2"/>
+              </a:rPr>
+              <a:t>≤</a:t>
+            </a:r>
+            <a:r>
+              <a:rPr lang="en-US" sz="5400" b="1" dirty="0" smtClean="0">
+                <a:solidFill>
+                  <a:srgbClr val="C00000"/>
+                </a:solidFill>
+                <a:latin typeface="Symbol" pitchFamily="18" charset="2"/>
+              </a:rPr>
+              <a:t>  </a:t>
+            </a:r>
+            <a:r>
+              <a:rPr lang="en-US" sz="5400" dirty="0" smtClean="0">
+                <a:solidFill>
+                  <a:srgbClr val="0033CC"/>
+                </a:solidFill>
+                <a:latin typeface="Symbol" pitchFamily="18" charset="2"/>
+              </a:rPr>
+              <a:t> </a:t>
+            </a:r>
+            <a:r>
+              <a:rPr lang="en-US" sz="5400" dirty="0">
+                <a:solidFill>
+                  <a:srgbClr val="05811A"/>
+                </a:solidFill>
+              </a:rPr>
+              <a:t>max </a:t>
+            </a:r>
+            <a:r>
+              <a:rPr lang="en-US" sz="5400" dirty="0" err="1">
+                <a:solidFill>
+                  <a:srgbClr val="05811A"/>
+                </a:solidFill>
+              </a:rPr>
+              <a:t>antichain</a:t>
+            </a:r>
+            <a:r>
+              <a:rPr lang="en-US" sz="5400" dirty="0">
+                <a:solidFill>
+                  <a:srgbClr val="05811A"/>
+                </a:solidFill>
+              </a:rPr>
+              <a:t> </a:t>
+            </a:r>
+            <a:r>
+              <a:rPr lang="en-US" sz="5400" dirty="0" smtClean="0">
+                <a:solidFill>
+                  <a:srgbClr val="05811A"/>
+                </a:solidFill>
+              </a:rPr>
+              <a:t>size</a:t>
+            </a:r>
+          </a:p>
+          <a:p>
+            <a:pPr>
+              <a:buFontTx/>
+              <a:buNone/>
+            </a:pPr>
+            <a:r>
+              <a:rPr lang="en-US" sz="5400" dirty="0" smtClean="0"/>
+              <a:t>we saw 3 </a:t>
+            </a:r>
+            <a:r>
+              <a:rPr lang="en-US" sz="5400" dirty="0" smtClean="0"/>
+              <a:t>processors</a:t>
+            </a:r>
+          </a:p>
+          <a:p>
+            <a:pPr>
+              <a:buFontTx/>
+              <a:buNone/>
+            </a:pPr>
+            <a:r>
+              <a:rPr lang="en-US" sz="5400" dirty="0" smtClean="0"/>
+              <a:t>may still do min time</a:t>
+            </a:r>
+            <a:endParaRPr lang="en-US" sz="5400" dirty="0"/>
+          </a:p>
+        </p:txBody>
+      </p:sp>
+      <p:sp>
+        <p:nvSpPr>
+          <p:cNvPr id="9" name="Slide Number Placeholder 5"/>
+          <p:cNvSpPr>
+            <a:spLocks noGrp="1"/>
+          </p:cNvSpPr>
+          <p:nvPr>
+            <p:ph type="sldNum" sz="quarter" idx="4"/>
+          </p:nvPr>
+        </p:nvSpPr>
+        <p:spPr>
+          <a:xfrm>
+            <a:off x="8237750" y="6596742"/>
+            <a:ext cx="906250" cy="261257"/>
+          </a:xfrm>
+          <a:prstGeom prst="rect">
+            <a:avLst/>
+          </a:prstGeom>
+        </p:spPr>
+        <p:txBody>
+          <a:bodyPr/>
+          <a:lstStyle>
+            <a:lvl1pPr>
+              <a:defRPr sz="1200">
+                <a:latin typeface="Comic Sans MS" pitchFamily="66" charset="0"/>
+              </a:defRPr>
+            </a:lvl1pPr>
+          </a:lstStyle>
+          <a:p>
+            <a:r>
+              <a:rPr lang="en-US" dirty="0" smtClean="0"/>
+              <a:t>7W.</a:t>
+            </a:r>
+            <a:fld id="{CA4C0C47-BA92-4669-BC5C-D64A96AF3D01}" type="slidenum">
+              <a:rPr lang="en-US" smtClean="0"/>
+              <a:pPr/>
+              <a:t>31</a:t>
+            </a:fld>
+            <a:endParaRPr lang="en-US" dirty="0"/>
+          </a:p>
+        </p:txBody>
+      </p:sp>
+    </p:spTree>
+    <p:extLst>
+      <p:ext uri="{BB962C8B-B14F-4D97-AF65-F5344CB8AC3E}">
+        <p14:creationId xmlns:p14="http://schemas.microsoft.com/office/powerpoint/2010/main" val="3574786204"/>
+      </p:ext>
+    </p:extLst>
+  </p:cSld>
+  <p:clrMapOvr>
+    <a:masterClrMapping/>
+  </p:clrMapOvr>
+  <mc:AlternateContent xmlns:mc="http://schemas.openxmlformats.org/markup-compatibility/2006" xmlns:p14="http://schemas.microsoft.com/office/powerpoint/2010/main">
+    <mc:Choice Requires="p14">
+      <p:transition p14:dur="0"/>
+    </mc:Choice>
+    <mc:Fallback xmlns="">
+      <p:transition xmlns:p14="http://schemas.microsoft.com/office/powerpoint/2010/main"/>
+    </mc:Fallback>
+  </mc:AlternateContent>
+  <p:timing>
+    <p:tnLst>
+      <p:par>
+        <p:cTn xmlns:p14="http://schemas.microsoft.com/office/powerpoint/2010/main" id="1" dur="indefinite" restart="never" nodeType="tmRoot">
+          <p:childTnLst>
+            <p:seq concurrent="1" nextAc="seek">
+              <p:cTn id="2" dur="indefinite" nodeType="mainSeq">
+                <p:childTnLst>
+                  <p:par>
+                    <p:cTn id="3" fill="hold">
+                      <p:stCondLst>
+                        <p:cond delay="indefinite"/>
+                      </p:stCondLst>
+                      <p:childTnLst>
+                        <p:par>
+                          <p:cTn id="4" fill="hold">
+                            <p:stCondLst>
+                              <p:cond delay="0"/>
+                            </p:stCondLst>
+                            <p:childTnLst>
+                              <p:par>
+                                <p:cTn id="5" presetID="10" presetClass="entr" presetSubtype="0" fill="hold" nodeType="clickEffect">
+                                  <p:stCondLst>
+                                    <p:cond delay="0"/>
+                                  </p:stCondLst>
+                                  <p:childTnLst>
+                                    <p:set>
+                                      <p:cBhvr>
+                                        <p:cTn id="6" dur="1" fill="hold">
+                                          <p:stCondLst>
+                                            <p:cond delay="0"/>
+                                          </p:stCondLst>
+                                        </p:cTn>
+                                        <p:tgtEl>
+                                          <p:spTgt spid="761859">
+                                            <p:txEl>
+                                              <p:pRg st="2" end="2"/>
+                                            </p:txEl>
+                                          </p:spTgt>
+                                        </p:tgtEl>
+                                        <p:attrNameLst>
+                                          <p:attrName>style.visibility</p:attrName>
+                                        </p:attrNameLst>
+                                      </p:cBhvr>
+                                      <p:to>
+                                        <p:strVal val="visible"/>
+                                      </p:to>
+                                    </p:set>
+                                    <p:animEffect transition="in" filter="fade">
+                                      <p:cBhvr>
+                                        <p:cTn id="7" dur="500"/>
+                                        <p:tgtEl>
+                                          <p:spTgt spid="761859">
+                                            <p:txEl>
+                                              <p:pRg st="2" end="2"/>
+                                            </p:txEl>
+                                          </p:spTgt>
+                                        </p:tgtEl>
+                                      </p:cBhvr>
+                                    </p:animEffect>
+                                  </p:childTnLst>
+                                </p:cTn>
+                              </p:par>
+                              <p:par>
+                                <p:cTn id="8" presetID="10" presetClass="entr" presetSubtype="0" fill="hold" nodeType="withEffect">
+                                  <p:stCondLst>
+                                    <p:cond delay="0"/>
+                                  </p:stCondLst>
+                                  <p:childTnLst>
+                                    <p:set>
+                                      <p:cBhvr>
+                                        <p:cTn id="9" dur="1" fill="hold">
+                                          <p:stCondLst>
+                                            <p:cond delay="0"/>
+                                          </p:stCondLst>
+                                        </p:cTn>
+                                        <p:tgtEl>
+                                          <p:spTgt spid="761859">
+                                            <p:txEl>
+                                              <p:pRg st="3" end="3"/>
+                                            </p:txEl>
+                                          </p:spTgt>
+                                        </p:tgtEl>
+                                        <p:attrNameLst>
+                                          <p:attrName>style.visibility</p:attrName>
+                                        </p:attrNameLst>
+                                      </p:cBhvr>
+                                      <p:to>
+                                        <p:strVal val="visible"/>
+                                      </p:to>
+                                    </p:set>
+                                    <p:animEffect transition="in" filter="fade">
+                                      <p:cBhvr>
+                                        <p:cTn id="10" dur="500"/>
+                                        <p:tgtEl>
+                                          <p:spTgt spid="761859">
+                                            <p:txEl>
+                                              <p:pRg st="3" end="3"/>
+                                            </p:txEl>
+                                          </p:spTgt>
+                                        </p:tgtEl>
+                                      </p:cBhvr>
+                                    </p:animEffect>
+                                  </p:childTnLst>
+                                </p:cTn>
+                              </p:par>
+                            </p:childTnLst>
+                          </p:cTn>
+                        </p:par>
+                      </p:childTnLst>
+                    </p:cTn>
+                  </p:par>
+                </p:childTnLst>
+              </p:cTn>
+              <p:prevCondLst>
+                <p:cond evt="onPrev" delay="0">
+                  <p:tgtEl>
+                    <p:sldTgt/>
+                  </p:tgtEl>
+                </p:cond>
+              </p:prevCondLst>
+              <p:nextCondLst>
+                <p:cond evt="onNext" delay="0">
+                  <p:tgtEl>
+                    <p:sldTgt/>
+                  </p:tgtEl>
+                </p:cond>
+              </p:nextCondLst>
+            </p:seq>
+          </p:childTnLst>
+        </p:cTn>
+      </p:par>
+    </p:tnLst>
+  </p:timing>
+</p:sld>
+</file>
+
+<file path=ppt/slides/slide32.xml><?xml version="1.0" encoding="utf-8"?>
+<p:sld xmlns:a="http://schemas.openxmlformats.org/drawingml/2006/main" xmlns:r="http://schemas.openxmlformats.org/officeDocument/2006/relationships" xmlns:p="http://schemas.openxmlformats.org/presentationml/2006/main">
+  <p:cSld>
+    <p:spTree>
+      <p:nvGrpSpPr>
+        <p:cNvPr id="1" name=""/>
+        <p:cNvGrpSpPr/>
+        <p:nvPr/>
+      </p:nvGrpSpPr>
+      <p:grpSpPr>
+        <a:xfrm>
+          <a:off x="0" y="0"/>
+          <a:ext cx="0" cy="0"/>
+          <a:chOff x="0" y="0"/>
+          <a:chExt cx="0" cy="0"/>
+        </a:xfrm>
+      </p:grpSpPr>
+      <p:sp>
+        <p:nvSpPr>
+          <p:cNvPr id="657410" name="Rectangle 2"/>
+          <p:cNvSpPr>
+            <a:spLocks noGrp="1" noChangeArrowheads="1"/>
+          </p:cNvSpPr>
+          <p:nvPr>
+            <p:ph type="title"/>
+          </p:nvPr>
+        </p:nvSpPr>
+        <p:spPr>
+          <a:xfrm>
+            <a:off x="1547448" y="327392"/>
+            <a:ext cx="6928345" cy="1096962"/>
+          </a:xfrm>
+        </p:spPr>
+        <p:txBody>
+          <a:bodyPr/>
+          <a:lstStyle/>
+          <a:p>
+            <a:r>
+              <a:rPr lang="en-US" sz="3200" dirty="0" smtClean="0"/>
+              <a:t>For min time: </a:t>
+            </a:r>
+            <a:r>
+              <a:rPr lang="en-US" sz="4000" dirty="0" smtClean="0">
+                <a:solidFill>
+                  <a:srgbClr val="FF0000"/>
+                </a:solidFill>
+                <a:latin typeface="Euclid Symbol" pitchFamily="18" charset="2"/>
+                <a:sym typeface="Euclid Symbol"/>
+              </a:rPr>
+              <a:t>≥</a:t>
+            </a:r>
+            <a:r>
+              <a:rPr lang="en-US" sz="3200" dirty="0" smtClean="0">
+                <a:sym typeface="Euclid Symbol"/>
+              </a:rPr>
+              <a:t> </a:t>
+            </a:r>
+            <a:r>
+              <a:rPr lang="en-US" sz="3200" dirty="0" smtClean="0">
+                <a:solidFill>
+                  <a:srgbClr val="FF0000"/>
+                </a:solidFill>
+              </a:rPr>
+              <a:t>3</a:t>
+            </a:r>
+            <a:r>
+              <a:rPr lang="en-US" sz="3200" dirty="0" smtClean="0"/>
+              <a:t>-subject term</a:t>
+            </a:r>
+            <a:endParaRPr lang="en-US" sz="3200" dirty="0">
+              <a:solidFill>
+                <a:schemeClr val="accent2"/>
+              </a:solidFill>
+            </a:endParaRPr>
+          </a:p>
+        </p:txBody>
+      </p:sp>
+      <p:sp>
+        <p:nvSpPr>
+          <p:cNvPr id="657411" name="Rectangle 3"/>
+          <p:cNvSpPr>
+            <a:spLocks noGrp="1" noChangeArrowheads="1"/>
+          </p:cNvSpPr>
+          <p:nvPr>
+            <p:ph type="body" idx="1"/>
+          </p:nvPr>
+        </p:nvSpPr>
+        <p:spPr>
+          <a:xfrm>
+            <a:off x="490793" y="1443828"/>
+            <a:ext cx="8072909" cy="4060155"/>
+          </a:xfrm>
+        </p:spPr>
+        <p:txBody>
+          <a:bodyPr>
+            <a:normAutofit/>
+          </a:bodyPr>
+          <a:lstStyle/>
+          <a:p>
+            <a:pPr>
+              <a:buNone/>
+            </a:pPr>
+            <a:r>
+              <a:rPr lang="en-US" sz="4800" b="1" dirty="0" smtClean="0">
+                <a:solidFill>
+                  <a:srgbClr val="FF00FF"/>
+                </a:solidFill>
+              </a:rPr>
+              <a:t>13</a:t>
+            </a:r>
+            <a:r>
+              <a:rPr lang="en-US" sz="4800" dirty="0" smtClean="0">
+                <a:solidFill>
+                  <a:srgbClr val="7030A0"/>
+                </a:solidFill>
+              </a:rPr>
+              <a:t> </a:t>
+            </a:r>
+            <a:r>
+              <a:rPr lang="en-US" sz="4800" dirty="0"/>
+              <a:t>subjects</a:t>
+            </a:r>
+          </a:p>
+          <a:p>
+            <a:pPr>
+              <a:buNone/>
+            </a:pPr>
+            <a:r>
+              <a:rPr lang="en-US" sz="4800" dirty="0"/>
+              <a:t>max </a:t>
+            </a:r>
+            <a:r>
+              <a:rPr lang="en-US" sz="4800" dirty="0">
+                <a:solidFill>
+                  <a:srgbClr val="0033CC"/>
+                </a:solidFill>
+              </a:rPr>
+              <a:t>chain size</a:t>
+            </a:r>
+            <a:r>
+              <a:rPr lang="en-US" sz="4800" dirty="0"/>
+              <a:t> =</a:t>
+            </a:r>
+            <a:r>
+              <a:rPr lang="en-US" sz="4800" dirty="0" smtClean="0">
+                <a:solidFill>
+                  <a:schemeClr val="accent2"/>
+                </a:solidFill>
+              </a:rPr>
+              <a:t> </a:t>
+            </a:r>
+            <a:r>
+              <a:rPr lang="en-US" sz="4800" b="1" dirty="0">
+                <a:solidFill>
+                  <a:srgbClr val="1E03BD"/>
+                </a:solidFill>
+              </a:rPr>
+              <a:t>5</a:t>
+            </a:r>
+            <a:endParaRPr lang="en-US" sz="4800" b="1" dirty="0" smtClean="0">
+              <a:solidFill>
+                <a:srgbClr val="1E03BD"/>
+              </a:solidFill>
+            </a:endParaRPr>
+          </a:p>
+          <a:p>
+            <a:pPr>
+              <a:buNone/>
+            </a:pPr>
+            <a:r>
+              <a:rPr lang="en-US" sz="4400" dirty="0" smtClean="0"/>
+              <a:t>so load </a:t>
+            </a:r>
+            <a:r>
+              <a:rPr lang="en-US" sz="4400" dirty="0"/>
+              <a:t>of </a:t>
+            </a:r>
+            <a:r>
+              <a:rPr lang="en-US" sz="4400" i="1" dirty="0"/>
+              <a:t>some</a:t>
+            </a:r>
+            <a:r>
+              <a:rPr lang="en-US" sz="4400" dirty="0"/>
+              <a:t> </a:t>
+            </a:r>
+            <a:r>
+              <a:rPr lang="en-US" sz="4400" dirty="0" smtClean="0"/>
+              <a:t>term </a:t>
+            </a:r>
+            <a:r>
+              <a:rPr lang="en-US" sz="4400" dirty="0"/>
+              <a:t>must </a:t>
+            </a:r>
+            <a:r>
+              <a:rPr lang="en-US" sz="4400" dirty="0" smtClean="0"/>
+              <a:t>be</a:t>
+            </a:r>
+            <a:endParaRPr lang="en-US" sz="4400" dirty="0">
+              <a:solidFill>
+                <a:srgbClr val="0033CC"/>
+              </a:solidFill>
+            </a:endParaRPr>
+          </a:p>
+        </p:txBody>
+      </p:sp>
+      <p:sp>
+        <p:nvSpPr>
+          <p:cNvPr id="9" name="Slide Number Placeholder 5"/>
+          <p:cNvSpPr>
+            <a:spLocks noGrp="1"/>
+          </p:cNvSpPr>
+          <p:nvPr>
+            <p:ph type="sldNum" sz="quarter" idx="4"/>
+          </p:nvPr>
+        </p:nvSpPr>
+        <p:spPr>
+          <a:xfrm>
+            <a:off x="8237750" y="6596742"/>
+            <a:ext cx="906250" cy="261257"/>
+          </a:xfrm>
+          <a:prstGeom prst="rect">
+            <a:avLst/>
+          </a:prstGeom>
+        </p:spPr>
+        <p:txBody>
+          <a:bodyPr/>
+          <a:lstStyle>
+            <a:lvl1pPr>
+              <a:defRPr sz="1200">
+                <a:latin typeface="Comic Sans MS" pitchFamily="66" charset="0"/>
+              </a:defRPr>
+            </a:lvl1pPr>
+          </a:lstStyle>
+          <a:p>
+            <a:r>
+              <a:rPr lang="en-US" dirty="0" smtClean="0"/>
+              <a:t>7W.</a:t>
+            </a:r>
+            <a:fld id="{CA4C0C47-BA92-4669-BC5C-D64A96AF3D01}" type="slidenum">
+              <a:rPr lang="en-US" smtClean="0"/>
+              <a:pPr/>
+              <a:t>32</a:t>
+            </a:fld>
+            <a:endParaRPr lang="en-US" dirty="0"/>
+          </a:p>
+        </p:txBody>
+      </p:sp>
       <p:graphicFrame>
         <p:nvGraphicFramePr>
           <p:cNvPr id="5" name="Object 4"/>
@@ -27505,7 +28674,7 @@
           <a:graphicData uri="http://schemas.openxmlformats.org/presentationml/2006/ole">
             <mc:AlternateContent xmlns:mc="http://schemas.openxmlformats.org/markup-compatibility/2006">
               <mc:Choice xmlns:v="urn:schemas-microsoft-com:vml" Requires="v">
-                <p:oleObj spid="_x0000_s80903" name="Equation" r:id="rId4" imgW="850900" imgH="355600" progId="Equation.DSMT4">
+                <p:oleObj spid="_x0000_s80919" name="Equation" r:id="rId4" imgW="850900" imgH="355600" progId="Equation.DSMT4">
                   <p:embed/>
                 </p:oleObj>
               </mc:Choice>
@@ -27780,7 +28949,7 @@
 </p:sld>
 </file>
 
-<file path=ppt/slides/slide31.xml><?xml version="1.0" encoding="utf-8"?>
+<file path=ppt/slides/slide33.xml><?xml version="1.0" encoding="utf-8"?>
 <p:sld xmlns:a="http://schemas.openxmlformats.org/drawingml/2006/main" xmlns:r="http://schemas.openxmlformats.org/officeDocument/2006/relationships" xmlns:p="http://schemas.openxmlformats.org/presentationml/2006/main" showMasterPhAnim="0">
   <p:cSld>
     <p:spTree>
@@ -27886,7 +29055,7 @@
             <a:fld id="{CA4C0C47-BA92-4669-BC5C-D64A96AF3D01}" type="slidenum">
               <a:rPr lang="en-US" smtClean="0"/>
               <a:pPr/>
-              <a:t>31</a:t>
+              <a:t>33</a:t>
             </a:fld>
             <a:endParaRPr lang="en-US" dirty="0"/>
           </a:p>
@@ -27953,7 +29122,7 @@
           <a:graphicData uri="http://schemas.openxmlformats.org/presentationml/2006/ole">
             <mc:AlternateContent xmlns:mc="http://schemas.openxmlformats.org/markup-compatibility/2006">
               <mc:Choice xmlns:v="urn:schemas-microsoft-com:vml" Requires="v">
-                <p:oleObj spid="_x0000_s55313" name="Equation" r:id="rId4" imgW="215900" imgH="1270000" progId="Equation.DSMT4">
+                <p:oleObj spid="_x0000_s55357" name="Equation" r:id="rId4" imgW="215900" imgH="1270000" progId="Equation.DSMT4">
                   <p:embed/>
                 </p:oleObj>
               </mc:Choice>
@@ -28272,22 +29441,28 @@
           <p:cNvGraphicFramePr>
             <a:graphicFrameLocks noChangeAspect="1"/>
           </p:cNvGraphicFramePr>
-          <p:nvPr/>
+          <p:nvPr>
+            <p:extLst>
+              <p:ext uri="{D42A27DB-BD31-4B8C-83A1-F6EECF244321}">
+                <p14:modId xmlns:p14="http://schemas.microsoft.com/office/powerpoint/2010/main" val="2697730859"/>
+              </p:ext>
+            </p:extLst>
+          </p:nvPr>
         </p:nvGraphicFramePr>
         <p:xfrm>
-          <a:off x="6070569" y="2263909"/>
-          <a:ext cx="2867025" cy="3200400"/>
+          <a:off x="6128840" y="2334469"/>
+          <a:ext cx="2800350" cy="3133725"/>
         </p:xfrm>
         <a:graphic>
           <a:graphicData uri="http://schemas.openxmlformats.org/presentationml/2006/ole">
             <mc:AlternateContent xmlns:mc="http://schemas.openxmlformats.org/markup-compatibility/2006">
               <mc:Choice xmlns:v="urn:schemas-microsoft-com:vml" Requires="v">
-                <p:oleObj spid="_x0000_s55314" name="Equation" r:id="rId6" imgW="546100" imgH="609600" progId="Equation.DSMT4">
+                <p:oleObj spid="_x0000_s55358" name="Equation" r:id="rId6" imgW="533400" imgH="596900" progId="Equation.DSMT4">
                   <p:embed/>
                 </p:oleObj>
               </mc:Choice>
               <mc:Fallback>
-                <p:oleObj name="Equation" r:id="rId6" imgW="546100" imgH="609600" progId="Equation.DSMT4">
+                <p:oleObj name="Equation" r:id="rId6" imgW="533400" imgH="596900" progId="Equation.DSMT4">
                   <p:embed/>
                   <p:pic>
                     <p:nvPicPr>
@@ -28298,13 +29473,7 @@
                       <p:nvPr/>
                     </p:nvPicPr>
                     <p:blipFill>
-                      <a:blip r:embed="rId7">
-                        <a:extLst>
-                          <a:ext uri="{28A0092B-C50C-407E-A947-70E740481C1C}">
-                            <a14:useLocalDpi xmlns:a14="http://schemas.microsoft.com/office/drawing/2010/main" val="0"/>
-                          </a:ext>
-                        </a:extLst>
-                      </a:blip>
+                      <a:blip r:embed="rId7"/>
                       <a:srcRect/>
                       <a:stretch>
                         <a:fillRect/>
@@ -28312,8 +29481,8 @@
                     </p:blipFill>
                     <p:spPr bwMode="auto">
                       <a:xfrm>
-                        <a:off x="6070569" y="2263909"/>
-                        <a:ext cx="2867025" cy="3200400"/>
+                        <a:off x="6128840" y="2334469"/>
+                        <a:ext cx="2800350" cy="3133725"/>
                       </a:xfrm>
                       <a:prstGeom prst="rect">
                         <a:avLst/>
@@ -28352,7 +29521,7 @@
           <a:graphicData uri="http://schemas.openxmlformats.org/presentationml/2006/ole">
             <mc:AlternateContent xmlns:mc="http://schemas.openxmlformats.org/markup-compatibility/2006">
               <mc:Choice xmlns:v="urn:schemas-microsoft-com:vml" Requires="v">
-                <p:oleObj spid="_x0000_s55315" name="Equation" r:id="rId8" imgW="546100" imgH="177800" progId="Equation.DSMT4">
+                <p:oleObj spid="_x0000_s55359" name="Equation" r:id="rId8" imgW="546100" imgH="177800" progId="Equation.DSMT4">
                   <p:embed/>
                 </p:oleObj>
               </mc:Choice>
@@ -29100,7 +30269,7 @@
 </p:sld>
 </file>
 
-<file path=ppt/slides/slide32.xml><?xml version="1.0" encoding="utf-8"?>
+<file path=ppt/slides/slide34.xml><?xml version="1.0" encoding="utf-8"?>
 <p:sld xmlns:a="http://schemas.openxmlformats.org/drawingml/2006/main" xmlns:r="http://schemas.openxmlformats.org/officeDocument/2006/relationships" xmlns:p="http://schemas.openxmlformats.org/presentationml/2006/main" showMasterPhAnim="0">
   <p:cSld>
     <p:spTree>
@@ -29134,11 +30303,13 @@
           </a:xfrm>
         </p:spPr>
         <p:txBody>
-          <a:bodyPr/>
+          <a:bodyPr>
+            <a:normAutofit/>
+          </a:bodyPr>
           <a:lstStyle/>
           <a:p>
             <a:r>
-              <a:rPr lang="en-US" dirty="0"/>
+              <a:rPr lang="en-US" sz="4000" dirty="0"/>
               <a:t>Dilworth’s Lemma</a:t>
             </a:r>
           </a:p>
@@ -29169,7 +30340,39 @@
             <a:pPr lvl="1"/>
             <a:r>
               <a:rPr lang="en-US" sz="4800" dirty="0" smtClean="0"/>
-              <a:t>every DAG has</a:t>
+              <a:t>every </a:t>
+            </a:r>
+            <a:r>
+              <a:rPr lang="en-US" sz="4800" dirty="0" smtClean="0">
+                <a:solidFill>
+                  <a:srgbClr val="FF00FF"/>
+                </a:solidFill>
+              </a:rPr>
+              <a:t>n</a:t>
+            </a:r>
+            <a:r>
+              <a:rPr lang="en-US" sz="4800" dirty="0" smtClean="0">
+                <a:solidFill>
+                  <a:srgbClr val="000000"/>
+                </a:solidFill>
+              </a:rPr>
+              <a:t>-vertex</a:t>
+            </a:r>
+            <a:r>
+              <a:rPr lang="en-US" sz="4800" dirty="0" smtClean="0">
+                <a:solidFill>
+                  <a:srgbClr val="FF00FF"/>
+                </a:solidFill>
+              </a:rPr>
+              <a:t> </a:t>
+            </a:r>
+            <a:r>
+              <a:rPr lang="en-US" sz="4800" dirty="0" smtClean="0"/>
+              <a:t>DAG </a:t>
+            </a:r>
+            <a:r>
+              <a:rPr lang="en-US" sz="4800" dirty="0" smtClean="0"/>
+              <a:t>has</a:t>
             </a:r>
           </a:p>
           <a:p>
@@ -29368,7 +30571,7 @@
             <a:fld id="{CA4C0C47-BA92-4669-BC5C-D64A96AF3D01}" type="slidenum">
               <a:rPr lang="en-US" smtClean="0"/>
               <a:pPr/>
-              <a:t>32</a:t>
+              <a:t>34</a:t>
             </a:fld>
             <a:endParaRPr lang="en-US" dirty="0"/>
           </a:p>
@@ -29390,7 +30593,7 @@
           <a:graphicData uri="http://schemas.openxmlformats.org/presentationml/2006/ole">
             <mc:AlternateContent xmlns:mc="http://schemas.openxmlformats.org/markup-compatibility/2006">
               <mc:Choice xmlns:v="urn:schemas-microsoft-com:vml" Requires="v">
-                <p:oleObj spid="_x0000_s107527" name="Equation" r:id="rId4" imgW="266400" imgH="939600" progId="Equation.DSMT4">
+                <p:oleObj spid="_x0000_s107545" name="Equation" r:id="rId4" imgW="266400" imgH="939600" progId="Equation.DSMT4">
                   <p:embed/>
                 </p:oleObj>
               </mc:Choice>
@@ -29550,30 +30753,21 @@
                             </p:childTnLst>
                           </p:cTn>
                         </p:par>
-                      </p:childTnLst>
-                    </p:cTn>
-                  </p:par>
-                  <p:par>
-                    <p:cTn id="11" fill="hold">
-                      <p:stCondLst>
-                        <p:cond delay="indefinite"/>
-                      </p:stCondLst>
-                      <p:childTnLst>
                         <p:par>
-                          <p:cTn id="12" fill="hold">
+                          <p:cTn id="11" fill="hold">
                             <p:stCondLst>
-                              <p:cond delay="0"/>
+                              <p:cond delay="1000"/>
                             </p:stCondLst>
                             <p:childTnLst>
                               <p:par>
-                                <p:cTn id="13" presetID="1" presetClass="entr" presetSubtype="0" fill="hold" nodeType="clickEffect">
+                                <p:cTn id="12" presetID="1" presetClass="entr" presetSubtype="0" fill="hold" nodeType="afterEffect">
                                   <p:stCondLst>
                                     <p:cond delay="0"/>
                                   </p:stCondLst>
                                   <p:childTnLst>
                                     <p:set>
                                       <p:cBhvr>
-                                        <p:cTn id="14" dur="1" fill="hold">
+                                        <p:cTn id="13" dur="1" fill="hold">
                                           <p:stCondLst>
                                             <p:cond delay="0"/>
                                           </p:stCondLst>
@@ -29627,7 +30821,371 @@
 </p:sld>
 </file>
 
-<file path=ppt/slides/slide33.xml><?xml version="1.0" encoding="utf-8"?>
+<file path=ppt/slides/slide35.xml><?xml version="1.0" encoding="utf-8"?>
+<p:sld xmlns:a="http://schemas.openxmlformats.org/drawingml/2006/main" xmlns:r="http://schemas.openxmlformats.org/officeDocument/2006/relationships" xmlns:p="http://schemas.openxmlformats.org/presentationml/2006/main" showMasterPhAnim="0">
+  <p:cSld>
+    <p:spTree>
+      <p:nvGrpSpPr>
+        <p:cNvPr id="1" name=""/>
+        <p:cNvGrpSpPr/>
+        <p:nvPr/>
+      </p:nvGrpSpPr>
+      <p:grpSpPr>
+        <a:xfrm>
+          <a:off x="0" y="0"/>
+          <a:ext cx="0" cy="0"/>
+          <a:chOff x="0" y="0"/>
+          <a:chExt cx="0" cy="0"/>
+        </a:xfrm>
+      </p:grpSpPr>
+      <p:sp>
+        <p:nvSpPr>
+          <p:cNvPr id="658434" name="Rectangle 2"/>
+          <p:cNvSpPr>
+            <a:spLocks noGrp="1" noChangeArrowheads="1"/>
+          </p:cNvSpPr>
+          <p:nvPr>
+            <p:ph type="title"/>
+          </p:nvPr>
+        </p:nvSpPr>
+        <p:spPr>
+          <a:xfrm>
+            <a:off x="1669015" y="294302"/>
+            <a:ext cx="5841396" cy="1113258"/>
+          </a:xfrm>
+        </p:spPr>
+        <p:txBody>
+          <a:bodyPr>
+            <a:normAutofit/>
+          </a:bodyPr>
+          <a:lstStyle/>
+          <a:p>
+            <a:r>
+              <a:rPr lang="en-US" sz="4000" dirty="0"/>
+              <a:t>Dilworth’s Lemma</a:t>
+            </a:r>
+          </a:p>
+        </p:txBody>
+      </p:sp>
+      <p:sp>
+        <p:nvSpPr>
+          <p:cNvPr id="658435" name="Rectangle 3"/>
+          <p:cNvSpPr>
+            <a:spLocks noGrp="1" noChangeArrowheads="1"/>
+          </p:cNvSpPr>
+          <p:nvPr>
+            <p:ph type="body" idx="1"/>
+          </p:nvPr>
+        </p:nvSpPr>
+        <p:spPr>
+          <a:xfrm>
+            <a:off x="361886" y="1304897"/>
+            <a:ext cx="8586941" cy="4543843"/>
+          </a:xfrm>
+        </p:spPr>
+        <p:txBody>
+          <a:bodyPr>
+            <a:normAutofit/>
+          </a:bodyPr>
+          <a:lstStyle/>
+          <a:p>
+            <a:pPr lvl="1"/>
+            <a:r>
+              <a:rPr lang="en-US" sz="4800" dirty="0" smtClean="0"/>
+              <a:t>every </a:t>
+            </a:r>
+            <a:r>
+              <a:rPr lang="en-US" sz="4800" dirty="0" smtClean="0">
+                <a:solidFill>
+                  <a:srgbClr val="FF00FF"/>
+                </a:solidFill>
+              </a:rPr>
+              <a:t>n</a:t>
+            </a:r>
+            <a:r>
+              <a:rPr lang="en-US" sz="4800" dirty="0" smtClean="0">
+                <a:solidFill>
+                  <a:srgbClr val="000000"/>
+                </a:solidFill>
+              </a:rPr>
+              <a:t>-vertex</a:t>
+            </a:r>
+            <a:r>
+              <a:rPr lang="en-US" sz="4800" dirty="0" smtClean="0">
+                <a:solidFill>
+                  <a:srgbClr val="FF00FF"/>
+                </a:solidFill>
+              </a:rPr>
+              <a:t> </a:t>
+            </a:r>
+            <a:r>
+              <a:rPr lang="en-US" sz="4800" dirty="0" smtClean="0"/>
+              <a:t>DAG </a:t>
+            </a:r>
+            <a:r>
+              <a:rPr lang="en-US" sz="4800" dirty="0" smtClean="0"/>
+              <a:t>has</a:t>
+            </a:r>
+          </a:p>
+          <a:p>
+            <a:pPr lvl="1">
+              <a:buFont typeface="Arial"/>
+              <a:buChar char="•"/>
+            </a:pPr>
+            <a:r>
+              <a:rPr lang="en-US" sz="4800" dirty="0" smtClean="0"/>
+              <a:t>a </a:t>
+            </a:r>
+            <a:r>
+              <a:rPr lang="en-US" sz="4800" dirty="0">
+                <a:solidFill>
+                  <a:srgbClr val="0033CC"/>
+                </a:solidFill>
+              </a:rPr>
+              <a:t>chain</a:t>
+            </a:r>
+            <a:r>
+              <a:rPr lang="en-US" sz="4800" dirty="0"/>
+              <a:t> of size</a:t>
+            </a:r>
+            <a:r>
+              <a:rPr lang="en-US" sz="4800" dirty="0" smtClean="0"/>
+              <a:t> </a:t>
+            </a:r>
+            <a:r>
+              <a:rPr lang="en-US" sz="5400" b="1" dirty="0" smtClean="0">
+                <a:latin typeface="Symbol" charset="2"/>
+                <a:cs typeface="Symbol" charset="2"/>
+                <a:sym typeface="Euclid Symbol"/>
+              </a:rPr>
+              <a:t>&gt;</a:t>
+            </a:r>
+            <a:endParaRPr lang="en-US" sz="4800" dirty="0"/>
+          </a:p>
+          <a:p>
+            <a:pPr lvl="1">
+              <a:spcBef>
+                <a:spcPts val="0"/>
+              </a:spcBef>
+              <a:buFont typeface="Times" pitchFamily="18" charset="0"/>
+              <a:buChar char="•"/>
+            </a:pPr>
+            <a:r>
+              <a:rPr lang="en-US" sz="4800" dirty="0" smtClean="0"/>
+              <a:t>or </a:t>
+            </a:r>
+            <a:r>
+              <a:rPr lang="en-US" sz="4800" dirty="0" err="1">
+                <a:solidFill>
+                  <a:srgbClr val="008000"/>
+                </a:solidFill>
+              </a:rPr>
+              <a:t>antichain</a:t>
+            </a:r>
+            <a:r>
+              <a:rPr lang="en-US" sz="4800" dirty="0"/>
+              <a:t> of size</a:t>
+            </a:r>
+            <a:r>
+              <a:rPr lang="en-US" sz="4800" dirty="0" smtClean="0"/>
+              <a:t> </a:t>
+            </a:r>
+            <a:r>
+              <a:rPr lang="en-US" sz="6000" b="1" dirty="0" smtClean="0">
+                <a:latin typeface="Symbol" charset="2"/>
+                <a:cs typeface="Symbol" charset="2"/>
+                <a:sym typeface="Euclid Symbol"/>
+              </a:rPr>
+              <a:t>≥</a:t>
+            </a:r>
+            <a:endParaRPr lang="en-US" sz="4800" dirty="0" smtClean="0">
+              <a:latin typeface="Symbol" charset="2"/>
+              <a:cs typeface="Symbol" charset="2"/>
+              <a:sym typeface="Symbol" pitchFamily="18" charset="2"/>
+            </a:endParaRPr>
+          </a:p>
+        </p:txBody>
+      </p:sp>
+      <p:sp>
+        <p:nvSpPr>
+          <p:cNvPr id="13" name="Slide Number Placeholder 5"/>
+          <p:cNvSpPr>
+            <a:spLocks noGrp="1"/>
+          </p:cNvSpPr>
+          <p:nvPr>
+            <p:ph type="sldNum" sz="quarter" idx="4"/>
+          </p:nvPr>
+        </p:nvSpPr>
+        <p:spPr>
+          <a:xfrm>
+            <a:off x="8237750" y="6596742"/>
+            <a:ext cx="906250" cy="261257"/>
+          </a:xfrm>
+          <a:prstGeom prst="rect">
+            <a:avLst/>
+          </a:prstGeom>
+        </p:spPr>
+        <p:txBody>
+          <a:bodyPr/>
+          <a:lstStyle>
+            <a:lvl1pPr>
+              <a:defRPr sz="1200">
+                <a:latin typeface="Comic Sans MS" pitchFamily="66" charset="0"/>
+              </a:defRPr>
+            </a:lvl1pPr>
+          </a:lstStyle>
+          <a:p>
+            <a:r>
+              <a:rPr lang="en-US" dirty="0" smtClean="0"/>
+              <a:t>7W.</a:t>
+            </a:r>
+            <a:fld id="{CA4C0C47-BA92-4669-BC5C-D64A96AF3D01}" type="slidenum">
+              <a:rPr lang="en-US" smtClean="0"/>
+              <a:pPr/>
+              <a:t>35</a:t>
+            </a:fld>
+            <a:endParaRPr lang="en-US" dirty="0"/>
+          </a:p>
+        </p:txBody>
+      </p:sp>
+      <p:graphicFrame>
+        <p:nvGraphicFramePr>
+          <p:cNvPr id="4" name="Object 3"/>
+          <p:cNvGraphicFramePr>
+            <a:graphicFrameLocks noChangeAspect="1"/>
+          </p:cNvGraphicFramePr>
+          <p:nvPr>
+            <p:extLst>
+              <p:ext uri="{D42A27DB-BD31-4B8C-83A1-F6EECF244321}">
+                <p14:modId xmlns:p14="http://schemas.microsoft.com/office/powerpoint/2010/main" val="1963538655"/>
+              </p:ext>
+            </p:extLst>
+          </p:nvPr>
+        </p:nvGraphicFramePr>
+        <p:xfrm>
+          <a:off x="7328980" y="3239337"/>
+          <a:ext cx="1150425" cy="1332071"/>
+        </p:xfrm>
+        <a:graphic>
+          <a:graphicData uri="http://schemas.openxmlformats.org/presentationml/2006/ole">
+            <mc:AlternateContent xmlns:mc="http://schemas.openxmlformats.org/markup-compatibility/2006">
+              <mc:Choice xmlns:v="urn:schemas-microsoft-com:vml" Requires="v">
+                <p:oleObj spid="_x0000_s110606" name="Equation" r:id="rId4" imgW="241300" imgH="279400" progId="Equation.DSMT4">
+                  <p:embed/>
+                </p:oleObj>
+              </mc:Choice>
+              <mc:Fallback>
+                <p:oleObj name="Equation" r:id="rId4" imgW="241300" imgH="279400" progId="Equation.DSMT4">
+                  <p:embed/>
+                  <p:pic>
+                    <p:nvPicPr>
+                      <p:cNvPr id="0" name=""/>
+                      <p:cNvPicPr/>
+                      <p:nvPr/>
+                    </p:nvPicPr>
+                    <p:blipFill>
+                      <a:blip r:embed="rId5"/>
+                      <a:stretch>
+                        <a:fillRect/>
+                      </a:stretch>
+                    </p:blipFill>
+                    <p:spPr>
+                      <a:xfrm>
+                        <a:off x="7328980" y="3239337"/>
+                        <a:ext cx="1150425" cy="1332071"/>
+                      </a:xfrm>
+                      <a:prstGeom prst="rect">
+                        <a:avLst/>
+                      </a:prstGeom>
+                    </p:spPr>
+                  </p:pic>
+                </p:oleObj>
+              </mc:Fallback>
+            </mc:AlternateContent>
+          </a:graphicData>
+        </a:graphic>
+      </p:graphicFrame>
+      <p:graphicFrame>
+        <p:nvGraphicFramePr>
+          <p:cNvPr id="5" name="Object 4"/>
+          <p:cNvGraphicFramePr>
+            <a:graphicFrameLocks noChangeAspect="1"/>
+          </p:cNvGraphicFramePr>
+          <p:nvPr>
+            <p:extLst>
+              <p:ext uri="{D42A27DB-BD31-4B8C-83A1-F6EECF244321}">
+                <p14:modId xmlns:p14="http://schemas.microsoft.com/office/powerpoint/2010/main" val="672257246"/>
+              </p:ext>
+            </p:extLst>
+          </p:nvPr>
+        </p:nvGraphicFramePr>
+        <p:xfrm>
+          <a:off x="7190658" y="2081445"/>
+          <a:ext cx="1077073" cy="1247137"/>
+        </p:xfrm>
+        <a:graphic>
+          <a:graphicData uri="http://schemas.openxmlformats.org/presentationml/2006/ole">
+            <mc:AlternateContent xmlns:mc="http://schemas.openxmlformats.org/markup-compatibility/2006">
+              <mc:Choice xmlns:v="urn:schemas-microsoft-com:vml" Requires="v">
+                <p:oleObj spid="_x0000_s110607" name="Equation" r:id="rId6" imgW="241300" imgH="279400" progId="Equation.DSMT4">
+                  <p:embed/>
+                </p:oleObj>
+              </mc:Choice>
+              <mc:Fallback>
+                <p:oleObj name="Equation" r:id="rId6" imgW="241300" imgH="279400" progId="Equation.DSMT4">
+                  <p:embed/>
+                  <p:pic>
+                    <p:nvPicPr>
+                      <p:cNvPr id="0" name=""/>
+                      <p:cNvPicPr/>
+                      <p:nvPr/>
+                    </p:nvPicPr>
+                    <p:blipFill>
+                      <a:blip r:embed="rId7"/>
+                      <a:stretch>
+                        <a:fillRect/>
+                      </a:stretch>
+                    </p:blipFill>
+                    <p:spPr>
+                      <a:xfrm>
+                        <a:off x="7190658" y="2081445"/>
+                        <a:ext cx="1077073" cy="1247137"/>
+                      </a:xfrm>
+                      <a:prstGeom prst="rect">
+                        <a:avLst/>
+                      </a:prstGeom>
+                    </p:spPr>
+                  </p:pic>
+                </p:oleObj>
+              </mc:Fallback>
+            </mc:AlternateContent>
+          </a:graphicData>
+        </a:graphic>
+      </p:graphicFrame>
+    </p:spTree>
+    <p:extLst>
+      <p:ext uri="{BB962C8B-B14F-4D97-AF65-F5344CB8AC3E}">
+        <p14:creationId xmlns:p14="http://schemas.microsoft.com/office/powerpoint/2010/main" val="1464833300"/>
+      </p:ext>
+    </p:extLst>
+  </p:cSld>
+  <p:clrMapOvr>
+    <a:masterClrMapping/>
+  </p:clrMapOvr>
+  <p:transition xmlns:p14="http://schemas.microsoft.com/office/powerpoint/2010/main" spd="slow">
+    <p:fade/>
+  </p:transition>
+  <p:timing>
+    <p:tnLst>
+      <p:par>
+        <p:cTn xmlns:p14="http://schemas.microsoft.com/office/powerpoint/2010/main" id="1" dur="indefinite" restart="never" nodeType="tmRoot"/>
+      </p:par>
+    </p:tnLst>
+  </p:timing>
+</p:sld>
+</file>
+
+<file path=ppt/slides/slide36.xml><?xml version="1.0" encoding="utf-8"?>
 <p:sld xmlns:a="http://schemas.openxmlformats.org/drawingml/2006/main" xmlns:r="http://schemas.openxmlformats.org/officeDocument/2006/relationships" xmlns:p="http://schemas.openxmlformats.org/presentationml/2006/main">
   <p:cSld>
     <p:spTree>
@@ -29654,7 +31212,12 @@
             <p:ph type="title"/>
           </p:nvPr>
         </p:nvSpPr>
-        <p:spPr/>
+        <p:spPr>
+          <a:xfrm>
+            <a:off x="1451996" y="274638"/>
+            <a:ext cx="6662057" cy="1105126"/>
+          </a:xfrm>
+        </p:spPr>
         <p:txBody>
           <a:bodyPr>
             <a:normAutofit/>
@@ -29662,9 +31225,14 @@
           <a:lstStyle/>
           <a:p>
             <a:r>
-              <a:rPr lang="en-US" sz="3200" dirty="0"/>
-              <a:t>Height/Birthday Partial Order</a:t>
-            </a:r>
+              <a:rPr lang="en-US" sz="4000" dirty="0"/>
+              <a:t>Height/Birthday </a:t>
+            </a:r>
+            <a:r>
+              <a:rPr lang="en-US" sz="4000" dirty="0" smtClean="0"/>
+              <a:t>DAG</a:t>
+            </a:r>
+            <a:endParaRPr lang="en-US" sz="4000" dirty="0"/>
           </a:p>
         </p:txBody>
       </p:sp>
@@ -29680,8 +31248,8 @@
         </p:nvSpPr>
         <p:spPr>
           <a:xfrm>
-            <a:off x="620556" y="1362037"/>
-            <a:ext cx="7890402" cy="4810164"/>
+            <a:off x="398448" y="1362037"/>
+            <a:ext cx="8379795" cy="4801758"/>
           </a:xfrm>
         </p:spPr>
         <p:txBody>
@@ -29698,10 +31266,9 @@
               <a:buNone/>
             </a:pPr>
             <a:r>
-              <a:rPr lang="en-US" sz="4400" dirty="0"/>
-              <a:t>Two students are related to </a:t>
-            </a:r>
-            <a:endParaRPr lang="en-US" sz="4400" dirty="0" smtClean="0"/>
+              <a:rPr lang="en-US" sz="4400" dirty="0" smtClean="0"/>
+              <a:t>Edge from one student to </a:t>
+            </a:r>
           </a:p>
           <a:p>
             <a:pPr>
@@ -29713,7 +31280,7 @@
             </a:pPr>
             <a:r>
               <a:rPr lang="en-US" sz="4400" dirty="0" smtClean="0"/>
-              <a:t>each other </a:t>
+              <a:t>another </a:t>
             </a:r>
             <a:r>
               <a:rPr lang="en-US" sz="4400" dirty="0" err="1" smtClean="0"/>
@@ -29832,13 +31399,18 @@
               <a:t>) </a:t>
             </a:r>
             <a:r>
-              <a:rPr lang="en-US" sz="6600" b="1" dirty="0">
+              <a:rPr lang="en-US" sz="4800" b="1" dirty="0" smtClean="0">
+                <a:sym typeface="Euclid Math Two" pitchFamily="18" charset="2"/>
+              </a:rPr>
+              <a:t>→</a:t>
+            </a:r>
+            <a:r>
+              <a:rPr lang="en-US" sz="4800" dirty="0" smtClean="0">
                 <a:solidFill>
-                  <a:srgbClr val="05811A"/>
+                  <a:srgbClr val="0033CC"/>
                 </a:solidFill>
-                <a:sym typeface="Euclid Math Two" pitchFamily="18" charset="2"/>
-              </a:rPr>
-              <a:t></a:t>
+              </a:rPr>
+              <a:t> </a:t>
             </a:r>
             <a:r>
               <a:rPr lang="en-US" sz="4800" dirty="0">
@@ -29846,7 +31418,7 @@
                   <a:srgbClr val="0033CC"/>
                 </a:solidFill>
               </a:rPr>
-              <a:t> (s</a:t>
+              <a:t>(s</a:t>
             </a:r>
             <a:r>
               <a:rPr lang="en-US" sz="4800" baseline="-25000" dirty="0">
@@ -29888,10 +31460,10 @@
               </a:rPr>
               <a:t>)</a:t>
             </a:r>
-            <a:endParaRPr lang="en-US" sz="4800" dirty="0" smtClean="0"/>
-          </a:p>
-          <a:p>
-            <a:pPr lvl="1">
+            <a:endParaRPr lang="en-US" sz="4800" dirty="0"/>
+          </a:p>
+          <a:p>
+            <a:pPr lvl="1" algn="ctr">
               <a:spcBef>
                 <a:spcPts val="0"/>
               </a:spcBef>
@@ -29931,11 +31503,12 @@
               <a:t> </a:t>
             </a:r>
             <a:r>
-              <a:rPr lang="en-US" sz="4800" dirty="0">
+              <a:rPr lang="en-US" sz="4800" b="1" dirty="0">
                 <a:solidFill>
                   <a:srgbClr val="05811A"/>
                 </a:solidFill>
-                <a:cs typeface="Times New Roman" pitchFamily="18" charset="0"/>
+                <a:latin typeface="Euclid Symbol" charset="2"/>
+                <a:cs typeface="Euclid Symbol" charset="2"/>
               </a:rPr>
               <a:t>≤</a:t>
             </a:r>
@@ -30001,13 +31574,23 @@
               <a:t> </a:t>
             </a:r>
             <a:r>
-              <a:rPr lang="en-US" sz="4800" dirty="0">
+              <a:rPr lang="en-US" sz="4800" b="1" dirty="0">
+                <a:solidFill>
+                  <a:srgbClr val="05811A"/>
+                </a:solidFill>
+                <a:latin typeface="Euclid Symbol" charset="2"/>
+                <a:cs typeface="Euclid Symbol" charset="2"/>
+              </a:rPr>
+              <a:t>≤</a:t>
+            </a:r>
+            <a:r>
+              <a:rPr lang="en-US" sz="4800" dirty="0" smtClean="0">
                 <a:solidFill>
                   <a:srgbClr val="05811A"/>
                 </a:solidFill>
                 <a:cs typeface="Times New Roman" pitchFamily="18" charset="0"/>
               </a:rPr>
-              <a:t>≤ </a:t>
+              <a:t> </a:t>
             </a:r>
             <a:r>
               <a:rPr lang="en-US" sz="4800" dirty="0">
@@ -30106,7 +31689,7 @@
             <a:fld id="{CA4C0C47-BA92-4669-BC5C-D64A96AF3D01}" type="slidenum">
               <a:rPr lang="en-US" smtClean="0"/>
               <a:pPr/>
-              <a:t>33</a:t>
+              <a:t>36</a:t>
             </a:fld>
             <a:endParaRPr lang="en-US" dirty="0"/>
           </a:p>
@@ -30117,7 +31700,18 @@
   <p:clrMapOvr>
     <a:masterClrMapping/>
   </p:clrMapOvr>
-  <p:transition xmlns:p14="http://schemas.microsoft.com/office/powerpoint/2010/main"/>
+  <mc:AlternateContent xmlns:mc="http://schemas.openxmlformats.org/markup-compatibility/2006">
+    <mc:Choice xmlns:p14="http://schemas.microsoft.com/office/powerpoint/2010/main" Requires="p14">
+      <p:transition spd="med" p14:dur="700">
+        <p:fade/>
+      </p:transition>
+    </mc:Choice>
+    <mc:Fallback>
+      <p:transition xmlns:p14="http://schemas.microsoft.com/office/powerpoint/2010/main" spd="med">
+        <p:fade/>
+      </p:transition>
+    </mc:Fallback>
+  </mc:AlternateContent>
   <p:timing>
     <p:tnLst>
       <p:par>
@@ -30139,7 +31733,7 @@
                             </p:stCondLst>
                             <p:childTnLst>
                               <p:par>
-                                <p:cTn id="5" presetID="1" presetClass="entr" presetSubtype="0" fill="hold" nodeType="clickEffect">
+                                <p:cTn id="5" presetID="22" presetClass="entr" presetSubtype="8" fill="hold" nodeType="clickEffect">
                                   <p:stCondLst>
                                     <p:cond delay="0"/>
                                   </p:stCondLst>
@@ -30166,29 +31760,32 @@
                                         <p:strVal val="visible"/>
                                       </p:to>
                                     </p:set>
+                                    <p:animEffect transition="in" filter="wipe(left)">
+                                      <p:cBhvr>
+                                        <p:cTn id="7" dur="500"/>
+                                        <p:tgtEl>
+                                          <p:spTgt spid="826371">
+                                            <p:txEl>
+                                              <p:pRg st="3" end="3"/>
+                                            </p:txEl>
+                                          </p:spTgt>
+                                        </p:tgtEl>
+                                      </p:cBhvr>
+                                    </p:animEffect>
                                   </p:childTnLst>
                                 </p:cTn>
                               </p:par>
                             </p:childTnLst>
                           </p:cTn>
                         </p:par>
-                      </p:childTnLst>
-                    </p:cTn>
-                  </p:par>
-                  <p:par>
-                    <p:cTn id="7" fill="hold">
-                      <p:stCondLst>
-                        <p:cond delay="indefinite"/>
-                      </p:stCondLst>
-                      <p:childTnLst>
                         <p:par>
                           <p:cTn id="8" fill="hold">
                             <p:stCondLst>
-                              <p:cond delay="0"/>
+                              <p:cond delay="500"/>
                             </p:stCondLst>
                             <p:childTnLst>
                               <p:par>
-                                <p:cTn id="9" presetID="22" presetClass="entr" presetSubtype="8" fill="hold" nodeType="clickEffect">
+                                <p:cTn id="9" presetID="9" presetClass="entr" presetSubtype="0" fill="hold" nodeType="afterEffect">
                                   <p:stCondLst>
                                     <p:cond delay="0"/>
                                   </p:stCondLst>
@@ -30215,7 +31812,7 @@
                                         <p:strVal val="visible"/>
                                       </p:to>
                                     </p:set>
-                                    <p:animEffect transition="in" filter="wipe(left)">
+                                    <p:animEffect transition="in" filter="dissolve">
                                       <p:cBhvr>
                                         <p:cTn id="11" dur="500"/>
                                         <p:tgtEl>
@@ -30249,7 +31846,7 @@
                             </p:stCondLst>
                             <p:childTnLst>
                               <p:par>
-                                <p:cTn id="14" presetID="15" presetClass="entr" presetSubtype="0" fill="hold" nodeType="clickEffect">
+                                <p:cTn id="14" presetID="9" presetClass="entr" presetSubtype="0" fill="hold" nodeType="clickEffect">
                                   <p:stCondLst>
                                     <p:cond delay="0"/>
                                   </p:stCondLst>
@@ -30276,9 +31873,9 @@
                                         <p:strVal val="visible"/>
                                       </p:to>
                                     </p:set>
-                                    <p:anim calcmode="lin" valueType="num">
+                                    <p:animEffect transition="in" filter="dissolve">
                                       <p:cBhvr>
-                                        <p:cTn id="16" dur="1000" fill="hold"/>
+                                        <p:cTn id="16" dur="500"/>
                                         <p:tgtEl>
                                           <p:spTgt spid="826371">
                                             <p:txEl>
@@ -30286,104 +31883,8 @@
                                             </p:txEl>
                                           </p:spTgt>
                                         </p:tgtEl>
-                                        <p:attrNameLst>
-                                          <p:attrName>ppt_w</p:attrName>
-                                        </p:attrNameLst>
                                       </p:cBhvr>
-                                      <p:tavLst>
-                                        <p:tav tm="0">
-                                          <p:val>
-                                            <p:fltVal val="0"/>
-                                          </p:val>
-                                        </p:tav>
-                                        <p:tav tm="100000">
-                                          <p:val>
-                                            <p:strVal val="#ppt_w"/>
-                                          </p:val>
-                                        </p:tav>
-                                      </p:tavLst>
-                                    </p:anim>
-                                    <p:anim calcmode="lin" valueType="num">
-                                      <p:cBhvr>
-                                        <p:cTn id="17" dur="1000" fill="hold"/>
-                                        <p:tgtEl>
-                                          <p:spTgt spid="826371">
-                                            <p:txEl>
-                                              <p:pRg st="5" end="5"/>
-                                            </p:txEl>
-                                          </p:spTgt>
-                                        </p:tgtEl>
-                                        <p:attrNameLst>
-                                          <p:attrName>ppt_h</p:attrName>
-                                        </p:attrNameLst>
-                                      </p:cBhvr>
-                                      <p:tavLst>
-                                        <p:tav tm="0">
-                                          <p:val>
-                                            <p:fltVal val="0"/>
-                                          </p:val>
-                                        </p:tav>
-                                        <p:tav tm="100000">
-                                          <p:val>
-                                            <p:strVal val="#ppt_h"/>
-                                          </p:val>
-                                        </p:tav>
-                                      </p:tavLst>
-                                    </p:anim>
-                                    <p:anim calcmode="lin" valueType="num">
-                                      <p:cBhvr>
-                                        <p:cTn id="18" dur="1000" fill="hold"/>
-                                        <p:tgtEl>
-                                          <p:spTgt spid="826371">
-                                            <p:txEl>
-                                              <p:pRg st="5" end="5"/>
-                                            </p:txEl>
-                                          </p:spTgt>
-                                        </p:tgtEl>
-                                        <p:attrNameLst>
-                                          <p:attrName>ppt_x</p:attrName>
-                                        </p:attrNameLst>
-                                      </p:cBhvr>
-                                      <p:tavLst>
-                                        <p:tav tm="0" fmla="#ppt_x+(cos(-2*pi*(1-$))*-#ppt_x-sin(-2*pi*(1-$))*(1-#ppt_y))*(1-$)">
-                                          <p:val>
-                                            <p:fltVal val="0"/>
-                                          </p:val>
-                                        </p:tav>
-                                        <p:tav tm="100000">
-                                          <p:val>
-                                            <p:fltVal val="1"/>
-                                          </p:val>
-                                        </p:tav>
-                                      </p:tavLst>
-                                    </p:anim>
-                                    <p:anim calcmode="lin" valueType="num">
-                                      <p:cBhvr>
-                                        <p:cTn id="19" dur="1000" fill="hold"/>
-                                        <p:tgtEl>
-                                          <p:spTgt spid="826371">
-                                            <p:txEl>
-                                              <p:pRg st="5" end="5"/>
-                                            </p:txEl>
-                                          </p:spTgt>
-                                        </p:tgtEl>
-                                        <p:attrNameLst>
-                                          <p:attrName>ppt_y</p:attrName>
-                                        </p:attrNameLst>
-                                      </p:cBhvr>
-                                      <p:tavLst>
-                                        <p:tav tm="0" fmla="#ppt_y+(sin(-2*pi*(1-$))*-#ppt_x+cos(-2*pi*(1-$))*(1-#ppt_y))*(1-$)">
-                                          <p:val>
-                                            <p:fltVal val="0"/>
-                                          </p:val>
-                                        </p:tav>
-                                        <p:tav tm="100000">
-                                          <p:val>
-                                            <p:fltVal val="1"/>
-                                          </p:val>
-                                        </p:tav>
-                                      </p:tavLst>
-                                    </p:anim>
+                                    </p:animEffect>
                                   </p:childTnLst>
                                 </p:cTn>
                               </p:par>
@@ -30418,7 +31919,332 @@
 </p:sld>
 </file>
 
-<file path=ppt/slides/slide34.xml><?xml version="1.0" encoding="utf-8"?>
+<file path=ppt/slides/slide37.xml><?xml version="1.0" encoding="utf-8"?>
+<p:sld xmlns:a="http://schemas.openxmlformats.org/drawingml/2006/main" xmlns:r="http://schemas.openxmlformats.org/officeDocument/2006/relationships" xmlns:p="http://schemas.openxmlformats.org/presentationml/2006/main">
+  <p:cSld>
+    <p:spTree>
+      <p:nvGrpSpPr>
+        <p:cNvPr id="1" name=""/>
+        <p:cNvGrpSpPr/>
+        <p:nvPr/>
+      </p:nvGrpSpPr>
+      <p:grpSpPr>
+        <a:xfrm>
+          <a:off x="0" y="0"/>
+          <a:ext cx="0" cy="0"/>
+          <a:chOff x="0" y="0"/>
+          <a:chExt cx="0" cy="0"/>
+        </a:xfrm>
+      </p:grpSpPr>
+      <p:sp>
+        <p:nvSpPr>
+          <p:cNvPr id="826370" name="Rectangle 2"/>
+          <p:cNvSpPr>
+            <a:spLocks noGrp="1" noChangeArrowheads="1"/>
+          </p:cNvSpPr>
+          <p:nvPr>
+            <p:ph type="title"/>
+          </p:nvPr>
+        </p:nvSpPr>
+        <p:spPr>
+          <a:xfrm>
+            <a:off x="1451996" y="274638"/>
+            <a:ext cx="6662057" cy="1105126"/>
+          </a:xfrm>
+        </p:spPr>
+        <p:txBody>
+          <a:bodyPr>
+            <a:normAutofit/>
+          </a:bodyPr>
+          <a:lstStyle/>
+          <a:p>
+            <a:r>
+              <a:rPr lang="en-US" sz="4000" dirty="0"/>
+              <a:t>Height/Birthday </a:t>
+            </a:r>
+            <a:r>
+              <a:rPr lang="en-US" sz="4000" dirty="0" smtClean="0"/>
+              <a:t>DAG</a:t>
+            </a:r>
+            <a:endParaRPr lang="en-US" sz="4000" dirty="0"/>
+          </a:p>
+        </p:txBody>
+      </p:sp>
+      <p:sp>
+        <p:nvSpPr>
+          <p:cNvPr id="826371" name="Rectangle 3"/>
+          <p:cNvSpPr>
+            <a:spLocks noGrp="1" noChangeArrowheads="1"/>
+          </p:cNvSpPr>
+          <p:nvPr>
+            <p:ph type="body" idx="1"/>
+          </p:nvPr>
+        </p:nvSpPr>
+        <p:spPr>
+          <a:xfrm>
+            <a:off x="261489" y="1407088"/>
+            <a:ext cx="8591459" cy="4071842"/>
+          </a:xfrm>
+        </p:spPr>
+        <p:txBody>
+          <a:bodyPr>
+            <a:normAutofit/>
+          </a:bodyPr>
+          <a:lstStyle/>
+          <a:p>
+            <a:pPr>
+              <a:spcBef>
+                <a:spcPts val="0"/>
+              </a:spcBef>
+              <a:buFontTx/>
+              <a:buNone/>
+            </a:pPr>
+            <a:r>
+              <a:rPr lang="en-US" sz="4800" dirty="0" smtClean="0"/>
+              <a:t>by Dilworth, our class of 230 </a:t>
+            </a:r>
+          </a:p>
+          <a:p>
+            <a:pPr>
+              <a:spcBef>
+                <a:spcPts val="0"/>
+              </a:spcBef>
+              <a:buFontTx/>
+              <a:buNone/>
+            </a:pPr>
+            <a:r>
+              <a:rPr lang="en-US" sz="4800" dirty="0" smtClean="0"/>
+              <a:t>has a chain or </a:t>
+            </a:r>
+            <a:r>
+              <a:rPr lang="en-US" sz="4800" dirty="0" err="1" smtClean="0"/>
+              <a:t>antichain</a:t>
+            </a:r>
+            <a:r>
+              <a:rPr lang="en-US" sz="4800" dirty="0" smtClean="0"/>
+              <a:t> of</a:t>
+            </a:r>
+          </a:p>
+          <a:p>
+            <a:pPr>
+              <a:spcBef>
+                <a:spcPts val="0"/>
+              </a:spcBef>
+              <a:buFontTx/>
+              <a:buNone/>
+            </a:pPr>
+            <a:endParaRPr lang="en-US" sz="4800" dirty="0"/>
+          </a:p>
+        </p:txBody>
+      </p:sp>
+      <p:sp>
+        <p:nvSpPr>
+          <p:cNvPr id="10" name="Slide Number Placeholder 5"/>
+          <p:cNvSpPr>
+            <a:spLocks noGrp="1"/>
+          </p:cNvSpPr>
+          <p:nvPr>
+            <p:ph type="sldNum" sz="quarter" idx="4"/>
+          </p:nvPr>
+        </p:nvSpPr>
+        <p:spPr>
+          <a:xfrm>
+            <a:off x="8237750" y="6596742"/>
+            <a:ext cx="906250" cy="261257"/>
+          </a:xfrm>
+          <a:prstGeom prst="rect">
+            <a:avLst/>
+          </a:prstGeom>
+        </p:spPr>
+        <p:txBody>
+          <a:bodyPr/>
+          <a:lstStyle>
+            <a:lvl1pPr>
+              <a:defRPr sz="1200">
+                <a:latin typeface="Comic Sans MS" pitchFamily="66" charset="0"/>
+              </a:defRPr>
+            </a:lvl1pPr>
+          </a:lstStyle>
+          <a:p>
+            <a:r>
+              <a:rPr lang="en-US" dirty="0" smtClean="0"/>
+              <a:t>7W.</a:t>
+            </a:r>
+            <a:fld id="{CA4C0C47-BA92-4669-BC5C-D64A96AF3D01}" type="slidenum">
+              <a:rPr lang="en-US" smtClean="0"/>
+              <a:pPr/>
+              <a:t>37</a:t>
+            </a:fld>
+            <a:endParaRPr lang="en-US" dirty="0"/>
+          </a:p>
+        </p:txBody>
+      </p:sp>
+      <p:graphicFrame>
+        <p:nvGraphicFramePr>
+          <p:cNvPr id="2" name="Object 1"/>
+          <p:cNvGraphicFramePr>
+            <a:graphicFrameLocks noChangeAspect="1"/>
+          </p:cNvGraphicFramePr>
+          <p:nvPr>
+            <p:extLst>
+              <p:ext uri="{D42A27DB-BD31-4B8C-83A1-F6EECF244321}">
+                <p14:modId xmlns:p14="http://schemas.microsoft.com/office/powerpoint/2010/main" val="628952433"/>
+              </p:ext>
+            </p:extLst>
+          </p:nvPr>
+        </p:nvGraphicFramePr>
+        <p:xfrm>
+          <a:off x="2336348" y="3084301"/>
+          <a:ext cx="4296854" cy="2083323"/>
+        </p:xfrm>
+        <a:graphic>
+          <a:graphicData uri="http://schemas.openxmlformats.org/presentationml/2006/ole">
+            <mc:AlternateContent xmlns:mc="http://schemas.openxmlformats.org/markup-compatibility/2006">
+              <mc:Choice xmlns:v="urn:schemas-microsoft-com:vml" Requires="v">
+                <p:oleObj spid="_x0000_s111620" name="Equation" r:id="rId3" imgW="838200" imgH="406400" progId="Equation.DSMT4">
+                  <p:embed/>
+                </p:oleObj>
+              </mc:Choice>
+              <mc:Fallback>
+                <p:oleObj name="Equation" r:id="rId3" imgW="838200" imgH="406400" progId="Equation.DSMT4">
+                  <p:embed/>
+                  <p:pic>
+                    <p:nvPicPr>
+                      <p:cNvPr id="0" name=""/>
+                      <p:cNvPicPr/>
+                      <p:nvPr/>
+                    </p:nvPicPr>
+                    <p:blipFill>
+                      <a:blip r:embed="rId4"/>
+                      <a:stretch>
+                        <a:fillRect/>
+                      </a:stretch>
+                    </p:blipFill>
+                    <p:spPr>
+                      <a:xfrm>
+                        <a:off x="2336348" y="3084301"/>
+                        <a:ext cx="4296854" cy="2083323"/>
+                      </a:xfrm>
+                      <a:prstGeom prst="rect">
+                        <a:avLst/>
+                      </a:prstGeom>
+                    </p:spPr>
+                  </p:pic>
+                </p:oleObj>
+              </mc:Fallback>
+            </mc:AlternateContent>
+          </a:graphicData>
+        </a:graphic>
+      </p:graphicFrame>
+    </p:spTree>
+    <p:extLst>
+      <p:ext uri="{BB962C8B-B14F-4D97-AF65-F5344CB8AC3E}">
+        <p14:creationId xmlns:p14="http://schemas.microsoft.com/office/powerpoint/2010/main" val="335758637"/>
+      </p:ext>
+    </p:extLst>
+  </p:cSld>
+  <p:clrMapOvr>
+    <a:masterClrMapping/>
+  </p:clrMapOvr>
+  <mc:AlternateContent xmlns:mc="http://schemas.openxmlformats.org/markup-compatibility/2006">
+    <mc:Choice xmlns:p14="http://schemas.microsoft.com/office/powerpoint/2010/main" Requires="p14">
+      <p:transition spd="med" p14:dur="700">
+        <p:fade/>
+      </p:transition>
+    </mc:Choice>
+    <mc:Fallback>
+      <p:transition xmlns:p14="http://schemas.microsoft.com/office/powerpoint/2010/main" spd="med">
+        <p:fade/>
+      </p:transition>
+    </mc:Fallback>
+  </mc:AlternateContent>
+  <p:timing>
+    <p:tnLst>
+      <p:par>
+        <p:cTn xmlns:p14="http://schemas.microsoft.com/office/powerpoint/2010/main" id="1" dur="indefinite" restart="never" nodeType="tmRoot">
+          <p:childTnLst>
+            <p:seq concurrent="1" nextAc="seek">
+              <p:cTn id="2" dur="indefinite" nodeType="mainSeq">
+                <p:childTnLst>
+                  <p:par>
+                    <p:cTn id="3" fill="hold">
+                      <p:stCondLst>
+                        <p:cond delay="indefinite"/>
+                      </p:stCondLst>
+                      <p:childTnLst>
+                        <p:par>
+                          <p:cTn id="4" fill="hold">
+                            <p:stCondLst>
+                              <p:cond delay="0"/>
+                            </p:stCondLst>
+                            <p:childTnLst>
+                              <p:par>
+                                <p:cTn id="5" presetID="22" presetClass="entr" presetSubtype="8" fill="hold" nodeType="clickEffect">
+                                  <p:stCondLst>
+                                    <p:cond delay="0"/>
+                                  </p:stCondLst>
+                                  <p:childTnLst>
+                                    <p:set>
+                                      <p:cBhvr>
+                                        <p:cTn id="6" dur="1" fill="hold">
+                                          <p:stCondLst>
+                                            <p:cond delay="0"/>
+                                          </p:stCondLst>
+                                        </p:cTn>
+                                        <p:tgtEl>
+                                          <p:spTgt spid="2"/>
+                                        </p:tgtEl>
+                                        <p:attrNameLst>
+                                          <p:attrName>style.visibility</p:attrName>
+                                        </p:attrNameLst>
+                                      </p:cBhvr>
+                                      <p:to>
+                                        <p:strVal val="visible"/>
+                                      </p:to>
+                                    </p:set>
+                                    <p:animEffect transition="in" filter="wipe(left)">
+                                      <p:cBhvr>
+                                        <p:cTn id="7" dur="500"/>
+                                        <p:tgtEl>
+                                          <p:spTgt spid="2"/>
+                                        </p:tgtEl>
+                                      </p:cBhvr>
+                                    </p:animEffect>
+                                  </p:childTnLst>
+                                </p:cTn>
+                              </p:par>
+                            </p:childTnLst>
+                          </p:cTn>
+                        </p:par>
+                      </p:childTnLst>
+                    </p:cTn>
+                  </p:par>
+                </p:childTnLst>
+              </p:cTn>
+              <p:prevCondLst>
+                <p:cond evt="onPrev" delay="0">
+                  <p:tgtEl>
+                    <p:sldTgt/>
+                  </p:tgtEl>
+                </p:cond>
+              </p:prevCondLst>
+              <p:nextCondLst>
+                <p:cond evt="onNext" delay="0">
+                  <p:tgtEl>
+                    <p:sldTgt/>
+                  </p:tgtEl>
+                </p:cond>
+              </p:nextCondLst>
+            </p:seq>
+          </p:childTnLst>
+        </p:cTn>
+      </p:par>
+    </p:tnLst>
+  </p:timing>
+</p:sld>
+</file>
+
+<file path=ppt/slides/slide38.xml><?xml version="1.0" encoding="utf-8"?>
 <p:sld xmlns:a="http://schemas.openxmlformats.org/drawingml/2006/main" xmlns:r="http://schemas.openxmlformats.org/officeDocument/2006/relationships" xmlns:p="http://schemas.openxmlformats.org/presentationml/2006/main">
   <p:cSld>
     <p:spTree>
@@ -30689,8 +32515,8 @@
         </p:nvSpPr>
         <p:spPr bwMode="auto">
           <a:xfrm>
-            <a:off x="2079971" y="4791205"/>
-            <a:ext cx="4984057" cy="1754326"/>
+            <a:off x="591866" y="4791205"/>
+            <a:ext cx="7960270" cy="1754327"/>
           </a:xfrm>
           <a:prstGeom prst="rect">
             <a:avLst/>
@@ -30738,16 +32564,29 @@
               <a:t>(a </a:t>
             </a:r>
             <a:r>
-              <a:rPr lang="en-US" sz="5400" b="1" dirty="0" smtClean="0">
+              <a:rPr lang="en-US" sz="4800" dirty="0" smtClean="0">
                 <a:solidFill>
-                  <a:srgbClr val="05811A"/>
+                  <a:srgbClr val="000000"/>
                 </a:solidFill>
+                <a:latin typeface="Comic Sans MS"/>
+                <a:cs typeface="Comic Sans MS"/>
                 <a:sym typeface="Euclid Math Two" pitchFamily="18" charset="2"/>
               </a:rPr>
-              <a:t></a:t>
-            </a:r>
-            <a:r>
-              <a:rPr lang="en-US" sz="5400" dirty="0" smtClean="0">
+              <a:t>height/</a:t>
+            </a:r>
+            <a:r>
+              <a:rPr lang="en-US" sz="4800" dirty="0" err="1" smtClean="0">
+                <a:solidFill>
+                  <a:srgbClr val="000000"/>
+                </a:solidFill>
+                <a:latin typeface="Comic Sans MS"/>
+                <a:cs typeface="Comic Sans MS"/>
+                <a:sym typeface="Euclid Math Two" pitchFamily="18" charset="2"/>
+              </a:rPr>
+              <a:t>bday</a:t>
+            </a:r>
+            <a:r>
+              <a:rPr lang="en-US" sz="5400" dirty="0" err="1" smtClean="0">
                 <a:latin typeface="Comic Sans MS" pitchFamily="66" charset="0"/>
                 <a:sym typeface="Euclid Math Two" pitchFamily="18" charset="2"/>
               </a:rPr>
@@ -30807,7 +32646,7 @@
             <a:fld id="{CA4C0C47-BA92-4669-BC5C-D64A96AF3D01}" type="slidenum">
               <a:rPr lang="en-US" smtClean="0"/>
               <a:pPr/>
-              <a:t>34</a:t>
+              <a:t>38</a:t>
             </a:fld>
             <a:endParaRPr lang="en-US" dirty="0"/>
           </a:p>
@@ -30913,7 +32752,7 @@
 </p:sld>
 </file>
 
-<file path=ppt/slides/slide35.xml><?xml version="1.0" encoding="utf-8"?>
+<file path=ppt/slides/slide39.xml><?xml version="1.0" encoding="utf-8"?>
 <p:sld xmlns:a="http://schemas.openxmlformats.org/drawingml/2006/main" xmlns:r="http://schemas.openxmlformats.org/officeDocument/2006/relationships" xmlns:p="http://schemas.openxmlformats.org/presentationml/2006/main">
   <p:cSld>
     <p:spTree>
@@ -31042,7 +32881,7 @@
             <a:fld id="{CA4C0C47-BA92-4669-BC5C-D64A96AF3D01}" type="slidenum">
               <a:rPr lang="en-US" smtClean="0"/>
               <a:pPr/>
-              <a:t>35</a:t>
+              <a:t>39</a:t>
             </a:fld>
             <a:endParaRPr lang="en-US" dirty="0"/>
           </a:p>
@@ -31421,7 +33260,7 @@
                             </p:stCondLst>
                             <p:childTnLst>
                               <p:par>
-                                <p:cTn id="5" presetID="9" presetClass="entr" presetSubtype="0" fill="hold" grpId="0" nodeType="clickEffect">
+                                <p:cTn id="5" presetID="9" presetClass="entr" presetSubtype="0" fill="hold" nodeType="clickEffect">
                                   <p:stCondLst>
                                     <p:cond delay="0"/>
                                   </p:stCondLst>
@@ -31429,49 +33268,6 @@
                                     <p:set>
                                       <p:cBhvr>
                                         <p:cTn id="6" dur="1" fill="hold">
-                                          <p:stCondLst>
-                                            <p:cond delay="0"/>
-                                          </p:stCondLst>
-                                        </p:cTn>
-                                        <p:tgtEl>
-                                          <p:spTgt spid="628738">
-                                            <p:txEl>
-                                              <p:pRg st="0" end="0"/>
-                                            </p:txEl>
-                                          </p:spTgt>
-                                        </p:tgtEl>
-                                        <p:attrNameLst>
-                                          <p:attrName>style.visibility</p:attrName>
-                                        </p:attrNameLst>
-                                      </p:cBhvr>
-                                      <p:to>
-                                        <p:strVal val="visible"/>
-                                      </p:to>
-                                    </p:set>
-                                    <p:animEffect transition="in" filter="dissolve">
-                                      <p:cBhvr>
-                                        <p:cTn id="7" dur="500"/>
-                                        <p:tgtEl>
-                                          <p:spTgt spid="628738">
-                                            <p:txEl>
-                                              <p:pRg st="0" end="0"/>
-                                            </p:txEl>
-                                          </p:spTgt>
-                                        </p:tgtEl>
-                                      </p:cBhvr>
-                                    </p:animEffect>
-                                  </p:childTnLst>
-                                </p:cTn>
-                              </p:par>
-                              <p:par>
-                                <p:cTn id="8" presetID="9" presetClass="entr" presetSubtype="0" fill="hold" grpId="0" nodeType="withEffect">
-                                  <p:stCondLst>
-                                    <p:cond delay="0"/>
-                                  </p:stCondLst>
-                                  <p:childTnLst>
-                                    <p:set>
-                                      <p:cBhvr>
-                                        <p:cTn id="9" dur="1" fill="hold">
                                           <p:stCondLst>
                                             <p:cond delay="0"/>
                                           </p:stCondLst>
@@ -31493,7 +33289,7 @@
                                     </p:set>
                                     <p:animEffect transition="in" filter="dissolve">
                                       <p:cBhvr>
-                                        <p:cTn id="10" dur="500"/>
+                                        <p:cTn id="7" dur="500"/>
                                         <p:tgtEl>
                                           <p:spTgt spid="628738">
                                             <p:txEl>
@@ -31506,33 +33302,15 @@
                                   </p:childTnLst>
                                 </p:cTn>
                               </p:par>
-                            </p:childTnLst>
-                          </p:cTn>
-                        </p:par>
-                      </p:childTnLst>
-                    </p:cTn>
-                  </p:par>
-                  <p:par>
-                    <p:cTn id="11" fill="hold">
-                      <p:stCondLst>
-                        <p:cond delay="indefinite"/>
-                      </p:stCondLst>
-                      <p:childTnLst>
-                        <p:par>
-                          <p:cTn id="12" fill="hold">
-                            <p:stCondLst>
-                              <p:cond delay="0"/>
-                            </p:stCondLst>
-                            <p:childTnLst>
                               <p:par>
-                                <p:cTn id="13" presetID="9" presetClass="entr" presetSubtype="0" fill="hold" grpId="0" nodeType="clickEffect">
+                                <p:cTn id="8" presetID="9" presetClass="entr" presetSubtype="0" fill="hold" nodeType="withEffect">
                                   <p:stCondLst>
                                     <p:cond delay="0"/>
                                   </p:stCondLst>
                                   <p:childTnLst>
                                     <p:set>
                                       <p:cBhvr>
-                                        <p:cTn id="14" dur="1" fill="hold">
+                                        <p:cTn id="9" dur="1" fill="hold">
                                           <p:stCondLst>
                                             <p:cond delay="0"/>
                                           </p:stCondLst>
@@ -31554,7 +33332,7 @@
                                     </p:set>
                                     <p:animEffect transition="in" filter="dissolve">
                                       <p:cBhvr>
-                                        <p:cTn id="15" dur="500"/>
+                                        <p:cTn id="10" dur="500"/>
                                         <p:tgtEl>
                                           <p:spTgt spid="628738">
                                             <p:txEl>
@@ -31568,14 +33346,14 @@
                                 </p:cTn>
                               </p:par>
                               <p:par>
-                                <p:cTn id="16" presetID="9" presetClass="entr" presetSubtype="0" fill="hold" grpId="0" nodeType="withEffect">
+                                <p:cTn id="11" presetID="9" presetClass="entr" presetSubtype="0" fill="hold" nodeType="withEffect">
                                   <p:stCondLst>
                                     <p:cond delay="0"/>
                                   </p:stCondLst>
                                   <p:childTnLst>
                                     <p:set>
                                       <p:cBhvr>
-                                        <p:cTn id="17" dur="1" fill="hold">
+                                        <p:cTn id="12" dur="1" fill="hold">
                                           <p:stCondLst>
                                             <p:cond delay="0"/>
                                           </p:stCondLst>
@@ -31597,7 +33375,7 @@
                                     </p:set>
                                     <p:animEffect transition="in" filter="dissolve">
                                       <p:cBhvr>
-                                        <p:cTn id="18" dur="500"/>
+                                        <p:cTn id="13" dur="500"/>
                                         <p:tgtEl>
                                           <p:spTgt spid="628738">
                                             <p:txEl>
@@ -31611,14 +33389,14 @@
                                 </p:cTn>
                               </p:par>
                               <p:par>
-                                <p:cTn id="19" presetID="9" presetClass="entr" presetSubtype="0" fill="hold" grpId="0" nodeType="withEffect">
+                                <p:cTn id="14" presetID="9" presetClass="entr" presetSubtype="0" fill="hold" nodeType="withEffect">
                                   <p:stCondLst>
                                     <p:cond delay="0"/>
                                   </p:stCondLst>
                                   <p:childTnLst>
                                     <p:set>
                                       <p:cBhvr>
-                                        <p:cTn id="20" dur="1" fill="hold">
+                                        <p:cTn id="15" dur="1" fill="hold">
                                           <p:stCondLst>
                                             <p:cond delay="0"/>
                                           </p:stCondLst>
@@ -31640,7 +33418,7 @@
                                     </p:set>
                                     <p:animEffect transition="in" filter="dissolve">
                                       <p:cBhvr>
-                                        <p:cTn id="21" dur="500"/>
+                                        <p:cTn id="16" dur="500"/>
                                         <p:tgtEl>
                                           <p:spTgt spid="628738">
                                             <p:txEl>
@@ -31660,26 +33438,26 @@
                     </p:cTn>
                   </p:par>
                   <p:par>
-                    <p:cTn id="22" fill="hold">
+                    <p:cTn id="17" fill="hold">
                       <p:stCondLst>
                         <p:cond delay="indefinite"/>
                       </p:stCondLst>
                       <p:childTnLst>
                         <p:par>
-                          <p:cTn id="23" fill="hold">
+                          <p:cTn id="18" fill="hold">
                             <p:stCondLst>
                               <p:cond delay="0"/>
                             </p:stCondLst>
                             <p:childTnLst>
                               <p:par>
-                                <p:cTn id="24" presetID="10" presetClass="entr" presetSubtype="0" fill="hold" grpId="0" nodeType="clickEffect">
+                                <p:cTn id="19" presetID="10" presetClass="entr" presetSubtype="0" fill="hold" grpId="0" nodeType="clickEffect">
                                   <p:stCondLst>
                                     <p:cond delay="0"/>
                                   </p:stCondLst>
                                   <p:childTnLst>
                                     <p:set>
                                       <p:cBhvr>
-                                        <p:cTn id="25" dur="1" fill="hold">
+                                        <p:cTn id="20" dur="1" fill="hold">
                                           <p:stCondLst>
                                             <p:cond delay="0"/>
                                           </p:stCondLst>
@@ -31701,7 +33479,7 @@
                                     </p:set>
                                     <p:animEffect transition="in" filter="fade">
                                       <p:cBhvr>
-                                        <p:cTn id="26" dur="500"/>
+                                        <p:cTn id="21" dur="500"/>
                                         <p:tgtEl>
                                           <p:spTgt spid="628738">
                                             <p:txEl>
@@ -31742,7 +33520,7 @@
       </p:par>
     </p:tnLst>
     <p:bldLst>
-      <p:bldP spid="628738" grpId="0" build="p"/>
+      <p:bldP spid="628738" grpId="0" uiExpand="1" build="p"/>
     </p:bldLst>
   </p:timing>
 </p:sld>
@@ -33221,7 +34999,7 @@
           <a:graphicData uri="http://schemas.openxmlformats.org/presentationml/2006/ole">
             <mc:AlternateContent xmlns:mc="http://schemas.openxmlformats.org/markup-compatibility/2006">
               <mc:Choice xmlns:v="urn:schemas-microsoft-com:vml" Requires="v">
-                <p:oleObj spid="_x0000_s31754" name="Equation" r:id="rId4" imgW="1320800" imgH="241300" progId="Equation.DSMT4">
+                <p:oleObj spid="_x0000_s31784" name="Equation" r:id="rId4" imgW="1320800" imgH="241300" progId="Equation.DSMT4">
                   <p:embed/>
                 </p:oleObj>
               </mc:Choice>
@@ -33371,7 +35149,7 @@
           <a:graphicData uri="http://schemas.openxmlformats.org/presentationml/2006/ole">
             <mc:AlternateContent xmlns:mc="http://schemas.openxmlformats.org/markup-compatibility/2006">
               <mc:Choice xmlns:v="urn:schemas-microsoft-com:vml" Requires="v">
-                <p:oleObj spid="_x0000_s31755" name="Equation" r:id="rId6" imgW="939800" imgH="241300" progId="Equation.DSMT4">
+                <p:oleObj spid="_x0000_s31785" name="Equation" r:id="rId6" imgW="939800" imgH="241300" progId="Equation.DSMT4">
                   <p:embed/>
                 </p:oleObj>
               </mc:Choice>
@@ -34567,7 +36345,18 @@
   <p:clrMapOvr>
     <a:masterClrMapping/>
   </p:clrMapOvr>
-  <p:transition xmlns:p14="http://schemas.microsoft.com/office/powerpoint/2010/main"/>
+  <mc:AlternateContent xmlns:mc="http://schemas.openxmlformats.org/markup-compatibility/2006">
+    <mc:Choice xmlns:p14="http://schemas.microsoft.com/office/powerpoint/2010/main" Requires="p14">
+      <p:transition spd="med" p14:dur="700">
+        <p:fade/>
+      </p:transition>
+    </mc:Choice>
+    <mc:Fallback>
+      <p:transition xmlns:p14="http://schemas.microsoft.com/office/powerpoint/2010/main" spd="med">
+        <p:fade/>
+      </p:transition>
+    </mc:Fallback>
+  </mc:AlternateContent>
   <p:timing>
     <p:tnLst>
       <p:par>

--- a/fall11/slidesF11/slides7w.pptx
+++ b/fall11/slidesF11/slides7w.pptx
@@ -234,7 +234,7 @@
             <a:fld id="{7E67CB53-8D3C-47BE-A7FA-F662C961B657}" type="datetimeFigureOut">
               <a:rPr lang="en-US" smtClean="0"/>
               <a:pPr/>
-              <a:t>10/18/11</a:t>
+              <a:t>10/19/11</a:t>
             </a:fld>
             <a:endParaRPr lang="en-US"/>
           </a:p>
@@ -401,7 +401,7 @@
             <a:fld id="{EFF6E4C5-D825-46D1-9B47-4B12017997CB}" type="datetimeFigureOut">
               <a:rPr lang="en-US" smtClean="0"/>
               <a:pPr/>
-              <a:t>10/18/11</a:t>
+              <a:t>10/19/11</a:t>
             </a:fld>
             <a:endParaRPr lang="en-US"/>
           </a:p>
@@ -18013,7 +18013,7 @@
           <a:graphicData uri="http://schemas.openxmlformats.org/presentationml/2006/ole">
             <mc:AlternateContent xmlns:mc="http://schemas.openxmlformats.org/markup-compatibility/2006">
               <mc:Choice xmlns:v="urn:schemas-microsoft-com:vml" Requires="v">
-                <p:oleObj spid="_x0000_s103471" name="Equation" r:id="rId4" imgW="76200" imgH="165100" progId="Equation.DSMT4">
+                <p:oleObj spid="_x0000_s103476" name="Equation" r:id="rId4" imgW="76200" imgH="165100" progId="Equation.DSMT4">
                   <p:embed/>
                 </p:oleObj>
               </mc:Choice>
@@ -18083,7 +18083,7 @@
           <a:graphicData uri="http://schemas.openxmlformats.org/presentationml/2006/ole">
             <mc:AlternateContent xmlns:mc="http://schemas.openxmlformats.org/markup-compatibility/2006">
               <mc:Choice xmlns:v="urn:schemas-microsoft-com:vml" Requires="v">
-                <p:oleObj spid="_x0000_s103472" name="Equation" r:id="rId6" imgW="76200" imgH="165100" progId="Equation.DSMT4">
+                <p:oleObj spid="_x0000_s103477" name="Equation" r:id="rId6" imgW="76200" imgH="165100" progId="Equation.DSMT4">
                   <p:embed/>
                 </p:oleObj>
               </mc:Choice>
@@ -18752,7 +18752,7 @@
             <a:graphicData uri="http://schemas.openxmlformats.org/presentationml/2006/ole">
               <mc:AlternateContent xmlns:mc="http://schemas.openxmlformats.org/markup-compatibility/2006">
                 <mc:Choice xmlns:v="urn:schemas-microsoft-com:vml" Requires="v">
-                  <p:oleObj spid="_x0000_s1039" name="Equation" r:id="rId4" imgW="215900" imgH="990600" progId="Equation.DSMT4">
+                  <p:oleObj spid="_x0000_s1042" name="Equation" r:id="rId4" imgW="215900" imgH="990600" progId="Equation.DSMT4">
                     <p:embed/>
                   </p:oleObj>
                 </mc:Choice>
@@ -21962,13 +21962,13 @@
   <p:clrMapOvr>
     <a:masterClrMapping/>
   </p:clrMapOvr>
-  <mc:AlternateContent xmlns:mc="http://schemas.openxmlformats.org/markup-compatibility/2006">
-    <mc:Choice xmlns:p14="http://schemas.microsoft.com/office/powerpoint/2010/main" Requires="p14">
+  <mc:AlternateContent xmlns:mc="http://schemas.openxmlformats.org/markup-compatibility/2006" xmlns:p14="http://schemas.microsoft.com/office/powerpoint/2010/main">
+    <mc:Choice Requires="p14">
       <p:transition spd="med" p14:dur="700">
         <p:fade/>
       </p:transition>
     </mc:Choice>
-    <mc:Fallback>
+    <mc:Fallback xmlns="">
       <p:transition xmlns:p14="http://schemas.microsoft.com/office/powerpoint/2010/main" spd="med">
         <p:fade/>
       </p:transition>
@@ -26472,13 +26472,13 @@
   <p:clrMapOvr>
     <a:masterClrMapping/>
   </p:clrMapOvr>
-  <mc:AlternateContent xmlns:mc="http://schemas.openxmlformats.org/markup-compatibility/2006">
-    <mc:Choice xmlns:p14="http://schemas.microsoft.com/office/powerpoint/2010/main" Requires="p14">
+  <mc:AlternateContent xmlns:mc="http://schemas.openxmlformats.org/markup-compatibility/2006" xmlns:p14="http://schemas.microsoft.com/office/powerpoint/2010/main">
+    <mc:Choice Requires="p14">
       <p:transition spd="med" p14:dur="600">
         <p:fade thruBlk="1"/>
       </p:transition>
     </mc:Choice>
-    <mc:Fallback>
+    <mc:Fallback xmlns="">
       <p:transition xmlns:p14="http://schemas.microsoft.com/office/powerpoint/2010/main" spd="med">
         <p:fade thruBlk="1"/>
       </p:transition>
@@ -27053,13 +27053,13 @@
   <p:clrMapOvr>
     <a:masterClrMapping/>
   </p:clrMapOvr>
-  <mc:AlternateContent xmlns:mc="http://schemas.openxmlformats.org/markup-compatibility/2006">
-    <mc:Choice xmlns:p14="http://schemas.microsoft.com/office/powerpoint/2010/main" Requires="p14">
+  <mc:AlternateContent xmlns:mc="http://schemas.openxmlformats.org/markup-compatibility/2006" xmlns:p14="http://schemas.microsoft.com/office/powerpoint/2010/main">
+    <mc:Choice Requires="p14">
       <p:transition spd="med" p14:dur="700">
         <p:fade thruBlk="1"/>
       </p:transition>
     </mc:Choice>
-    <mc:Fallback>
+    <mc:Fallback xmlns="">
       <p:transition xmlns:p14="http://schemas.microsoft.com/office/powerpoint/2010/main" spd="med">
         <p:fade thruBlk="1"/>
       </p:transition>
@@ -27496,9 +27496,6 @@
               </a:rPr>
               <a:t> </a:t>
             </a:r>
-            <a:endParaRPr lang="en-US" sz="5400" dirty="0" smtClean="0">
-              <a:latin typeface="Comic Sans MS" pitchFamily="66" charset="0"/>
-            </a:endParaRPr>
           </a:p>
           <a:p>
             <a:pPr marL="742950" indent="-285750"/>
@@ -27521,13 +27518,7 @@
               <a:rPr lang="en-US" sz="5400" dirty="0" smtClean="0">
                 <a:latin typeface="Comic Sans MS" pitchFamily="66" charset="0"/>
               </a:rPr>
-              <a:t> </a:t>
-            </a:r>
-            <a:r>
-              <a:rPr lang="en-US" sz="5400" dirty="0" smtClean="0">
-                <a:latin typeface="Comic Sans MS" pitchFamily="66" charset="0"/>
-              </a:rPr>
-              <a:t>to </a:t>
+              <a:t> to </a:t>
             </a:r>
             <a:r>
               <a:rPr lang="en-US" sz="5400" dirty="0" smtClean="0">
@@ -27560,19 +27551,7 @@
               <a:rPr lang="en-US" sz="5400" dirty="0" smtClean="0">
                 <a:latin typeface="Comic Sans MS" pitchFamily="66" charset="0"/>
               </a:rPr>
-              <a:t> </a:t>
-            </a:r>
-            <a:r>
-              <a:rPr lang="en-US" sz="5400" dirty="0" smtClean="0">
-                <a:latin typeface="Comic Sans MS" pitchFamily="66" charset="0"/>
-              </a:rPr>
-              <a:t>is </a:t>
-            </a:r>
-            <a:r>
-              <a:rPr lang="en-US" sz="5400" dirty="0" smtClean="0">
-                <a:latin typeface="Comic Sans MS" pitchFamily="66" charset="0"/>
-              </a:rPr>
-              <a:t>“indirect </a:t>
+              <a:t> is “indirect </a:t>
             </a:r>
             <a:r>
               <a:rPr lang="en-US" sz="5400" dirty="0" err="1" smtClean="0">
@@ -27595,12 +27574,6 @@
               </a:rPr>
               <a:t>v</a:t>
             </a:r>
-            <a:endParaRPr lang="en-US" sz="5400" dirty="0" smtClean="0">
-              <a:solidFill>
-                <a:srgbClr val="0000FF"/>
-              </a:solidFill>
-              <a:latin typeface="Comic Sans MS" pitchFamily="66" charset="0"/>
-            </a:endParaRPr>
           </a:p>
         </p:txBody>
       </p:sp>
@@ -28194,11 +28167,7 @@
             </a:pPr>
             <a:r>
               <a:rPr lang="en-US" sz="5400" dirty="0" smtClean="0"/>
-              <a:t>we saw 3 </a:t>
-            </a:r>
-            <a:r>
-              <a:rPr lang="en-US" sz="5400" dirty="0" smtClean="0"/>
-              <a:t>processors</a:t>
+              <a:t>we saw 3 processors</a:t>
             </a:r>
           </a:p>
           <a:p>
@@ -28674,7 +28643,7 @@
           <a:graphicData uri="http://schemas.openxmlformats.org/presentationml/2006/ole">
             <mc:AlternateContent xmlns:mc="http://schemas.openxmlformats.org/markup-compatibility/2006">
               <mc:Choice xmlns:v="urn:schemas-microsoft-com:vml" Requires="v">
-                <p:oleObj spid="_x0000_s80919" name="Equation" r:id="rId4" imgW="850900" imgH="355600" progId="Equation.DSMT4">
+                <p:oleObj spid="_x0000_s80922" name="Equation" r:id="rId4" imgW="850900" imgH="355600" progId="Equation.DSMT4">
                   <p:embed/>
                 </p:oleObj>
               </mc:Choice>
@@ -29122,7 +29091,7 @@
           <a:graphicData uri="http://schemas.openxmlformats.org/presentationml/2006/ole">
             <mc:AlternateContent xmlns:mc="http://schemas.openxmlformats.org/markup-compatibility/2006">
               <mc:Choice xmlns:v="urn:schemas-microsoft-com:vml" Requires="v">
-                <p:oleObj spid="_x0000_s55357" name="Equation" r:id="rId4" imgW="215900" imgH="1270000" progId="Equation.DSMT4">
+                <p:oleObj spid="_x0000_s55364" name="Equation" r:id="rId4" imgW="215900" imgH="1270000" progId="Equation.DSMT4">
                   <p:embed/>
                 </p:oleObj>
               </mc:Choice>
@@ -29457,7 +29426,7 @@
           <a:graphicData uri="http://schemas.openxmlformats.org/presentationml/2006/ole">
             <mc:AlternateContent xmlns:mc="http://schemas.openxmlformats.org/markup-compatibility/2006">
               <mc:Choice xmlns:v="urn:schemas-microsoft-com:vml" Requires="v">
-                <p:oleObj spid="_x0000_s55358" name="Equation" r:id="rId6" imgW="533400" imgH="596900" progId="Equation.DSMT4">
+                <p:oleObj spid="_x0000_s55365" name="Equation" r:id="rId6" imgW="533400" imgH="596900" progId="Equation.DSMT4">
                   <p:embed/>
                 </p:oleObj>
               </mc:Choice>
@@ -29521,7 +29490,7 @@
           <a:graphicData uri="http://schemas.openxmlformats.org/presentationml/2006/ole">
             <mc:AlternateContent xmlns:mc="http://schemas.openxmlformats.org/markup-compatibility/2006">
               <mc:Choice xmlns:v="urn:schemas-microsoft-com:vml" Requires="v">
-                <p:oleObj spid="_x0000_s55359" name="Equation" r:id="rId8" imgW="546100" imgH="177800" progId="Equation.DSMT4">
+                <p:oleObj spid="_x0000_s55366" name="Equation" r:id="rId8" imgW="546100" imgH="177800" progId="Equation.DSMT4">
                   <p:embed/>
                 </p:oleObj>
               </mc:Choice>
@@ -30368,11 +30337,7 @@
             </a:r>
             <a:r>
               <a:rPr lang="en-US" sz="4800" dirty="0" smtClean="0"/>
-              <a:t>DAG </a:t>
-            </a:r>
-            <a:r>
-              <a:rPr lang="en-US" sz="4800" dirty="0" smtClean="0"/>
-              <a:t>has</a:t>
+              <a:t>DAG has</a:t>
             </a:r>
           </a:p>
           <a:p>
@@ -30406,7 +30371,7 @@
                 <a:cs typeface="Symbol" charset="2"/>
                 <a:sym typeface="Euclid Symbol"/>
               </a:rPr>
-              <a:t>&gt;</a:t>
+              <a:t>&gt;        </a:t>
             </a:r>
             <a:r>
               <a:rPr lang="en-US" sz="4800" dirty="0" smtClean="0"/>
@@ -30593,7 +30558,7 @@
           <a:graphicData uri="http://schemas.openxmlformats.org/presentationml/2006/ole">
             <mc:AlternateContent xmlns:mc="http://schemas.openxmlformats.org/markup-compatibility/2006">
               <mc:Choice xmlns:v="urn:schemas-microsoft-com:vml" Requires="v">
-                <p:oleObj spid="_x0000_s107545" name="Equation" r:id="rId4" imgW="266400" imgH="939600" progId="Equation.DSMT4">
+                <p:oleObj spid="_x0000_s107548" name="Equation" r:id="rId4" imgW="266400" imgH="939600" progId="Equation.DSMT4">
                   <p:embed/>
                 </p:oleObj>
               </mc:Choice>
@@ -30920,11 +30885,7 @@
             </a:r>
             <a:r>
               <a:rPr lang="en-US" sz="4800" dirty="0" smtClean="0"/>
-              <a:t>DAG </a:t>
-            </a:r>
-            <a:r>
-              <a:rPr lang="en-US" sz="4800" dirty="0" smtClean="0"/>
-              <a:t>has</a:t>
+              <a:t>DAG has</a:t>
             </a:r>
           </a:p>
           <a:p>
@@ -31070,7 +31031,7 @@
           <a:graphicData uri="http://schemas.openxmlformats.org/presentationml/2006/ole">
             <mc:AlternateContent xmlns:mc="http://schemas.openxmlformats.org/markup-compatibility/2006">
               <mc:Choice xmlns:v="urn:schemas-microsoft-com:vml" Requires="v">
-                <p:oleObj spid="_x0000_s110606" name="Equation" r:id="rId4" imgW="241300" imgH="279400" progId="Equation.DSMT4">
+                <p:oleObj spid="_x0000_s110611" name="Equation" r:id="rId4" imgW="241300" imgH="279400" progId="Equation.DSMT4">
                   <p:embed/>
                 </p:oleObj>
               </mc:Choice>
@@ -31127,7 +31088,7 @@
           <a:graphicData uri="http://schemas.openxmlformats.org/presentationml/2006/ole">
             <mc:AlternateContent xmlns:mc="http://schemas.openxmlformats.org/markup-compatibility/2006">
               <mc:Choice xmlns:v="urn:schemas-microsoft-com:vml" Requires="v">
-                <p:oleObj spid="_x0000_s110607" name="Equation" r:id="rId6" imgW="241300" imgH="279400" progId="Equation.DSMT4">
+                <p:oleObj spid="_x0000_s110612" name="Equation" r:id="rId6" imgW="241300" imgH="279400" progId="Equation.DSMT4">
                   <p:embed/>
                 </p:oleObj>
               </mc:Choice>
@@ -31700,13 +31661,13 @@
   <p:clrMapOvr>
     <a:masterClrMapping/>
   </p:clrMapOvr>
-  <mc:AlternateContent xmlns:mc="http://schemas.openxmlformats.org/markup-compatibility/2006">
-    <mc:Choice xmlns:p14="http://schemas.microsoft.com/office/powerpoint/2010/main" Requires="p14">
+  <mc:AlternateContent xmlns:mc="http://schemas.openxmlformats.org/markup-compatibility/2006" xmlns:p14="http://schemas.microsoft.com/office/powerpoint/2010/main">
+    <mc:Choice Requires="p14">
       <p:transition spd="med" p14:dur="700">
         <p:fade/>
       </p:transition>
     </mc:Choice>
-    <mc:Fallback>
+    <mc:Fallback xmlns="">
       <p:transition xmlns:p14="http://schemas.microsoft.com/office/powerpoint/2010/main" spd="med">
         <p:fade/>
       </p:transition>
@@ -32101,7 +32062,7 @@
           <a:graphicData uri="http://schemas.openxmlformats.org/presentationml/2006/ole">
             <mc:AlternateContent xmlns:mc="http://schemas.openxmlformats.org/markup-compatibility/2006">
               <mc:Choice xmlns:v="urn:schemas-microsoft-com:vml" Requires="v">
-                <p:oleObj spid="_x0000_s111620" name="Equation" r:id="rId3" imgW="838200" imgH="406400" progId="Equation.DSMT4">
+                <p:oleObj spid="_x0000_s111623" name="Equation" r:id="rId3" imgW="838200" imgH="406400" progId="Equation.DSMT4">
                   <p:embed/>
                 </p:oleObj>
               </mc:Choice>
@@ -32146,13 +32107,13 @@
   <p:clrMapOvr>
     <a:masterClrMapping/>
   </p:clrMapOvr>
-  <mc:AlternateContent xmlns:mc="http://schemas.openxmlformats.org/markup-compatibility/2006">
-    <mc:Choice xmlns:p14="http://schemas.microsoft.com/office/powerpoint/2010/main" Requires="p14">
+  <mc:AlternateContent xmlns:mc="http://schemas.openxmlformats.org/markup-compatibility/2006" xmlns:p14="http://schemas.microsoft.com/office/powerpoint/2010/main">
+    <mc:Choice Requires="p14">
       <p:transition spd="med" p14:dur="700">
         <p:fade/>
       </p:transition>
     </mc:Choice>
-    <mc:Fallback>
+    <mc:Fallback xmlns="">
       <p:transition xmlns:p14="http://schemas.microsoft.com/office/powerpoint/2010/main" spd="med">
         <p:fade/>
       </p:transition>
@@ -34999,7 +34960,7 @@
           <a:graphicData uri="http://schemas.openxmlformats.org/presentationml/2006/ole">
             <mc:AlternateContent xmlns:mc="http://schemas.openxmlformats.org/markup-compatibility/2006">
               <mc:Choice xmlns:v="urn:schemas-microsoft-com:vml" Requires="v">
-                <p:oleObj spid="_x0000_s31784" name="Equation" r:id="rId4" imgW="1320800" imgH="241300" progId="Equation.DSMT4">
+                <p:oleObj spid="_x0000_s31789" name="Equation" r:id="rId4" imgW="1320800" imgH="241300" progId="Equation.DSMT4">
                   <p:embed/>
                 </p:oleObj>
               </mc:Choice>
@@ -35149,7 +35110,7 @@
           <a:graphicData uri="http://schemas.openxmlformats.org/presentationml/2006/ole">
             <mc:AlternateContent xmlns:mc="http://schemas.openxmlformats.org/markup-compatibility/2006">
               <mc:Choice xmlns:v="urn:schemas-microsoft-com:vml" Requires="v">
-                <p:oleObj spid="_x0000_s31785" name="Equation" r:id="rId6" imgW="939800" imgH="241300" progId="Equation.DSMT4">
+                <p:oleObj spid="_x0000_s31790" name="Equation" r:id="rId6" imgW="939800" imgH="241300" progId="Equation.DSMT4">
                   <p:embed/>
                 </p:oleObj>
               </mc:Choice>
@@ -36345,13 +36306,13 @@
   <p:clrMapOvr>
     <a:masterClrMapping/>
   </p:clrMapOvr>
-  <mc:AlternateContent xmlns:mc="http://schemas.openxmlformats.org/markup-compatibility/2006">
-    <mc:Choice xmlns:p14="http://schemas.microsoft.com/office/powerpoint/2010/main" Requires="p14">
+  <mc:AlternateContent xmlns:mc="http://schemas.openxmlformats.org/markup-compatibility/2006" xmlns:p14="http://schemas.microsoft.com/office/powerpoint/2010/main">
+    <mc:Choice Requires="p14">
       <p:transition spd="med" p14:dur="700">
         <p:fade/>
       </p:transition>
     </mc:Choice>
-    <mc:Fallback>
+    <mc:Fallback xmlns="">
       <p:transition xmlns:p14="http://schemas.microsoft.com/office/powerpoint/2010/main" spd="med">
         <p:fade/>
       </p:transition>
